--- a/lectures/CC-05-Trees-Hash.pptx
+++ b/lectures/CC-05-Trees-Hash.pptx
@@ -6,8 +6,8 @@
   </p:sldMasterIdLst>
   <p:sldIdLst>
     <p:sldId id="256" r:id="rId2"/>
-    <p:sldId id="287" r:id="rId3"/>
-    <p:sldId id="288" r:id="rId4"/>
+    <p:sldId id="288" r:id="rId3"/>
+    <p:sldId id="287" r:id="rId4"/>
   </p:sldIdLst>
   <p:sldSz cx="12192000" cy="6858000"/>
   <p:notesSz cx="6858000" cy="9144000"/>
@@ -261,7 +261,7 @@
           <a:p>
             <a:fld id="{D5D8E255-8371-B349-B2F5-F8C6C9FF431B}" type="datetimeFigureOut">
               <a:rPr lang="en-US" smtClean="0"/>
-              <a:t>4/6/23</a:t>
+              <a:t>4/9/23</a:t>
             </a:fld>
             <a:endParaRPr lang="en-US"/>
           </a:p>
@@ -459,7 +459,7 @@
           <a:p>
             <a:fld id="{D5D8E255-8371-B349-B2F5-F8C6C9FF431B}" type="datetimeFigureOut">
               <a:rPr lang="en-US" smtClean="0"/>
-              <a:t>4/6/23</a:t>
+              <a:t>4/9/23</a:t>
             </a:fld>
             <a:endParaRPr lang="en-US"/>
           </a:p>
@@ -667,7 +667,7 @@
           <a:p>
             <a:fld id="{D5D8E255-8371-B349-B2F5-F8C6C9FF431B}" type="datetimeFigureOut">
               <a:rPr lang="en-US" smtClean="0"/>
-              <a:t>4/6/23</a:t>
+              <a:t>4/9/23</a:t>
             </a:fld>
             <a:endParaRPr lang="en-US"/>
           </a:p>
@@ -865,7 +865,7 @@
           <a:p>
             <a:fld id="{D5D8E255-8371-B349-B2F5-F8C6C9FF431B}" type="datetimeFigureOut">
               <a:rPr lang="en-US" smtClean="0"/>
-              <a:t>4/6/23</a:t>
+              <a:t>4/9/23</a:t>
             </a:fld>
             <a:endParaRPr lang="en-US"/>
           </a:p>
@@ -1140,7 +1140,7 @@
           <a:p>
             <a:fld id="{D5D8E255-8371-B349-B2F5-F8C6C9FF431B}" type="datetimeFigureOut">
               <a:rPr lang="en-US" smtClean="0"/>
-              <a:t>4/6/23</a:t>
+              <a:t>4/9/23</a:t>
             </a:fld>
             <a:endParaRPr lang="en-US"/>
           </a:p>
@@ -1405,7 +1405,7 @@
           <a:p>
             <a:fld id="{D5D8E255-8371-B349-B2F5-F8C6C9FF431B}" type="datetimeFigureOut">
               <a:rPr lang="en-US" smtClean="0"/>
-              <a:t>4/6/23</a:t>
+              <a:t>4/9/23</a:t>
             </a:fld>
             <a:endParaRPr lang="en-US"/>
           </a:p>
@@ -1817,7 +1817,7 @@
           <a:p>
             <a:fld id="{D5D8E255-8371-B349-B2F5-F8C6C9FF431B}" type="datetimeFigureOut">
               <a:rPr lang="en-US" smtClean="0"/>
-              <a:t>4/6/23</a:t>
+              <a:t>4/9/23</a:t>
             </a:fld>
             <a:endParaRPr lang="en-US"/>
           </a:p>
@@ -1958,7 +1958,7 @@
           <a:p>
             <a:fld id="{D5D8E255-8371-B349-B2F5-F8C6C9FF431B}" type="datetimeFigureOut">
               <a:rPr lang="en-US" smtClean="0"/>
-              <a:t>4/6/23</a:t>
+              <a:t>4/9/23</a:t>
             </a:fld>
             <a:endParaRPr lang="en-US"/>
           </a:p>
@@ -2071,7 +2071,7 @@
           <a:p>
             <a:fld id="{D5D8E255-8371-B349-B2F5-F8C6C9FF431B}" type="datetimeFigureOut">
               <a:rPr lang="en-US" smtClean="0"/>
-              <a:t>4/6/23</a:t>
+              <a:t>4/9/23</a:t>
             </a:fld>
             <a:endParaRPr lang="en-US"/>
           </a:p>
@@ -2382,7 +2382,7 @@
           <a:p>
             <a:fld id="{D5D8E255-8371-B349-B2F5-F8C6C9FF431B}" type="datetimeFigureOut">
               <a:rPr lang="en-US" smtClean="0"/>
-              <a:t>4/6/23</a:t>
+              <a:t>4/9/23</a:t>
             </a:fld>
             <a:endParaRPr lang="en-US"/>
           </a:p>
@@ -2670,7 +2670,7 @@
           <a:p>
             <a:fld id="{D5D8E255-8371-B349-B2F5-F8C6C9FF431B}" type="datetimeFigureOut">
               <a:rPr lang="en-US" smtClean="0"/>
-              <a:t>4/6/23</a:t>
+              <a:t>4/9/23</a:t>
             </a:fld>
             <a:endParaRPr lang="en-US"/>
           </a:p>
@@ -2911,7 +2911,7 @@
           <a:p>
             <a:fld id="{D5D8E255-8371-B349-B2F5-F8C6C9FF431B}" type="datetimeFigureOut">
               <a:rPr lang="en-US" smtClean="0"/>
-              <a:t>4/6/23</a:t>
+              <a:t>4/9/23</a:t>
             </a:fld>
             <a:endParaRPr lang="en-US"/>
           </a:p>
@@ -3444,7 +3444,7 @@
           <p:cNvPr id="2" name="Title 1">
             <a:extLst>
               <a:ext uri="{FF2B5EF4-FFF2-40B4-BE49-F238E27FC236}">
-                <a16:creationId xmlns:a16="http://schemas.microsoft.com/office/drawing/2014/main" id="{AF527238-F1A1-31AD-9629-746FE02E67A3}"/>
+                <a16:creationId xmlns:a16="http://schemas.microsoft.com/office/drawing/2014/main" id="{350717A4-9921-BFD6-1CCB-14D89585287F}"/>
               </a:ext>
             </a:extLst>
           </p:cNvPr>
@@ -3462,7 +3462,7 @@
           <a:p>
             <a:r>
               <a:rPr lang="en-US" dirty="0"/>
-              <a:t>TBD: Balanced Tree</a:t>
+              <a:t>TBD: Hash Map</a:t>
             </a:r>
           </a:p>
         </p:txBody>
@@ -3472,7 +3472,7 @@
           <p:cNvPr id="3" name="Text Placeholder 2">
             <a:extLst>
               <a:ext uri="{FF2B5EF4-FFF2-40B4-BE49-F238E27FC236}">
-                <a16:creationId xmlns:a16="http://schemas.microsoft.com/office/drawing/2014/main" id="{DDA23206-C253-8CEA-391D-261F2BE99EF0}"/>
+                <a16:creationId xmlns:a16="http://schemas.microsoft.com/office/drawing/2014/main" id="{4A9FFD7B-8E9C-AB62-1059-7657F502CA93}"/>
               </a:ext>
             </a:extLst>
           </p:cNvPr>
@@ -3495,7 +3495,7 @@
     </p:spTree>
     <p:extLst>
       <p:ext uri="{BB962C8B-B14F-4D97-AF65-F5344CB8AC3E}">
-        <p14:creationId xmlns:p14="http://schemas.microsoft.com/office/powerpoint/2010/main" val="2717174361"/>
+        <p14:creationId xmlns:p14="http://schemas.microsoft.com/office/powerpoint/2010/main" val="2334454038"/>
       </p:ext>
     </p:extLst>
   </p:cSld>
@@ -3527,7 +3527,7 @@
           <p:cNvPr id="2" name="Title 1">
             <a:extLst>
               <a:ext uri="{FF2B5EF4-FFF2-40B4-BE49-F238E27FC236}">
-                <a16:creationId xmlns:a16="http://schemas.microsoft.com/office/drawing/2014/main" id="{350717A4-9921-BFD6-1CCB-14D89585287F}"/>
+                <a16:creationId xmlns:a16="http://schemas.microsoft.com/office/drawing/2014/main" id="{AF527238-F1A1-31AD-9629-746FE02E67A3}"/>
               </a:ext>
             </a:extLst>
           </p:cNvPr>
@@ -3545,7 +3545,7 @@
           <a:p>
             <a:r>
               <a:rPr lang="en-US" dirty="0"/>
-              <a:t>TBD: Hash Map</a:t>
+              <a:t>TBD: Tree</a:t>
             </a:r>
           </a:p>
         </p:txBody>
@@ -3555,7 +3555,7 @@
           <p:cNvPr id="3" name="Text Placeholder 2">
             <a:extLst>
               <a:ext uri="{FF2B5EF4-FFF2-40B4-BE49-F238E27FC236}">
-                <a16:creationId xmlns:a16="http://schemas.microsoft.com/office/drawing/2014/main" id="{4A9FFD7B-8E9C-AB62-1059-7657F502CA93}"/>
+                <a16:creationId xmlns:a16="http://schemas.microsoft.com/office/drawing/2014/main" id="{DDA23206-C253-8CEA-391D-261F2BE99EF0}"/>
               </a:ext>
             </a:extLst>
           </p:cNvPr>
@@ -3578,7 +3578,7 @@
     </p:spTree>
     <p:extLst>
       <p:ext uri="{BB962C8B-B14F-4D97-AF65-F5344CB8AC3E}">
-        <p14:creationId xmlns:p14="http://schemas.microsoft.com/office/powerpoint/2010/main" val="2334454038"/>
+        <p14:creationId xmlns:p14="http://schemas.microsoft.com/office/powerpoint/2010/main" val="2717174361"/>
       </p:ext>
     </p:extLst>
   </p:cSld>

--- a/lectures/CC-05-Trees-Hash.pptx
+++ b/lectures/CC-05-Trees-Hash.pptx
@@ -6,8 +6,11 @@
   </p:sldMasterIdLst>
   <p:sldIdLst>
     <p:sldId id="256" r:id="rId2"/>
-    <p:sldId id="288" r:id="rId3"/>
-    <p:sldId id="287" r:id="rId4"/>
+    <p:sldId id="291" r:id="rId3"/>
+    <p:sldId id="289" r:id="rId4"/>
+    <p:sldId id="290" r:id="rId5"/>
+    <p:sldId id="288" r:id="rId6"/>
+    <p:sldId id="287" r:id="rId7"/>
   </p:sldIdLst>
   <p:sldSz cx="12192000" cy="6858000"/>
   <p:notesSz cx="6858000" cy="9144000"/>
@@ -3351,9 +3354,12 @@
           <a:p>
             <a:r>
               <a:rPr lang="en-US"/>
-              <a:t>Binary Trees and Hash Maps</a:t>
-            </a:r>
-            <a:endParaRPr lang="en-US" dirty="0"/>
+              <a:t>Tree Maps </a:t>
+            </a:r>
+            <a:r>
+              <a:rPr lang="en-US" dirty="0"/>
+              <a:t>and Hash Maps</a:t>
+            </a:r>
           </a:p>
         </p:txBody>
       </p:sp>
@@ -3444,6 +3450,811 @@
           <p:cNvPr id="2" name="Title 1">
             <a:extLst>
               <a:ext uri="{FF2B5EF4-FFF2-40B4-BE49-F238E27FC236}">
+                <a16:creationId xmlns:a16="http://schemas.microsoft.com/office/drawing/2014/main" id="{BF90D539-40B6-0353-D2DC-CF3A5D495E49}"/>
+              </a:ext>
+            </a:extLst>
+          </p:cNvPr>
+          <p:cNvSpPr>
+            <a:spLocks noGrp="1"/>
+          </p:cNvSpPr>
+          <p:nvPr>
+            <p:ph type="title"/>
+          </p:nvPr>
+        </p:nvSpPr>
+        <p:spPr>
+          <a:xfrm>
+            <a:off x="838200" y="365125"/>
+            <a:ext cx="5257800" cy="1325563"/>
+          </a:xfrm>
+        </p:spPr>
+        <p:txBody>
+          <a:bodyPr/>
+          <a:lstStyle/>
+          <a:p>
+            <a:r>
+              <a:rPr lang="en-US" dirty="0"/>
+              <a:t>“Stopping by Woods on a Snowy Evening”</a:t>
+            </a:r>
+          </a:p>
+        </p:txBody>
+      </p:sp>
+      <p:sp>
+        <p:nvSpPr>
+          <p:cNvPr id="5" name="TextBox 4">
+            <a:extLst>
+              <a:ext uri="{FF2B5EF4-FFF2-40B4-BE49-F238E27FC236}">
+                <a16:creationId xmlns:a16="http://schemas.microsoft.com/office/drawing/2014/main" id="{091570B3-BA99-897C-5C83-8D6AAB736867}"/>
+              </a:ext>
+            </a:extLst>
+          </p:cNvPr>
+          <p:cNvSpPr txBox="1"/>
+          <p:nvPr/>
+        </p:nvSpPr>
+        <p:spPr>
+          <a:xfrm>
+            <a:off x="962478" y="5809683"/>
+            <a:ext cx="5974441" cy="307777"/>
+          </a:xfrm>
+          <a:prstGeom prst="rect">
+            <a:avLst/>
+          </a:prstGeom>
+          <a:noFill/>
+        </p:spPr>
+        <p:txBody>
+          <a:bodyPr wrap="square">
+            <a:spAutoFit/>
+          </a:bodyPr>
+          <a:lstStyle/>
+          <a:p>
+            <a:r>
+              <a:rPr lang="en-US" sz="1400" dirty="0"/>
+              <a:t>https://</a:t>
+            </a:r>
+            <a:r>
+              <a:rPr lang="en-US" sz="1400" dirty="0" err="1"/>
+              <a:t>en.wikipedia.org</a:t>
+            </a:r>
+            <a:r>
+              <a:rPr lang="en-US" sz="1400" dirty="0"/>
+              <a:t>/wiki/</a:t>
+            </a:r>
+            <a:r>
+              <a:rPr lang="en-US" sz="1400"/>
+              <a:t>Stopping_by_Woods_on_a_Snowy_Evening</a:t>
+            </a:r>
+            <a:endParaRPr lang="en-US" sz="1400" dirty="0"/>
+          </a:p>
+        </p:txBody>
+      </p:sp>
+      <p:pic>
+        <p:nvPicPr>
+          <p:cNvPr id="7" name="Picture 6" descr="A Picture of Robert Frost taken around 1910, from Wikipedia.">
+            <a:extLst>
+              <a:ext uri="{FF2B5EF4-FFF2-40B4-BE49-F238E27FC236}">
+                <a16:creationId xmlns:a16="http://schemas.microsoft.com/office/drawing/2014/main" id="{248AF269-AB34-F3C9-3BBD-3B9E9803F110}"/>
+              </a:ext>
+            </a:extLst>
+          </p:cNvPr>
+          <p:cNvPicPr>
+            <a:picLocks noChangeAspect="1"/>
+          </p:cNvPicPr>
+          <p:nvPr/>
+        </p:nvPicPr>
+        <p:blipFill>
+          <a:blip r:embed="rId2"/>
+          <a:stretch>
+            <a:fillRect/>
+          </a:stretch>
+        </p:blipFill>
+        <p:spPr>
+          <a:xfrm>
+            <a:off x="2234108" y="2023552"/>
+            <a:ext cx="1987012" cy="2810895"/>
+          </a:xfrm>
+          <a:prstGeom prst="rect">
+            <a:avLst/>
+          </a:prstGeom>
+        </p:spPr>
+      </p:pic>
+      <p:sp>
+        <p:nvSpPr>
+          <p:cNvPr id="10" name="TextBox 9">
+            <a:extLst>
+              <a:ext uri="{FF2B5EF4-FFF2-40B4-BE49-F238E27FC236}">
+                <a16:creationId xmlns:a16="http://schemas.microsoft.com/office/drawing/2014/main" id="{087F4740-D7B1-132B-BE51-8AE92023F4CD}"/>
+              </a:ext>
+            </a:extLst>
+          </p:cNvPr>
+          <p:cNvSpPr txBox="1"/>
+          <p:nvPr/>
+        </p:nvSpPr>
+        <p:spPr>
+          <a:xfrm>
+            <a:off x="7272926" y="608259"/>
+            <a:ext cx="3956596" cy="5355312"/>
+          </a:xfrm>
+          <a:prstGeom prst="rect">
+            <a:avLst/>
+          </a:prstGeom>
+          <a:noFill/>
+        </p:spPr>
+        <p:txBody>
+          <a:bodyPr wrap="none" rtlCol="0">
+            <a:spAutoFit/>
+          </a:bodyPr>
+          <a:lstStyle/>
+          <a:p>
+            <a:r>
+              <a:rPr lang="en-US" dirty="0"/>
+              <a:t>Whose woods these are I think I know.   </a:t>
+            </a:r>
+          </a:p>
+          <a:p>
+            <a:r>
+              <a:rPr lang="en-US" dirty="0"/>
+              <a:t>His house is in the village though;   </a:t>
+            </a:r>
+          </a:p>
+          <a:p>
+            <a:r>
+              <a:rPr lang="en-US" dirty="0"/>
+              <a:t>He will not see me stopping here   </a:t>
+            </a:r>
+          </a:p>
+          <a:p>
+            <a:r>
+              <a:rPr lang="en-US" dirty="0"/>
+              <a:t>To watch his woods fill up with snow.   </a:t>
+            </a:r>
+          </a:p>
+          <a:p>
+            <a:endParaRPr lang="en-US" dirty="0"/>
+          </a:p>
+          <a:p>
+            <a:r>
+              <a:rPr lang="en-US" dirty="0"/>
+              <a:t>My little horse must think it queer   </a:t>
+            </a:r>
+          </a:p>
+          <a:p>
+            <a:r>
+              <a:rPr lang="en-US" dirty="0"/>
+              <a:t>To stop without a farmhouse near   </a:t>
+            </a:r>
+          </a:p>
+          <a:p>
+            <a:r>
+              <a:rPr lang="en-US" dirty="0"/>
+              <a:t>Between the woods and frozen lake   </a:t>
+            </a:r>
+          </a:p>
+          <a:p>
+            <a:r>
+              <a:rPr lang="en-US" dirty="0"/>
+              <a:t>The darkest evening of the year.   </a:t>
+            </a:r>
+          </a:p>
+          <a:p>
+            <a:endParaRPr lang="en-US" dirty="0"/>
+          </a:p>
+          <a:p>
+            <a:r>
+              <a:rPr lang="en-US" dirty="0"/>
+              <a:t>He gives his harness bells a shake   </a:t>
+            </a:r>
+          </a:p>
+          <a:p>
+            <a:r>
+              <a:rPr lang="en-US" dirty="0"/>
+              <a:t>To ask if there is some mistake.   </a:t>
+            </a:r>
+          </a:p>
+          <a:p>
+            <a:r>
+              <a:rPr lang="en-US" dirty="0"/>
+              <a:t>The only other sound’s the sweep   </a:t>
+            </a:r>
+          </a:p>
+          <a:p>
+            <a:r>
+              <a:rPr lang="en-US" dirty="0"/>
+              <a:t>Of easy wind and downy flake.   </a:t>
+            </a:r>
+          </a:p>
+          <a:p>
+            <a:endParaRPr lang="en-US" dirty="0"/>
+          </a:p>
+          <a:p>
+            <a:r>
+              <a:rPr lang="en-US" dirty="0"/>
+              <a:t>The woods are lovely, dark and deep,   </a:t>
+            </a:r>
+          </a:p>
+          <a:p>
+            <a:r>
+              <a:rPr lang="en-US" dirty="0"/>
+              <a:t>But I have promises to keep,   </a:t>
+            </a:r>
+          </a:p>
+          <a:p>
+            <a:r>
+              <a:rPr lang="en-US" dirty="0"/>
+              <a:t>And miles to go before I sleep,   </a:t>
+            </a:r>
+          </a:p>
+          <a:p>
+            <a:r>
+              <a:rPr lang="en-US" dirty="0"/>
+              <a:t>And miles to go before I sleep.</a:t>
+            </a:r>
+          </a:p>
+        </p:txBody>
+      </p:sp>
+    </p:spTree>
+    <p:extLst>
+      <p:ext uri="{BB962C8B-B14F-4D97-AF65-F5344CB8AC3E}">
+        <p14:creationId xmlns:p14="http://schemas.microsoft.com/office/powerpoint/2010/main" val="2966333550"/>
+      </p:ext>
+    </p:extLst>
+  </p:cSld>
+  <p:clrMapOvr>
+    <a:masterClrMapping/>
+  </p:clrMapOvr>
+</p:sld>
+</file>
+
+<file path=ppt/slides/slide3.xml><?xml version="1.0" encoding="utf-8"?>
+<p:sld xmlns:a="http://schemas.openxmlformats.org/drawingml/2006/main" xmlns:r="http://schemas.openxmlformats.org/officeDocument/2006/relationships" xmlns:p="http://schemas.openxmlformats.org/presentationml/2006/main">
+  <p:cSld>
+    <p:spTree>
+      <p:nvGrpSpPr>
+        <p:cNvPr id="1" name=""/>
+        <p:cNvGrpSpPr/>
+        <p:nvPr/>
+      </p:nvGrpSpPr>
+      <p:grpSpPr>
+        <a:xfrm>
+          <a:off x="0" y="0"/>
+          <a:ext cx="0" cy="0"/>
+          <a:chOff x="0" y="0"/>
+          <a:chExt cx="0" cy="0"/>
+        </a:xfrm>
+      </p:grpSpPr>
+      <p:sp>
+        <p:nvSpPr>
+          <p:cNvPr id="2" name="Title 1">
+            <a:extLst>
+              <a:ext uri="{FF2B5EF4-FFF2-40B4-BE49-F238E27FC236}">
+                <a16:creationId xmlns:a16="http://schemas.microsoft.com/office/drawing/2014/main" id="{960CF327-8EC3-EF92-AAE7-71366ACAB2F4}"/>
+              </a:ext>
+            </a:extLst>
+          </p:cNvPr>
+          <p:cNvSpPr>
+            <a:spLocks noGrp="1"/>
+          </p:cNvSpPr>
+          <p:nvPr>
+            <p:ph type="title"/>
+          </p:nvPr>
+        </p:nvSpPr>
+        <p:spPr/>
+        <p:txBody>
+          <a:bodyPr/>
+          <a:lstStyle/>
+          <a:p>
+            <a:r>
+              <a:rPr lang="en-US" dirty="0"/>
+              <a:t>Key /Value Implementation Alternatives</a:t>
+            </a:r>
+          </a:p>
+        </p:txBody>
+      </p:sp>
+      <p:sp>
+        <p:nvSpPr>
+          <p:cNvPr id="3" name="Content Placeholder 2">
+            <a:extLst>
+              <a:ext uri="{FF2B5EF4-FFF2-40B4-BE49-F238E27FC236}">
+                <a16:creationId xmlns:a16="http://schemas.microsoft.com/office/drawing/2014/main" id="{0F186F31-2F14-F963-8C9D-067B2AC16A97}"/>
+              </a:ext>
+            </a:extLst>
+          </p:cNvPr>
+          <p:cNvSpPr>
+            <a:spLocks noGrp="1"/>
+          </p:cNvSpPr>
+          <p:nvPr>
+            <p:ph idx="1"/>
+          </p:nvPr>
+        </p:nvSpPr>
+        <p:spPr>
+          <a:xfrm>
+            <a:off x="838200" y="1825626"/>
+            <a:ext cx="10515600" cy="2150026"/>
+          </a:xfrm>
+        </p:spPr>
+        <p:txBody>
+          <a:bodyPr>
+            <a:normAutofit lnSpcReduction="10000"/>
+          </a:bodyPr>
+          <a:lstStyle/>
+          <a:p>
+            <a:r>
+              <a:rPr lang="en-US" dirty="0"/>
+              <a:t>We will build an unordered </a:t>
+            </a:r>
+            <a:r>
+              <a:rPr lang="en-US" dirty="0" err="1"/>
+              <a:t>java.util.HashMap</a:t>
+            </a:r>
+            <a:r>
+              <a:rPr lang="en-US" dirty="0"/>
+              <a:t> / Python 2 </a:t>
+            </a:r>
+            <a:r>
+              <a:rPr lang="en-US" dirty="0" err="1"/>
+              <a:t>dict</a:t>
+            </a:r>
+            <a:r>
+              <a:rPr lang="en-US" dirty="0"/>
+              <a:t>()</a:t>
+            </a:r>
+          </a:p>
+          <a:p>
+            <a:pPr lvl="1"/>
+            <a:r>
+              <a:rPr lang="en-US" dirty="0"/>
+              <a:t>Chapter 6.6</a:t>
+            </a:r>
+          </a:p>
+          <a:p>
+            <a:r>
+              <a:rPr lang="en-US" dirty="0"/>
+              <a:t>We will build a sorted </a:t>
+            </a:r>
+            <a:r>
+              <a:rPr lang="en-US" dirty="0" err="1"/>
+              <a:t>java.util.TreeMap</a:t>
+            </a:r>
+            <a:r>
+              <a:rPr lang="en-US" dirty="0"/>
+              <a:t> – plus an iterator</a:t>
+            </a:r>
+          </a:p>
+          <a:p>
+            <a:pPr lvl="1"/>
+            <a:r>
+              <a:rPr lang="en-US" dirty="0"/>
+              <a:t>Chapter 6.5 (Simultaneous Linked List + Tree)</a:t>
+            </a:r>
+          </a:p>
+          <a:p>
+            <a:pPr lvl="1"/>
+            <a:r>
+              <a:rPr lang="en-US" dirty="0"/>
+              <a:t>It would be named </a:t>
+            </a:r>
+            <a:r>
+              <a:rPr lang="en-US" dirty="0" err="1"/>
+              <a:t>java.util.LinkedTreeMap</a:t>
+            </a:r>
+            <a:r>
+              <a:rPr lang="en-US" dirty="0"/>
+              <a:t> if Java had such a thing </a:t>
+            </a:r>
+            <a:r>
+              <a:rPr lang="en-US" dirty="0">
+                <a:sym typeface="Wingdings" pitchFamily="2" charset="2"/>
+              </a:rPr>
+              <a:t></a:t>
+            </a:r>
+            <a:endParaRPr lang="en-US" dirty="0"/>
+          </a:p>
+        </p:txBody>
+      </p:sp>
+      <p:sp>
+        <p:nvSpPr>
+          <p:cNvPr id="4" name="TextBox 3">
+            <a:extLst>
+              <a:ext uri="{FF2B5EF4-FFF2-40B4-BE49-F238E27FC236}">
+                <a16:creationId xmlns:a16="http://schemas.microsoft.com/office/drawing/2014/main" id="{963D9D17-AC25-E8DC-2D74-E9E4DEA5E3E3}"/>
+              </a:ext>
+            </a:extLst>
+          </p:cNvPr>
+          <p:cNvSpPr txBox="1"/>
+          <p:nvPr/>
+        </p:nvSpPr>
+        <p:spPr>
+          <a:xfrm>
+            <a:off x="1162876" y="4116934"/>
+            <a:ext cx="2648033" cy="1200329"/>
+          </a:xfrm>
+          <a:prstGeom prst="rect">
+            <a:avLst/>
+          </a:prstGeom>
+          <a:noFill/>
+        </p:spPr>
+        <p:txBody>
+          <a:bodyPr wrap="none" rtlCol="0">
+            <a:spAutoFit/>
+          </a:bodyPr>
+          <a:lstStyle/>
+          <a:p>
+            <a:r>
+              <a:rPr lang="en-US" b="1" dirty="0"/>
+              <a:t>Python</a:t>
+            </a:r>
+          </a:p>
+          <a:p>
+            <a:endParaRPr lang="en-US" dirty="0"/>
+          </a:p>
+          <a:p>
+            <a:r>
+              <a:rPr lang="en-US" dirty="0"/>
+              <a:t>Python 2 </a:t>
+            </a:r>
+            <a:r>
+              <a:rPr lang="en-US" dirty="0" err="1"/>
+              <a:t>dict</a:t>
+            </a:r>
+            <a:r>
+              <a:rPr lang="en-US" dirty="0"/>
+              <a:t>  - unordered</a:t>
+            </a:r>
+          </a:p>
+          <a:p>
+            <a:r>
+              <a:rPr lang="en-US" dirty="0"/>
+              <a:t>Python 3.1 - </a:t>
+            </a:r>
+            <a:r>
+              <a:rPr lang="en-US" dirty="0" err="1"/>
+              <a:t>OrderedDict</a:t>
+            </a:r>
+            <a:endParaRPr lang="en-US" dirty="0"/>
+          </a:p>
+        </p:txBody>
+      </p:sp>
+      <p:sp>
+        <p:nvSpPr>
+          <p:cNvPr id="5" name="TextBox 4">
+            <a:extLst>
+              <a:ext uri="{FF2B5EF4-FFF2-40B4-BE49-F238E27FC236}">
+                <a16:creationId xmlns:a16="http://schemas.microsoft.com/office/drawing/2014/main" id="{1463A8E7-615D-57B8-DD11-D3D55A2AFC33}"/>
+              </a:ext>
+            </a:extLst>
+          </p:cNvPr>
+          <p:cNvSpPr txBox="1"/>
+          <p:nvPr/>
+        </p:nvSpPr>
+        <p:spPr>
+          <a:xfrm>
+            <a:off x="8219332" y="4116934"/>
+            <a:ext cx="2809461" cy="2031325"/>
+          </a:xfrm>
+          <a:prstGeom prst="rect">
+            <a:avLst/>
+          </a:prstGeom>
+          <a:noFill/>
+        </p:spPr>
+        <p:txBody>
+          <a:bodyPr wrap="square" rtlCol="0">
+            <a:spAutoFit/>
+          </a:bodyPr>
+          <a:lstStyle/>
+          <a:p>
+            <a:r>
+              <a:rPr lang="en-US" b="1" dirty="0"/>
+              <a:t>Java</a:t>
+            </a:r>
+          </a:p>
+          <a:p>
+            <a:endParaRPr lang="en-US" dirty="0"/>
+          </a:p>
+          <a:p>
+            <a:r>
+              <a:rPr lang="en-US" dirty="0" err="1"/>
+              <a:t>java.util.HashMap</a:t>
+            </a:r>
+            <a:endParaRPr lang="en-US" dirty="0"/>
+          </a:p>
+          <a:p>
+            <a:r>
+              <a:rPr lang="en-US" dirty="0" err="1"/>
+              <a:t>java.util.TreeMap</a:t>
+            </a:r>
+            <a:r>
+              <a:rPr lang="en-US" dirty="0"/>
+              <a:t> (*)</a:t>
+            </a:r>
+          </a:p>
+          <a:p>
+            <a:r>
+              <a:rPr lang="en-US" dirty="0" err="1"/>
+              <a:t>java.util.LinkedHashMap</a:t>
+            </a:r>
+            <a:endParaRPr lang="en-US" dirty="0"/>
+          </a:p>
+          <a:p>
+            <a:endParaRPr lang="en-US" dirty="0"/>
+          </a:p>
+          <a:p>
+            <a:r>
+              <a:rPr lang="en-US" dirty="0"/>
+              <a:t>* No iterator</a:t>
+            </a:r>
+          </a:p>
+        </p:txBody>
+      </p:sp>
+      <p:sp>
+        <p:nvSpPr>
+          <p:cNvPr id="6" name="TextBox 5">
+            <a:extLst>
+              <a:ext uri="{FF2B5EF4-FFF2-40B4-BE49-F238E27FC236}">
+                <a16:creationId xmlns:a16="http://schemas.microsoft.com/office/drawing/2014/main" id="{444DF3EC-A2B8-3EF7-4CCC-1E9131AEBA76}"/>
+              </a:ext>
+            </a:extLst>
+          </p:cNvPr>
+          <p:cNvSpPr txBox="1"/>
+          <p:nvPr/>
+        </p:nvSpPr>
+        <p:spPr>
+          <a:xfrm>
+            <a:off x="4354830" y="4116934"/>
+            <a:ext cx="3270885" cy="1754326"/>
+          </a:xfrm>
+          <a:prstGeom prst="rect">
+            <a:avLst/>
+          </a:prstGeom>
+          <a:noFill/>
+        </p:spPr>
+        <p:txBody>
+          <a:bodyPr wrap="square" rtlCol="0">
+            <a:spAutoFit/>
+          </a:bodyPr>
+          <a:lstStyle/>
+          <a:p>
+            <a:r>
+              <a:rPr lang="en-US" b="1" dirty="0"/>
+              <a:t>C++ (capabilities of any map)</a:t>
+            </a:r>
+          </a:p>
+          <a:p>
+            <a:endParaRPr lang="en-US" dirty="0"/>
+          </a:p>
+          <a:p>
+            <a:r>
+              <a:rPr lang="en-US" dirty="0"/>
+              <a:t>Associative</a:t>
+            </a:r>
+          </a:p>
+          <a:p>
+            <a:r>
+              <a:rPr lang="en-US" dirty="0"/>
+              <a:t>Ordered</a:t>
+            </a:r>
+          </a:p>
+          <a:p>
+            <a:r>
+              <a:rPr lang="en-US" dirty="0"/>
+              <a:t>Unique Keys</a:t>
+            </a:r>
+          </a:p>
+          <a:p>
+            <a:r>
+              <a:rPr lang="en-US" dirty="0"/>
+              <a:t>Map (key / simple value)</a:t>
+            </a:r>
+          </a:p>
+        </p:txBody>
+      </p:sp>
+    </p:spTree>
+    <p:extLst>
+      <p:ext uri="{BB962C8B-B14F-4D97-AF65-F5344CB8AC3E}">
+        <p14:creationId xmlns:p14="http://schemas.microsoft.com/office/powerpoint/2010/main" val="3908200424"/>
+      </p:ext>
+    </p:extLst>
+  </p:cSld>
+  <p:clrMapOvr>
+    <a:masterClrMapping/>
+  </p:clrMapOvr>
+</p:sld>
+</file>
+
+<file path=ppt/slides/slide4.xml><?xml version="1.0" encoding="utf-8"?>
+<p:sld xmlns:a="http://schemas.openxmlformats.org/drawingml/2006/main" xmlns:r="http://schemas.openxmlformats.org/officeDocument/2006/relationships" xmlns:p="http://schemas.openxmlformats.org/presentationml/2006/main">
+  <p:cSld>
+    <p:bg>
+      <p:bgPr>
+        <a:solidFill>
+          <a:schemeClr val="bg1"/>
+        </a:solidFill>
+        <a:effectLst/>
+      </p:bgPr>
+    </p:bg>
+    <p:spTree>
+      <p:nvGrpSpPr>
+        <p:cNvPr id="1" name=""/>
+        <p:cNvGrpSpPr/>
+        <p:nvPr/>
+      </p:nvGrpSpPr>
+      <p:grpSpPr>
+        <a:xfrm>
+          <a:off x="0" y="0"/>
+          <a:ext cx="0" cy="0"/>
+          <a:chOff x="0" y="0"/>
+          <a:chExt cx="0" cy="0"/>
+        </a:xfrm>
+      </p:grpSpPr>
+      <p:sp>
+        <p:nvSpPr>
+          <p:cNvPr id="14" name="Down Arrow 7">
+            <a:extLst>
+              <a:ext uri="{FF2B5EF4-FFF2-40B4-BE49-F238E27FC236}">
+                <a16:creationId xmlns:a16="http://schemas.microsoft.com/office/drawing/2014/main" id="{D4771268-CB57-404A-9271-370EB28F6090}"/>
+              </a:ext>
+              <a:ext uri="{C183D7F6-B498-43B3-948B-1728B52AA6E4}">
+                <adec:decorative xmlns:adec="http://schemas.microsoft.com/office/drawing/2017/decorative" val="1"/>
+              </a:ext>
+            </a:extLst>
+          </p:cNvPr>
+          <p:cNvSpPr>
+            <a:spLocks noGrp="1" noRot="1" noChangeAspect="1" noMove="1" noResize="1" noEditPoints="1" noAdjustHandles="1" noChangeArrowheads="1" noChangeShapeType="1" noTextEdit="1"/>
+          </p:cNvSpPr>
+          <p:nvPr>
+            <p:extLst>
+              <p:ext uri="{386F3935-93C4-4BCD-93E2-E3B085C9AB24}">
+                <p16:designElem xmlns:p16="http://schemas.microsoft.com/office/powerpoint/2015/main" val="1"/>
+              </p:ext>
+            </p:extLst>
+          </p:nvPr>
+        </p:nvSpPr>
+        <p:spPr>
+          <a:xfrm rot="16200000">
+            <a:off x="800100" y="1491343"/>
+            <a:ext cx="3333749" cy="3499103"/>
+          </a:xfrm>
+          <a:prstGeom prst="downArrow">
+            <a:avLst>
+              <a:gd name="adj1" fmla="val 100000"/>
+              <a:gd name="adj2" fmla="val 15788"/>
+            </a:avLst>
+          </a:prstGeom>
+          <a:solidFill>
+            <a:srgbClr val="404040"/>
+          </a:solidFill>
+          <a:ln w="53975">
+            <a:noFill/>
+          </a:ln>
+        </p:spPr>
+        <p:style>
+          <a:lnRef idx="2">
+            <a:schemeClr val="accent1">
+              <a:shade val="50000"/>
+            </a:schemeClr>
+          </a:lnRef>
+          <a:fillRef idx="1">
+            <a:schemeClr val="accent1"/>
+          </a:fillRef>
+          <a:effectRef idx="0">
+            <a:schemeClr val="accent1"/>
+          </a:effectRef>
+          <a:fontRef idx="minor">
+            <a:schemeClr val="lt1"/>
+          </a:fontRef>
+        </p:style>
+        <p:txBody>
+          <a:bodyPr rtlCol="0" anchor="ctr"/>
+          <a:lstStyle/>
+          <a:p>
+            <a:pPr algn="ctr"/>
+            <a:endParaRPr lang="en-US"/>
+          </a:p>
+        </p:txBody>
+      </p:sp>
+      <p:sp>
+        <p:nvSpPr>
+          <p:cNvPr id="2" name="Title 1">
+            <a:extLst>
+              <a:ext uri="{FF2B5EF4-FFF2-40B4-BE49-F238E27FC236}">
+                <a16:creationId xmlns:a16="http://schemas.microsoft.com/office/drawing/2014/main" id="{DBF7649A-B69A-DF24-FFC7-50C6BF719901}"/>
+              </a:ext>
+            </a:extLst>
+          </p:cNvPr>
+          <p:cNvSpPr>
+            <a:spLocks noGrp="1"/>
+          </p:cNvSpPr>
+          <p:nvPr>
+            <p:ph type="title"/>
+          </p:nvPr>
+        </p:nvSpPr>
+        <p:spPr>
+          <a:xfrm>
+            <a:off x="1028700" y="1967266"/>
+            <a:ext cx="2628900" cy="2547257"/>
+          </a:xfrm>
+          <a:noFill/>
+        </p:spPr>
+        <p:txBody>
+          <a:bodyPr anchor="ctr">
+            <a:normAutofit/>
+          </a:bodyPr>
+          <a:lstStyle/>
+          <a:p>
+            <a:pPr algn="ctr"/>
+            <a:r>
+              <a:rPr lang="en-US" sz="3600">
+                <a:solidFill>
+                  <a:srgbClr val="FFFFFF"/>
+                </a:solidFill>
+              </a:rPr>
+              <a:t>Start with a good picture…</a:t>
+            </a:r>
+          </a:p>
+        </p:txBody>
+      </p:sp>
+      <p:pic>
+        <p:nvPicPr>
+          <p:cNvPr id="6" name="Picture 5" descr="Diagram&#10;&#10;Description automatically generated">
+            <a:extLst>
+              <a:ext uri="{FF2B5EF4-FFF2-40B4-BE49-F238E27FC236}">
+                <a16:creationId xmlns:a16="http://schemas.microsoft.com/office/drawing/2014/main" id="{0785CB74-E6DC-6DC1-C1CE-5B7BA18EB3A6}"/>
+              </a:ext>
+            </a:extLst>
+          </p:cNvPr>
+          <p:cNvPicPr>
+            <a:picLocks noChangeAspect="1"/>
+          </p:cNvPicPr>
+          <p:nvPr/>
+        </p:nvPicPr>
+        <p:blipFill>
+          <a:blip r:embed="rId2"/>
+          <a:stretch>
+            <a:fillRect/>
+          </a:stretch>
+        </p:blipFill>
+        <p:spPr>
+          <a:xfrm>
+            <a:off x="5289765" y="643466"/>
+            <a:ext cx="5755801" cy="5568739"/>
+          </a:xfrm>
+          <a:prstGeom prst="rect">
+            <a:avLst/>
+          </a:prstGeom>
+        </p:spPr>
+      </p:pic>
+    </p:spTree>
+    <p:extLst>
+      <p:ext uri="{BB962C8B-B14F-4D97-AF65-F5344CB8AC3E}">
+        <p14:creationId xmlns:p14="http://schemas.microsoft.com/office/powerpoint/2010/main" val="1813287222"/>
+      </p:ext>
+    </p:extLst>
+  </p:cSld>
+  <p:clrMapOvr>
+    <a:masterClrMapping/>
+  </p:clrMapOvr>
+</p:sld>
+</file>
+
+<file path=ppt/slides/slide5.xml><?xml version="1.0" encoding="utf-8"?>
+<p:sld xmlns:a="http://schemas.openxmlformats.org/drawingml/2006/main" xmlns:r="http://schemas.openxmlformats.org/officeDocument/2006/relationships" xmlns:p="http://schemas.openxmlformats.org/presentationml/2006/main">
+  <p:cSld>
+    <p:spTree>
+      <p:nvGrpSpPr>
+        <p:cNvPr id="1" name=""/>
+        <p:cNvGrpSpPr/>
+        <p:nvPr/>
+      </p:nvGrpSpPr>
+      <p:grpSpPr>
+        <a:xfrm>
+          <a:off x="0" y="0"/>
+          <a:ext cx="0" cy="0"/>
+          <a:chOff x="0" y="0"/>
+          <a:chExt cx="0" cy="0"/>
+        </a:xfrm>
+      </p:grpSpPr>
+      <p:sp>
+        <p:nvSpPr>
+          <p:cNvPr id="2" name="Title 1">
+            <a:extLst>
+              <a:ext uri="{FF2B5EF4-FFF2-40B4-BE49-F238E27FC236}">
                 <a16:creationId xmlns:a16="http://schemas.microsoft.com/office/drawing/2014/main" id="{350717A4-9921-BFD6-1CCB-14D89585287F}"/>
               </a:ext>
             </a:extLst>
@@ -3505,7 +4316,7 @@
 </p:sld>
 </file>
 
-<file path=ppt/slides/slide3.xml><?xml version="1.0" encoding="utf-8"?>
+<file path=ppt/slides/slide6.xml><?xml version="1.0" encoding="utf-8"?>
 <p:sld xmlns:a="http://schemas.openxmlformats.org/drawingml/2006/main" xmlns:r="http://schemas.openxmlformats.org/officeDocument/2006/relationships" xmlns:p="http://schemas.openxmlformats.org/presentationml/2006/main">
   <p:cSld>
     <p:spTree>

--- a/lectures/CC-05-Trees-Hash.pptx
+++ b/lectures/CC-05-Trees-Hash.pptx
@@ -4,13 +4,25 @@
   <p:sldMasterIdLst>
     <p:sldMasterId id="2147483648" r:id="rId1"/>
   </p:sldMasterIdLst>
+  <p:notesMasterIdLst>
+    <p:notesMasterId r:id="rId17"/>
+  </p:notesMasterIdLst>
   <p:sldIdLst>
     <p:sldId id="256" r:id="rId2"/>
     <p:sldId id="291" r:id="rId3"/>
     <p:sldId id="289" r:id="rId4"/>
     <p:sldId id="290" r:id="rId5"/>
     <p:sldId id="288" r:id="rId6"/>
-    <p:sldId id="287" r:id="rId7"/>
+    <p:sldId id="340" r:id="rId7"/>
+    <p:sldId id="338" r:id="rId8"/>
+    <p:sldId id="341" r:id="rId9"/>
+    <p:sldId id="342" r:id="rId10"/>
+    <p:sldId id="374" r:id="rId11"/>
+    <p:sldId id="375" r:id="rId12"/>
+    <p:sldId id="343" r:id="rId13"/>
+    <p:sldId id="287" r:id="rId14"/>
+    <p:sldId id="339" r:id="rId15"/>
+    <p:sldId id="292" r:id="rId16"/>
   </p:sldIdLst>
   <p:sldSz cx="12192000" cy="6858000"/>
   <p:notesSz cx="6858000" cy="9144000"/>
@@ -117,6 +129,636 @@
 </p:presentation>
 </file>
 
+<file path=ppt/notesMasters/notesMaster1.xml><?xml version="1.0" encoding="utf-8"?>
+<p:notesMaster xmlns:a="http://schemas.openxmlformats.org/drawingml/2006/main" xmlns:r="http://schemas.openxmlformats.org/officeDocument/2006/relationships" xmlns:p="http://schemas.openxmlformats.org/presentationml/2006/main">
+  <p:cSld>
+    <p:bg>
+      <p:bgRef idx="1001">
+        <a:schemeClr val="bg1"/>
+      </p:bgRef>
+    </p:bg>
+    <p:spTree>
+      <p:nvGrpSpPr>
+        <p:cNvPr id="1" name=""/>
+        <p:cNvGrpSpPr/>
+        <p:nvPr/>
+      </p:nvGrpSpPr>
+      <p:grpSpPr>
+        <a:xfrm>
+          <a:off x="0" y="0"/>
+          <a:ext cx="0" cy="0"/>
+          <a:chOff x="0" y="0"/>
+          <a:chExt cx="0" cy="0"/>
+        </a:xfrm>
+      </p:grpSpPr>
+      <p:sp>
+        <p:nvSpPr>
+          <p:cNvPr id="2" name="Header Placeholder 1"/>
+          <p:cNvSpPr>
+            <a:spLocks noGrp="1"/>
+          </p:cNvSpPr>
+          <p:nvPr>
+            <p:ph type="hdr" sz="quarter"/>
+          </p:nvPr>
+        </p:nvSpPr>
+        <p:spPr>
+          <a:xfrm>
+            <a:off x="0" y="0"/>
+            <a:ext cx="2971800" cy="458788"/>
+          </a:xfrm>
+          <a:prstGeom prst="rect">
+            <a:avLst/>
+          </a:prstGeom>
+        </p:spPr>
+        <p:txBody>
+          <a:bodyPr vert="horz" lIns="91440" tIns="45720" rIns="91440" bIns="45720" rtlCol="0"/>
+          <a:lstStyle>
+            <a:lvl1pPr algn="l">
+              <a:defRPr sz="1200"/>
+            </a:lvl1pPr>
+          </a:lstStyle>
+          <a:p>
+            <a:endParaRPr lang="en-US"/>
+          </a:p>
+        </p:txBody>
+      </p:sp>
+      <p:sp>
+        <p:nvSpPr>
+          <p:cNvPr id="3" name="Date Placeholder 2"/>
+          <p:cNvSpPr>
+            <a:spLocks noGrp="1"/>
+          </p:cNvSpPr>
+          <p:nvPr>
+            <p:ph type="dt" idx="1"/>
+          </p:nvPr>
+        </p:nvSpPr>
+        <p:spPr>
+          <a:xfrm>
+            <a:off x="3884613" y="0"/>
+            <a:ext cx="2971800" cy="458788"/>
+          </a:xfrm>
+          <a:prstGeom prst="rect">
+            <a:avLst/>
+          </a:prstGeom>
+        </p:spPr>
+        <p:txBody>
+          <a:bodyPr vert="horz" lIns="91440" tIns="45720" rIns="91440" bIns="45720" rtlCol="0"/>
+          <a:lstStyle>
+            <a:lvl1pPr algn="r">
+              <a:defRPr sz="1200"/>
+            </a:lvl1pPr>
+          </a:lstStyle>
+          <a:p>
+            <a:fld id="{2D84BA6B-06FD-D141-9DBC-4E6752C56D1C}" type="datetimeFigureOut">
+              <a:rPr lang="en-US" smtClean="0"/>
+              <a:t>4/11/23</a:t>
+            </a:fld>
+            <a:endParaRPr lang="en-US"/>
+          </a:p>
+        </p:txBody>
+      </p:sp>
+      <p:sp>
+        <p:nvSpPr>
+          <p:cNvPr id="4" name="Slide Image Placeholder 3"/>
+          <p:cNvSpPr>
+            <a:spLocks noGrp="1" noRot="1" noChangeAspect="1"/>
+          </p:cNvSpPr>
+          <p:nvPr>
+            <p:ph type="sldImg" idx="2"/>
+          </p:nvPr>
+        </p:nvSpPr>
+        <p:spPr>
+          <a:xfrm>
+            <a:off x="685800" y="1143000"/>
+            <a:ext cx="5486400" cy="3086100"/>
+          </a:xfrm>
+          <a:prstGeom prst="rect">
+            <a:avLst/>
+          </a:prstGeom>
+          <a:noFill/>
+          <a:ln w="12700">
+            <a:solidFill>
+              <a:prstClr val="black"/>
+            </a:solidFill>
+          </a:ln>
+        </p:spPr>
+        <p:txBody>
+          <a:bodyPr vert="horz" lIns="91440" tIns="45720" rIns="91440" bIns="45720" rtlCol="0" anchor="ctr"/>
+          <a:lstStyle/>
+          <a:p>
+            <a:endParaRPr lang="en-US"/>
+          </a:p>
+        </p:txBody>
+      </p:sp>
+      <p:sp>
+        <p:nvSpPr>
+          <p:cNvPr id="5" name="Notes Placeholder 4"/>
+          <p:cNvSpPr>
+            <a:spLocks noGrp="1"/>
+          </p:cNvSpPr>
+          <p:nvPr>
+            <p:ph type="body" sz="quarter" idx="3"/>
+          </p:nvPr>
+        </p:nvSpPr>
+        <p:spPr>
+          <a:xfrm>
+            <a:off x="685800" y="4400550"/>
+            <a:ext cx="5486400" cy="3600450"/>
+          </a:xfrm>
+          <a:prstGeom prst="rect">
+            <a:avLst/>
+          </a:prstGeom>
+        </p:spPr>
+        <p:txBody>
+          <a:bodyPr vert="horz" lIns="91440" tIns="45720" rIns="91440" bIns="45720" rtlCol="0"/>
+          <a:lstStyle/>
+          <a:p>
+            <a:pPr lvl="0"/>
+            <a:r>
+              <a:rPr lang="en-US"/>
+              <a:t>Click to edit Master text styles</a:t>
+            </a:r>
+          </a:p>
+          <a:p>
+            <a:pPr lvl="1"/>
+            <a:r>
+              <a:rPr lang="en-US"/>
+              <a:t>Second level</a:t>
+            </a:r>
+          </a:p>
+          <a:p>
+            <a:pPr lvl="2"/>
+            <a:r>
+              <a:rPr lang="en-US"/>
+              <a:t>Third level</a:t>
+            </a:r>
+          </a:p>
+          <a:p>
+            <a:pPr lvl="3"/>
+            <a:r>
+              <a:rPr lang="en-US"/>
+              <a:t>Fourth level</a:t>
+            </a:r>
+          </a:p>
+          <a:p>
+            <a:pPr lvl="4"/>
+            <a:r>
+              <a:rPr lang="en-US"/>
+              <a:t>Fifth level</a:t>
+            </a:r>
+          </a:p>
+        </p:txBody>
+      </p:sp>
+      <p:sp>
+        <p:nvSpPr>
+          <p:cNvPr id="6" name="Footer Placeholder 5"/>
+          <p:cNvSpPr>
+            <a:spLocks noGrp="1"/>
+          </p:cNvSpPr>
+          <p:nvPr>
+            <p:ph type="ftr" sz="quarter" idx="4"/>
+          </p:nvPr>
+        </p:nvSpPr>
+        <p:spPr>
+          <a:xfrm>
+            <a:off x="0" y="8685213"/>
+            <a:ext cx="2971800" cy="458787"/>
+          </a:xfrm>
+          <a:prstGeom prst="rect">
+            <a:avLst/>
+          </a:prstGeom>
+        </p:spPr>
+        <p:txBody>
+          <a:bodyPr vert="horz" lIns="91440" tIns="45720" rIns="91440" bIns="45720" rtlCol="0" anchor="b"/>
+          <a:lstStyle>
+            <a:lvl1pPr algn="l">
+              <a:defRPr sz="1200"/>
+            </a:lvl1pPr>
+          </a:lstStyle>
+          <a:p>
+            <a:endParaRPr lang="en-US"/>
+          </a:p>
+        </p:txBody>
+      </p:sp>
+      <p:sp>
+        <p:nvSpPr>
+          <p:cNvPr id="7" name="Slide Number Placeholder 6"/>
+          <p:cNvSpPr>
+            <a:spLocks noGrp="1"/>
+          </p:cNvSpPr>
+          <p:nvPr>
+            <p:ph type="sldNum" sz="quarter" idx="5"/>
+          </p:nvPr>
+        </p:nvSpPr>
+        <p:spPr>
+          <a:xfrm>
+            <a:off x="3884613" y="8685213"/>
+            <a:ext cx="2971800" cy="458787"/>
+          </a:xfrm>
+          <a:prstGeom prst="rect">
+            <a:avLst/>
+          </a:prstGeom>
+        </p:spPr>
+        <p:txBody>
+          <a:bodyPr vert="horz" lIns="91440" tIns="45720" rIns="91440" bIns="45720" rtlCol="0" anchor="b"/>
+          <a:lstStyle>
+            <a:lvl1pPr algn="r">
+              <a:defRPr sz="1200"/>
+            </a:lvl1pPr>
+          </a:lstStyle>
+          <a:p>
+            <a:fld id="{71BCB509-4546-8F48-B83D-D83BAC5A97E2}" type="slidenum">
+              <a:rPr lang="en-US" smtClean="0"/>
+              <a:t>‹#›</a:t>
+            </a:fld>
+            <a:endParaRPr lang="en-US"/>
+          </a:p>
+        </p:txBody>
+      </p:sp>
+    </p:spTree>
+    <p:extLst>
+      <p:ext uri="{BB962C8B-B14F-4D97-AF65-F5344CB8AC3E}">
+        <p14:creationId xmlns:p14="http://schemas.microsoft.com/office/powerpoint/2010/main" val="1271385511"/>
+      </p:ext>
+    </p:extLst>
+  </p:cSld>
+  <p:clrMap bg1="lt1" tx1="dk1" bg2="lt2" tx2="dk2" accent1="accent1" accent2="accent2" accent3="accent3" accent4="accent4" accent5="accent5" accent6="accent6" hlink="hlink" folHlink="folHlink"/>
+  <p:notesStyle>
+    <a:lvl1pPr marL="0" algn="l" defTabSz="914400" rtl="0" eaLnBrk="1" latinLnBrk="0" hangingPunct="1">
+      <a:defRPr sz="1200" kern="1200">
+        <a:solidFill>
+          <a:schemeClr val="tx1"/>
+        </a:solidFill>
+        <a:latin typeface="+mn-lt"/>
+        <a:ea typeface="+mn-ea"/>
+        <a:cs typeface="+mn-cs"/>
+      </a:defRPr>
+    </a:lvl1pPr>
+    <a:lvl2pPr marL="457200" algn="l" defTabSz="914400" rtl="0" eaLnBrk="1" latinLnBrk="0" hangingPunct="1">
+      <a:defRPr sz="1200" kern="1200">
+        <a:solidFill>
+          <a:schemeClr val="tx1"/>
+        </a:solidFill>
+        <a:latin typeface="+mn-lt"/>
+        <a:ea typeface="+mn-ea"/>
+        <a:cs typeface="+mn-cs"/>
+      </a:defRPr>
+    </a:lvl2pPr>
+    <a:lvl3pPr marL="914400" algn="l" defTabSz="914400" rtl="0" eaLnBrk="1" latinLnBrk="0" hangingPunct="1">
+      <a:defRPr sz="1200" kern="1200">
+        <a:solidFill>
+          <a:schemeClr val="tx1"/>
+        </a:solidFill>
+        <a:latin typeface="+mn-lt"/>
+        <a:ea typeface="+mn-ea"/>
+        <a:cs typeface="+mn-cs"/>
+      </a:defRPr>
+    </a:lvl3pPr>
+    <a:lvl4pPr marL="1371600" algn="l" defTabSz="914400" rtl="0" eaLnBrk="1" latinLnBrk="0" hangingPunct="1">
+      <a:defRPr sz="1200" kern="1200">
+        <a:solidFill>
+          <a:schemeClr val="tx1"/>
+        </a:solidFill>
+        <a:latin typeface="+mn-lt"/>
+        <a:ea typeface="+mn-ea"/>
+        <a:cs typeface="+mn-cs"/>
+      </a:defRPr>
+    </a:lvl4pPr>
+    <a:lvl5pPr marL="1828800" algn="l" defTabSz="914400" rtl="0" eaLnBrk="1" latinLnBrk="0" hangingPunct="1">
+      <a:defRPr sz="1200" kern="1200">
+        <a:solidFill>
+          <a:schemeClr val="tx1"/>
+        </a:solidFill>
+        <a:latin typeface="+mn-lt"/>
+        <a:ea typeface="+mn-ea"/>
+        <a:cs typeface="+mn-cs"/>
+      </a:defRPr>
+    </a:lvl5pPr>
+    <a:lvl6pPr marL="2286000" algn="l" defTabSz="914400" rtl="0" eaLnBrk="1" latinLnBrk="0" hangingPunct="1">
+      <a:defRPr sz="1200" kern="1200">
+        <a:solidFill>
+          <a:schemeClr val="tx1"/>
+        </a:solidFill>
+        <a:latin typeface="+mn-lt"/>
+        <a:ea typeface="+mn-ea"/>
+        <a:cs typeface="+mn-cs"/>
+      </a:defRPr>
+    </a:lvl6pPr>
+    <a:lvl7pPr marL="2743200" algn="l" defTabSz="914400" rtl="0" eaLnBrk="1" latinLnBrk="0" hangingPunct="1">
+      <a:defRPr sz="1200" kern="1200">
+        <a:solidFill>
+          <a:schemeClr val="tx1"/>
+        </a:solidFill>
+        <a:latin typeface="+mn-lt"/>
+        <a:ea typeface="+mn-ea"/>
+        <a:cs typeface="+mn-cs"/>
+      </a:defRPr>
+    </a:lvl7pPr>
+    <a:lvl8pPr marL="3200400" algn="l" defTabSz="914400" rtl="0" eaLnBrk="1" latinLnBrk="0" hangingPunct="1">
+      <a:defRPr sz="1200" kern="1200">
+        <a:solidFill>
+          <a:schemeClr val="tx1"/>
+        </a:solidFill>
+        <a:latin typeface="+mn-lt"/>
+        <a:ea typeface="+mn-ea"/>
+        <a:cs typeface="+mn-cs"/>
+      </a:defRPr>
+    </a:lvl8pPr>
+    <a:lvl9pPr marL="3657600" algn="l" defTabSz="914400" rtl="0" eaLnBrk="1" latinLnBrk="0" hangingPunct="1">
+      <a:defRPr sz="1200" kern="1200">
+        <a:solidFill>
+          <a:schemeClr val="tx1"/>
+        </a:solidFill>
+        <a:latin typeface="+mn-lt"/>
+        <a:ea typeface="+mn-ea"/>
+        <a:cs typeface="+mn-cs"/>
+      </a:defRPr>
+    </a:lvl9pPr>
+  </p:notesStyle>
+</p:notesMaster>
+</file>
+
+<file path=ppt/notesSlides/notesSlide1.xml><?xml version="1.0" encoding="utf-8"?>
+<p:notes xmlns:a="http://schemas.openxmlformats.org/drawingml/2006/main" xmlns:r="http://schemas.openxmlformats.org/officeDocument/2006/relationships" xmlns:p="http://schemas.openxmlformats.org/presentationml/2006/main">
+  <p:cSld>
+    <p:spTree>
+      <p:nvGrpSpPr>
+        <p:cNvPr id="1" name=""/>
+        <p:cNvGrpSpPr/>
+        <p:nvPr/>
+      </p:nvGrpSpPr>
+      <p:grpSpPr>
+        <a:xfrm>
+          <a:off x="0" y="0"/>
+          <a:ext cx="0" cy="0"/>
+          <a:chOff x="0" y="0"/>
+          <a:chExt cx="0" cy="0"/>
+        </a:xfrm>
+      </p:grpSpPr>
+      <p:sp>
+        <p:nvSpPr>
+          <p:cNvPr id="82945" name="Slide Image Placeholder 1">
+            <a:extLst>
+              <a:ext uri="{FF2B5EF4-FFF2-40B4-BE49-F238E27FC236}">
+                <a16:creationId xmlns:a16="http://schemas.microsoft.com/office/drawing/2014/main" id="{D966AD94-BD85-51FD-938E-0699200EF8DB}"/>
+              </a:ext>
+            </a:extLst>
+          </p:cNvPr>
+          <p:cNvSpPr>
+            <a:spLocks noGrp="1" noRot="1" noChangeAspect="1" noTextEdit="1"/>
+          </p:cNvSpPr>
+          <p:nvPr>
+            <p:ph type="sldImg"/>
+          </p:nvPr>
+        </p:nvSpPr>
+        <p:spPr bwMode="auto">
+          <a:noFill/>
+          <a:ln>
+            <a:solidFill>
+              <a:srgbClr val="000000"/>
+            </a:solidFill>
+            <a:miter lim="800000"/>
+            <a:headEnd/>
+            <a:tailEnd/>
+          </a:ln>
+          <a:extLst>
+            <a:ext uri="{909E8E84-426E-40DD-AFC4-6F175D3DCCD1}">
+              <a14:hiddenFill xmlns:a14="http://schemas.microsoft.com/office/drawing/2010/main">
+                <a:solidFill>
+                  <a:srgbClr val="FFFFFF"/>
+                </a:solidFill>
+              </a14:hiddenFill>
+            </a:ext>
+          </a:extLst>
+        </p:spPr>
+      </p:sp>
+      <p:sp>
+        <p:nvSpPr>
+          <p:cNvPr id="82946" name="Notes Placeholder 2">
+            <a:extLst>
+              <a:ext uri="{FF2B5EF4-FFF2-40B4-BE49-F238E27FC236}">
+                <a16:creationId xmlns:a16="http://schemas.microsoft.com/office/drawing/2014/main" id="{B9BA2AF9-4111-8DDF-4B89-9D770775F90A}"/>
+              </a:ext>
+            </a:extLst>
+          </p:cNvPr>
+          <p:cNvSpPr>
+            <a:spLocks noGrp="1"/>
+          </p:cNvSpPr>
+          <p:nvPr>
+            <p:ph type="body" idx="1"/>
+          </p:nvPr>
+        </p:nvSpPr>
+        <p:spPr bwMode="auto">
+          <a:noFill/>
+          <a:extLst>
+            <a:ext uri="{909E8E84-426E-40DD-AFC4-6F175D3DCCD1}">
+              <a14:hiddenFill xmlns:a14="http://schemas.microsoft.com/office/drawing/2010/main">
+                <a:solidFill>
+                  <a:srgbClr val="FFFFFF"/>
+                </a:solidFill>
+              </a14:hiddenFill>
+            </a:ext>
+            <a:ext uri="{91240B29-F687-4F45-9708-019B960494DF}">
+              <a14:hiddenLine xmlns:a14="http://schemas.microsoft.com/office/drawing/2010/main" w="9525">
+                <a:solidFill>
+                  <a:srgbClr val="000000"/>
+                </a:solidFill>
+                <a:miter lim="800000"/>
+                <a:headEnd/>
+                <a:tailEnd/>
+              </a14:hiddenLine>
+            </a:ext>
+          </a:extLst>
+        </p:spPr>
+        <p:txBody>
+          <a:bodyPr wrap="square" numCol="1" anchor="t" anchorCtr="0" compatLnSpc="1">
+            <a:prstTxWarp prst="textNoShape">
+              <a:avLst/>
+            </a:prstTxWarp>
+          </a:bodyPr>
+          <a:lstStyle/>
+          <a:p>
+            <a:pPr eaLnBrk="1" hangingPunct="1"/>
+            <a:endParaRPr lang="en-US" altLang="en-US">
+              <a:ea typeface="ＭＳ Ｐゴシック" panose="020B0600070205080204" pitchFamily="34" charset="-128"/>
+            </a:endParaRPr>
+          </a:p>
+        </p:txBody>
+      </p:sp>
+      <p:sp>
+        <p:nvSpPr>
+          <p:cNvPr id="82947" name="Slide Number Placeholder 3">
+            <a:extLst>
+              <a:ext uri="{FF2B5EF4-FFF2-40B4-BE49-F238E27FC236}">
+                <a16:creationId xmlns:a16="http://schemas.microsoft.com/office/drawing/2014/main" id="{0EEB9E54-F56D-C2D9-7871-BA5E01A2CD2E}"/>
+              </a:ext>
+            </a:extLst>
+          </p:cNvPr>
+          <p:cNvSpPr>
+            <a:spLocks noGrp="1"/>
+          </p:cNvSpPr>
+          <p:nvPr>
+            <p:ph type="sldNum" sz="quarter" idx="5"/>
+          </p:nvPr>
+        </p:nvSpPr>
+        <p:spPr bwMode="auto">
+          <a:noFill/>
+          <a:extLst>
+            <a:ext uri="{909E8E84-426E-40DD-AFC4-6F175D3DCCD1}">
+              <a14:hiddenFill xmlns:a14="http://schemas.microsoft.com/office/drawing/2010/main">
+                <a:solidFill>
+                  <a:srgbClr val="FFFFFF"/>
+                </a:solidFill>
+              </a14:hiddenFill>
+            </a:ext>
+            <a:ext uri="{91240B29-F687-4F45-9708-019B960494DF}">
+              <a14:hiddenLine xmlns:a14="http://schemas.microsoft.com/office/drawing/2010/main" w="9525">
+                <a:solidFill>
+                  <a:srgbClr val="000000"/>
+                </a:solidFill>
+                <a:miter lim="800000"/>
+                <a:headEnd/>
+                <a:tailEnd/>
+              </a14:hiddenLine>
+            </a:ext>
+          </a:extLst>
+        </p:spPr>
+        <p:txBody>
+          <a:bodyPr/>
+          <a:lstStyle>
+            <a:lvl1pPr>
+              <a:defRPr sz="3600">
+                <a:solidFill>
+                  <a:srgbClr val="FFFFFF"/>
+                </a:solidFill>
+                <a:latin typeface="Gill Sans" panose="020B0502020104020203" pitchFamily="34" charset="-79"/>
+                <a:ea typeface="ヒラギノ角ゴ ProN W3" panose="020B0300000000000000" pitchFamily="34" charset="-128"/>
+                <a:sym typeface="Gill Sans" panose="020B0502020104020203" pitchFamily="34" charset="-79"/>
+              </a:defRPr>
+            </a:lvl1pPr>
+            <a:lvl2pPr marL="742950" indent="-285750">
+              <a:defRPr sz="3600">
+                <a:solidFill>
+                  <a:srgbClr val="FFFFFF"/>
+                </a:solidFill>
+                <a:latin typeface="Gill Sans" panose="020B0502020104020203" pitchFamily="34" charset="-79"/>
+                <a:ea typeface="ヒラギノ角ゴ ProN W3" panose="020B0300000000000000" pitchFamily="34" charset="-128"/>
+                <a:sym typeface="Gill Sans" panose="020B0502020104020203" pitchFamily="34" charset="-79"/>
+              </a:defRPr>
+            </a:lvl2pPr>
+            <a:lvl3pPr marL="1143000" indent="-228600">
+              <a:defRPr sz="3600">
+                <a:solidFill>
+                  <a:srgbClr val="FFFFFF"/>
+                </a:solidFill>
+                <a:latin typeface="Gill Sans" panose="020B0502020104020203" pitchFamily="34" charset="-79"/>
+                <a:ea typeface="ヒラギノ角ゴ ProN W3" panose="020B0300000000000000" pitchFamily="34" charset="-128"/>
+                <a:sym typeface="Gill Sans" panose="020B0502020104020203" pitchFamily="34" charset="-79"/>
+              </a:defRPr>
+            </a:lvl3pPr>
+            <a:lvl4pPr marL="1600200" indent="-228600">
+              <a:defRPr sz="3600">
+                <a:solidFill>
+                  <a:srgbClr val="FFFFFF"/>
+                </a:solidFill>
+                <a:latin typeface="Gill Sans" panose="020B0502020104020203" pitchFamily="34" charset="-79"/>
+                <a:ea typeface="ヒラギノ角ゴ ProN W3" panose="020B0300000000000000" pitchFamily="34" charset="-128"/>
+                <a:sym typeface="Gill Sans" panose="020B0502020104020203" pitchFamily="34" charset="-79"/>
+              </a:defRPr>
+            </a:lvl4pPr>
+            <a:lvl5pPr marL="2057400" indent="-228600">
+              <a:defRPr sz="3600">
+                <a:solidFill>
+                  <a:srgbClr val="FFFFFF"/>
+                </a:solidFill>
+                <a:latin typeface="Gill Sans" panose="020B0502020104020203" pitchFamily="34" charset="-79"/>
+                <a:ea typeface="ヒラギノ角ゴ ProN W3" panose="020B0300000000000000" pitchFamily="34" charset="-128"/>
+                <a:sym typeface="Gill Sans" panose="020B0502020104020203" pitchFamily="34" charset="-79"/>
+              </a:defRPr>
+            </a:lvl5pPr>
+            <a:lvl6pPr marL="2514600" indent="-228600" eaLnBrk="0" fontAlgn="base" hangingPunct="0">
+              <a:spcBef>
+                <a:spcPct val="0"/>
+              </a:spcBef>
+              <a:spcAft>
+                <a:spcPct val="0"/>
+              </a:spcAft>
+              <a:defRPr sz="3600">
+                <a:solidFill>
+                  <a:srgbClr val="FFFFFF"/>
+                </a:solidFill>
+                <a:latin typeface="Gill Sans" panose="020B0502020104020203" pitchFamily="34" charset="-79"/>
+                <a:ea typeface="ヒラギノ角ゴ ProN W3" panose="020B0300000000000000" pitchFamily="34" charset="-128"/>
+                <a:sym typeface="Gill Sans" panose="020B0502020104020203" pitchFamily="34" charset="-79"/>
+              </a:defRPr>
+            </a:lvl6pPr>
+            <a:lvl7pPr marL="2971800" indent="-228600" eaLnBrk="0" fontAlgn="base" hangingPunct="0">
+              <a:spcBef>
+                <a:spcPct val="0"/>
+              </a:spcBef>
+              <a:spcAft>
+                <a:spcPct val="0"/>
+              </a:spcAft>
+              <a:defRPr sz="3600">
+                <a:solidFill>
+                  <a:srgbClr val="FFFFFF"/>
+                </a:solidFill>
+                <a:latin typeface="Gill Sans" panose="020B0502020104020203" pitchFamily="34" charset="-79"/>
+                <a:ea typeface="ヒラギノ角ゴ ProN W3" panose="020B0300000000000000" pitchFamily="34" charset="-128"/>
+                <a:sym typeface="Gill Sans" panose="020B0502020104020203" pitchFamily="34" charset="-79"/>
+              </a:defRPr>
+            </a:lvl7pPr>
+            <a:lvl8pPr marL="3429000" indent="-228600" eaLnBrk="0" fontAlgn="base" hangingPunct="0">
+              <a:spcBef>
+                <a:spcPct val="0"/>
+              </a:spcBef>
+              <a:spcAft>
+                <a:spcPct val="0"/>
+              </a:spcAft>
+              <a:defRPr sz="3600">
+                <a:solidFill>
+                  <a:srgbClr val="FFFFFF"/>
+                </a:solidFill>
+                <a:latin typeface="Gill Sans" panose="020B0502020104020203" pitchFamily="34" charset="-79"/>
+                <a:ea typeface="ヒラギノ角ゴ ProN W3" panose="020B0300000000000000" pitchFamily="34" charset="-128"/>
+                <a:sym typeface="Gill Sans" panose="020B0502020104020203" pitchFamily="34" charset="-79"/>
+              </a:defRPr>
+            </a:lvl8pPr>
+            <a:lvl9pPr marL="3886200" indent="-228600" eaLnBrk="0" fontAlgn="base" hangingPunct="0">
+              <a:spcBef>
+                <a:spcPct val="0"/>
+              </a:spcBef>
+              <a:spcAft>
+                <a:spcPct val="0"/>
+              </a:spcAft>
+              <a:defRPr sz="3600">
+                <a:solidFill>
+                  <a:srgbClr val="FFFFFF"/>
+                </a:solidFill>
+                <a:latin typeface="Gill Sans" panose="020B0502020104020203" pitchFamily="34" charset="-79"/>
+                <a:ea typeface="ヒラギノ角ゴ ProN W3" panose="020B0300000000000000" pitchFamily="34" charset="-128"/>
+                <a:sym typeface="Gill Sans" panose="020B0502020104020203" pitchFamily="34" charset="-79"/>
+              </a:defRPr>
+            </a:lvl9pPr>
+          </a:lstStyle>
+          <a:p>
+            <a:fld id="{86C88DA9-DFB8-2D49-BD79-84336FD2B579}" type="slidenum">
+              <a:rPr lang="en-US" altLang="en-US" sz="1200"/>
+              <a:pPr/>
+              <a:t>10</a:t>
+            </a:fld>
+            <a:endParaRPr lang="en-US" altLang="en-US" sz="1200"/>
+          </a:p>
+        </p:txBody>
+      </p:sp>
+    </p:spTree>
+  </p:cSld>
+  <p:clrMapOvr>
+    <a:masterClrMapping/>
+  </p:clrMapOvr>
+</p:notes>
+</file>
+
 <file path=ppt/slideLayouts/slideLayout1.xml><?xml version="1.0" encoding="utf-8"?>
 <p:sldLayout xmlns:a="http://schemas.openxmlformats.org/drawingml/2006/main" xmlns:r="http://schemas.openxmlformats.org/officeDocument/2006/relationships" xmlns:p="http://schemas.openxmlformats.org/presentationml/2006/main" type="title" preserve="1">
   <p:cSld name="Title Slide">
@@ -264,7 +906,7 @@
           <a:p>
             <a:fld id="{D5D8E255-8371-B349-B2F5-F8C6C9FF431B}" type="datetimeFigureOut">
               <a:rPr lang="en-US" smtClean="0"/>
-              <a:t>4/9/23</a:t>
+              <a:t>4/11/23</a:t>
             </a:fld>
             <a:endParaRPr lang="en-US"/>
           </a:p>
@@ -462,7 +1104,7 @@
           <a:p>
             <a:fld id="{D5D8E255-8371-B349-B2F5-F8C6C9FF431B}" type="datetimeFigureOut">
               <a:rPr lang="en-US" smtClean="0"/>
-              <a:t>4/9/23</a:t>
+              <a:t>4/11/23</a:t>
             </a:fld>
             <a:endParaRPr lang="en-US"/>
           </a:p>
@@ -670,7 +1312,7 @@
           <a:p>
             <a:fld id="{D5D8E255-8371-B349-B2F5-F8C6C9FF431B}" type="datetimeFigureOut">
               <a:rPr lang="en-US" smtClean="0"/>
-              <a:t>4/9/23</a:t>
+              <a:t>4/11/23</a:t>
             </a:fld>
             <a:endParaRPr lang="en-US"/>
           </a:p>
@@ -868,7 +1510,7 @@
           <a:p>
             <a:fld id="{D5D8E255-8371-B349-B2F5-F8C6C9FF431B}" type="datetimeFigureOut">
               <a:rPr lang="en-US" smtClean="0"/>
-              <a:t>4/9/23</a:t>
+              <a:t>4/11/23</a:t>
             </a:fld>
             <a:endParaRPr lang="en-US"/>
           </a:p>
@@ -1143,7 +1785,7 @@
           <a:p>
             <a:fld id="{D5D8E255-8371-B349-B2F5-F8C6C9FF431B}" type="datetimeFigureOut">
               <a:rPr lang="en-US" smtClean="0"/>
-              <a:t>4/9/23</a:t>
+              <a:t>4/11/23</a:t>
             </a:fld>
             <a:endParaRPr lang="en-US"/>
           </a:p>
@@ -1408,7 +2050,7 @@
           <a:p>
             <a:fld id="{D5D8E255-8371-B349-B2F5-F8C6C9FF431B}" type="datetimeFigureOut">
               <a:rPr lang="en-US" smtClean="0"/>
-              <a:t>4/9/23</a:t>
+              <a:t>4/11/23</a:t>
             </a:fld>
             <a:endParaRPr lang="en-US"/>
           </a:p>
@@ -1820,7 +2462,7 @@
           <a:p>
             <a:fld id="{D5D8E255-8371-B349-B2F5-F8C6C9FF431B}" type="datetimeFigureOut">
               <a:rPr lang="en-US" smtClean="0"/>
-              <a:t>4/9/23</a:t>
+              <a:t>4/11/23</a:t>
             </a:fld>
             <a:endParaRPr lang="en-US"/>
           </a:p>
@@ -1961,7 +2603,7 @@
           <a:p>
             <a:fld id="{D5D8E255-8371-B349-B2F5-F8C6C9FF431B}" type="datetimeFigureOut">
               <a:rPr lang="en-US" smtClean="0"/>
-              <a:t>4/9/23</a:t>
+              <a:t>4/11/23</a:t>
             </a:fld>
             <a:endParaRPr lang="en-US"/>
           </a:p>
@@ -2074,7 +2716,7 @@
           <a:p>
             <a:fld id="{D5D8E255-8371-B349-B2F5-F8C6C9FF431B}" type="datetimeFigureOut">
               <a:rPr lang="en-US" smtClean="0"/>
-              <a:t>4/9/23</a:t>
+              <a:t>4/11/23</a:t>
             </a:fld>
             <a:endParaRPr lang="en-US"/>
           </a:p>
@@ -2385,7 +3027,7 @@
           <a:p>
             <a:fld id="{D5D8E255-8371-B349-B2F5-F8C6C9FF431B}" type="datetimeFigureOut">
               <a:rPr lang="en-US" smtClean="0"/>
-              <a:t>4/9/23</a:t>
+              <a:t>4/11/23</a:t>
             </a:fld>
             <a:endParaRPr lang="en-US"/>
           </a:p>
@@ -2673,7 +3315,7 @@
           <a:p>
             <a:fld id="{D5D8E255-8371-B349-B2F5-F8C6C9FF431B}" type="datetimeFigureOut">
               <a:rPr lang="en-US" smtClean="0"/>
-              <a:t>4/9/23</a:t>
+              <a:t>4/11/23</a:t>
             </a:fld>
             <a:endParaRPr lang="en-US"/>
           </a:p>
@@ -2914,7 +3556,7 @@
           <a:p>
             <a:fld id="{D5D8E255-8371-B349-B2F5-F8C6C9FF431B}" type="datetimeFigureOut">
               <a:rPr lang="en-US" smtClean="0"/>
-              <a:t>4/9/23</a:t>
+              <a:t>4/11/23</a:t>
             </a:fld>
             <a:endParaRPr lang="en-US"/>
           </a:p>
@@ -3428,6 +4070,2866 @@
 </p:sld>
 </file>
 
+<file path=ppt/slides/slide10.xml><?xml version="1.0" encoding="utf-8"?>
+<p:sld xmlns:a="http://schemas.openxmlformats.org/drawingml/2006/main" xmlns:r="http://schemas.openxmlformats.org/officeDocument/2006/relationships" xmlns:p="http://schemas.openxmlformats.org/presentationml/2006/main">
+  <p:cSld>
+    <p:spTree>
+      <p:nvGrpSpPr>
+        <p:cNvPr id="1" name=""/>
+        <p:cNvGrpSpPr/>
+        <p:nvPr/>
+      </p:nvGrpSpPr>
+      <p:grpSpPr>
+        <a:xfrm>
+          <a:off x="0" y="0"/>
+          <a:ext cx="0" cy="0"/>
+          <a:chOff x="0" y="0"/>
+          <a:chExt cx="0" cy="0"/>
+        </a:xfrm>
+      </p:grpSpPr>
+      <p:sp>
+        <p:nvSpPr>
+          <p:cNvPr id="81921" name="Rectangle 1">
+            <a:extLst>
+              <a:ext uri="{FF2B5EF4-FFF2-40B4-BE49-F238E27FC236}">
+                <a16:creationId xmlns:a16="http://schemas.microsoft.com/office/drawing/2014/main" id="{DA4DD59B-3455-C5B6-9C12-13EF6E5DC0B8}"/>
+              </a:ext>
+            </a:extLst>
+          </p:cNvPr>
+          <p:cNvSpPr>
+            <a:spLocks/>
+          </p:cNvSpPr>
+          <p:nvPr/>
+        </p:nvSpPr>
+        <p:spPr bwMode="auto">
+          <a:xfrm>
+            <a:off x="7639495" y="2171823"/>
+            <a:ext cx="4123922" cy="3533430"/>
+          </a:xfrm>
+          <a:prstGeom prst="rect">
+            <a:avLst/>
+          </a:prstGeom>
+          <a:solidFill>
+            <a:srgbClr val="FFFFFF"/>
+          </a:solidFill>
+          <a:ln>
+            <a:noFill/>
+          </a:ln>
+          <a:extLst>
+            <a:ext uri="{91240B29-F687-4F45-9708-019B960494DF}">
+              <a14:hiddenLine xmlns:a14="http://schemas.microsoft.com/office/drawing/2010/main" w="25400">
+                <a:solidFill>
+                  <a:srgbClr val="000000"/>
+                </a:solidFill>
+                <a:miter lim="800000"/>
+                <a:headEnd/>
+                <a:tailEnd/>
+              </a14:hiddenLine>
+            </a:ext>
+          </a:extLst>
+        </p:spPr>
+        <p:txBody>
+          <a:bodyPr lIns="0" tIns="0" rIns="0" bIns="0"/>
+          <a:lstStyle>
+            <a:lvl1pPr>
+              <a:defRPr sz="3600">
+                <a:solidFill>
+                  <a:srgbClr val="FFFFFF"/>
+                </a:solidFill>
+                <a:latin typeface="Gill Sans" panose="020B0502020104020203" pitchFamily="34" charset="-79"/>
+                <a:ea typeface="ヒラギノ角ゴ ProN W3" panose="020B0300000000000000" pitchFamily="34" charset="-128"/>
+                <a:sym typeface="Gill Sans" panose="020B0502020104020203" pitchFamily="34" charset="-79"/>
+              </a:defRPr>
+            </a:lvl1pPr>
+            <a:lvl2pPr marL="742950" indent="-285750">
+              <a:defRPr sz="3600">
+                <a:solidFill>
+                  <a:srgbClr val="FFFFFF"/>
+                </a:solidFill>
+                <a:latin typeface="Gill Sans" panose="020B0502020104020203" pitchFamily="34" charset="-79"/>
+                <a:ea typeface="ヒラギノ角ゴ ProN W3" panose="020B0300000000000000" pitchFamily="34" charset="-128"/>
+                <a:sym typeface="Gill Sans" panose="020B0502020104020203" pitchFamily="34" charset="-79"/>
+              </a:defRPr>
+            </a:lvl2pPr>
+            <a:lvl3pPr marL="1143000" indent="-228600">
+              <a:defRPr sz="3600">
+                <a:solidFill>
+                  <a:srgbClr val="FFFFFF"/>
+                </a:solidFill>
+                <a:latin typeface="Gill Sans" panose="020B0502020104020203" pitchFamily="34" charset="-79"/>
+                <a:ea typeface="ヒラギノ角ゴ ProN W3" panose="020B0300000000000000" pitchFamily="34" charset="-128"/>
+                <a:sym typeface="Gill Sans" panose="020B0502020104020203" pitchFamily="34" charset="-79"/>
+              </a:defRPr>
+            </a:lvl3pPr>
+            <a:lvl4pPr marL="1600200" indent="-228600">
+              <a:defRPr sz="3600">
+                <a:solidFill>
+                  <a:srgbClr val="FFFFFF"/>
+                </a:solidFill>
+                <a:latin typeface="Gill Sans" panose="020B0502020104020203" pitchFamily="34" charset="-79"/>
+                <a:ea typeface="ヒラギノ角ゴ ProN W3" panose="020B0300000000000000" pitchFamily="34" charset="-128"/>
+                <a:sym typeface="Gill Sans" panose="020B0502020104020203" pitchFamily="34" charset="-79"/>
+              </a:defRPr>
+            </a:lvl4pPr>
+            <a:lvl5pPr marL="2057400" indent="-228600">
+              <a:defRPr sz="3600">
+                <a:solidFill>
+                  <a:srgbClr val="FFFFFF"/>
+                </a:solidFill>
+                <a:latin typeface="Gill Sans" panose="020B0502020104020203" pitchFamily="34" charset="-79"/>
+                <a:ea typeface="ヒラギノ角ゴ ProN W3" panose="020B0300000000000000" pitchFamily="34" charset="-128"/>
+                <a:sym typeface="Gill Sans" panose="020B0502020104020203" pitchFamily="34" charset="-79"/>
+              </a:defRPr>
+            </a:lvl5pPr>
+            <a:lvl6pPr marL="2514600" indent="-228600" eaLnBrk="0" fontAlgn="base" hangingPunct="0">
+              <a:spcBef>
+                <a:spcPct val="0"/>
+              </a:spcBef>
+              <a:spcAft>
+                <a:spcPct val="0"/>
+              </a:spcAft>
+              <a:defRPr sz="3600">
+                <a:solidFill>
+                  <a:srgbClr val="FFFFFF"/>
+                </a:solidFill>
+                <a:latin typeface="Gill Sans" panose="020B0502020104020203" pitchFamily="34" charset="-79"/>
+                <a:ea typeface="ヒラギノ角ゴ ProN W3" panose="020B0300000000000000" pitchFamily="34" charset="-128"/>
+                <a:sym typeface="Gill Sans" panose="020B0502020104020203" pitchFamily="34" charset="-79"/>
+              </a:defRPr>
+            </a:lvl6pPr>
+            <a:lvl7pPr marL="2971800" indent="-228600" eaLnBrk="0" fontAlgn="base" hangingPunct="0">
+              <a:spcBef>
+                <a:spcPct val="0"/>
+              </a:spcBef>
+              <a:spcAft>
+                <a:spcPct val="0"/>
+              </a:spcAft>
+              <a:defRPr sz="3600">
+                <a:solidFill>
+                  <a:srgbClr val="FFFFFF"/>
+                </a:solidFill>
+                <a:latin typeface="Gill Sans" panose="020B0502020104020203" pitchFamily="34" charset="-79"/>
+                <a:ea typeface="ヒラギノ角ゴ ProN W3" panose="020B0300000000000000" pitchFamily="34" charset="-128"/>
+                <a:sym typeface="Gill Sans" panose="020B0502020104020203" pitchFamily="34" charset="-79"/>
+              </a:defRPr>
+            </a:lvl7pPr>
+            <a:lvl8pPr marL="3429000" indent="-228600" eaLnBrk="0" fontAlgn="base" hangingPunct="0">
+              <a:spcBef>
+                <a:spcPct val="0"/>
+              </a:spcBef>
+              <a:spcAft>
+                <a:spcPct val="0"/>
+              </a:spcAft>
+              <a:defRPr sz="3600">
+                <a:solidFill>
+                  <a:srgbClr val="FFFFFF"/>
+                </a:solidFill>
+                <a:latin typeface="Gill Sans" panose="020B0502020104020203" pitchFamily="34" charset="-79"/>
+                <a:ea typeface="ヒラギノ角ゴ ProN W3" panose="020B0300000000000000" pitchFamily="34" charset="-128"/>
+                <a:sym typeface="Gill Sans" panose="020B0502020104020203" pitchFamily="34" charset="-79"/>
+              </a:defRPr>
+            </a:lvl8pPr>
+            <a:lvl9pPr marL="3886200" indent="-228600" eaLnBrk="0" fontAlgn="base" hangingPunct="0">
+              <a:spcBef>
+                <a:spcPct val="0"/>
+              </a:spcBef>
+              <a:spcAft>
+                <a:spcPct val="0"/>
+              </a:spcAft>
+              <a:defRPr sz="3600">
+                <a:solidFill>
+                  <a:srgbClr val="FFFFFF"/>
+                </a:solidFill>
+                <a:latin typeface="Gill Sans" panose="020B0502020104020203" pitchFamily="34" charset="-79"/>
+                <a:ea typeface="ヒラギノ角ゴ ProN W3" panose="020B0300000000000000" pitchFamily="34" charset="-128"/>
+                <a:sym typeface="Gill Sans" panose="020B0502020104020203" pitchFamily="34" charset="-79"/>
+              </a:defRPr>
+            </a:lvl9pPr>
+          </a:lstStyle>
+          <a:p>
+            <a:pPr algn="ctr" eaLnBrk="1" hangingPunct="1"/>
+            <a:endParaRPr lang="en-US" altLang="en-US" sz="2700"/>
+          </a:p>
+        </p:txBody>
+      </p:sp>
+      <p:sp>
+        <p:nvSpPr>
+          <p:cNvPr id="81922" name="Rectangle 2">
+            <a:extLst>
+              <a:ext uri="{FF2B5EF4-FFF2-40B4-BE49-F238E27FC236}">
+                <a16:creationId xmlns:a16="http://schemas.microsoft.com/office/drawing/2014/main" id="{AF9DB627-8914-205A-3BEC-943D76B6A374}"/>
+              </a:ext>
+            </a:extLst>
+          </p:cNvPr>
+          <p:cNvSpPr>
+            <a:spLocks noGrp="1" noChangeArrowheads="1"/>
+          </p:cNvSpPr>
+          <p:nvPr>
+            <p:ph type="title"/>
+          </p:nvPr>
+        </p:nvSpPr>
+        <p:spPr/>
+        <p:txBody>
+          <a:bodyPr/>
+          <a:lstStyle/>
+          <a:p>
+            <a:pPr eaLnBrk="1" hangingPunct="1"/>
+            <a:r>
+              <a:rPr lang="en-US" altLang="en-US" sz="5399" dirty="0"/>
+              <a:t>Hashes</a:t>
+            </a:r>
+          </a:p>
+        </p:txBody>
+      </p:sp>
+      <p:sp>
+        <p:nvSpPr>
+          <p:cNvPr id="81923" name="Rectangle 3">
+            <a:extLst>
+              <a:ext uri="{FF2B5EF4-FFF2-40B4-BE49-F238E27FC236}">
+                <a16:creationId xmlns:a16="http://schemas.microsoft.com/office/drawing/2014/main" id="{9FCA0DD8-80A1-73AD-B9C4-15FE33793230}"/>
+              </a:ext>
+            </a:extLst>
+          </p:cNvPr>
+          <p:cNvSpPr>
+            <a:spLocks/>
+          </p:cNvSpPr>
+          <p:nvPr/>
+        </p:nvSpPr>
+        <p:spPr bwMode="auto">
+          <a:xfrm>
+            <a:off x="6842804" y="6172027"/>
+            <a:ext cx="4924426" cy="346249"/>
+          </a:xfrm>
+          <a:prstGeom prst="rect">
+            <a:avLst/>
+          </a:prstGeom>
+          <a:noFill/>
+          <a:ln>
+            <a:noFill/>
+          </a:ln>
+          <a:extLst>
+            <a:ext uri="{909E8E84-426E-40DD-AFC4-6F175D3DCCD1}">
+              <a14:hiddenFill xmlns:a14="http://schemas.microsoft.com/office/drawing/2010/main">
+                <a:solidFill>
+                  <a:srgbClr val="FFFFFF"/>
+                </a:solidFill>
+              </a14:hiddenFill>
+            </a:ext>
+            <a:ext uri="{91240B29-F687-4F45-9708-019B960494DF}">
+              <a14:hiddenLine xmlns:a14="http://schemas.microsoft.com/office/drawing/2010/main" w="12700">
+                <a:solidFill>
+                  <a:srgbClr val="000000"/>
+                </a:solidFill>
+                <a:miter lim="800000"/>
+                <a:headEnd/>
+                <a:tailEnd/>
+              </a14:hiddenLine>
+            </a:ext>
+          </a:extLst>
+        </p:spPr>
+        <p:txBody>
+          <a:bodyPr wrap="none" lIns="0" tIns="0" rIns="0" bIns="0" anchor="ctr">
+            <a:spAutoFit/>
+          </a:bodyPr>
+          <a:lstStyle>
+            <a:lvl1pPr>
+              <a:defRPr sz="3600">
+                <a:solidFill>
+                  <a:srgbClr val="FFFFFF"/>
+                </a:solidFill>
+                <a:latin typeface="Gill Sans" panose="020B0502020104020203" pitchFamily="34" charset="-79"/>
+                <a:ea typeface="ヒラギノ角ゴ ProN W3" panose="020B0300000000000000" pitchFamily="34" charset="-128"/>
+                <a:sym typeface="Gill Sans" panose="020B0502020104020203" pitchFamily="34" charset="-79"/>
+              </a:defRPr>
+            </a:lvl1pPr>
+            <a:lvl2pPr marL="742950" indent="-285750">
+              <a:defRPr sz="3600">
+                <a:solidFill>
+                  <a:srgbClr val="FFFFFF"/>
+                </a:solidFill>
+                <a:latin typeface="Gill Sans" panose="020B0502020104020203" pitchFamily="34" charset="-79"/>
+                <a:ea typeface="ヒラギノ角ゴ ProN W3" panose="020B0300000000000000" pitchFamily="34" charset="-128"/>
+                <a:sym typeface="Gill Sans" panose="020B0502020104020203" pitchFamily="34" charset="-79"/>
+              </a:defRPr>
+            </a:lvl2pPr>
+            <a:lvl3pPr marL="1143000" indent="-228600">
+              <a:defRPr sz="3600">
+                <a:solidFill>
+                  <a:srgbClr val="FFFFFF"/>
+                </a:solidFill>
+                <a:latin typeface="Gill Sans" panose="020B0502020104020203" pitchFamily="34" charset="-79"/>
+                <a:ea typeface="ヒラギノ角ゴ ProN W3" panose="020B0300000000000000" pitchFamily="34" charset="-128"/>
+                <a:sym typeface="Gill Sans" panose="020B0502020104020203" pitchFamily="34" charset="-79"/>
+              </a:defRPr>
+            </a:lvl3pPr>
+            <a:lvl4pPr marL="1600200" indent="-228600">
+              <a:defRPr sz="3600">
+                <a:solidFill>
+                  <a:srgbClr val="FFFFFF"/>
+                </a:solidFill>
+                <a:latin typeface="Gill Sans" panose="020B0502020104020203" pitchFamily="34" charset="-79"/>
+                <a:ea typeface="ヒラギノ角ゴ ProN W3" panose="020B0300000000000000" pitchFamily="34" charset="-128"/>
+                <a:sym typeface="Gill Sans" panose="020B0502020104020203" pitchFamily="34" charset="-79"/>
+              </a:defRPr>
+            </a:lvl4pPr>
+            <a:lvl5pPr marL="2057400" indent="-228600">
+              <a:defRPr sz="3600">
+                <a:solidFill>
+                  <a:srgbClr val="FFFFFF"/>
+                </a:solidFill>
+                <a:latin typeface="Gill Sans" panose="020B0502020104020203" pitchFamily="34" charset="-79"/>
+                <a:ea typeface="ヒラギノ角ゴ ProN W3" panose="020B0300000000000000" pitchFamily="34" charset="-128"/>
+                <a:sym typeface="Gill Sans" panose="020B0502020104020203" pitchFamily="34" charset="-79"/>
+              </a:defRPr>
+            </a:lvl5pPr>
+            <a:lvl6pPr marL="2514600" indent="-228600" eaLnBrk="0" fontAlgn="base" hangingPunct="0">
+              <a:spcBef>
+                <a:spcPct val="0"/>
+              </a:spcBef>
+              <a:spcAft>
+                <a:spcPct val="0"/>
+              </a:spcAft>
+              <a:defRPr sz="3600">
+                <a:solidFill>
+                  <a:srgbClr val="FFFFFF"/>
+                </a:solidFill>
+                <a:latin typeface="Gill Sans" panose="020B0502020104020203" pitchFamily="34" charset="-79"/>
+                <a:ea typeface="ヒラギノ角ゴ ProN W3" panose="020B0300000000000000" pitchFamily="34" charset="-128"/>
+                <a:sym typeface="Gill Sans" panose="020B0502020104020203" pitchFamily="34" charset="-79"/>
+              </a:defRPr>
+            </a:lvl6pPr>
+            <a:lvl7pPr marL="2971800" indent="-228600" eaLnBrk="0" fontAlgn="base" hangingPunct="0">
+              <a:spcBef>
+                <a:spcPct val="0"/>
+              </a:spcBef>
+              <a:spcAft>
+                <a:spcPct val="0"/>
+              </a:spcAft>
+              <a:defRPr sz="3600">
+                <a:solidFill>
+                  <a:srgbClr val="FFFFFF"/>
+                </a:solidFill>
+                <a:latin typeface="Gill Sans" panose="020B0502020104020203" pitchFamily="34" charset="-79"/>
+                <a:ea typeface="ヒラギノ角ゴ ProN W3" panose="020B0300000000000000" pitchFamily="34" charset="-128"/>
+                <a:sym typeface="Gill Sans" panose="020B0502020104020203" pitchFamily="34" charset="-79"/>
+              </a:defRPr>
+            </a:lvl7pPr>
+            <a:lvl8pPr marL="3429000" indent="-228600" eaLnBrk="0" fontAlgn="base" hangingPunct="0">
+              <a:spcBef>
+                <a:spcPct val="0"/>
+              </a:spcBef>
+              <a:spcAft>
+                <a:spcPct val="0"/>
+              </a:spcAft>
+              <a:defRPr sz="3600">
+                <a:solidFill>
+                  <a:srgbClr val="FFFFFF"/>
+                </a:solidFill>
+                <a:latin typeface="Gill Sans" panose="020B0502020104020203" pitchFamily="34" charset="-79"/>
+                <a:ea typeface="ヒラギノ角ゴ ProN W3" panose="020B0300000000000000" pitchFamily="34" charset="-128"/>
+                <a:sym typeface="Gill Sans" panose="020B0502020104020203" pitchFamily="34" charset="-79"/>
+              </a:defRPr>
+            </a:lvl8pPr>
+            <a:lvl9pPr marL="3886200" indent="-228600" eaLnBrk="0" fontAlgn="base" hangingPunct="0">
+              <a:spcBef>
+                <a:spcPct val="0"/>
+              </a:spcBef>
+              <a:spcAft>
+                <a:spcPct val="0"/>
+              </a:spcAft>
+              <a:defRPr sz="3600">
+                <a:solidFill>
+                  <a:srgbClr val="FFFFFF"/>
+                </a:solidFill>
+                <a:latin typeface="Gill Sans" panose="020B0502020104020203" pitchFamily="34" charset="-79"/>
+                <a:ea typeface="ヒラギノ角ゴ ProN W3" panose="020B0300000000000000" pitchFamily="34" charset="-128"/>
+                <a:sym typeface="Gill Sans" panose="020B0502020104020203" pitchFamily="34" charset="-79"/>
+              </a:defRPr>
+            </a:lvl9pPr>
+          </a:lstStyle>
+          <a:p>
+            <a:pPr algn="ctr" eaLnBrk="1" hangingPunct="1"/>
+            <a:r>
+              <a:rPr lang="en-US" altLang="en-US" sz="2250">
+                <a:solidFill>
+                  <a:schemeClr val="tx1"/>
+                </a:solidFill>
+                <a:ea typeface="ＭＳ Ｐゴシック" panose="020B0600070205080204" pitchFamily="34" charset="-128"/>
+              </a:rPr>
+              <a:t>http://en.wikipedia.org/wiki/Hash_function</a:t>
+            </a:r>
+          </a:p>
+        </p:txBody>
+      </p:sp>
+      <p:sp>
+        <p:nvSpPr>
+          <p:cNvPr id="81924" name="Rectangle 4">
+            <a:extLst>
+              <a:ext uri="{FF2B5EF4-FFF2-40B4-BE49-F238E27FC236}">
+                <a16:creationId xmlns:a16="http://schemas.microsoft.com/office/drawing/2014/main" id="{1D0A1784-7DFE-842B-C051-8AEF4FF4EA3B}"/>
+              </a:ext>
+            </a:extLst>
+          </p:cNvPr>
+          <p:cNvSpPr>
+            <a:spLocks/>
+          </p:cNvSpPr>
+          <p:nvPr/>
+        </p:nvSpPr>
+        <p:spPr bwMode="auto">
+          <a:xfrm>
+            <a:off x="495252" y="1657523"/>
+            <a:ext cx="6665659" cy="4266783"/>
+          </a:xfrm>
+          <a:prstGeom prst="rect">
+            <a:avLst/>
+          </a:prstGeom>
+          <a:noFill/>
+          <a:ln>
+            <a:noFill/>
+          </a:ln>
+          <a:extLst>
+            <a:ext uri="{909E8E84-426E-40DD-AFC4-6F175D3DCCD1}">
+              <a14:hiddenFill xmlns:a14="http://schemas.microsoft.com/office/drawing/2010/main">
+                <a:solidFill>
+                  <a:srgbClr val="FFFFFF"/>
+                </a:solidFill>
+              </a14:hiddenFill>
+            </a:ext>
+            <a:ext uri="{91240B29-F687-4F45-9708-019B960494DF}">
+              <a14:hiddenLine xmlns:a14="http://schemas.microsoft.com/office/drawing/2010/main" w="12700">
+                <a:solidFill>
+                  <a:srgbClr val="000000"/>
+                </a:solidFill>
+                <a:miter lim="800000"/>
+                <a:headEnd/>
+                <a:tailEnd/>
+              </a14:hiddenLine>
+            </a:ext>
+          </a:extLst>
+        </p:spPr>
+        <p:txBody>
+          <a:bodyPr lIns="0" tIns="0" rIns="0" bIns="0" anchor="ctr"/>
+          <a:lstStyle>
+            <a:lvl1pPr>
+              <a:defRPr sz="3600">
+                <a:solidFill>
+                  <a:srgbClr val="FFFFFF"/>
+                </a:solidFill>
+                <a:latin typeface="Gill Sans" panose="020B0502020104020203" pitchFamily="34" charset="-79"/>
+                <a:ea typeface="ヒラギノ角ゴ ProN W3" panose="020B0300000000000000" pitchFamily="34" charset="-128"/>
+                <a:sym typeface="Gill Sans" panose="020B0502020104020203" pitchFamily="34" charset="-79"/>
+              </a:defRPr>
+            </a:lvl1pPr>
+            <a:lvl2pPr marL="742950" indent="-285750">
+              <a:defRPr sz="3600">
+                <a:solidFill>
+                  <a:srgbClr val="FFFFFF"/>
+                </a:solidFill>
+                <a:latin typeface="Gill Sans" panose="020B0502020104020203" pitchFamily="34" charset="-79"/>
+                <a:ea typeface="ヒラギノ角ゴ ProN W3" panose="020B0300000000000000" pitchFamily="34" charset="-128"/>
+                <a:sym typeface="Gill Sans" panose="020B0502020104020203" pitchFamily="34" charset="-79"/>
+              </a:defRPr>
+            </a:lvl2pPr>
+            <a:lvl3pPr marL="1143000" indent="-228600">
+              <a:defRPr sz="3600">
+                <a:solidFill>
+                  <a:srgbClr val="FFFFFF"/>
+                </a:solidFill>
+                <a:latin typeface="Gill Sans" panose="020B0502020104020203" pitchFamily="34" charset="-79"/>
+                <a:ea typeface="ヒラギノ角ゴ ProN W3" panose="020B0300000000000000" pitchFamily="34" charset="-128"/>
+                <a:sym typeface="Gill Sans" panose="020B0502020104020203" pitchFamily="34" charset="-79"/>
+              </a:defRPr>
+            </a:lvl3pPr>
+            <a:lvl4pPr marL="1600200" indent="-228600">
+              <a:defRPr sz="3600">
+                <a:solidFill>
+                  <a:srgbClr val="FFFFFF"/>
+                </a:solidFill>
+                <a:latin typeface="Gill Sans" panose="020B0502020104020203" pitchFamily="34" charset="-79"/>
+                <a:ea typeface="ヒラギノ角ゴ ProN W3" panose="020B0300000000000000" pitchFamily="34" charset="-128"/>
+                <a:sym typeface="Gill Sans" panose="020B0502020104020203" pitchFamily="34" charset="-79"/>
+              </a:defRPr>
+            </a:lvl4pPr>
+            <a:lvl5pPr marL="2057400" indent="-228600">
+              <a:defRPr sz="3600">
+                <a:solidFill>
+                  <a:srgbClr val="FFFFFF"/>
+                </a:solidFill>
+                <a:latin typeface="Gill Sans" panose="020B0502020104020203" pitchFamily="34" charset="-79"/>
+                <a:ea typeface="ヒラギノ角ゴ ProN W3" panose="020B0300000000000000" pitchFamily="34" charset="-128"/>
+                <a:sym typeface="Gill Sans" panose="020B0502020104020203" pitchFamily="34" charset="-79"/>
+              </a:defRPr>
+            </a:lvl5pPr>
+            <a:lvl6pPr marL="2514600" indent="-228600" eaLnBrk="0" fontAlgn="base" hangingPunct="0">
+              <a:spcBef>
+                <a:spcPct val="0"/>
+              </a:spcBef>
+              <a:spcAft>
+                <a:spcPct val="0"/>
+              </a:spcAft>
+              <a:defRPr sz="3600">
+                <a:solidFill>
+                  <a:srgbClr val="FFFFFF"/>
+                </a:solidFill>
+                <a:latin typeface="Gill Sans" panose="020B0502020104020203" pitchFamily="34" charset="-79"/>
+                <a:ea typeface="ヒラギノ角ゴ ProN W3" panose="020B0300000000000000" pitchFamily="34" charset="-128"/>
+                <a:sym typeface="Gill Sans" panose="020B0502020104020203" pitchFamily="34" charset="-79"/>
+              </a:defRPr>
+            </a:lvl6pPr>
+            <a:lvl7pPr marL="2971800" indent="-228600" eaLnBrk="0" fontAlgn="base" hangingPunct="0">
+              <a:spcBef>
+                <a:spcPct val="0"/>
+              </a:spcBef>
+              <a:spcAft>
+                <a:spcPct val="0"/>
+              </a:spcAft>
+              <a:defRPr sz="3600">
+                <a:solidFill>
+                  <a:srgbClr val="FFFFFF"/>
+                </a:solidFill>
+                <a:latin typeface="Gill Sans" panose="020B0502020104020203" pitchFamily="34" charset="-79"/>
+                <a:ea typeface="ヒラギノ角ゴ ProN W3" panose="020B0300000000000000" pitchFamily="34" charset="-128"/>
+                <a:sym typeface="Gill Sans" panose="020B0502020104020203" pitchFamily="34" charset="-79"/>
+              </a:defRPr>
+            </a:lvl7pPr>
+            <a:lvl8pPr marL="3429000" indent="-228600" eaLnBrk="0" fontAlgn="base" hangingPunct="0">
+              <a:spcBef>
+                <a:spcPct val="0"/>
+              </a:spcBef>
+              <a:spcAft>
+                <a:spcPct val="0"/>
+              </a:spcAft>
+              <a:defRPr sz="3600">
+                <a:solidFill>
+                  <a:srgbClr val="FFFFFF"/>
+                </a:solidFill>
+                <a:latin typeface="Gill Sans" panose="020B0502020104020203" pitchFamily="34" charset="-79"/>
+                <a:ea typeface="ヒラギノ角ゴ ProN W3" panose="020B0300000000000000" pitchFamily="34" charset="-128"/>
+                <a:sym typeface="Gill Sans" panose="020B0502020104020203" pitchFamily="34" charset="-79"/>
+              </a:defRPr>
+            </a:lvl8pPr>
+            <a:lvl9pPr marL="3886200" indent="-228600" eaLnBrk="0" fontAlgn="base" hangingPunct="0">
+              <a:spcBef>
+                <a:spcPct val="0"/>
+              </a:spcBef>
+              <a:spcAft>
+                <a:spcPct val="0"/>
+              </a:spcAft>
+              <a:defRPr sz="3600">
+                <a:solidFill>
+                  <a:srgbClr val="FFFFFF"/>
+                </a:solidFill>
+                <a:latin typeface="Gill Sans" panose="020B0502020104020203" pitchFamily="34" charset="-79"/>
+                <a:ea typeface="ヒラギノ角ゴ ProN W3" panose="020B0300000000000000" pitchFamily="34" charset="-128"/>
+                <a:sym typeface="Gill Sans" panose="020B0502020104020203" pitchFamily="34" charset="-79"/>
+              </a:defRPr>
+            </a:lvl9pPr>
+          </a:lstStyle>
+          <a:p>
+            <a:pPr algn="ctr" eaLnBrk="1" hangingPunct="1"/>
+            <a:r>
+              <a:rPr lang="en-US" altLang="en-US" sz="2625" i="1">
+                <a:solidFill>
+                  <a:schemeClr val="tx1"/>
+                </a:solidFill>
+                <a:ea typeface="ＭＳ Ｐゴシック" panose="020B0600070205080204" pitchFamily="34" charset="-128"/>
+              </a:rPr>
+              <a:t>A hash function is any algorithm or subroutine that maps large data sets to smaller data sets, called keys. For example, a single integer can serve as an index to an array (cf. associative array). The values returned by a hash function are called hash values, hash codes, hash sums, checksums, or simply hashes.</a:t>
+            </a:r>
+          </a:p>
+          <a:p>
+            <a:pPr algn="ctr" eaLnBrk="1" hangingPunct="1"/>
+            <a:r>
+              <a:rPr lang="en-US" altLang="en-US" sz="2625" i="1">
+                <a:solidFill>
+                  <a:schemeClr val="tx1"/>
+                </a:solidFill>
+                <a:ea typeface="ＭＳ Ｐゴシック" panose="020B0600070205080204" pitchFamily="34" charset="-128"/>
+              </a:rPr>
+              <a:t>Hash functions are mostly used to accelerate table lookup or data comparison tasks such as finding items in a database...</a:t>
+            </a:r>
+          </a:p>
+        </p:txBody>
+      </p:sp>
+      <p:pic>
+        <p:nvPicPr>
+          <p:cNvPr id="81925" name="Picture 5">
+            <a:extLst>
+              <a:ext uri="{FF2B5EF4-FFF2-40B4-BE49-F238E27FC236}">
+                <a16:creationId xmlns:a16="http://schemas.microsoft.com/office/drawing/2014/main" id="{295D937F-E53A-97A5-DDED-5775A2576708}"/>
+              </a:ext>
+            </a:extLst>
+          </p:cNvPr>
+          <p:cNvPicPr>
+            <a:picLocks noChangeAspect="1" noChangeArrowheads="1"/>
+          </p:cNvPicPr>
+          <p:nvPr/>
+        </p:nvPicPr>
+        <p:blipFill>
+          <a:blip r:embed="rId3">
+            <a:extLst>
+              <a:ext uri="{28A0092B-C50C-407E-A947-70E740481C1C}">
+                <a14:useLocalDpi xmlns:a14="http://schemas.microsoft.com/office/drawing/2010/main" val="0"/>
+              </a:ext>
+            </a:extLst>
+          </a:blip>
+          <a:srcRect/>
+          <a:stretch>
+            <a:fillRect/>
+          </a:stretch>
+        </p:blipFill>
+        <p:spPr bwMode="auto">
+          <a:xfrm>
+            <a:off x="7582350" y="1886101"/>
+            <a:ext cx="4762035" cy="3647719"/>
+          </a:xfrm>
+          <a:prstGeom prst="rect">
+            <a:avLst/>
+          </a:prstGeom>
+          <a:noFill/>
+          <a:ln>
+            <a:noFill/>
+          </a:ln>
+          <a:extLst>
+            <a:ext uri="{909E8E84-426E-40DD-AFC4-6F175D3DCCD1}">
+              <a14:hiddenFill xmlns:a14="http://schemas.microsoft.com/office/drawing/2010/main">
+                <a:solidFill>
+                  <a:srgbClr val="FFFFFF"/>
+                </a:solidFill>
+              </a14:hiddenFill>
+            </a:ext>
+            <a:ext uri="{91240B29-F687-4F45-9708-019B960494DF}">
+              <a14:hiddenLine xmlns:a14="http://schemas.microsoft.com/office/drawing/2010/main" w="12700">
+                <a:solidFill>
+                  <a:srgbClr val="000000"/>
+                </a:solidFill>
+                <a:miter lim="800000"/>
+                <a:headEnd/>
+                <a:tailEnd/>
+              </a14:hiddenLine>
+            </a:ext>
+          </a:extLst>
+        </p:spPr>
+      </p:pic>
+    </p:spTree>
+  </p:cSld>
+  <p:clrMapOvr>
+    <a:masterClrMapping/>
+  </p:clrMapOvr>
+</p:sld>
+</file>
+
+<file path=ppt/slides/slide11.xml><?xml version="1.0" encoding="utf-8"?>
+<p:sld xmlns:a="http://schemas.openxmlformats.org/drawingml/2006/main" xmlns:r="http://schemas.openxmlformats.org/officeDocument/2006/relationships" xmlns:p="http://schemas.openxmlformats.org/presentationml/2006/main">
+  <p:cSld>
+    <p:spTree>
+      <p:nvGrpSpPr>
+        <p:cNvPr id="1" name=""/>
+        <p:cNvGrpSpPr/>
+        <p:nvPr/>
+      </p:nvGrpSpPr>
+      <p:grpSpPr>
+        <a:xfrm>
+          <a:off x="0" y="0"/>
+          <a:ext cx="0" cy="0"/>
+          <a:chOff x="0" y="0"/>
+          <a:chExt cx="0" cy="0"/>
+        </a:xfrm>
+      </p:grpSpPr>
+      <p:sp>
+        <p:nvSpPr>
+          <p:cNvPr id="2" name="Title 1">
+            <a:extLst>
+              <a:ext uri="{FF2B5EF4-FFF2-40B4-BE49-F238E27FC236}">
+                <a16:creationId xmlns:a16="http://schemas.microsoft.com/office/drawing/2014/main" id="{0E73728A-0087-2963-B6FA-3E9A137FFBA4}"/>
+              </a:ext>
+            </a:extLst>
+          </p:cNvPr>
+          <p:cNvSpPr>
+            <a:spLocks noGrp="1"/>
+          </p:cNvSpPr>
+          <p:nvPr>
+            <p:ph type="title"/>
+          </p:nvPr>
+        </p:nvSpPr>
+        <p:spPr/>
+        <p:txBody>
+          <a:bodyPr/>
+          <a:lstStyle/>
+          <a:p>
+            <a:r>
+              <a:rPr lang="en-US" dirty="0"/>
+              <a:t>SHA-256 Compression Function</a:t>
+            </a:r>
+          </a:p>
+        </p:txBody>
+      </p:sp>
+      <p:sp>
+        <p:nvSpPr>
+          <p:cNvPr id="4" name="TextBox 3">
+            <a:extLst>
+              <a:ext uri="{FF2B5EF4-FFF2-40B4-BE49-F238E27FC236}">
+                <a16:creationId xmlns:a16="http://schemas.microsoft.com/office/drawing/2014/main" id="{A8348C92-2B6D-A66F-B32D-041741FD694B}"/>
+              </a:ext>
+            </a:extLst>
+          </p:cNvPr>
+          <p:cNvSpPr txBox="1"/>
+          <p:nvPr/>
+        </p:nvSpPr>
+        <p:spPr>
+          <a:xfrm>
+            <a:off x="838200" y="6123543"/>
+            <a:ext cx="6096000" cy="369332"/>
+          </a:xfrm>
+          <a:prstGeom prst="rect">
+            <a:avLst/>
+          </a:prstGeom>
+          <a:noFill/>
+        </p:spPr>
+        <p:txBody>
+          <a:bodyPr wrap="square">
+            <a:spAutoFit/>
+          </a:bodyPr>
+          <a:lstStyle/>
+          <a:p>
+            <a:r>
+              <a:rPr lang="en-US" dirty="0"/>
+              <a:t>https://</a:t>
+            </a:r>
+            <a:r>
+              <a:rPr lang="en-US" dirty="0" err="1"/>
+              <a:t>en.wikipedia.org</a:t>
+            </a:r>
+            <a:r>
+              <a:rPr lang="en-US" dirty="0"/>
+              <a:t>/wiki/SHA-2</a:t>
+            </a:r>
+          </a:p>
+        </p:txBody>
+      </p:sp>
+      <p:pic>
+        <p:nvPicPr>
+          <p:cNvPr id="10" name="Picture 9" descr="A complex formula with shifting, inversion, and exclusive or.  This is way too complex and does not need to be understood by the student.">
+            <a:extLst>
+              <a:ext uri="{FF2B5EF4-FFF2-40B4-BE49-F238E27FC236}">
+                <a16:creationId xmlns:a16="http://schemas.microsoft.com/office/drawing/2014/main" id="{E9E41344-610D-7D19-B5C6-A14A2A4D8C59}"/>
+              </a:ext>
+            </a:extLst>
+          </p:cNvPr>
+          <p:cNvPicPr>
+            <a:picLocks noChangeAspect="1"/>
+          </p:cNvPicPr>
+          <p:nvPr/>
+        </p:nvPicPr>
+        <p:blipFill rotWithShape="1">
+          <a:blip r:embed="rId2"/>
+          <a:srcRect r="2684"/>
+          <a:stretch/>
+        </p:blipFill>
+        <p:spPr>
+          <a:xfrm>
+            <a:off x="694703" y="2410017"/>
+            <a:ext cx="4951185" cy="2129021"/>
+          </a:xfrm>
+          <a:prstGeom prst="rect">
+            <a:avLst/>
+          </a:prstGeom>
+        </p:spPr>
+      </p:pic>
+      <p:pic>
+        <p:nvPicPr>
+          <p:cNvPr id="12" name="Picture 11" descr="A  graphical flow diagram with shifting, inversion, and exclusive or.  This is way too complex and does not need to be understood by the student.">
+            <a:extLst>
+              <a:ext uri="{FF2B5EF4-FFF2-40B4-BE49-F238E27FC236}">
+                <a16:creationId xmlns:a16="http://schemas.microsoft.com/office/drawing/2014/main" id="{8B0293F1-3FFC-5F0E-153E-16A84506C71B}"/>
+              </a:ext>
+            </a:extLst>
+          </p:cNvPr>
+          <p:cNvPicPr>
+            <a:picLocks noChangeAspect="1"/>
+          </p:cNvPicPr>
+          <p:nvPr/>
+        </p:nvPicPr>
+        <p:blipFill>
+          <a:blip r:embed="rId3"/>
+          <a:stretch>
+            <a:fillRect/>
+          </a:stretch>
+        </p:blipFill>
+        <p:spPr>
+          <a:xfrm>
+            <a:off x="5927060" y="1749891"/>
+            <a:ext cx="5080000" cy="3581400"/>
+          </a:xfrm>
+          <a:prstGeom prst="rect">
+            <a:avLst/>
+          </a:prstGeom>
+        </p:spPr>
+      </p:pic>
+    </p:spTree>
+    <p:extLst>
+      <p:ext uri="{BB962C8B-B14F-4D97-AF65-F5344CB8AC3E}">
+        <p14:creationId xmlns:p14="http://schemas.microsoft.com/office/powerpoint/2010/main" val="2184329564"/>
+      </p:ext>
+    </p:extLst>
+  </p:cSld>
+  <p:clrMapOvr>
+    <a:masterClrMapping/>
+  </p:clrMapOvr>
+</p:sld>
+</file>
+
+<file path=ppt/slides/slide12.xml><?xml version="1.0" encoding="utf-8"?>
+<p:sld xmlns:a="http://schemas.openxmlformats.org/drawingml/2006/main" xmlns:r="http://schemas.openxmlformats.org/officeDocument/2006/relationships" xmlns:p="http://schemas.openxmlformats.org/presentationml/2006/main">
+  <p:cSld>
+    <p:spTree>
+      <p:nvGrpSpPr>
+        <p:cNvPr id="1" name=""/>
+        <p:cNvGrpSpPr/>
+        <p:nvPr/>
+      </p:nvGrpSpPr>
+      <p:grpSpPr>
+        <a:xfrm>
+          <a:off x="0" y="0"/>
+          <a:ext cx="0" cy="0"/>
+          <a:chOff x="0" y="0"/>
+          <a:chExt cx="0" cy="0"/>
+        </a:xfrm>
+      </p:grpSpPr>
+      <p:sp>
+        <p:nvSpPr>
+          <p:cNvPr id="6" name="TextBox 5">
+            <a:extLst>
+              <a:ext uri="{FF2B5EF4-FFF2-40B4-BE49-F238E27FC236}">
+                <a16:creationId xmlns:a16="http://schemas.microsoft.com/office/drawing/2014/main" id="{DB2A9B6C-0905-53D0-5724-B0EE61E0BF7C}"/>
+              </a:ext>
+            </a:extLst>
+          </p:cNvPr>
+          <p:cNvSpPr txBox="1"/>
+          <p:nvPr/>
+        </p:nvSpPr>
+        <p:spPr>
+          <a:xfrm>
+            <a:off x="781050" y="612844"/>
+            <a:ext cx="7334250" cy="5632311"/>
+          </a:xfrm>
+          <a:prstGeom prst="rect">
+            <a:avLst/>
+          </a:prstGeom>
+          <a:noFill/>
+        </p:spPr>
+        <p:txBody>
+          <a:bodyPr wrap="square">
+            <a:spAutoFit/>
+          </a:bodyPr>
+          <a:lstStyle/>
+          <a:p>
+            <a:r>
+              <a:rPr lang="en-US" b="1" dirty="0">
+                <a:latin typeface="Courier New" panose="02070309020205020404" pitchFamily="49" charset="0"/>
+                <a:cs typeface="Courier New" panose="02070309020205020404" pitchFamily="49" charset="0"/>
+              </a:rPr>
+              <a:t>int </a:t>
+            </a:r>
+            <a:r>
+              <a:rPr lang="en-US" b="1" dirty="0" err="1">
+                <a:latin typeface="Courier New" panose="02070309020205020404" pitchFamily="49" charset="0"/>
+                <a:cs typeface="Courier New" panose="02070309020205020404" pitchFamily="49" charset="0"/>
+              </a:rPr>
+              <a:t>getBucket</a:t>
+            </a:r>
+            <a:r>
+              <a:rPr lang="en-US" b="1" dirty="0">
+                <a:latin typeface="Courier New" panose="02070309020205020404" pitchFamily="49" charset="0"/>
+                <a:cs typeface="Courier New" panose="02070309020205020404" pitchFamily="49" charset="0"/>
+              </a:rPr>
+              <a:t>(char *str, int buckets)</a:t>
+            </a:r>
+          </a:p>
+          <a:p>
+            <a:r>
+              <a:rPr lang="en-US" b="1" dirty="0">
+                <a:latin typeface="Courier New" panose="02070309020205020404" pitchFamily="49" charset="0"/>
+                <a:cs typeface="Courier New" panose="02070309020205020404" pitchFamily="49" charset="0"/>
+              </a:rPr>
+              <a:t>{</a:t>
+            </a:r>
+          </a:p>
+          <a:p>
+            <a:r>
+              <a:rPr lang="en-US" b="1" dirty="0">
+                <a:latin typeface="Courier New" panose="02070309020205020404" pitchFamily="49" charset="0"/>
+                <a:cs typeface="Courier New" panose="02070309020205020404" pitchFamily="49" charset="0"/>
+              </a:rPr>
+              <a:t>    unsigned int hash = 123456;</a:t>
+            </a:r>
+          </a:p>
+          <a:p>
+            <a:r>
+              <a:rPr lang="en-US" b="1" dirty="0">
+                <a:latin typeface="Courier New" panose="02070309020205020404" pitchFamily="49" charset="0"/>
+                <a:cs typeface="Courier New" panose="02070309020205020404" pitchFamily="49" charset="0"/>
+              </a:rPr>
+              <a:t>    </a:t>
+            </a:r>
+            <a:r>
+              <a:rPr lang="en-US" b="1" dirty="0" err="1">
+                <a:latin typeface="Courier New" panose="02070309020205020404" pitchFamily="49" charset="0"/>
+                <a:cs typeface="Courier New" panose="02070309020205020404" pitchFamily="49" charset="0"/>
+              </a:rPr>
+              <a:t>printf</a:t>
+            </a:r>
+            <a:r>
+              <a:rPr lang="en-US" b="1" dirty="0">
+                <a:latin typeface="Courier New" panose="02070309020205020404" pitchFamily="49" charset="0"/>
+                <a:cs typeface="Courier New" panose="02070309020205020404" pitchFamily="49" charset="0"/>
+              </a:rPr>
+              <a:t>("\</a:t>
+            </a:r>
+            <a:r>
+              <a:rPr lang="en-US" b="1" dirty="0" err="1">
+                <a:latin typeface="Courier New" panose="02070309020205020404" pitchFamily="49" charset="0"/>
+                <a:cs typeface="Courier New" panose="02070309020205020404" pitchFamily="49" charset="0"/>
+              </a:rPr>
+              <a:t>nHashing</a:t>
+            </a:r>
+            <a:r>
+              <a:rPr lang="en-US" b="1" dirty="0">
+                <a:latin typeface="Courier New" panose="02070309020205020404" pitchFamily="49" charset="0"/>
+                <a:cs typeface="Courier New" panose="02070309020205020404" pitchFamily="49" charset="0"/>
+              </a:rPr>
+              <a:t> %s\n", str);</a:t>
+            </a:r>
+          </a:p>
+          <a:p>
+            <a:r>
+              <a:rPr lang="en-US" b="1" dirty="0">
+                <a:latin typeface="Courier New" panose="02070309020205020404" pitchFamily="49" charset="0"/>
+                <a:cs typeface="Courier New" panose="02070309020205020404" pitchFamily="49" charset="0"/>
+              </a:rPr>
+              <a:t>    if ( str == NULL ) return 0;</a:t>
+            </a:r>
+          </a:p>
+          <a:p>
+            <a:r>
+              <a:rPr lang="en-US" b="1" dirty="0">
+                <a:latin typeface="Courier New" panose="02070309020205020404" pitchFamily="49" charset="0"/>
+                <a:cs typeface="Courier New" panose="02070309020205020404" pitchFamily="49" charset="0"/>
+              </a:rPr>
+              <a:t>    for( ; *str ; str++) {</a:t>
+            </a:r>
+          </a:p>
+          <a:p>
+            <a:r>
+              <a:rPr lang="en-US" b="1" dirty="0">
+                <a:latin typeface="Courier New" panose="02070309020205020404" pitchFamily="49" charset="0"/>
+                <a:cs typeface="Courier New" panose="02070309020205020404" pitchFamily="49" charset="0"/>
+              </a:rPr>
+              <a:t>        hash = ( hash &lt;&lt; 3 ) ^ *str;</a:t>
+            </a:r>
+          </a:p>
+          <a:p>
+            <a:r>
+              <a:rPr lang="en-US" b="1" dirty="0">
+                <a:latin typeface="Courier New" panose="02070309020205020404" pitchFamily="49" charset="0"/>
+                <a:cs typeface="Courier New" panose="02070309020205020404" pitchFamily="49" charset="0"/>
+              </a:rPr>
+              <a:t>        </a:t>
+            </a:r>
+            <a:r>
+              <a:rPr lang="en-US" b="1" dirty="0" err="1">
+                <a:latin typeface="Courier New" panose="02070309020205020404" pitchFamily="49" charset="0"/>
+                <a:cs typeface="Courier New" panose="02070309020205020404" pitchFamily="49" charset="0"/>
+              </a:rPr>
+              <a:t>printf</a:t>
+            </a:r>
+            <a:r>
+              <a:rPr lang="en-US" b="1" dirty="0">
+                <a:latin typeface="Courier New" panose="02070309020205020404" pitchFamily="49" charset="0"/>
+                <a:cs typeface="Courier New" panose="02070309020205020404" pitchFamily="49" charset="0"/>
+              </a:rPr>
+              <a:t>("%c 0x%08x %d\n", *str, </a:t>
+            </a:r>
+          </a:p>
+          <a:p>
+            <a:r>
+              <a:rPr lang="en-US" b="1" dirty="0">
+                <a:latin typeface="Courier New" panose="02070309020205020404" pitchFamily="49" charset="0"/>
+                <a:cs typeface="Courier New" panose="02070309020205020404" pitchFamily="49" charset="0"/>
+              </a:rPr>
+              <a:t>               hash, hash % buckets);</a:t>
+            </a:r>
+          </a:p>
+          <a:p>
+            <a:r>
+              <a:rPr lang="en-US" b="1" dirty="0">
+                <a:latin typeface="Courier New" panose="02070309020205020404" pitchFamily="49" charset="0"/>
+                <a:cs typeface="Courier New" panose="02070309020205020404" pitchFamily="49" charset="0"/>
+              </a:rPr>
+              <a:t>    }</a:t>
+            </a:r>
+          </a:p>
+          <a:p>
+            <a:r>
+              <a:rPr lang="en-US" b="1" dirty="0">
+                <a:latin typeface="Courier New" panose="02070309020205020404" pitchFamily="49" charset="0"/>
+                <a:cs typeface="Courier New" panose="02070309020205020404" pitchFamily="49" charset="0"/>
+              </a:rPr>
+              <a:t>    return hash % buckets;</a:t>
+            </a:r>
+          </a:p>
+          <a:p>
+            <a:r>
+              <a:rPr lang="en-US" b="1" dirty="0">
+                <a:latin typeface="Courier New" panose="02070309020205020404" pitchFamily="49" charset="0"/>
+                <a:cs typeface="Courier New" panose="02070309020205020404" pitchFamily="49" charset="0"/>
+              </a:rPr>
+              <a:t>}</a:t>
+            </a:r>
+          </a:p>
+          <a:p>
+            <a:endParaRPr lang="en-US" b="1" dirty="0">
+              <a:latin typeface="Courier New" panose="02070309020205020404" pitchFamily="49" charset="0"/>
+              <a:cs typeface="Courier New" panose="02070309020205020404" pitchFamily="49" charset="0"/>
+            </a:endParaRPr>
+          </a:p>
+          <a:p>
+            <a:r>
+              <a:rPr lang="en-US" b="1" dirty="0">
+                <a:latin typeface="Courier New" panose="02070309020205020404" pitchFamily="49" charset="0"/>
+                <a:cs typeface="Courier New" panose="02070309020205020404" pitchFamily="49" charset="0"/>
+              </a:rPr>
+              <a:t>int main() {</a:t>
+            </a:r>
+          </a:p>
+          <a:p>
+            <a:r>
+              <a:rPr lang="en-US" b="1" dirty="0">
+                <a:latin typeface="Courier New" panose="02070309020205020404" pitchFamily="49" charset="0"/>
+                <a:cs typeface="Courier New" panose="02070309020205020404" pitchFamily="49" charset="0"/>
+              </a:rPr>
+              <a:t>    int h;</a:t>
+            </a:r>
+          </a:p>
+          <a:p>
+            <a:r>
+              <a:rPr lang="en-US" b="1" dirty="0">
+                <a:latin typeface="Courier New" panose="02070309020205020404" pitchFamily="49" charset="0"/>
+                <a:cs typeface="Courier New" panose="02070309020205020404" pitchFamily="49" charset="0"/>
+              </a:rPr>
+              <a:t>    </a:t>
+            </a:r>
+          </a:p>
+          <a:p>
+            <a:r>
+              <a:rPr lang="en-US" b="1" dirty="0">
+                <a:latin typeface="Courier New" panose="02070309020205020404" pitchFamily="49" charset="0"/>
+                <a:cs typeface="Courier New" panose="02070309020205020404" pitchFamily="49" charset="0"/>
+              </a:rPr>
+              <a:t>    h = </a:t>
+            </a:r>
+            <a:r>
+              <a:rPr lang="en-US" b="1" dirty="0" err="1">
+                <a:latin typeface="Courier New" panose="02070309020205020404" pitchFamily="49" charset="0"/>
+                <a:cs typeface="Courier New" panose="02070309020205020404" pitchFamily="49" charset="0"/>
+              </a:rPr>
+              <a:t>getBucket</a:t>
+            </a:r>
+            <a:r>
+              <a:rPr lang="en-US" b="1" dirty="0">
+                <a:latin typeface="Courier New" panose="02070309020205020404" pitchFamily="49" charset="0"/>
+                <a:cs typeface="Courier New" panose="02070309020205020404" pitchFamily="49" charset="0"/>
+              </a:rPr>
+              <a:t>("Hi", 8);</a:t>
+            </a:r>
+          </a:p>
+          <a:p>
+            <a:r>
+              <a:rPr lang="en-US" b="1" dirty="0">
+                <a:latin typeface="Courier New" panose="02070309020205020404" pitchFamily="49" charset="0"/>
+                <a:cs typeface="Courier New" panose="02070309020205020404" pitchFamily="49" charset="0"/>
+              </a:rPr>
+              <a:t>    h = </a:t>
+            </a:r>
+            <a:r>
+              <a:rPr lang="en-US" b="1" dirty="0" err="1">
+                <a:latin typeface="Courier New" panose="02070309020205020404" pitchFamily="49" charset="0"/>
+                <a:cs typeface="Courier New" panose="02070309020205020404" pitchFamily="49" charset="0"/>
+              </a:rPr>
+              <a:t>getBucket</a:t>
+            </a:r>
+            <a:r>
+              <a:rPr lang="en-US" b="1" dirty="0">
+                <a:latin typeface="Courier New" panose="02070309020205020404" pitchFamily="49" charset="0"/>
+                <a:cs typeface="Courier New" panose="02070309020205020404" pitchFamily="49" charset="0"/>
+              </a:rPr>
+              <a:t>("Hello", 8);</a:t>
+            </a:r>
+          </a:p>
+          <a:p>
+            <a:r>
+              <a:rPr lang="en-US" b="1" dirty="0">
+                <a:latin typeface="Courier New" panose="02070309020205020404" pitchFamily="49" charset="0"/>
+                <a:cs typeface="Courier New" panose="02070309020205020404" pitchFamily="49" charset="0"/>
+              </a:rPr>
+              <a:t>    h = </a:t>
+            </a:r>
+            <a:r>
+              <a:rPr lang="en-US" b="1" dirty="0" err="1">
+                <a:latin typeface="Courier New" panose="02070309020205020404" pitchFamily="49" charset="0"/>
+                <a:cs typeface="Courier New" panose="02070309020205020404" pitchFamily="49" charset="0"/>
+              </a:rPr>
+              <a:t>getBucket</a:t>
+            </a:r>
+            <a:r>
+              <a:rPr lang="en-US" b="1" dirty="0">
+                <a:latin typeface="Courier New" panose="02070309020205020404" pitchFamily="49" charset="0"/>
+                <a:cs typeface="Courier New" panose="02070309020205020404" pitchFamily="49" charset="0"/>
+              </a:rPr>
+              <a:t>("World", 8);</a:t>
+            </a:r>
+          </a:p>
+          <a:p>
+            <a:r>
+              <a:rPr lang="en-US" b="1" dirty="0">
+                <a:latin typeface="Courier New" panose="02070309020205020404" pitchFamily="49" charset="0"/>
+                <a:cs typeface="Courier New" panose="02070309020205020404" pitchFamily="49" charset="0"/>
+              </a:rPr>
+              <a:t>}</a:t>
+            </a:r>
+          </a:p>
+        </p:txBody>
+      </p:sp>
+      <p:sp>
+        <p:nvSpPr>
+          <p:cNvPr id="8" name="TextBox 7">
+            <a:extLst>
+              <a:ext uri="{FF2B5EF4-FFF2-40B4-BE49-F238E27FC236}">
+                <a16:creationId xmlns:a16="http://schemas.microsoft.com/office/drawing/2014/main" id="{BE7E7FE2-0047-570B-5CA0-F777C7401591}"/>
+              </a:ext>
+            </a:extLst>
+          </p:cNvPr>
+          <p:cNvSpPr txBox="1"/>
+          <p:nvPr/>
+        </p:nvSpPr>
+        <p:spPr>
+          <a:xfrm>
+            <a:off x="7864081" y="771168"/>
+            <a:ext cx="2707482" cy="4801314"/>
+          </a:xfrm>
+          <a:prstGeom prst="rect">
+            <a:avLst/>
+          </a:prstGeom>
+          <a:noFill/>
+        </p:spPr>
+        <p:txBody>
+          <a:bodyPr wrap="square">
+            <a:spAutoFit/>
+          </a:bodyPr>
+          <a:lstStyle/>
+          <a:p>
+            <a:r>
+              <a:rPr lang="en-US" b="1" dirty="0">
+                <a:latin typeface="Courier New" panose="02070309020205020404" pitchFamily="49" charset="0"/>
+                <a:cs typeface="Courier New" panose="02070309020205020404" pitchFamily="49" charset="0"/>
+              </a:rPr>
+              <a:t>Hashing Hi</a:t>
+            </a:r>
+          </a:p>
+          <a:p>
+            <a:r>
+              <a:rPr lang="en-US" b="1" dirty="0">
+                <a:latin typeface="Courier New" panose="02070309020205020404" pitchFamily="49" charset="0"/>
+                <a:cs typeface="Courier New" panose="02070309020205020404" pitchFamily="49" charset="0"/>
+              </a:rPr>
+              <a:t>H 0x000f1248 0</a:t>
+            </a:r>
+          </a:p>
+          <a:p>
+            <a:r>
+              <a:rPr lang="en-US" b="1" dirty="0" err="1">
+                <a:latin typeface="Courier New" panose="02070309020205020404" pitchFamily="49" charset="0"/>
+                <a:cs typeface="Courier New" panose="02070309020205020404" pitchFamily="49" charset="0"/>
+              </a:rPr>
+              <a:t>i</a:t>
+            </a:r>
+            <a:r>
+              <a:rPr lang="en-US" b="1" dirty="0">
+                <a:latin typeface="Courier New" panose="02070309020205020404" pitchFamily="49" charset="0"/>
+                <a:cs typeface="Courier New" panose="02070309020205020404" pitchFamily="49" charset="0"/>
+              </a:rPr>
+              <a:t> 0x00789229 1</a:t>
+            </a:r>
+          </a:p>
+          <a:p>
+            <a:endParaRPr lang="en-US" b="1" dirty="0">
+              <a:latin typeface="Courier New" panose="02070309020205020404" pitchFamily="49" charset="0"/>
+              <a:cs typeface="Courier New" panose="02070309020205020404" pitchFamily="49" charset="0"/>
+            </a:endParaRPr>
+          </a:p>
+          <a:p>
+            <a:r>
+              <a:rPr lang="en-US" b="1" dirty="0">
+                <a:latin typeface="Courier New" panose="02070309020205020404" pitchFamily="49" charset="0"/>
+                <a:cs typeface="Courier New" panose="02070309020205020404" pitchFamily="49" charset="0"/>
+              </a:rPr>
+              <a:t>Hashing Hello</a:t>
+            </a:r>
+          </a:p>
+          <a:p>
+            <a:r>
+              <a:rPr lang="en-US" b="1" dirty="0">
+                <a:latin typeface="Courier New" panose="02070309020205020404" pitchFamily="49" charset="0"/>
+                <a:cs typeface="Courier New" panose="02070309020205020404" pitchFamily="49" charset="0"/>
+              </a:rPr>
+              <a:t>H 0x000f1248 0</a:t>
+            </a:r>
+          </a:p>
+          <a:p>
+            <a:r>
+              <a:rPr lang="en-US" b="1" dirty="0">
+                <a:latin typeface="Courier New" panose="02070309020205020404" pitchFamily="49" charset="0"/>
+                <a:cs typeface="Courier New" panose="02070309020205020404" pitchFamily="49" charset="0"/>
+              </a:rPr>
+              <a:t>e 0x00789225 5</a:t>
+            </a:r>
+          </a:p>
+          <a:p>
+            <a:r>
+              <a:rPr lang="en-US" b="1" dirty="0">
+                <a:latin typeface="Courier New" panose="02070309020205020404" pitchFamily="49" charset="0"/>
+                <a:cs typeface="Courier New" panose="02070309020205020404" pitchFamily="49" charset="0"/>
+              </a:rPr>
+              <a:t>l 0x03c49144 4</a:t>
+            </a:r>
+          </a:p>
+          <a:p>
+            <a:r>
+              <a:rPr lang="en-US" b="1" dirty="0">
+                <a:latin typeface="Courier New" panose="02070309020205020404" pitchFamily="49" charset="0"/>
+                <a:cs typeface="Courier New" panose="02070309020205020404" pitchFamily="49" charset="0"/>
+              </a:rPr>
+              <a:t>l 0x1e248a4c 4</a:t>
+            </a:r>
+          </a:p>
+          <a:p>
+            <a:r>
+              <a:rPr lang="en-US" b="1" dirty="0">
+                <a:latin typeface="Courier New" panose="02070309020205020404" pitchFamily="49" charset="0"/>
+                <a:cs typeface="Courier New" panose="02070309020205020404" pitchFamily="49" charset="0"/>
+              </a:rPr>
+              <a:t>o 0xf124520f 7</a:t>
+            </a:r>
+          </a:p>
+          <a:p>
+            <a:endParaRPr lang="en-US" b="1" dirty="0">
+              <a:latin typeface="Courier New" panose="02070309020205020404" pitchFamily="49" charset="0"/>
+              <a:cs typeface="Courier New" panose="02070309020205020404" pitchFamily="49" charset="0"/>
+            </a:endParaRPr>
+          </a:p>
+          <a:p>
+            <a:r>
+              <a:rPr lang="en-US" b="1" dirty="0">
+                <a:latin typeface="Courier New" panose="02070309020205020404" pitchFamily="49" charset="0"/>
+                <a:cs typeface="Courier New" panose="02070309020205020404" pitchFamily="49" charset="0"/>
+              </a:rPr>
+              <a:t>Hashing World</a:t>
+            </a:r>
+          </a:p>
+          <a:p>
+            <a:r>
+              <a:rPr lang="en-US" b="1" dirty="0">
+                <a:latin typeface="Courier New" panose="02070309020205020404" pitchFamily="49" charset="0"/>
+                <a:cs typeface="Courier New" panose="02070309020205020404" pitchFamily="49" charset="0"/>
+              </a:rPr>
+              <a:t>W 0x000f1257 7</a:t>
+            </a:r>
+          </a:p>
+          <a:p>
+            <a:r>
+              <a:rPr lang="en-US" b="1" dirty="0">
+                <a:latin typeface="Courier New" panose="02070309020205020404" pitchFamily="49" charset="0"/>
+                <a:cs typeface="Courier New" panose="02070309020205020404" pitchFamily="49" charset="0"/>
+              </a:rPr>
+              <a:t>o 0x007892d7 7</a:t>
+            </a:r>
+          </a:p>
+          <a:p>
+            <a:r>
+              <a:rPr lang="en-US" b="1" dirty="0">
+                <a:latin typeface="Courier New" panose="02070309020205020404" pitchFamily="49" charset="0"/>
+                <a:cs typeface="Courier New" panose="02070309020205020404" pitchFamily="49" charset="0"/>
+              </a:rPr>
+              <a:t>r 0x03c496ca 2</a:t>
+            </a:r>
+          </a:p>
+          <a:p>
+            <a:r>
+              <a:rPr lang="en-US" b="1" dirty="0">
+                <a:latin typeface="Courier New" panose="02070309020205020404" pitchFamily="49" charset="0"/>
+                <a:cs typeface="Courier New" panose="02070309020205020404" pitchFamily="49" charset="0"/>
+              </a:rPr>
+              <a:t>l 0x1e24b63c 4</a:t>
+            </a:r>
+          </a:p>
+          <a:p>
+            <a:r>
+              <a:rPr lang="en-US" b="1" dirty="0">
+                <a:latin typeface="Courier New" panose="02070309020205020404" pitchFamily="49" charset="0"/>
+                <a:cs typeface="Courier New" panose="02070309020205020404" pitchFamily="49" charset="0"/>
+              </a:rPr>
+              <a:t>d 0xf125b184 4</a:t>
+            </a:r>
+          </a:p>
+        </p:txBody>
+      </p:sp>
+      <p:sp>
+        <p:nvSpPr>
+          <p:cNvPr id="9" name="TextBox 8">
+            <a:extLst>
+              <a:ext uri="{FF2B5EF4-FFF2-40B4-BE49-F238E27FC236}">
+                <a16:creationId xmlns:a16="http://schemas.microsoft.com/office/drawing/2014/main" id="{0208A033-292D-B85C-D84C-AD5A1A933F57}"/>
+              </a:ext>
+            </a:extLst>
+          </p:cNvPr>
+          <p:cNvSpPr txBox="1"/>
+          <p:nvPr/>
+        </p:nvSpPr>
+        <p:spPr>
+          <a:xfrm>
+            <a:off x="10247708" y="6245155"/>
+            <a:ext cx="1665696" cy="307777"/>
+          </a:xfrm>
+          <a:prstGeom prst="rect">
+            <a:avLst/>
+          </a:prstGeom>
+          <a:noFill/>
+        </p:spPr>
+        <p:txBody>
+          <a:bodyPr wrap="square">
+            <a:spAutoFit/>
+          </a:bodyPr>
+          <a:lstStyle/>
+          <a:p>
+            <a:r>
+              <a:rPr lang="en-US" sz="1400" b="1" dirty="0">
+                <a:solidFill>
+                  <a:srgbClr val="000000"/>
+                </a:solidFill>
+                <a:latin typeface="Menlo" panose="020B0609030804020204" pitchFamily="49" charset="0"/>
+              </a:rPr>
+              <a:t>cc_05_01_01.c</a:t>
+            </a:r>
+          </a:p>
+        </p:txBody>
+      </p:sp>
+    </p:spTree>
+    <p:extLst>
+      <p:ext uri="{BB962C8B-B14F-4D97-AF65-F5344CB8AC3E}">
+        <p14:creationId xmlns:p14="http://schemas.microsoft.com/office/powerpoint/2010/main" val="2955782369"/>
+      </p:ext>
+    </p:extLst>
+  </p:cSld>
+  <p:clrMapOvr>
+    <a:masterClrMapping/>
+  </p:clrMapOvr>
+</p:sld>
+</file>
+
+<file path=ppt/slides/slide13.xml><?xml version="1.0" encoding="utf-8"?>
+<p:sld xmlns:a="http://schemas.openxmlformats.org/drawingml/2006/main" xmlns:r="http://schemas.openxmlformats.org/officeDocument/2006/relationships" xmlns:p="http://schemas.openxmlformats.org/presentationml/2006/main">
+  <p:cSld>
+    <p:spTree>
+      <p:nvGrpSpPr>
+        <p:cNvPr id="1" name=""/>
+        <p:cNvGrpSpPr/>
+        <p:nvPr/>
+      </p:nvGrpSpPr>
+      <p:grpSpPr>
+        <a:xfrm>
+          <a:off x="0" y="0"/>
+          <a:ext cx="0" cy="0"/>
+          <a:chOff x="0" y="0"/>
+          <a:chExt cx="0" cy="0"/>
+        </a:xfrm>
+      </p:grpSpPr>
+      <p:sp>
+        <p:nvSpPr>
+          <p:cNvPr id="2" name="Title 1">
+            <a:extLst>
+              <a:ext uri="{FF2B5EF4-FFF2-40B4-BE49-F238E27FC236}">
+                <a16:creationId xmlns:a16="http://schemas.microsoft.com/office/drawing/2014/main" id="{AF527238-F1A1-31AD-9629-746FE02E67A3}"/>
+              </a:ext>
+            </a:extLst>
+          </p:cNvPr>
+          <p:cNvSpPr>
+            <a:spLocks noGrp="1"/>
+          </p:cNvSpPr>
+          <p:nvPr>
+            <p:ph type="title"/>
+          </p:nvPr>
+        </p:nvSpPr>
+        <p:spPr/>
+        <p:txBody>
+          <a:bodyPr/>
+          <a:lstStyle/>
+          <a:p>
+            <a:r>
+              <a:rPr lang="en-US" dirty="0"/>
+              <a:t>TBD: </a:t>
+            </a:r>
+            <a:r>
+              <a:rPr lang="en-US" dirty="0" err="1"/>
+              <a:t>LinkedTree</a:t>
+            </a:r>
+            <a:endParaRPr lang="en-US" dirty="0"/>
+          </a:p>
+        </p:txBody>
+      </p:sp>
+      <p:sp>
+        <p:nvSpPr>
+          <p:cNvPr id="3" name="Text Placeholder 2">
+            <a:extLst>
+              <a:ext uri="{FF2B5EF4-FFF2-40B4-BE49-F238E27FC236}">
+                <a16:creationId xmlns:a16="http://schemas.microsoft.com/office/drawing/2014/main" id="{DDA23206-C253-8CEA-391D-261F2BE99EF0}"/>
+              </a:ext>
+            </a:extLst>
+          </p:cNvPr>
+          <p:cNvSpPr>
+            <a:spLocks noGrp="1"/>
+          </p:cNvSpPr>
+          <p:nvPr>
+            <p:ph type="body" idx="1"/>
+          </p:nvPr>
+        </p:nvSpPr>
+        <p:spPr/>
+        <p:txBody>
+          <a:bodyPr/>
+          <a:lstStyle/>
+          <a:p>
+            <a:endParaRPr lang="en-US"/>
+          </a:p>
+        </p:txBody>
+      </p:sp>
+    </p:spTree>
+    <p:extLst>
+      <p:ext uri="{BB962C8B-B14F-4D97-AF65-F5344CB8AC3E}">
+        <p14:creationId xmlns:p14="http://schemas.microsoft.com/office/powerpoint/2010/main" val="2717174361"/>
+      </p:ext>
+    </p:extLst>
+  </p:cSld>
+  <p:clrMapOvr>
+    <a:masterClrMapping/>
+  </p:clrMapOvr>
+</p:sld>
+</file>
+
+<file path=ppt/slides/slide14.xml><?xml version="1.0" encoding="utf-8"?>
+<p:sld xmlns:a="http://schemas.openxmlformats.org/drawingml/2006/main" xmlns:r="http://schemas.openxmlformats.org/officeDocument/2006/relationships" xmlns:p="http://schemas.openxmlformats.org/presentationml/2006/main">
+  <p:cSld>
+    <p:spTree>
+      <p:nvGrpSpPr>
+        <p:cNvPr id="1" name=""/>
+        <p:cNvGrpSpPr/>
+        <p:nvPr/>
+      </p:nvGrpSpPr>
+      <p:grpSpPr>
+        <a:xfrm>
+          <a:off x="0" y="0"/>
+          <a:ext cx="0" cy="0"/>
+          <a:chOff x="0" y="0"/>
+          <a:chExt cx="0" cy="0"/>
+        </a:xfrm>
+      </p:grpSpPr>
+      <p:sp>
+        <p:nvSpPr>
+          <p:cNvPr id="4" name="Title 3">
+            <a:extLst>
+              <a:ext uri="{FF2B5EF4-FFF2-40B4-BE49-F238E27FC236}">
+                <a16:creationId xmlns:a16="http://schemas.microsoft.com/office/drawing/2014/main" id="{C6B9E8AC-ABA2-FB4E-FD75-527CE7ECD111}"/>
+              </a:ext>
+            </a:extLst>
+          </p:cNvPr>
+          <p:cNvSpPr>
+            <a:spLocks noGrp="1"/>
+          </p:cNvSpPr>
+          <p:nvPr>
+            <p:ph type="title"/>
+          </p:nvPr>
+        </p:nvSpPr>
+        <p:spPr/>
+        <p:txBody>
+          <a:bodyPr/>
+          <a:lstStyle/>
+          <a:p>
+            <a:r>
+              <a:rPr lang="en-US" dirty="0"/>
+              <a:t>A </a:t>
+            </a:r>
+            <a:r>
+              <a:rPr lang="en-US" dirty="0" err="1"/>
+              <a:t>LinkedTreeMap</a:t>
+            </a:r>
+            <a:endParaRPr lang="en-US" dirty="0"/>
+          </a:p>
+        </p:txBody>
+      </p:sp>
+      <p:sp>
+        <p:nvSpPr>
+          <p:cNvPr id="5" name="Content Placeholder 4">
+            <a:extLst>
+              <a:ext uri="{FF2B5EF4-FFF2-40B4-BE49-F238E27FC236}">
+                <a16:creationId xmlns:a16="http://schemas.microsoft.com/office/drawing/2014/main" id="{6B8BB105-0AF7-8246-C832-09F12F90E149}"/>
+              </a:ext>
+            </a:extLst>
+          </p:cNvPr>
+          <p:cNvSpPr>
+            <a:spLocks noGrp="1"/>
+          </p:cNvSpPr>
+          <p:nvPr>
+            <p:ph idx="1"/>
+          </p:nvPr>
+        </p:nvSpPr>
+        <p:spPr/>
+        <p:txBody>
+          <a:bodyPr/>
+          <a:lstStyle/>
+          <a:p>
+            <a:r>
+              <a:rPr lang="en-US" dirty="0"/>
+              <a:t>Stays ordered (like Python </a:t>
+            </a:r>
+            <a:r>
+              <a:rPr lang="en-US" dirty="0" err="1"/>
+              <a:t>OrderedDict</a:t>
+            </a:r>
+            <a:r>
+              <a:rPr lang="en-US" dirty="0"/>
+              <a:t>)</a:t>
+            </a:r>
+          </a:p>
+          <a:p>
+            <a:r>
+              <a:rPr lang="en-US" dirty="0"/>
+              <a:t>Stays sorted (like Java </a:t>
+            </a:r>
+            <a:r>
+              <a:rPr lang="en-US" dirty="0" err="1"/>
+              <a:t>TreeMap</a:t>
+            </a:r>
+            <a:r>
+              <a:rPr lang="en-US" dirty="0"/>
+              <a:t>)</a:t>
+            </a:r>
+          </a:p>
+          <a:p>
+            <a:r>
+              <a:rPr lang="en-US" dirty="0"/>
+              <a:t>Can be iterated (like C++ map, and </a:t>
+            </a:r>
+            <a:r>
+              <a:rPr lang="en-US" dirty="0" err="1"/>
+              <a:t>OrderedDict</a:t>
+            </a:r>
+            <a:r>
+              <a:rPr lang="en-US" dirty="0"/>
+              <a:t>, but not </a:t>
+            </a:r>
+            <a:r>
+              <a:rPr lang="en-US" dirty="0" err="1"/>
+              <a:t>TreeMap</a:t>
+            </a:r>
+            <a:r>
+              <a:rPr lang="en-US" dirty="0"/>
+              <a:t>)</a:t>
+            </a:r>
+          </a:p>
+          <a:p>
+            <a:endParaRPr lang="en-US" dirty="0"/>
+          </a:p>
+        </p:txBody>
+      </p:sp>
+    </p:spTree>
+    <p:extLst>
+      <p:ext uri="{BB962C8B-B14F-4D97-AF65-F5344CB8AC3E}">
+        <p14:creationId xmlns:p14="http://schemas.microsoft.com/office/powerpoint/2010/main" val="3653535979"/>
+      </p:ext>
+    </p:extLst>
+  </p:cSld>
+  <p:clrMapOvr>
+    <a:masterClrMapping/>
+  </p:clrMapOvr>
+</p:sld>
+</file>
+
+<file path=ppt/slides/slide15.xml><?xml version="1.0" encoding="utf-8"?>
+<p:sld xmlns:a="http://schemas.openxmlformats.org/drawingml/2006/main" xmlns:r="http://schemas.openxmlformats.org/officeDocument/2006/relationships" xmlns:p="http://schemas.openxmlformats.org/presentationml/2006/main">
+  <p:cSld>
+    <p:spTree>
+      <p:nvGrpSpPr>
+        <p:cNvPr id="1" name=""/>
+        <p:cNvGrpSpPr/>
+        <p:nvPr/>
+      </p:nvGrpSpPr>
+      <p:grpSpPr>
+        <a:xfrm>
+          <a:off x="0" y="0"/>
+          <a:ext cx="0" cy="0"/>
+          <a:chOff x="0" y="0"/>
+          <a:chExt cx="0" cy="0"/>
+        </a:xfrm>
+      </p:grpSpPr>
+      <p:cxnSp>
+        <p:nvCxnSpPr>
+          <p:cNvPr id="46" name="Straight Arrow Connector 45">
+            <a:extLst>
+              <a:ext uri="{FF2B5EF4-FFF2-40B4-BE49-F238E27FC236}">
+                <a16:creationId xmlns:a16="http://schemas.microsoft.com/office/drawing/2014/main" id="{04522262-D68D-F78F-6B9F-FD84B64289B0}"/>
+              </a:ext>
+            </a:extLst>
+          </p:cNvPr>
+          <p:cNvCxnSpPr>
+            <a:cxnSpLocks/>
+            <a:endCxn id="47" idx="3"/>
+          </p:cNvCxnSpPr>
+          <p:nvPr/>
+        </p:nvCxnSpPr>
+        <p:spPr>
+          <a:xfrm flipH="1">
+            <a:off x="3558886" y="1891240"/>
+            <a:ext cx="2561889" cy="800706"/>
+          </a:xfrm>
+          <a:prstGeom prst="straightConnector1">
+            <a:avLst/>
+          </a:prstGeom>
+          <a:ln w="57150">
+            <a:solidFill>
+              <a:schemeClr val="accent2">
+                <a:lumMod val="75000"/>
+              </a:schemeClr>
+            </a:solidFill>
+            <a:tailEnd type="triangle"/>
+          </a:ln>
+        </p:spPr>
+        <p:style>
+          <a:lnRef idx="1">
+            <a:schemeClr val="accent1"/>
+          </a:lnRef>
+          <a:fillRef idx="0">
+            <a:schemeClr val="accent1"/>
+          </a:fillRef>
+          <a:effectRef idx="0">
+            <a:schemeClr val="accent1"/>
+          </a:effectRef>
+          <a:fontRef idx="minor">
+            <a:schemeClr val="tx1"/>
+          </a:fontRef>
+        </p:style>
+      </p:cxnSp>
+      <p:sp>
+        <p:nvSpPr>
+          <p:cNvPr id="31" name="Snip Same Side Corner Rectangle 30">
+            <a:extLst>
+              <a:ext uri="{FF2B5EF4-FFF2-40B4-BE49-F238E27FC236}">
+                <a16:creationId xmlns:a16="http://schemas.microsoft.com/office/drawing/2014/main" id="{E7026527-51C7-8BDC-9825-BD78B1B25892}"/>
+              </a:ext>
+            </a:extLst>
+          </p:cNvPr>
+          <p:cNvSpPr/>
+          <p:nvPr/>
+        </p:nvSpPr>
+        <p:spPr>
+          <a:xfrm>
+            <a:off x="5781760" y="1567692"/>
+            <a:ext cx="1045588" cy="521759"/>
+          </a:xfrm>
+          <a:prstGeom prst="snip2SameRect">
+            <a:avLst>
+              <a:gd name="adj1" fmla="val 0"/>
+              <a:gd name="adj2" fmla="val 28571"/>
+            </a:avLst>
+          </a:prstGeom>
+          <a:solidFill>
+            <a:schemeClr val="bg1"/>
+          </a:solidFill>
+          <a:ln w="38100">
+            <a:solidFill>
+              <a:schemeClr val="tx1"/>
+            </a:solidFill>
+          </a:ln>
+        </p:spPr>
+        <p:style>
+          <a:lnRef idx="2">
+            <a:schemeClr val="accent1">
+              <a:shade val="50000"/>
+            </a:schemeClr>
+          </a:lnRef>
+          <a:fillRef idx="1">
+            <a:schemeClr val="accent1"/>
+          </a:fillRef>
+          <a:effectRef idx="0">
+            <a:schemeClr val="accent1"/>
+          </a:effectRef>
+          <a:fontRef idx="minor">
+            <a:schemeClr val="lt1"/>
+          </a:fontRef>
+        </p:style>
+        <p:txBody>
+          <a:bodyPr rtlCol="0" anchor="ctr"/>
+          <a:lstStyle/>
+          <a:p>
+            <a:pPr algn="ctr"/>
+            <a:r>
+              <a:rPr lang="en-US" dirty="0">
+                <a:solidFill>
+                  <a:schemeClr val="tx1"/>
+                </a:solidFill>
+              </a:rPr>
+              <a:t>h=42</a:t>
+            </a:r>
+          </a:p>
+        </p:txBody>
+      </p:sp>
+      <p:cxnSp>
+        <p:nvCxnSpPr>
+          <p:cNvPr id="51" name="Straight Arrow Connector 50">
+            <a:extLst>
+              <a:ext uri="{FF2B5EF4-FFF2-40B4-BE49-F238E27FC236}">
+                <a16:creationId xmlns:a16="http://schemas.microsoft.com/office/drawing/2014/main" id="{48B18272-38CA-87F3-AF02-F3A8A5125AAE}"/>
+              </a:ext>
+            </a:extLst>
+          </p:cNvPr>
+          <p:cNvCxnSpPr>
+            <a:cxnSpLocks/>
+            <a:endCxn id="62" idx="3"/>
+          </p:cNvCxnSpPr>
+          <p:nvPr/>
+        </p:nvCxnSpPr>
+        <p:spPr>
+          <a:xfrm>
+            <a:off x="6745646" y="1988820"/>
+            <a:ext cx="2304576" cy="688612"/>
+          </a:xfrm>
+          <a:prstGeom prst="straightConnector1">
+            <a:avLst/>
+          </a:prstGeom>
+          <a:ln w="57150">
+            <a:solidFill>
+              <a:schemeClr val="accent2">
+                <a:lumMod val="75000"/>
+              </a:schemeClr>
+            </a:solidFill>
+            <a:tailEnd type="triangle"/>
+          </a:ln>
+        </p:spPr>
+        <p:style>
+          <a:lnRef idx="1">
+            <a:schemeClr val="accent1"/>
+          </a:lnRef>
+          <a:fillRef idx="0">
+            <a:schemeClr val="accent1"/>
+          </a:fillRef>
+          <a:effectRef idx="0">
+            <a:schemeClr val="accent1"/>
+          </a:effectRef>
+          <a:fontRef idx="minor">
+            <a:schemeClr val="tx1"/>
+          </a:fontRef>
+        </p:style>
+      </p:cxnSp>
+      <p:cxnSp>
+        <p:nvCxnSpPr>
+          <p:cNvPr id="55" name="Straight Arrow Connector 54">
+            <a:extLst>
+              <a:ext uri="{FF2B5EF4-FFF2-40B4-BE49-F238E27FC236}">
+                <a16:creationId xmlns:a16="http://schemas.microsoft.com/office/drawing/2014/main" id="{9BB641C6-8772-90CA-7FCB-2D5173146D5F}"/>
+              </a:ext>
+            </a:extLst>
+          </p:cNvPr>
+          <p:cNvCxnSpPr>
+            <a:cxnSpLocks/>
+            <a:endCxn id="56" idx="3"/>
+          </p:cNvCxnSpPr>
+          <p:nvPr/>
+        </p:nvCxnSpPr>
+        <p:spPr>
+          <a:xfrm flipH="1">
+            <a:off x="2186052" y="3119045"/>
+            <a:ext cx="897014" cy="590545"/>
+          </a:xfrm>
+          <a:prstGeom prst="straightConnector1">
+            <a:avLst/>
+          </a:prstGeom>
+          <a:ln w="57150">
+            <a:solidFill>
+              <a:schemeClr val="accent2">
+                <a:lumMod val="75000"/>
+              </a:schemeClr>
+            </a:solidFill>
+            <a:tailEnd type="triangle"/>
+          </a:ln>
+        </p:spPr>
+        <p:style>
+          <a:lnRef idx="1">
+            <a:schemeClr val="accent1"/>
+          </a:lnRef>
+          <a:fillRef idx="0">
+            <a:schemeClr val="accent1"/>
+          </a:fillRef>
+          <a:effectRef idx="0">
+            <a:schemeClr val="accent1"/>
+          </a:effectRef>
+          <a:fontRef idx="minor">
+            <a:schemeClr val="tx1"/>
+          </a:fontRef>
+        </p:style>
+      </p:cxnSp>
+      <p:sp>
+        <p:nvSpPr>
+          <p:cNvPr id="56" name="Snip Same Side Corner Rectangle 55">
+            <a:extLst>
+              <a:ext uri="{FF2B5EF4-FFF2-40B4-BE49-F238E27FC236}">
+                <a16:creationId xmlns:a16="http://schemas.microsoft.com/office/drawing/2014/main" id="{E44504D0-FB6C-AF97-C4D8-A127FD543364}"/>
+              </a:ext>
+            </a:extLst>
+          </p:cNvPr>
+          <p:cNvSpPr/>
+          <p:nvPr/>
+        </p:nvSpPr>
+        <p:spPr>
+          <a:xfrm>
+            <a:off x="1663258" y="3709590"/>
+            <a:ext cx="1045588" cy="521759"/>
+          </a:xfrm>
+          <a:prstGeom prst="snip2SameRect">
+            <a:avLst>
+              <a:gd name="adj1" fmla="val 0"/>
+              <a:gd name="adj2" fmla="val 28571"/>
+            </a:avLst>
+          </a:prstGeom>
+          <a:solidFill>
+            <a:schemeClr val="bg1"/>
+          </a:solidFill>
+          <a:ln w="38100">
+            <a:solidFill>
+              <a:schemeClr val="tx1"/>
+            </a:solidFill>
+          </a:ln>
+        </p:spPr>
+        <p:style>
+          <a:lnRef idx="2">
+            <a:schemeClr val="accent1">
+              <a:shade val="50000"/>
+            </a:schemeClr>
+          </a:lnRef>
+          <a:fillRef idx="1">
+            <a:schemeClr val="accent1"/>
+          </a:fillRef>
+          <a:effectRef idx="0">
+            <a:schemeClr val="accent1"/>
+          </a:effectRef>
+          <a:fontRef idx="minor">
+            <a:schemeClr val="lt1"/>
+          </a:fontRef>
+        </p:style>
+        <p:txBody>
+          <a:bodyPr rtlCol="0" anchor="ctr"/>
+          <a:lstStyle/>
+          <a:p>
+            <a:pPr algn="ctr"/>
+            <a:r>
+              <a:rPr lang="en-US" dirty="0">
+                <a:solidFill>
+                  <a:schemeClr val="tx1"/>
+                </a:solidFill>
+              </a:rPr>
+              <a:t>b=123</a:t>
+            </a:r>
+          </a:p>
+        </p:txBody>
+      </p:sp>
+      <p:sp>
+        <p:nvSpPr>
+          <p:cNvPr id="57" name="Snip Same Side Corner Rectangle 56">
+            <a:extLst>
+              <a:ext uri="{FF2B5EF4-FFF2-40B4-BE49-F238E27FC236}">
+                <a16:creationId xmlns:a16="http://schemas.microsoft.com/office/drawing/2014/main" id="{A3F4F994-6AE0-3F3F-30C8-4A26D6B7E51C}"/>
+              </a:ext>
+            </a:extLst>
+          </p:cNvPr>
+          <p:cNvSpPr/>
+          <p:nvPr/>
+        </p:nvSpPr>
+        <p:spPr>
+          <a:xfrm>
+            <a:off x="4408926" y="3738024"/>
+            <a:ext cx="1045588" cy="521759"/>
+          </a:xfrm>
+          <a:prstGeom prst="snip2SameRect">
+            <a:avLst>
+              <a:gd name="adj1" fmla="val 0"/>
+              <a:gd name="adj2" fmla="val 28571"/>
+            </a:avLst>
+          </a:prstGeom>
+          <a:solidFill>
+            <a:schemeClr val="bg1"/>
+          </a:solidFill>
+          <a:ln w="38100">
+            <a:solidFill>
+              <a:schemeClr val="tx1"/>
+            </a:solidFill>
+          </a:ln>
+        </p:spPr>
+        <p:style>
+          <a:lnRef idx="2">
+            <a:schemeClr val="accent1">
+              <a:shade val="50000"/>
+            </a:schemeClr>
+          </a:lnRef>
+          <a:fillRef idx="1">
+            <a:schemeClr val="accent1"/>
+          </a:fillRef>
+          <a:effectRef idx="0">
+            <a:schemeClr val="accent1"/>
+          </a:effectRef>
+          <a:fontRef idx="minor">
+            <a:schemeClr val="lt1"/>
+          </a:fontRef>
+        </p:style>
+        <p:txBody>
+          <a:bodyPr rtlCol="0" anchor="ctr"/>
+          <a:lstStyle/>
+          <a:p>
+            <a:pPr algn="ctr"/>
+            <a:r>
+              <a:rPr lang="en-US" dirty="0">
+                <a:solidFill>
+                  <a:schemeClr val="tx1"/>
+                </a:solidFill>
+              </a:rPr>
+              <a:t>f=6</a:t>
+            </a:r>
+          </a:p>
+        </p:txBody>
+      </p:sp>
+      <p:cxnSp>
+        <p:nvCxnSpPr>
+          <p:cNvPr id="58" name="Straight Arrow Connector 57">
+            <a:extLst>
+              <a:ext uri="{FF2B5EF4-FFF2-40B4-BE49-F238E27FC236}">
+                <a16:creationId xmlns:a16="http://schemas.microsoft.com/office/drawing/2014/main" id="{5E8145B6-B0EC-9F97-7DC8-B7DABF5E341E}"/>
+              </a:ext>
+            </a:extLst>
+          </p:cNvPr>
+          <p:cNvCxnSpPr>
+            <a:cxnSpLocks/>
+            <a:endCxn id="57" idx="3"/>
+          </p:cNvCxnSpPr>
+          <p:nvPr/>
+        </p:nvCxnSpPr>
+        <p:spPr>
+          <a:xfrm>
+            <a:off x="4012621" y="3119045"/>
+            <a:ext cx="919099" cy="618979"/>
+          </a:xfrm>
+          <a:prstGeom prst="straightConnector1">
+            <a:avLst/>
+          </a:prstGeom>
+          <a:ln w="57150">
+            <a:solidFill>
+              <a:schemeClr val="accent2">
+                <a:lumMod val="75000"/>
+              </a:schemeClr>
+            </a:solidFill>
+            <a:tailEnd type="triangle"/>
+          </a:ln>
+        </p:spPr>
+        <p:style>
+          <a:lnRef idx="1">
+            <a:schemeClr val="accent1"/>
+          </a:lnRef>
+          <a:fillRef idx="0">
+            <a:schemeClr val="accent1"/>
+          </a:fillRef>
+          <a:effectRef idx="0">
+            <a:schemeClr val="accent1"/>
+          </a:effectRef>
+          <a:fontRef idx="minor">
+            <a:schemeClr val="tx1"/>
+          </a:fontRef>
+        </p:style>
+      </p:cxnSp>
+      <p:cxnSp>
+        <p:nvCxnSpPr>
+          <p:cNvPr id="63" name="Straight Arrow Connector 62">
+            <a:extLst>
+              <a:ext uri="{FF2B5EF4-FFF2-40B4-BE49-F238E27FC236}">
+                <a16:creationId xmlns:a16="http://schemas.microsoft.com/office/drawing/2014/main" id="{005192F9-2EE0-E69B-5086-84B615B69593}"/>
+              </a:ext>
+            </a:extLst>
+          </p:cNvPr>
+          <p:cNvCxnSpPr>
+            <a:cxnSpLocks/>
+            <a:endCxn id="64" idx="3"/>
+          </p:cNvCxnSpPr>
+          <p:nvPr/>
+        </p:nvCxnSpPr>
+        <p:spPr>
+          <a:xfrm flipH="1">
+            <a:off x="7677388" y="3098560"/>
+            <a:ext cx="932364" cy="624950"/>
+          </a:xfrm>
+          <a:prstGeom prst="straightConnector1">
+            <a:avLst/>
+          </a:prstGeom>
+          <a:ln w="57150">
+            <a:solidFill>
+              <a:schemeClr val="accent2">
+                <a:lumMod val="75000"/>
+              </a:schemeClr>
+            </a:solidFill>
+            <a:tailEnd type="triangle"/>
+          </a:ln>
+        </p:spPr>
+        <p:style>
+          <a:lnRef idx="1">
+            <a:schemeClr val="accent1"/>
+          </a:lnRef>
+          <a:fillRef idx="0">
+            <a:schemeClr val="accent1"/>
+          </a:fillRef>
+          <a:effectRef idx="0">
+            <a:schemeClr val="accent1"/>
+          </a:effectRef>
+          <a:fontRef idx="minor">
+            <a:schemeClr val="tx1"/>
+          </a:fontRef>
+        </p:style>
+      </p:cxnSp>
+      <p:sp>
+        <p:nvSpPr>
+          <p:cNvPr id="64" name="Snip Same Side Corner Rectangle 63">
+            <a:extLst>
+              <a:ext uri="{FF2B5EF4-FFF2-40B4-BE49-F238E27FC236}">
+                <a16:creationId xmlns:a16="http://schemas.microsoft.com/office/drawing/2014/main" id="{D78881C0-3877-6C05-BEF9-49D3A0444BD6}"/>
+              </a:ext>
+            </a:extLst>
+          </p:cNvPr>
+          <p:cNvSpPr/>
+          <p:nvPr/>
+        </p:nvSpPr>
+        <p:spPr>
+          <a:xfrm>
+            <a:off x="7154594" y="3723510"/>
+            <a:ext cx="1045588" cy="521759"/>
+          </a:xfrm>
+          <a:prstGeom prst="snip2SameRect">
+            <a:avLst>
+              <a:gd name="adj1" fmla="val 0"/>
+              <a:gd name="adj2" fmla="val 28571"/>
+            </a:avLst>
+          </a:prstGeom>
+          <a:solidFill>
+            <a:schemeClr val="bg1"/>
+          </a:solidFill>
+          <a:ln w="38100">
+            <a:solidFill>
+              <a:schemeClr val="tx1"/>
+            </a:solidFill>
+          </a:ln>
+        </p:spPr>
+        <p:style>
+          <a:lnRef idx="2">
+            <a:schemeClr val="accent1">
+              <a:shade val="50000"/>
+            </a:schemeClr>
+          </a:lnRef>
+          <a:fillRef idx="1">
+            <a:schemeClr val="accent1"/>
+          </a:fillRef>
+          <a:effectRef idx="0">
+            <a:schemeClr val="accent1"/>
+          </a:effectRef>
+          <a:fontRef idx="minor">
+            <a:schemeClr val="lt1"/>
+          </a:fontRef>
+        </p:style>
+        <p:txBody>
+          <a:bodyPr rtlCol="0" anchor="ctr"/>
+          <a:lstStyle/>
+          <a:p>
+            <a:pPr algn="ctr"/>
+            <a:r>
+              <a:rPr lang="en-US" dirty="0">
+                <a:solidFill>
+                  <a:schemeClr val="tx1"/>
+                </a:solidFill>
+              </a:rPr>
+              <a:t>j=12</a:t>
+            </a:r>
+          </a:p>
+        </p:txBody>
+      </p:sp>
+      <p:sp>
+        <p:nvSpPr>
+          <p:cNvPr id="65" name="Snip Same Side Corner Rectangle 64">
+            <a:extLst>
+              <a:ext uri="{FF2B5EF4-FFF2-40B4-BE49-F238E27FC236}">
+                <a16:creationId xmlns:a16="http://schemas.microsoft.com/office/drawing/2014/main" id="{C2B35D46-1AFB-860B-197E-9C8DAB781F72}"/>
+              </a:ext>
+            </a:extLst>
+          </p:cNvPr>
+          <p:cNvSpPr/>
+          <p:nvPr/>
+        </p:nvSpPr>
+        <p:spPr>
+          <a:xfrm>
+            <a:off x="9900264" y="3710004"/>
+            <a:ext cx="1045588" cy="521759"/>
+          </a:xfrm>
+          <a:prstGeom prst="snip2SameRect">
+            <a:avLst>
+              <a:gd name="adj1" fmla="val 0"/>
+              <a:gd name="adj2" fmla="val 28571"/>
+            </a:avLst>
+          </a:prstGeom>
+          <a:solidFill>
+            <a:schemeClr val="bg1"/>
+          </a:solidFill>
+          <a:ln w="38100">
+            <a:solidFill>
+              <a:schemeClr val="tx1"/>
+            </a:solidFill>
+          </a:ln>
+        </p:spPr>
+        <p:style>
+          <a:lnRef idx="2">
+            <a:schemeClr val="accent1">
+              <a:shade val="50000"/>
+            </a:schemeClr>
+          </a:lnRef>
+          <a:fillRef idx="1">
+            <a:schemeClr val="accent1"/>
+          </a:fillRef>
+          <a:effectRef idx="0">
+            <a:schemeClr val="accent1"/>
+          </a:effectRef>
+          <a:fontRef idx="minor">
+            <a:schemeClr val="lt1"/>
+          </a:fontRef>
+        </p:style>
+        <p:txBody>
+          <a:bodyPr rtlCol="0" anchor="ctr"/>
+          <a:lstStyle/>
+          <a:p>
+            <a:pPr algn="ctr"/>
+            <a:r>
+              <a:rPr lang="en-US" dirty="0">
+                <a:solidFill>
+                  <a:schemeClr val="tx1"/>
+                </a:solidFill>
+              </a:rPr>
+              <a:t>m=67</a:t>
+            </a:r>
+          </a:p>
+        </p:txBody>
+      </p:sp>
+      <p:cxnSp>
+        <p:nvCxnSpPr>
+          <p:cNvPr id="66" name="Straight Arrow Connector 65">
+            <a:extLst>
+              <a:ext uri="{FF2B5EF4-FFF2-40B4-BE49-F238E27FC236}">
+                <a16:creationId xmlns:a16="http://schemas.microsoft.com/office/drawing/2014/main" id="{166D2452-5257-6535-2E33-2985DA19E501}"/>
+              </a:ext>
+            </a:extLst>
+          </p:cNvPr>
+          <p:cNvCxnSpPr>
+            <a:cxnSpLocks/>
+            <a:endCxn id="65" idx="3"/>
+          </p:cNvCxnSpPr>
+          <p:nvPr/>
+        </p:nvCxnSpPr>
+        <p:spPr>
+          <a:xfrm>
+            <a:off x="9427535" y="3098560"/>
+            <a:ext cx="995523" cy="611444"/>
+          </a:xfrm>
+          <a:prstGeom prst="straightConnector1">
+            <a:avLst/>
+          </a:prstGeom>
+          <a:ln w="57150">
+            <a:solidFill>
+              <a:schemeClr val="accent2">
+                <a:lumMod val="75000"/>
+              </a:schemeClr>
+            </a:solidFill>
+            <a:tailEnd type="triangle"/>
+          </a:ln>
+        </p:spPr>
+        <p:style>
+          <a:lnRef idx="1">
+            <a:schemeClr val="accent1"/>
+          </a:lnRef>
+          <a:fillRef idx="0">
+            <a:schemeClr val="accent1"/>
+          </a:fillRef>
+          <a:effectRef idx="0">
+            <a:schemeClr val="accent1"/>
+          </a:effectRef>
+          <a:fontRef idx="minor">
+            <a:schemeClr val="tx1"/>
+          </a:fontRef>
+        </p:style>
+      </p:cxnSp>
+      <p:cxnSp>
+        <p:nvCxnSpPr>
+          <p:cNvPr id="72" name="Curved Connector 71">
+            <a:extLst>
+              <a:ext uri="{FF2B5EF4-FFF2-40B4-BE49-F238E27FC236}">
+                <a16:creationId xmlns:a16="http://schemas.microsoft.com/office/drawing/2014/main" id="{A78F898C-1BEC-02EB-C57C-7D6C469B9BA5}"/>
+              </a:ext>
+            </a:extLst>
+          </p:cNvPr>
+          <p:cNvCxnSpPr>
+            <a:cxnSpLocks/>
+            <a:stCxn id="47" idx="0"/>
+            <a:endCxn id="57" idx="3"/>
+          </p:cNvCxnSpPr>
+          <p:nvPr/>
+        </p:nvCxnSpPr>
+        <p:spPr>
+          <a:xfrm>
+            <a:off x="4081680" y="2952826"/>
+            <a:ext cx="850040" cy="785198"/>
+          </a:xfrm>
+          <a:prstGeom prst="curvedConnector2">
+            <a:avLst/>
+          </a:prstGeom>
+          <a:ln w="57150">
+            <a:solidFill>
+              <a:srgbClr val="0070C0"/>
+            </a:solidFill>
+            <a:tailEnd type="triangle"/>
+          </a:ln>
+        </p:spPr>
+        <p:style>
+          <a:lnRef idx="1">
+            <a:schemeClr val="accent1"/>
+          </a:lnRef>
+          <a:fillRef idx="0">
+            <a:schemeClr val="accent1"/>
+          </a:fillRef>
+          <a:effectRef idx="0">
+            <a:schemeClr val="accent1"/>
+          </a:effectRef>
+          <a:fontRef idx="minor">
+            <a:schemeClr val="tx1"/>
+          </a:fontRef>
+        </p:style>
+      </p:cxnSp>
+      <p:cxnSp>
+        <p:nvCxnSpPr>
+          <p:cNvPr id="73" name="Curved Connector 72">
+            <a:extLst>
+              <a:ext uri="{FF2B5EF4-FFF2-40B4-BE49-F238E27FC236}">
+                <a16:creationId xmlns:a16="http://schemas.microsoft.com/office/drawing/2014/main" id="{BD0A97D4-05A1-36B1-2949-6F751ABCAA36}"/>
+              </a:ext>
+            </a:extLst>
+          </p:cNvPr>
+          <p:cNvCxnSpPr>
+            <a:cxnSpLocks/>
+            <a:stCxn id="76" idx="3"/>
+            <a:endCxn id="56" idx="2"/>
+          </p:cNvCxnSpPr>
+          <p:nvPr/>
+        </p:nvCxnSpPr>
+        <p:spPr>
+          <a:xfrm>
+            <a:off x="1162236" y="3955955"/>
+            <a:ext cx="501022" cy="14515"/>
+          </a:xfrm>
+          <a:prstGeom prst="curvedConnector3">
+            <a:avLst>
+              <a:gd name="adj1" fmla="val 50000"/>
+            </a:avLst>
+          </a:prstGeom>
+          <a:ln w="57150">
+            <a:solidFill>
+              <a:srgbClr val="0070C0"/>
+            </a:solidFill>
+            <a:tailEnd type="triangle"/>
+          </a:ln>
+        </p:spPr>
+        <p:style>
+          <a:lnRef idx="1">
+            <a:schemeClr val="accent1"/>
+          </a:lnRef>
+          <a:fillRef idx="0">
+            <a:schemeClr val="accent1"/>
+          </a:fillRef>
+          <a:effectRef idx="0">
+            <a:schemeClr val="accent1"/>
+          </a:effectRef>
+          <a:fontRef idx="minor">
+            <a:schemeClr val="tx1"/>
+          </a:fontRef>
+        </p:style>
+      </p:cxnSp>
+      <p:sp>
+        <p:nvSpPr>
+          <p:cNvPr id="76" name="Rectangle 75">
+            <a:extLst>
+              <a:ext uri="{FF2B5EF4-FFF2-40B4-BE49-F238E27FC236}">
+                <a16:creationId xmlns:a16="http://schemas.microsoft.com/office/drawing/2014/main" id="{4B3E3293-6372-042A-88ED-C6E9E45A4FBC}"/>
+              </a:ext>
+            </a:extLst>
+          </p:cNvPr>
+          <p:cNvSpPr/>
+          <p:nvPr/>
+        </p:nvSpPr>
+        <p:spPr>
+          <a:xfrm>
+            <a:off x="385626" y="3760012"/>
+            <a:ext cx="776610" cy="391886"/>
+          </a:xfrm>
+          <a:prstGeom prst="rect">
+            <a:avLst/>
+          </a:prstGeom>
+          <a:noFill/>
+          <a:ln w="28575">
+            <a:solidFill>
+              <a:schemeClr val="tx1"/>
+            </a:solidFill>
+          </a:ln>
+        </p:spPr>
+        <p:style>
+          <a:lnRef idx="2">
+            <a:schemeClr val="accent1">
+              <a:shade val="50000"/>
+            </a:schemeClr>
+          </a:lnRef>
+          <a:fillRef idx="1">
+            <a:schemeClr val="accent1"/>
+          </a:fillRef>
+          <a:effectRef idx="0">
+            <a:schemeClr val="accent1"/>
+          </a:effectRef>
+          <a:fontRef idx="minor">
+            <a:schemeClr val="lt1"/>
+          </a:fontRef>
+        </p:style>
+        <p:txBody>
+          <a:bodyPr rtlCol="0" anchor="ctr"/>
+          <a:lstStyle/>
+          <a:p>
+            <a:r>
+              <a:rPr lang="en-US" dirty="0">
+                <a:solidFill>
+                  <a:schemeClr val="tx1"/>
+                </a:solidFill>
+                <a:latin typeface="Courier New" panose="02070309020205020404" pitchFamily="49" charset="0"/>
+                <a:cs typeface="Courier New" panose="02070309020205020404" pitchFamily="49" charset="0"/>
+              </a:rPr>
+              <a:t>head    </a:t>
+            </a:r>
+          </a:p>
+        </p:txBody>
+      </p:sp>
+      <p:cxnSp>
+        <p:nvCxnSpPr>
+          <p:cNvPr id="79" name="Curved Connector 78">
+            <a:extLst>
+              <a:ext uri="{FF2B5EF4-FFF2-40B4-BE49-F238E27FC236}">
+                <a16:creationId xmlns:a16="http://schemas.microsoft.com/office/drawing/2014/main" id="{1F3CDD97-C773-3017-8819-F36E5E40630C}"/>
+              </a:ext>
+            </a:extLst>
+          </p:cNvPr>
+          <p:cNvCxnSpPr>
+            <a:cxnSpLocks/>
+            <a:stCxn id="56" idx="0"/>
+            <a:endCxn id="47" idx="3"/>
+          </p:cNvCxnSpPr>
+          <p:nvPr/>
+        </p:nvCxnSpPr>
+        <p:spPr>
+          <a:xfrm flipV="1">
+            <a:off x="2708846" y="2691946"/>
+            <a:ext cx="850040" cy="1278524"/>
+          </a:xfrm>
+          <a:prstGeom prst="curvedConnector4">
+            <a:avLst>
+              <a:gd name="adj1" fmla="val 19249"/>
+              <a:gd name="adj2" fmla="val 117880"/>
+            </a:avLst>
+          </a:prstGeom>
+          <a:ln w="57150">
+            <a:solidFill>
+              <a:srgbClr val="0070C0"/>
+            </a:solidFill>
+            <a:tailEnd type="triangle"/>
+          </a:ln>
+        </p:spPr>
+        <p:style>
+          <a:lnRef idx="1">
+            <a:schemeClr val="accent1"/>
+          </a:lnRef>
+          <a:fillRef idx="0">
+            <a:schemeClr val="accent1"/>
+          </a:fillRef>
+          <a:effectRef idx="0">
+            <a:schemeClr val="accent1"/>
+          </a:effectRef>
+          <a:fontRef idx="minor">
+            <a:schemeClr val="tx1"/>
+          </a:fontRef>
+        </p:style>
+      </p:cxnSp>
+      <p:cxnSp>
+        <p:nvCxnSpPr>
+          <p:cNvPr id="87" name="Curved Connector 86">
+            <a:extLst>
+              <a:ext uri="{FF2B5EF4-FFF2-40B4-BE49-F238E27FC236}">
+                <a16:creationId xmlns:a16="http://schemas.microsoft.com/office/drawing/2014/main" id="{6FA2AB38-1BD2-9D5F-D2FB-E94A9E319965}"/>
+              </a:ext>
+            </a:extLst>
+          </p:cNvPr>
+          <p:cNvCxnSpPr>
+            <a:cxnSpLocks/>
+            <a:stCxn id="57" idx="0"/>
+            <a:endCxn id="31" idx="3"/>
+          </p:cNvCxnSpPr>
+          <p:nvPr/>
+        </p:nvCxnSpPr>
+        <p:spPr>
+          <a:xfrm flipV="1">
+            <a:off x="5454514" y="1567692"/>
+            <a:ext cx="850040" cy="2431212"/>
+          </a:xfrm>
+          <a:prstGeom prst="curvedConnector4">
+            <a:avLst>
+              <a:gd name="adj1" fmla="val 19249"/>
+              <a:gd name="adj2" fmla="val 109403"/>
+            </a:avLst>
+          </a:prstGeom>
+          <a:ln w="57150">
+            <a:solidFill>
+              <a:srgbClr val="0070C0"/>
+            </a:solidFill>
+            <a:tailEnd type="triangle"/>
+          </a:ln>
+        </p:spPr>
+        <p:style>
+          <a:lnRef idx="1">
+            <a:schemeClr val="accent1"/>
+          </a:lnRef>
+          <a:fillRef idx="0">
+            <a:schemeClr val="accent1"/>
+          </a:fillRef>
+          <a:effectRef idx="0">
+            <a:schemeClr val="accent1"/>
+          </a:effectRef>
+          <a:fontRef idx="minor">
+            <a:schemeClr val="tx1"/>
+          </a:fontRef>
+        </p:style>
+      </p:cxnSp>
+      <p:cxnSp>
+        <p:nvCxnSpPr>
+          <p:cNvPr id="93" name="Curved Connector 92">
+            <a:extLst>
+              <a:ext uri="{FF2B5EF4-FFF2-40B4-BE49-F238E27FC236}">
+                <a16:creationId xmlns:a16="http://schemas.microsoft.com/office/drawing/2014/main" id="{0A54B6BA-4C4D-21EA-4529-8DC89E5B0D6B}"/>
+              </a:ext>
+            </a:extLst>
+          </p:cNvPr>
+          <p:cNvCxnSpPr>
+            <a:cxnSpLocks/>
+            <a:stCxn id="31" idx="0"/>
+            <a:endCxn id="64" idx="2"/>
+          </p:cNvCxnSpPr>
+          <p:nvPr/>
+        </p:nvCxnSpPr>
+        <p:spPr>
+          <a:xfrm>
+            <a:off x="6827348" y="1828572"/>
+            <a:ext cx="327246" cy="2155818"/>
+          </a:xfrm>
+          <a:prstGeom prst="curvedConnector3">
+            <a:avLst>
+              <a:gd name="adj1" fmla="val 50000"/>
+            </a:avLst>
+          </a:prstGeom>
+          <a:ln w="57150">
+            <a:solidFill>
+              <a:srgbClr val="0070C0"/>
+            </a:solidFill>
+            <a:tailEnd type="triangle"/>
+          </a:ln>
+        </p:spPr>
+        <p:style>
+          <a:lnRef idx="1">
+            <a:schemeClr val="accent1"/>
+          </a:lnRef>
+          <a:fillRef idx="0">
+            <a:schemeClr val="accent1"/>
+          </a:fillRef>
+          <a:effectRef idx="0">
+            <a:schemeClr val="accent1"/>
+          </a:effectRef>
+          <a:fontRef idx="minor">
+            <a:schemeClr val="tx1"/>
+          </a:fontRef>
+        </p:style>
+      </p:cxnSp>
+      <p:cxnSp>
+        <p:nvCxnSpPr>
+          <p:cNvPr id="100" name="Curved Connector 99">
+            <a:extLst>
+              <a:ext uri="{FF2B5EF4-FFF2-40B4-BE49-F238E27FC236}">
+                <a16:creationId xmlns:a16="http://schemas.microsoft.com/office/drawing/2014/main" id="{5B13272C-13DA-3341-A568-7CD3B876E716}"/>
+              </a:ext>
+            </a:extLst>
+          </p:cNvPr>
+          <p:cNvCxnSpPr>
+            <a:cxnSpLocks/>
+            <a:stCxn id="64" idx="0"/>
+            <a:endCxn id="62" idx="3"/>
+          </p:cNvCxnSpPr>
+          <p:nvPr/>
+        </p:nvCxnSpPr>
+        <p:spPr>
+          <a:xfrm flipV="1">
+            <a:off x="8200182" y="2677432"/>
+            <a:ext cx="850040" cy="1306958"/>
+          </a:xfrm>
+          <a:prstGeom prst="curvedConnector4">
+            <a:avLst>
+              <a:gd name="adj1" fmla="val 19249"/>
+              <a:gd name="adj2" fmla="val 117491"/>
+            </a:avLst>
+          </a:prstGeom>
+          <a:ln w="57150">
+            <a:solidFill>
+              <a:srgbClr val="0070C0"/>
+            </a:solidFill>
+            <a:tailEnd type="triangle"/>
+          </a:ln>
+        </p:spPr>
+        <p:style>
+          <a:lnRef idx="1">
+            <a:schemeClr val="accent1"/>
+          </a:lnRef>
+          <a:fillRef idx="0">
+            <a:schemeClr val="accent1"/>
+          </a:fillRef>
+          <a:effectRef idx="0">
+            <a:schemeClr val="accent1"/>
+          </a:effectRef>
+          <a:fontRef idx="minor">
+            <a:schemeClr val="tx1"/>
+          </a:fontRef>
+        </p:style>
+      </p:cxnSp>
+      <p:cxnSp>
+        <p:nvCxnSpPr>
+          <p:cNvPr id="105" name="Curved Connector 104">
+            <a:extLst>
+              <a:ext uri="{FF2B5EF4-FFF2-40B4-BE49-F238E27FC236}">
+                <a16:creationId xmlns:a16="http://schemas.microsoft.com/office/drawing/2014/main" id="{40D5F708-690D-948E-6E1E-F00FD1D017D2}"/>
+              </a:ext>
+            </a:extLst>
+          </p:cNvPr>
+          <p:cNvCxnSpPr>
+            <a:cxnSpLocks/>
+            <a:stCxn id="62" idx="0"/>
+            <a:endCxn id="65" idx="3"/>
+          </p:cNvCxnSpPr>
+          <p:nvPr/>
+        </p:nvCxnSpPr>
+        <p:spPr>
+          <a:xfrm>
+            <a:off x="9573016" y="2938312"/>
+            <a:ext cx="850042" cy="771692"/>
+          </a:xfrm>
+          <a:prstGeom prst="curvedConnector2">
+            <a:avLst/>
+          </a:prstGeom>
+          <a:ln w="57150">
+            <a:solidFill>
+              <a:srgbClr val="0070C0"/>
+            </a:solidFill>
+            <a:tailEnd type="triangle"/>
+          </a:ln>
+        </p:spPr>
+        <p:style>
+          <a:lnRef idx="1">
+            <a:schemeClr val="accent1"/>
+          </a:lnRef>
+          <a:fillRef idx="0">
+            <a:schemeClr val="accent1"/>
+          </a:fillRef>
+          <a:effectRef idx="0">
+            <a:schemeClr val="accent1"/>
+          </a:effectRef>
+          <a:fontRef idx="minor">
+            <a:schemeClr val="tx1"/>
+          </a:fontRef>
+        </p:style>
+      </p:cxnSp>
+      <p:cxnSp>
+        <p:nvCxnSpPr>
+          <p:cNvPr id="111" name="Curved Connector 110">
+            <a:extLst>
+              <a:ext uri="{FF2B5EF4-FFF2-40B4-BE49-F238E27FC236}">
+                <a16:creationId xmlns:a16="http://schemas.microsoft.com/office/drawing/2014/main" id="{95805C96-F5A9-D1F5-B2BB-EDDB7ACF11BD}"/>
+              </a:ext>
+            </a:extLst>
+          </p:cNvPr>
+          <p:cNvCxnSpPr>
+            <a:cxnSpLocks/>
+            <a:stCxn id="65" idx="0"/>
+            <a:endCxn id="113" idx="1"/>
+          </p:cNvCxnSpPr>
+          <p:nvPr/>
+        </p:nvCxnSpPr>
+        <p:spPr>
+          <a:xfrm flipV="1">
+            <a:off x="10945852" y="3956964"/>
+            <a:ext cx="580851" cy="13920"/>
+          </a:xfrm>
+          <a:prstGeom prst="curvedConnector3">
+            <a:avLst>
+              <a:gd name="adj1" fmla="val 50000"/>
+            </a:avLst>
+          </a:prstGeom>
+          <a:ln w="57150">
+            <a:solidFill>
+              <a:srgbClr val="0070C0"/>
+            </a:solidFill>
+            <a:tailEnd type="triangle"/>
+          </a:ln>
+        </p:spPr>
+        <p:style>
+          <a:lnRef idx="1">
+            <a:schemeClr val="accent1"/>
+          </a:lnRef>
+          <a:fillRef idx="0">
+            <a:schemeClr val="accent1"/>
+          </a:fillRef>
+          <a:effectRef idx="0">
+            <a:schemeClr val="accent1"/>
+          </a:effectRef>
+          <a:fontRef idx="minor">
+            <a:schemeClr val="tx1"/>
+          </a:fontRef>
+        </p:style>
+      </p:cxnSp>
+      <p:sp>
+        <p:nvSpPr>
+          <p:cNvPr id="113" name="Rectangle 112">
+            <a:extLst>
+              <a:ext uri="{FF2B5EF4-FFF2-40B4-BE49-F238E27FC236}">
+                <a16:creationId xmlns:a16="http://schemas.microsoft.com/office/drawing/2014/main" id="{C0A64257-3355-8BBF-EC4D-1432811A506A}"/>
+              </a:ext>
+            </a:extLst>
+          </p:cNvPr>
+          <p:cNvSpPr/>
+          <p:nvPr/>
+        </p:nvSpPr>
+        <p:spPr>
+          <a:xfrm>
+            <a:off x="11526703" y="3761021"/>
+            <a:ext cx="302209" cy="391886"/>
+          </a:xfrm>
+          <a:prstGeom prst="rect">
+            <a:avLst/>
+          </a:prstGeom>
+          <a:noFill/>
+          <a:ln w="28575">
+            <a:noFill/>
+          </a:ln>
+        </p:spPr>
+        <p:style>
+          <a:lnRef idx="2">
+            <a:schemeClr val="accent1">
+              <a:shade val="50000"/>
+            </a:schemeClr>
+          </a:lnRef>
+          <a:fillRef idx="1">
+            <a:schemeClr val="accent1"/>
+          </a:fillRef>
+          <a:effectRef idx="0">
+            <a:schemeClr val="accent1"/>
+          </a:effectRef>
+          <a:fontRef idx="minor">
+            <a:schemeClr val="lt1"/>
+          </a:fontRef>
+        </p:style>
+        <p:txBody>
+          <a:bodyPr rtlCol="0" anchor="ctr"/>
+          <a:lstStyle/>
+          <a:p>
+            <a:r>
+              <a:rPr lang="en-US" sz="1800" dirty="0">
+                <a:solidFill>
+                  <a:schemeClr val="tx1"/>
+                </a:solidFill>
+                <a:latin typeface="Courier New" panose="02070309020205020404" pitchFamily="49" charset="0"/>
+                <a:cs typeface="Courier New" panose="02070309020205020404" pitchFamily="49" charset="0"/>
+              </a:rPr>
+              <a:t>∅</a:t>
+            </a:r>
+            <a:endParaRPr lang="en-US" dirty="0">
+              <a:solidFill>
+                <a:schemeClr val="tx1"/>
+              </a:solidFill>
+              <a:latin typeface="Courier New" panose="02070309020205020404" pitchFamily="49" charset="0"/>
+              <a:cs typeface="Courier New" panose="02070309020205020404" pitchFamily="49" charset="0"/>
+            </a:endParaRPr>
+          </a:p>
+        </p:txBody>
+      </p:sp>
+      <p:sp>
+        <p:nvSpPr>
+          <p:cNvPr id="62" name="Snip Same Side Corner Rectangle 61">
+            <a:extLst>
+              <a:ext uri="{FF2B5EF4-FFF2-40B4-BE49-F238E27FC236}">
+                <a16:creationId xmlns:a16="http://schemas.microsoft.com/office/drawing/2014/main" id="{632D30FC-BF36-C7BA-0AB0-099A2C74BD6C}"/>
+              </a:ext>
+            </a:extLst>
+          </p:cNvPr>
+          <p:cNvSpPr/>
+          <p:nvPr/>
+        </p:nvSpPr>
+        <p:spPr>
+          <a:xfrm>
+            <a:off x="8527428" y="2677432"/>
+            <a:ext cx="1045588" cy="521759"/>
+          </a:xfrm>
+          <a:prstGeom prst="snip2SameRect">
+            <a:avLst>
+              <a:gd name="adj1" fmla="val 0"/>
+              <a:gd name="adj2" fmla="val 28571"/>
+            </a:avLst>
+          </a:prstGeom>
+          <a:solidFill>
+            <a:schemeClr val="bg1"/>
+          </a:solidFill>
+          <a:ln w="38100">
+            <a:solidFill>
+              <a:schemeClr val="tx1"/>
+            </a:solidFill>
+          </a:ln>
+        </p:spPr>
+        <p:style>
+          <a:lnRef idx="2">
+            <a:schemeClr val="accent1">
+              <a:shade val="50000"/>
+            </a:schemeClr>
+          </a:lnRef>
+          <a:fillRef idx="1">
+            <a:schemeClr val="accent1"/>
+          </a:fillRef>
+          <a:effectRef idx="0">
+            <a:schemeClr val="accent1"/>
+          </a:effectRef>
+          <a:fontRef idx="minor">
+            <a:schemeClr val="lt1"/>
+          </a:fontRef>
+        </p:style>
+        <p:txBody>
+          <a:bodyPr rtlCol="0" anchor="ctr"/>
+          <a:lstStyle/>
+          <a:p>
+            <a:pPr algn="ctr"/>
+            <a:r>
+              <a:rPr lang="en-US" dirty="0">
+                <a:solidFill>
+                  <a:schemeClr val="tx1"/>
+                </a:solidFill>
+              </a:rPr>
+              <a:t>k=9</a:t>
+            </a:r>
+          </a:p>
+        </p:txBody>
+      </p:sp>
+      <p:sp>
+        <p:nvSpPr>
+          <p:cNvPr id="47" name="Snip Same Side Corner Rectangle 46">
+            <a:extLst>
+              <a:ext uri="{FF2B5EF4-FFF2-40B4-BE49-F238E27FC236}">
+                <a16:creationId xmlns:a16="http://schemas.microsoft.com/office/drawing/2014/main" id="{0E25ECBE-128B-4B41-3CF2-BD20AD6A25B8}"/>
+              </a:ext>
+            </a:extLst>
+          </p:cNvPr>
+          <p:cNvSpPr/>
+          <p:nvPr/>
+        </p:nvSpPr>
+        <p:spPr>
+          <a:xfrm>
+            <a:off x="3036092" y="2691946"/>
+            <a:ext cx="1045588" cy="521759"/>
+          </a:xfrm>
+          <a:prstGeom prst="snip2SameRect">
+            <a:avLst>
+              <a:gd name="adj1" fmla="val 0"/>
+              <a:gd name="adj2" fmla="val 28571"/>
+            </a:avLst>
+          </a:prstGeom>
+          <a:solidFill>
+            <a:schemeClr val="bg1"/>
+          </a:solidFill>
+          <a:ln w="38100">
+            <a:solidFill>
+              <a:schemeClr val="tx1"/>
+            </a:solidFill>
+          </a:ln>
+        </p:spPr>
+        <p:style>
+          <a:lnRef idx="2">
+            <a:schemeClr val="accent1">
+              <a:shade val="50000"/>
+            </a:schemeClr>
+          </a:lnRef>
+          <a:fillRef idx="1">
+            <a:schemeClr val="accent1"/>
+          </a:fillRef>
+          <a:effectRef idx="0">
+            <a:schemeClr val="accent1"/>
+          </a:effectRef>
+          <a:fontRef idx="minor">
+            <a:schemeClr val="lt1"/>
+          </a:fontRef>
+        </p:style>
+        <p:txBody>
+          <a:bodyPr rtlCol="0" anchor="ctr"/>
+          <a:lstStyle/>
+          <a:p>
+            <a:pPr algn="ctr"/>
+            <a:r>
+              <a:rPr lang="en-US" dirty="0">
+                <a:solidFill>
+                  <a:schemeClr val="tx1"/>
+                </a:solidFill>
+              </a:rPr>
+              <a:t>d=8</a:t>
+            </a:r>
+          </a:p>
+        </p:txBody>
+      </p:sp>
+    </p:spTree>
+    <p:extLst>
+      <p:ext uri="{BB962C8B-B14F-4D97-AF65-F5344CB8AC3E}">
+        <p14:creationId xmlns:p14="http://schemas.microsoft.com/office/powerpoint/2010/main" val="2381920313"/>
+      </p:ext>
+    </p:extLst>
+  </p:cSld>
+  <p:clrMapOvr>
+    <a:masterClrMapping/>
+  </p:clrMapOvr>
+</p:sld>
+</file>
+
 <file path=ppt/slides/slide2.xml><?xml version="1.0" encoding="utf-8"?>
 <p:sld xmlns:a="http://schemas.openxmlformats.org/drawingml/2006/main" xmlns:r="http://schemas.openxmlformats.org/officeDocument/2006/relationships" xmlns:p="http://schemas.openxmlformats.org/presentationml/2006/main">
   <p:cSld>
@@ -4273,7 +7775,7 @@
           <a:p>
             <a:r>
               <a:rPr lang="en-US" dirty="0"/>
-              <a:t>TBD: Hash Map</a:t>
+              <a:t>Hash Map</a:t>
             </a:r>
           </a:p>
         </p:txBody>
@@ -4299,7 +7801,10 @@
           <a:bodyPr/>
           <a:lstStyle/>
           <a:p>
-            <a:endParaRPr lang="en-US"/>
+            <a:r>
+              <a:rPr lang="en-US" dirty="0"/>
+              <a:t>The answer to the most common programming interview question!</a:t>
+            </a:r>
           </a:p>
         </p:txBody>
       </p:sp>
@@ -4335,10 +7840,10 @@
       </p:grpSpPr>
       <p:sp>
         <p:nvSpPr>
-          <p:cNvPr id="2" name="Title 1">
-            <a:extLst>
-              <a:ext uri="{FF2B5EF4-FFF2-40B4-BE49-F238E27FC236}">
-                <a16:creationId xmlns:a16="http://schemas.microsoft.com/office/drawing/2014/main" id="{AF527238-F1A1-31AD-9629-746FE02E67A3}"/>
+          <p:cNvPr id="4" name="Title 3">
+            <a:extLst>
+              <a:ext uri="{FF2B5EF4-FFF2-40B4-BE49-F238E27FC236}">
+                <a16:creationId xmlns:a16="http://schemas.microsoft.com/office/drawing/2014/main" id="{841A6F65-A7F1-B6CC-3C13-D00B8D358DEA}"/>
               </a:ext>
             </a:extLst>
           </p:cNvPr>
@@ -4356,17 +7861,17 @@
           <a:p>
             <a:r>
               <a:rPr lang="en-US" dirty="0"/>
-              <a:t>TBD: Tree</a:t>
-            </a:r>
-          </a:p>
-        </p:txBody>
-      </p:sp>
-      <p:sp>
-        <p:nvSpPr>
-          <p:cNvPr id="3" name="Text Placeholder 2">
-            <a:extLst>
-              <a:ext uri="{FF2B5EF4-FFF2-40B4-BE49-F238E27FC236}">
-                <a16:creationId xmlns:a16="http://schemas.microsoft.com/office/drawing/2014/main" id="{DDA23206-C253-8CEA-391D-261F2BE99EF0}"/>
+              <a:t>HashMap</a:t>
+            </a:r>
+          </a:p>
+        </p:txBody>
+      </p:sp>
+      <p:sp>
+        <p:nvSpPr>
+          <p:cNvPr id="5" name="Content Placeholder 4">
+            <a:extLst>
+              <a:ext uri="{FF2B5EF4-FFF2-40B4-BE49-F238E27FC236}">
+                <a16:creationId xmlns:a16="http://schemas.microsoft.com/office/drawing/2014/main" id="{3669FB8E-85D6-321B-A462-F5ACC4560E8F}"/>
               </a:ext>
             </a:extLst>
           </p:cNvPr>
@@ -4374,7 +7879,7 @@
             <a:spLocks noGrp="1"/>
           </p:cNvSpPr>
           <p:nvPr>
-            <p:ph type="body" idx="1"/>
+            <p:ph idx="1"/>
           </p:nvPr>
         </p:nvSpPr>
         <p:spPr/>
@@ -4382,14 +7887,5147 @@
           <a:bodyPr/>
           <a:lstStyle/>
           <a:p>
-            <a:endParaRPr lang="en-US"/>
+            <a:r>
+              <a:rPr lang="en-US" dirty="0"/>
+              <a:t>Weird order (like Python 2 </a:t>
+            </a:r>
+            <a:r>
+              <a:rPr lang="en-US" dirty="0" err="1"/>
+              <a:t>dict</a:t>
+            </a:r>
+            <a:r>
+              <a:rPr lang="en-US" dirty="0"/>
+              <a:t> and Java HashMap)</a:t>
+            </a:r>
+          </a:p>
+          <a:p>
+            <a:r>
+              <a:rPr lang="en-US" dirty="0"/>
+              <a:t>Fast insert and lookup (like Python 2 </a:t>
+            </a:r>
+            <a:r>
+              <a:rPr lang="en-US" dirty="0" err="1"/>
+              <a:t>dict</a:t>
+            </a:r>
+            <a:r>
+              <a:rPr lang="en-US" dirty="0"/>
+              <a:t> and Java HashMap)</a:t>
+            </a:r>
+          </a:p>
+          <a:p>
+            <a:r>
+              <a:rPr lang="en-US" dirty="0" err="1"/>
+              <a:t>Iterable</a:t>
+            </a:r>
+            <a:r>
+              <a:rPr lang="en-US" dirty="0"/>
+              <a:t> (like Python 2 </a:t>
+            </a:r>
+            <a:r>
+              <a:rPr lang="en-US" dirty="0" err="1"/>
+              <a:t>dict</a:t>
+            </a:r>
+            <a:r>
+              <a:rPr lang="en-US" dirty="0"/>
+              <a:t> and Java HashMap)</a:t>
+            </a:r>
+          </a:p>
+          <a:p>
+            <a:r>
+              <a:rPr lang="en-US" dirty="0"/>
+              <a:t>Builds on Linked Lists</a:t>
+            </a:r>
+          </a:p>
+          <a:p>
+            <a:pPr marL="0" indent="0">
+              <a:buNone/>
+            </a:pPr>
+            <a:endParaRPr lang="en-US" dirty="0"/>
+          </a:p>
+          <a:p>
+            <a:r>
+              <a:rPr lang="en-US" dirty="0"/>
+              <a:t>Surprisingly easy is you really get Linked Lists</a:t>
+            </a:r>
+          </a:p>
+          <a:p>
+            <a:r>
+              <a:rPr lang="en-US" dirty="0"/>
+              <a:t>Chapter 6.5.1 and 6.6 in K&amp;R (6.5.2 is harder than 6.6)</a:t>
+            </a:r>
+          </a:p>
+          <a:p>
+            <a:r>
+              <a:rPr lang="en-US" dirty="0"/>
+              <a:t>Most popular programming interview question ever!</a:t>
+            </a:r>
+          </a:p>
+          <a:p>
+            <a:endParaRPr lang="en-US" dirty="0"/>
           </a:p>
         </p:txBody>
       </p:sp>
     </p:spTree>
     <p:extLst>
       <p:ext uri="{BB962C8B-B14F-4D97-AF65-F5344CB8AC3E}">
-        <p14:creationId xmlns:p14="http://schemas.microsoft.com/office/powerpoint/2010/main" val="2717174361"/>
+        <p14:creationId xmlns:p14="http://schemas.microsoft.com/office/powerpoint/2010/main" val="1286104817"/>
+      </p:ext>
+    </p:extLst>
+  </p:cSld>
+  <p:clrMapOvr>
+    <a:masterClrMapping/>
+  </p:clrMapOvr>
+</p:sld>
+</file>
+
+<file path=ppt/slides/slide7.xml><?xml version="1.0" encoding="utf-8"?>
+<p:sld xmlns:a="http://schemas.openxmlformats.org/drawingml/2006/main" xmlns:r="http://schemas.openxmlformats.org/officeDocument/2006/relationships" xmlns:p="http://schemas.openxmlformats.org/presentationml/2006/main">
+  <p:cSld>
+    <p:spTree>
+      <p:nvGrpSpPr>
+        <p:cNvPr id="1" name=""/>
+        <p:cNvGrpSpPr/>
+        <p:nvPr/>
+      </p:nvGrpSpPr>
+      <p:grpSpPr>
+        <a:xfrm>
+          <a:off x="0" y="0"/>
+          <a:ext cx="0" cy="0"/>
+          <a:chOff x="0" y="0"/>
+          <a:chExt cx="0" cy="0"/>
+        </a:xfrm>
+      </p:grpSpPr>
+      <p:cxnSp>
+        <p:nvCxnSpPr>
+          <p:cNvPr id="64" name="Curved Connector 63">
+            <a:extLst>
+              <a:ext uri="{FF2B5EF4-FFF2-40B4-BE49-F238E27FC236}">
+                <a16:creationId xmlns:a16="http://schemas.microsoft.com/office/drawing/2014/main" id="{4037AEBC-622D-BA50-8A9C-62004BAAE965}"/>
+              </a:ext>
+            </a:extLst>
+          </p:cNvPr>
+          <p:cNvCxnSpPr>
+            <a:cxnSpLocks/>
+            <a:stCxn id="27" idx="3"/>
+            <a:endCxn id="3" idx="0"/>
+          </p:cNvCxnSpPr>
+          <p:nvPr/>
+        </p:nvCxnSpPr>
+        <p:spPr>
+          <a:xfrm flipH="1" flipV="1">
+            <a:off x="2171917" y="1510386"/>
+            <a:ext cx="440550" cy="3115888"/>
+          </a:xfrm>
+          <a:prstGeom prst="curvedConnector4">
+            <a:avLst>
+              <a:gd name="adj1" fmla="val -358009"/>
+              <a:gd name="adj2" fmla="val 107337"/>
+            </a:avLst>
+          </a:prstGeom>
+          <a:ln w="57150">
+            <a:solidFill>
+              <a:schemeClr val="accent1"/>
+            </a:solidFill>
+            <a:tailEnd type="triangle"/>
+          </a:ln>
+        </p:spPr>
+        <p:style>
+          <a:lnRef idx="1">
+            <a:schemeClr val="accent1"/>
+          </a:lnRef>
+          <a:fillRef idx="0">
+            <a:schemeClr val="accent1"/>
+          </a:fillRef>
+          <a:effectRef idx="0">
+            <a:schemeClr val="accent1"/>
+          </a:effectRef>
+          <a:fontRef idx="minor">
+            <a:schemeClr val="tx1"/>
+          </a:fontRef>
+        </p:style>
+      </p:cxnSp>
+      <p:sp>
+        <p:nvSpPr>
+          <p:cNvPr id="3" name="Rectangle 2">
+            <a:extLst>
+              <a:ext uri="{FF2B5EF4-FFF2-40B4-BE49-F238E27FC236}">
+                <a16:creationId xmlns:a16="http://schemas.microsoft.com/office/drawing/2014/main" id="{497F37DA-138B-D2AE-EF6B-74979D705031}"/>
+              </a:ext>
+            </a:extLst>
+          </p:cNvPr>
+          <p:cNvSpPr/>
+          <p:nvPr/>
+        </p:nvSpPr>
+        <p:spPr>
+          <a:xfrm>
+            <a:off x="1455653" y="1510386"/>
+            <a:ext cx="1432527" cy="391886"/>
+          </a:xfrm>
+          <a:prstGeom prst="rect">
+            <a:avLst/>
+          </a:prstGeom>
+          <a:noFill/>
+          <a:ln w="28575">
+            <a:solidFill>
+              <a:schemeClr val="tx1"/>
+            </a:solidFill>
+          </a:ln>
+        </p:spPr>
+        <p:style>
+          <a:lnRef idx="2">
+            <a:schemeClr val="accent1">
+              <a:shade val="50000"/>
+            </a:schemeClr>
+          </a:lnRef>
+          <a:fillRef idx="1">
+            <a:schemeClr val="accent1"/>
+          </a:fillRef>
+          <a:effectRef idx="0">
+            <a:schemeClr val="accent1"/>
+          </a:effectRef>
+          <a:fontRef idx="minor">
+            <a:schemeClr val="lt1"/>
+          </a:fontRef>
+        </p:style>
+        <p:txBody>
+          <a:bodyPr rtlCol="0" anchor="ctr"/>
+          <a:lstStyle/>
+          <a:p>
+            <a:r>
+              <a:rPr lang="en-US" dirty="0">
+                <a:solidFill>
+                  <a:schemeClr val="tx1"/>
+                </a:solidFill>
+                <a:latin typeface="Courier New" panose="02070309020205020404" pitchFamily="49" charset="0"/>
+                <a:cs typeface="Courier New" panose="02070309020205020404" pitchFamily="49" charset="0"/>
+              </a:rPr>
+              <a:t>key:    </a:t>
+            </a:r>
+          </a:p>
+        </p:txBody>
+      </p:sp>
+      <p:sp>
+        <p:nvSpPr>
+          <p:cNvPr id="7" name="Rectangle 6">
+            <a:extLst>
+              <a:ext uri="{FF2B5EF4-FFF2-40B4-BE49-F238E27FC236}">
+                <a16:creationId xmlns:a16="http://schemas.microsoft.com/office/drawing/2014/main" id="{5159C2E0-5F09-085C-B44C-7F56721CD724}"/>
+              </a:ext>
+            </a:extLst>
+          </p:cNvPr>
+          <p:cNvSpPr/>
+          <p:nvPr/>
+        </p:nvSpPr>
+        <p:spPr>
+          <a:xfrm>
+            <a:off x="1455653" y="1910665"/>
+            <a:ext cx="1432527" cy="391886"/>
+          </a:xfrm>
+          <a:prstGeom prst="rect">
+            <a:avLst/>
+          </a:prstGeom>
+          <a:noFill/>
+          <a:ln w="28575">
+            <a:solidFill>
+              <a:schemeClr val="tx1"/>
+            </a:solidFill>
+          </a:ln>
+        </p:spPr>
+        <p:style>
+          <a:lnRef idx="2">
+            <a:schemeClr val="accent1">
+              <a:shade val="50000"/>
+            </a:schemeClr>
+          </a:lnRef>
+          <a:fillRef idx="1">
+            <a:schemeClr val="accent1"/>
+          </a:fillRef>
+          <a:effectRef idx="0">
+            <a:schemeClr val="accent1"/>
+          </a:effectRef>
+          <a:fontRef idx="minor">
+            <a:schemeClr val="lt1"/>
+          </a:fontRef>
+        </p:style>
+        <p:txBody>
+          <a:bodyPr rtlCol="0" anchor="ctr"/>
+          <a:lstStyle/>
+          <a:p>
+            <a:r>
+              <a:rPr lang="en-US" dirty="0">
+                <a:solidFill>
+                  <a:schemeClr val="tx1"/>
+                </a:solidFill>
+                <a:latin typeface="Courier New" panose="02070309020205020404" pitchFamily="49" charset="0"/>
+                <a:cs typeface="Courier New" panose="02070309020205020404" pitchFamily="49" charset="0"/>
+              </a:rPr>
+              <a:t>value: 22    </a:t>
+            </a:r>
+          </a:p>
+        </p:txBody>
+      </p:sp>
+      <p:sp>
+        <p:nvSpPr>
+          <p:cNvPr id="10" name="TextBox 9">
+            <a:extLst>
+              <a:ext uri="{FF2B5EF4-FFF2-40B4-BE49-F238E27FC236}">
+                <a16:creationId xmlns:a16="http://schemas.microsoft.com/office/drawing/2014/main" id="{1B226363-F747-FB35-E30E-B1373C6BD78B}"/>
+              </a:ext>
+            </a:extLst>
+          </p:cNvPr>
+          <p:cNvSpPr txBox="1"/>
+          <p:nvPr/>
+        </p:nvSpPr>
+        <p:spPr>
+          <a:xfrm>
+            <a:off x="6968911" y="1661752"/>
+            <a:ext cx="3191899" cy="2677656"/>
+          </a:xfrm>
+          <a:prstGeom prst="rect">
+            <a:avLst/>
+          </a:prstGeom>
+          <a:noFill/>
+        </p:spPr>
+        <p:txBody>
+          <a:bodyPr wrap="none" rtlCol="0">
+            <a:spAutoFit/>
+          </a:bodyPr>
+          <a:lstStyle/>
+          <a:p>
+            <a:r>
+              <a:rPr lang="en-US" sz="1400" b="1" dirty="0">
+                <a:latin typeface="Courier New" panose="02070309020205020404" pitchFamily="49" charset="0"/>
+                <a:cs typeface="Courier New" panose="02070309020205020404" pitchFamily="49" charset="0"/>
+              </a:rPr>
+              <a:t>struct </a:t>
+            </a:r>
+            <a:r>
+              <a:rPr lang="en-US" sz="1400" b="1" dirty="0" err="1">
+                <a:latin typeface="Courier New" panose="02070309020205020404" pitchFamily="49" charset="0"/>
+                <a:cs typeface="Courier New" panose="02070309020205020404" pitchFamily="49" charset="0"/>
+              </a:rPr>
+              <a:t>MapEntry</a:t>
+            </a:r>
+            <a:r>
+              <a:rPr lang="en-US" sz="1400" b="1" dirty="0">
+                <a:latin typeface="Courier New" panose="02070309020205020404" pitchFamily="49" charset="0"/>
+                <a:cs typeface="Courier New" panose="02070309020205020404" pitchFamily="49" charset="0"/>
+              </a:rPr>
+              <a:t> {</a:t>
+            </a:r>
+          </a:p>
+          <a:p>
+            <a:r>
+              <a:rPr lang="en-US" sz="1400" b="1" dirty="0">
+                <a:latin typeface="Courier New" panose="02070309020205020404" pitchFamily="49" charset="0"/>
+                <a:cs typeface="Courier New" panose="02070309020205020404" pitchFamily="49" charset="0"/>
+              </a:rPr>
+              <a:t>    char *key;  /* public */</a:t>
+            </a:r>
+          </a:p>
+          <a:p>
+            <a:r>
+              <a:rPr lang="en-US" sz="1400" b="1" dirty="0">
+                <a:latin typeface="Courier New" panose="02070309020205020404" pitchFamily="49" charset="0"/>
+                <a:cs typeface="Courier New" panose="02070309020205020404" pitchFamily="49" charset="0"/>
+              </a:rPr>
+              <a:t>    int value;  /* public */</a:t>
+            </a:r>
+          </a:p>
+          <a:p>
+            <a:r>
+              <a:rPr lang="en-US" sz="1400" b="1" dirty="0">
+                <a:latin typeface="Courier New" panose="02070309020205020404" pitchFamily="49" charset="0"/>
+                <a:cs typeface="Courier New" panose="02070309020205020404" pitchFamily="49" charset="0"/>
+              </a:rPr>
+              <a:t>    struct </a:t>
+            </a:r>
+            <a:r>
+              <a:rPr lang="en-US" sz="1400" b="1" dirty="0" err="1">
+                <a:latin typeface="Courier New" panose="02070309020205020404" pitchFamily="49" charset="0"/>
+                <a:cs typeface="Courier New" panose="02070309020205020404" pitchFamily="49" charset="0"/>
+              </a:rPr>
+              <a:t>MapEntry</a:t>
+            </a:r>
+            <a:r>
+              <a:rPr lang="en-US" sz="1400" b="1" dirty="0">
+                <a:latin typeface="Courier New" panose="02070309020205020404" pitchFamily="49" charset="0"/>
+                <a:cs typeface="Courier New" panose="02070309020205020404" pitchFamily="49" charset="0"/>
+              </a:rPr>
+              <a:t> *__</a:t>
+            </a:r>
+            <a:r>
+              <a:rPr lang="en-US" sz="1400" b="1" dirty="0" err="1">
+                <a:latin typeface="Courier New" panose="02070309020205020404" pitchFamily="49" charset="0"/>
+                <a:cs typeface="Courier New" panose="02070309020205020404" pitchFamily="49" charset="0"/>
+              </a:rPr>
+              <a:t>prev</a:t>
+            </a:r>
+            <a:r>
+              <a:rPr lang="en-US" sz="1400" b="1" dirty="0">
+                <a:latin typeface="Courier New" panose="02070309020205020404" pitchFamily="49" charset="0"/>
+                <a:cs typeface="Courier New" panose="02070309020205020404" pitchFamily="49" charset="0"/>
+              </a:rPr>
+              <a:t>;</a:t>
+            </a:r>
+          </a:p>
+          <a:p>
+            <a:r>
+              <a:rPr lang="en-US" sz="1400" b="1" dirty="0">
+                <a:latin typeface="Courier New" panose="02070309020205020404" pitchFamily="49" charset="0"/>
+                <a:cs typeface="Courier New" panose="02070309020205020404" pitchFamily="49" charset="0"/>
+              </a:rPr>
+              <a:t>    struct </a:t>
+            </a:r>
+            <a:r>
+              <a:rPr lang="en-US" sz="1400" b="1" dirty="0" err="1">
+                <a:latin typeface="Courier New" panose="02070309020205020404" pitchFamily="49" charset="0"/>
+                <a:cs typeface="Courier New" panose="02070309020205020404" pitchFamily="49" charset="0"/>
+              </a:rPr>
+              <a:t>MapEntry</a:t>
+            </a:r>
+            <a:r>
+              <a:rPr lang="en-US" sz="1400" b="1" dirty="0">
+                <a:latin typeface="Courier New" panose="02070309020205020404" pitchFamily="49" charset="0"/>
+                <a:cs typeface="Courier New" panose="02070309020205020404" pitchFamily="49" charset="0"/>
+              </a:rPr>
+              <a:t> *__next;</a:t>
+            </a:r>
+          </a:p>
+          <a:p>
+            <a:r>
+              <a:rPr lang="en-US" sz="1400" b="1" dirty="0">
+                <a:latin typeface="Courier New" panose="02070309020205020404" pitchFamily="49" charset="0"/>
+                <a:cs typeface="Courier New" panose="02070309020205020404" pitchFamily="49" charset="0"/>
+              </a:rPr>
+              <a:t>};</a:t>
+            </a:r>
+          </a:p>
+          <a:p>
+            <a:endParaRPr lang="en-US" sz="1400" b="1" dirty="0">
+              <a:latin typeface="Courier New" panose="02070309020205020404" pitchFamily="49" charset="0"/>
+              <a:cs typeface="Courier New" panose="02070309020205020404" pitchFamily="49" charset="0"/>
+            </a:endParaRPr>
+          </a:p>
+          <a:p>
+            <a:r>
+              <a:rPr lang="en-US" sz="1400" b="1" dirty="0">
+                <a:latin typeface="Courier New" panose="02070309020205020404" pitchFamily="49" charset="0"/>
+                <a:cs typeface="Courier New" panose="02070309020205020404" pitchFamily="49" charset="0"/>
+              </a:rPr>
+              <a:t>struct Map {</a:t>
+            </a:r>
+          </a:p>
+          <a:p>
+            <a:r>
+              <a:rPr lang="en-US" sz="1400" b="1" dirty="0">
+                <a:latin typeface="Courier New" panose="02070309020205020404" pitchFamily="49" charset="0"/>
+                <a:cs typeface="Courier New" panose="02070309020205020404" pitchFamily="49" charset="0"/>
+              </a:rPr>
+              <a:t>   struct </a:t>
+            </a:r>
+            <a:r>
+              <a:rPr lang="en-US" sz="1400" b="1" dirty="0" err="1">
+                <a:latin typeface="Courier New" panose="02070309020205020404" pitchFamily="49" charset="0"/>
+                <a:cs typeface="Courier New" panose="02070309020205020404" pitchFamily="49" charset="0"/>
+              </a:rPr>
+              <a:t>MapEntry</a:t>
+            </a:r>
+            <a:r>
+              <a:rPr lang="en-US" sz="1400" b="1" dirty="0">
+                <a:latin typeface="Courier New" panose="02070309020205020404" pitchFamily="49" charset="0"/>
+                <a:cs typeface="Courier New" panose="02070309020205020404" pitchFamily="49" charset="0"/>
+              </a:rPr>
+              <a:t> *__head;</a:t>
+            </a:r>
+          </a:p>
+          <a:p>
+            <a:r>
+              <a:rPr lang="en-US" sz="1400" b="1" dirty="0">
+                <a:latin typeface="Courier New" panose="02070309020205020404" pitchFamily="49" charset="0"/>
+                <a:cs typeface="Courier New" panose="02070309020205020404" pitchFamily="49" charset="0"/>
+              </a:rPr>
+              <a:t>   struct </a:t>
+            </a:r>
+            <a:r>
+              <a:rPr lang="en-US" sz="1400" b="1" dirty="0" err="1">
+                <a:latin typeface="Courier New" panose="02070309020205020404" pitchFamily="49" charset="0"/>
+                <a:cs typeface="Courier New" panose="02070309020205020404" pitchFamily="49" charset="0"/>
+              </a:rPr>
+              <a:t>MapEntry</a:t>
+            </a:r>
+            <a:r>
+              <a:rPr lang="en-US" sz="1400" b="1" dirty="0">
+                <a:latin typeface="Courier New" panose="02070309020205020404" pitchFamily="49" charset="0"/>
+                <a:cs typeface="Courier New" panose="02070309020205020404" pitchFamily="49" charset="0"/>
+              </a:rPr>
+              <a:t> *__tail;</a:t>
+            </a:r>
+          </a:p>
+          <a:p>
+            <a:r>
+              <a:rPr lang="en-US" sz="1400" b="1" dirty="0">
+                <a:latin typeface="Courier New" panose="02070309020205020404" pitchFamily="49" charset="0"/>
+                <a:cs typeface="Courier New" panose="02070309020205020404" pitchFamily="49" charset="0"/>
+              </a:rPr>
+              <a:t>   ...</a:t>
+            </a:r>
+          </a:p>
+          <a:p>
+            <a:r>
+              <a:rPr lang="en-US" sz="1400" b="1" dirty="0">
+                <a:latin typeface="Courier New" panose="02070309020205020404" pitchFamily="49" charset="0"/>
+                <a:cs typeface="Courier New" panose="02070309020205020404" pitchFamily="49" charset="0"/>
+              </a:rPr>
+              <a:t>};</a:t>
+            </a:r>
+          </a:p>
+        </p:txBody>
+      </p:sp>
+      <p:sp>
+        <p:nvSpPr>
+          <p:cNvPr id="5" name="Rectangle 4">
+            <a:extLst>
+              <a:ext uri="{FF2B5EF4-FFF2-40B4-BE49-F238E27FC236}">
+                <a16:creationId xmlns:a16="http://schemas.microsoft.com/office/drawing/2014/main" id="{B95ADD59-7234-F0EA-376E-4771F4C8BFFD}"/>
+              </a:ext>
+            </a:extLst>
+          </p:cNvPr>
+          <p:cNvSpPr/>
+          <p:nvPr/>
+        </p:nvSpPr>
+        <p:spPr>
+          <a:xfrm>
+            <a:off x="3437022" y="1541116"/>
+            <a:ext cx="776610" cy="367134"/>
+          </a:xfrm>
+          <a:prstGeom prst="rect">
+            <a:avLst/>
+          </a:prstGeom>
+          <a:solidFill>
+            <a:schemeClr val="bg1"/>
+          </a:solidFill>
+          <a:ln w="28575">
+            <a:solidFill>
+              <a:schemeClr val="tx1"/>
+            </a:solidFill>
+          </a:ln>
+        </p:spPr>
+        <p:style>
+          <a:lnRef idx="2">
+            <a:schemeClr val="accent1">
+              <a:shade val="50000"/>
+            </a:schemeClr>
+          </a:lnRef>
+          <a:fillRef idx="1">
+            <a:schemeClr val="accent1"/>
+          </a:fillRef>
+          <a:effectRef idx="0">
+            <a:schemeClr val="accent1"/>
+          </a:effectRef>
+          <a:fontRef idx="minor">
+            <a:schemeClr val="lt1"/>
+          </a:fontRef>
+        </p:style>
+        <p:txBody>
+          <a:bodyPr rtlCol="0" anchor="ctr"/>
+          <a:lstStyle/>
+          <a:p>
+            <a:r>
+              <a:rPr lang="en-US" dirty="0">
+                <a:solidFill>
+                  <a:schemeClr val="tx1"/>
+                </a:solidFill>
+                <a:latin typeface="Courier New" panose="02070309020205020404" pitchFamily="49" charset="0"/>
+                <a:cs typeface="Courier New" panose="02070309020205020404" pitchFamily="49" charset="0"/>
+              </a:rPr>
+              <a:t>z</a:t>
+            </a:r>
+          </a:p>
+        </p:txBody>
+      </p:sp>
+      <p:sp>
+        <p:nvSpPr>
+          <p:cNvPr id="11" name="Rectangle 10">
+            <a:extLst>
+              <a:ext uri="{FF2B5EF4-FFF2-40B4-BE49-F238E27FC236}">
+                <a16:creationId xmlns:a16="http://schemas.microsoft.com/office/drawing/2014/main" id="{05EEF8B9-61D0-FC3F-E645-2C74FFDF467B}"/>
+              </a:ext>
+            </a:extLst>
+          </p:cNvPr>
+          <p:cNvSpPr/>
+          <p:nvPr/>
+        </p:nvSpPr>
+        <p:spPr>
+          <a:xfrm>
+            <a:off x="885527" y="680612"/>
+            <a:ext cx="1432527" cy="391886"/>
+          </a:xfrm>
+          <a:prstGeom prst="rect">
+            <a:avLst/>
+          </a:prstGeom>
+          <a:noFill/>
+          <a:ln w="28575">
+            <a:solidFill>
+              <a:schemeClr val="tx1"/>
+            </a:solidFill>
+          </a:ln>
+        </p:spPr>
+        <p:style>
+          <a:lnRef idx="2">
+            <a:schemeClr val="accent1">
+              <a:shade val="50000"/>
+            </a:schemeClr>
+          </a:lnRef>
+          <a:fillRef idx="1">
+            <a:schemeClr val="accent1"/>
+          </a:fillRef>
+          <a:effectRef idx="0">
+            <a:schemeClr val="accent1"/>
+          </a:effectRef>
+          <a:fontRef idx="minor">
+            <a:schemeClr val="lt1"/>
+          </a:fontRef>
+        </p:style>
+        <p:txBody>
+          <a:bodyPr rtlCol="0" anchor="ctr"/>
+          <a:lstStyle/>
+          <a:p>
+            <a:r>
+              <a:rPr lang="en-US" dirty="0">
+                <a:solidFill>
+                  <a:schemeClr val="tx1"/>
+                </a:solidFill>
+                <a:latin typeface="Courier New" panose="02070309020205020404" pitchFamily="49" charset="0"/>
+                <a:cs typeface="Courier New" panose="02070309020205020404" pitchFamily="49" charset="0"/>
+              </a:rPr>
+              <a:t>tail:    </a:t>
+            </a:r>
+          </a:p>
+        </p:txBody>
+      </p:sp>
+      <p:cxnSp>
+        <p:nvCxnSpPr>
+          <p:cNvPr id="26" name="Curved Connector 25">
+            <a:extLst>
+              <a:ext uri="{FF2B5EF4-FFF2-40B4-BE49-F238E27FC236}">
+                <a16:creationId xmlns:a16="http://schemas.microsoft.com/office/drawing/2014/main" id="{5B1125AF-0418-4C1E-7144-41CE809049A8}"/>
+              </a:ext>
+            </a:extLst>
+          </p:cNvPr>
+          <p:cNvCxnSpPr>
+            <a:cxnSpLocks/>
+            <a:stCxn id="4" idx="3"/>
+            <a:endCxn id="3" idx="0"/>
+          </p:cNvCxnSpPr>
+          <p:nvPr/>
+        </p:nvCxnSpPr>
+        <p:spPr>
+          <a:xfrm flipH="1">
+            <a:off x="2171917" y="491916"/>
+            <a:ext cx="146137" cy="1018470"/>
+          </a:xfrm>
+          <a:prstGeom prst="curvedConnector4">
+            <a:avLst>
+              <a:gd name="adj1" fmla="val -156429"/>
+              <a:gd name="adj2" fmla="val 59619"/>
+            </a:avLst>
+          </a:prstGeom>
+          <a:ln w="57150">
+            <a:solidFill>
+              <a:schemeClr val="accent1"/>
+            </a:solidFill>
+            <a:tailEnd type="triangle"/>
+          </a:ln>
+        </p:spPr>
+        <p:style>
+          <a:lnRef idx="1">
+            <a:schemeClr val="accent1"/>
+          </a:lnRef>
+          <a:fillRef idx="0">
+            <a:schemeClr val="accent1"/>
+          </a:fillRef>
+          <a:effectRef idx="0">
+            <a:schemeClr val="accent1"/>
+          </a:effectRef>
+          <a:fontRef idx="minor">
+            <a:schemeClr val="tx1"/>
+          </a:fontRef>
+        </p:style>
+      </p:cxnSp>
+      <p:sp>
+        <p:nvSpPr>
+          <p:cNvPr id="27" name="Rectangle 26">
+            <a:extLst>
+              <a:ext uri="{FF2B5EF4-FFF2-40B4-BE49-F238E27FC236}">
+                <a16:creationId xmlns:a16="http://schemas.microsoft.com/office/drawing/2014/main" id="{2B525A07-0710-0127-DDBE-8BE8B1757352}"/>
+              </a:ext>
+            </a:extLst>
+          </p:cNvPr>
+          <p:cNvSpPr/>
+          <p:nvPr/>
+        </p:nvSpPr>
+        <p:spPr>
+          <a:xfrm>
+            <a:off x="2419495" y="4430331"/>
+            <a:ext cx="192972" cy="391886"/>
+          </a:xfrm>
+          <a:prstGeom prst="rect">
+            <a:avLst/>
+          </a:prstGeom>
+          <a:noFill/>
+          <a:ln w="28575">
+            <a:noFill/>
+          </a:ln>
+        </p:spPr>
+        <p:style>
+          <a:lnRef idx="2">
+            <a:schemeClr val="accent1">
+              <a:shade val="50000"/>
+            </a:schemeClr>
+          </a:lnRef>
+          <a:fillRef idx="1">
+            <a:schemeClr val="accent1"/>
+          </a:fillRef>
+          <a:effectRef idx="0">
+            <a:schemeClr val="accent1"/>
+          </a:effectRef>
+          <a:fontRef idx="minor">
+            <a:schemeClr val="lt1"/>
+          </a:fontRef>
+        </p:style>
+        <p:txBody>
+          <a:bodyPr rtlCol="0" anchor="ctr"/>
+          <a:lstStyle/>
+          <a:p>
+            <a:endParaRPr lang="en-US" dirty="0">
+              <a:solidFill>
+                <a:schemeClr val="tx1"/>
+              </a:solidFill>
+              <a:latin typeface="Courier New" panose="02070309020205020404" pitchFamily="49" charset="0"/>
+              <a:cs typeface="Courier New" panose="02070309020205020404" pitchFamily="49" charset="0"/>
+            </a:endParaRPr>
+          </a:p>
+        </p:txBody>
+      </p:sp>
+      <p:sp>
+        <p:nvSpPr>
+          <p:cNvPr id="38" name="Rectangle 37">
+            <a:extLst>
+              <a:ext uri="{FF2B5EF4-FFF2-40B4-BE49-F238E27FC236}">
+                <a16:creationId xmlns:a16="http://schemas.microsoft.com/office/drawing/2014/main" id="{EA2F9522-F333-146C-4592-CD48429E5742}"/>
+              </a:ext>
+            </a:extLst>
+          </p:cNvPr>
+          <p:cNvSpPr/>
+          <p:nvPr/>
+        </p:nvSpPr>
+        <p:spPr>
+          <a:xfrm>
+            <a:off x="1455653" y="2309945"/>
+            <a:ext cx="1432527" cy="391886"/>
+          </a:xfrm>
+          <a:prstGeom prst="rect">
+            <a:avLst/>
+          </a:prstGeom>
+          <a:noFill/>
+          <a:ln w="28575">
+            <a:solidFill>
+              <a:schemeClr val="tx1"/>
+            </a:solidFill>
+          </a:ln>
+        </p:spPr>
+        <p:style>
+          <a:lnRef idx="2">
+            <a:schemeClr val="accent1">
+              <a:shade val="50000"/>
+            </a:schemeClr>
+          </a:lnRef>
+          <a:fillRef idx="1">
+            <a:schemeClr val="accent1"/>
+          </a:fillRef>
+          <a:effectRef idx="0">
+            <a:schemeClr val="accent1"/>
+          </a:effectRef>
+          <a:fontRef idx="minor">
+            <a:schemeClr val="lt1"/>
+          </a:fontRef>
+        </p:style>
+        <p:txBody>
+          <a:bodyPr rtlCol="0" anchor="ctr"/>
+          <a:lstStyle/>
+          <a:p>
+            <a:r>
+              <a:rPr lang="en-US" dirty="0" err="1">
+                <a:solidFill>
+                  <a:schemeClr val="tx1"/>
+                </a:solidFill>
+                <a:latin typeface="Courier New" panose="02070309020205020404" pitchFamily="49" charset="0"/>
+                <a:cs typeface="Courier New" panose="02070309020205020404" pitchFamily="49" charset="0"/>
+              </a:rPr>
+              <a:t>prev</a:t>
+            </a:r>
+            <a:r>
+              <a:rPr lang="en-US" dirty="0">
+                <a:solidFill>
+                  <a:schemeClr val="tx1"/>
+                </a:solidFill>
+                <a:latin typeface="Courier New" panose="02070309020205020404" pitchFamily="49" charset="0"/>
+                <a:cs typeface="Courier New" panose="02070309020205020404" pitchFamily="49" charset="0"/>
+              </a:rPr>
+              <a:t>: </a:t>
+            </a:r>
+          </a:p>
+        </p:txBody>
+      </p:sp>
+      <p:cxnSp>
+        <p:nvCxnSpPr>
+          <p:cNvPr id="41" name="Straight Arrow Connector 40">
+            <a:extLst>
+              <a:ext uri="{FF2B5EF4-FFF2-40B4-BE49-F238E27FC236}">
+                <a16:creationId xmlns:a16="http://schemas.microsoft.com/office/drawing/2014/main" id="{959CEB50-49EA-5B4E-6453-9E38AFA930C9}"/>
+              </a:ext>
+            </a:extLst>
+          </p:cNvPr>
+          <p:cNvCxnSpPr>
+            <a:cxnSpLocks/>
+            <a:endCxn id="5" idx="1"/>
+          </p:cNvCxnSpPr>
+          <p:nvPr/>
+        </p:nvCxnSpPr>
+        <p:spPr>
+          <a:xfrm>
+            <a:off x="2612467" y="1718383"/>
+            <a:ext cx="824555" cy="6300"/>
+          </a:xfrm>
+          <a:prstGeom prst="straightConnector1">
+            <a:avLst/>
+          </a:prstGeom>
+          <a:ln w="57150">
+            <a:tailEnd type="triangle"/>
+          </a:ln>
+        </p:spPr>
+        <p:style>
+          <a:lnRef idx="1">
+            <a:schemeClr val="accent1"/>
+          </a:lnRef>
+          <a:fillRef idx="0">
+            <a:schemeClr val="accent1"/>
+          </a:fillRef>
+          <a:effectRef idx="0">
+            <a:schemeClr val="accent1"/>
+          </a:effectRef>
+          <a:fontRef idx="minor">
+            <a:schemeClr val="tx1"/>
+          </a:fontRef>
+        </p:style>
+      </p:cxnSp>
+      <p:cxnSp>
+        <p:nvCxnSpPr>
+          <p:cNvPr id="48" name="Curved Connector 47">
+            <a:extLst>
+              <a:ext uri="{FF2B5EF4-FFF2-40B4-BE49-F238E27FC236}">
+                <a16:creationId xmlns:a16="http://schemas.microsoft.com/office/drawing/2014/main" id="{A3D63641-03F2-BE1E-1BE0-BA9F3543DBDB}"/>
+              </a:ext>
+            </a:extLst>
+          </p:cNvPr>
+          <p:cNvCxnSpPr>
+            <a:cxnSpLocks/>
+          </p:cNvCxnSpPr>
+          <p:nvPr/>
+        </p:nvCxnSpPr>
+        <p:spPr>
+          <a:xfrm rot="5400000">
+            <a:off x="1927480" y="3065452"/>
+            <a:ext cx="708469" cy="419052"/>
+          </a:xfrm>
+          <a:prstGeom prst="curvedConnector3">
+            <a:avLst>
+              <a:gd name="adj1" fmla="val 50000"/>
+            </a:avLst>
+          </a:prstGeom>
+          <a:ln w="57150">
+            <a:solidFill>
+              <a:schemeClr val="accent1"/>
+            </a:solidFill>
+            <a:tailEnd type="triangle"/>
+          </a:ln>
+        </p:spPr>
+        <p:style>
+          <a:lnRef idx="1">
+            <a:schemeClr val="accent1"/>
+          </a:lnRef>
+          <a:fillRef idx="0">
+            <a:schemeClr val="accent1"/>
+          </a:fillRef>
+          <a:effectRef idx="0">
+            <a:schemeClr val="accent1"/>
+          </a:effectRef>
+          <a:fontRef idx="minor">
+            <a:schemeClr val="tx1"/>
+          </a:fontRef>
+        </p:style>
+      </p:cxnSp>
+      <p:sp>
+        <p:nvSpPr>
+          <p:cNvPr id="51" name="Rectangle 50">
+            <a:extLst>
+              <a:ext uri="{FF2B5EF4-FFF2-40B4-BE49-F238E27FC236}">
+                <a16:creationId xmlns:a16="http://schemas.microsoft.com/office/drawing/2014/main" id="{7F8629A1-D99A-9FCD-E125-BE0427762EED}"/>
+              </a:ext>
+            </a:extLst>
+          </p:cNvPr>
+          <p:cNvSpPr/>
+          <p:nvPr/>
+        </p:nvSpPr>
+        <p:spPr>
+          <a:xfrm>
+            <a:off x="1455653" y="3624696"/>
+            <a:ext cx="1432527" cy="391886"/>
+          </a:xfrm>
+          <a:prstGeom prst="rect">
+            <a:avLst/>
+          </a:prstGeom>
+          <a:noFill/>
+          <a:ln w="28575">
+            <a:solidFill>
+              <a:schemeClr val="tx1"/>
+            </a:solidFill>
+          </a:ln>
+        </p:spPr>
+        <p:style>
+          <a:lnRef idx="2">
+            <a:schemeClr val="accent1">
+              <a:shade val="50000"/>
+            </a:schemeClr>
+          </a:lnRef>
+          <a:fillRef idx="1">
+            <a:schemeClr val="accent1"/>
+          </a:fillRef>
+          <a:effectRef idx="0">
+            <a:schemeClr val="accent1"/>
+          </a:effectRef>
+          <a:fontRef idx="minor">
+            <a:schemeClr val="lt1"/>
+          </a:fontRef>
+        </p:style>
+        <p:txBody>
+          <a:bodyPr rtlCol="0" anchor="ctr"/>
+          <a:lstStyle/>
+          <a:p>
+            <a:r>
+              <a:rPr lang="en-US" dirty="0">
+                <a:solidFill>
+                  <a:schemeClr val="tx1"/>
+                </a:solidFill>
+                <a:latin typeface="Courier New" panose="02070309020205020404" pitchFamily="49" charset="0"/>
+                <a:cs typeface="Courier New" panose="02070309020205020404" pitchFamily="49" charset="0"/>
+              </a:rPr>
+              <a:t>key:    </a:t>
+            </a:r>
+          </a:p>
+        </p:txBody>
+      </p:sp>
+      <p:sp>
+        <p:nvSpPr>
+          <p:cNvPr id="53" name="Rectangle 52">
+            <a:extLst>
+              <a:ext uri="{FF2B5EF4-FFF2-40B4-BE49-F238E27FC236}">
+                <a16:creationId xmlns:a16="http://schemas.microsoft.com/office/drawing/2014/main" id="{6A4D783A-55E2-A3F7-59FA-5AC59219633C}"/>
+              </a:ext>
+            </a:extLst>
+          </p:cNvPr>
+          <p:cNvSpPr/>
+          <p:nvPr/>
+        </p:nvSpPr>
+        <p:spPr>
+          <a:xfrm>
+            <a:off x="1455653" y="4024975"/>
+            <a:ext cx="1432527" cy="391886"/>
+          </a:xfrm>
+          <a:prstGeom prst="rect">
+            <a:avLst/>
+          </a:prstGeom>
+          <a:noFill/>
+          <a:ln w="28575">
+            <a:solidFill>
+              <a:schemeClr val="tx1"/>
+            </a:solidFill>
+          </a:ln>
+        </p:spPr>
+        <p:style>
+          <a:lnRef idx="2">
+            <a:schemeClr val="accent1">
+              <a:shade val="50000"/>
+            </a:schemeClr>
+          </a:lnRef>
+          <a:fillRef idx="1">
+            <a:schemeClr val="accent1"/>
+          </a:fillRef>
+          <a:effectRef idx="0">
+            <a:schemeClr val="accent1"/>
+          </a:effectRef>
+          <a:fontRef idx="minor">
+            <a:schemeClr val="lt1"/>
+          </a:fontRef>
+        </p:style>
+        <p:txBody>
+          <a:bodyPr rtlCol="0" anchor="ctr"/>
+          <a:lstStyle/>
+          <a:p>
+            <a:r>
+              <a:rPr lang="en-US" dirty="0">
+                <a:solidFill>
+                  <a:schemeClr val="tx1"/>
+                </a:solidFill>
+                <a:latin typeface="Courier New" panose="02070309020205020404" pitchFamily="49" charset="0"/>
+                <a:cs typeface="Courier New" panose="02070309020205020404" pitchFamily="49" charset="0"/>
+              </a:rPr>
+              <a:t>value: 42    </a:t>
+            </a:r>
+          </a:p>
+        </p:txBody>
+      </p:sp>
+      <p:sp>
+        <p:nvSpPr>
+          <p:cNvPr id="54" name="Rectangle 53">
+            <a:extLst>
+              <a:ext uri="{FF2B5EF4-FFF2-40B4-BE49-F238E27FC236}">
+                <a16:creationId xmlns:a16="http://schemas.microsoft.com/office/drawing/2014/main" id="{875C025E-B3FC-26AB-9C54-0850838AFF9C}"/>
+              </a:ext>
+            </a:extLst>
+          </p:cNvPr>
+          <p:cNvSpPr/>
+          <p:nvPr/>
+        </p:nvSpPr>
+        <p:spPr>
+          <a:xfrm>
+            <a:off x="1455653" y="4424255"/>
+            <a:ext cx="1432527" cy="391886"/>
+          </a:xfrm>
+          <a:prstGeom prst="rect">
+            <a:avLst/>
+          </a:prstGeom>
+          <a:noFill/>
+          <a:ln w="28575">
+            <a:solidFill>
+              <a:schemeClr val="tx1"/>
+            </a:solidFill>
+          </a:ln>
+        </p:spPr>
+        <p:style>
+          <a:lnRef idx="2">
+            <a:schemeClr val="accent1">
+              <a:shade val="50000"/>
+            </a:schemeClr>
+          </a:lnRef>
+          <a:fillRef idx="1">
+            <a:schemeClr val="accent1"/>
+          </a:fillRef>
+          <a:effectRef idx="0">
+            <a:schemeClr val="accent1"/>
+          </a:effectRef>
+          <a:fontRef idx="minor">
+            <a:schemeClr val="lt1"/>
+          </a:fontRef>
+        </p:style>
+        <p:txBody>
+          <a:bodyPr rtlCol="0" anchor="ctr"/>
+          <a:lstStyle/>
+          <a:p>
+            <a:r>
+              <a:rPr lang="en-US" dirty="0" err="1">
+                <a:solidFill>
+                  <a:schemeClr val="tx1"/>
+                </a:solidFill>
+                <a:latin typeface="Courier New" panose="02070309020205020404" pitchFamily="49" charset="0"/>
+                <a:cs typeface="Courier New" panose="02070309020205020404" pitchFamily="49" charset="0"/>
+              </a:rPr>
+              <a:t>prev</a:t>
+            </a:r>
+            <a:r>
+              <a:rPr lang="en-US" dirty="0">
+                <a:solidFill>
+                  <a:schemeClr val="tx1"/>
+                </a:solidFill>
+                <a:latin typeface="Courier New" panose="02070309020205020404" pitchFamily="49" charset="0"/>
+                <a:cs typeface="Courier New" panose="02070309020205020404" pitchFamily="49" charset="0"/>
+              </a:rPr>
+              <a:t>: </a:t>
+            </a:r>
+          </a:p>
+        </p:txBody>
+      </p:sp>
+      <p:sp>
+        <p:nvSpPr>
+          <p:cNvPr id="52" name="Rectangle 51">
+            <a:extLst>
+              <a:ext uri="{FF2B5EF4-FFF2-40B4-BE49-F238E27FC236}">
+                <a16:creationId xmlns:a16="http://schemas.microsoft.com/office/drawing/2014/main" id="{E56D48FE-C07E-067E-3511-C161843A8DC6}"/>
+              </a:ext>
+            </a:extLst>
+          </p:cNvPr>
+          <p:cNvSpPr/>
+          <p:nvPr/>
+        </p:nvSpPr>
+        <p:spPr>
+          <a:xfrm>
+            <a:off x="3437022" y="3655426"/>
+            <a:ext cx="776610" cy="367134"/>
+          </a:xfrm>
+          <a:prstGeom prst="rect">
+            <a:avLst/>
+          </a:prstGeom>
+          <a:solidFill>
+            <a:schemeClr val="bg1"/>
+          </a:solidFill>
+          <a:ln w="28575">
+            <a:solidFill>
+              <a:schemeClr val="tx1"/>
+            </a:solidFill>
+          </a:ln>
+        </p:spPr>
+        <p:style>
+          <a:lnRef idx="2">
+            <a:schemeClr val="accent1">
+              <a:shade val="50000"/>
+            </a:schemeClr>
+          </a:lnRef>
+          <a:fillRef idx="1">
+            <a:schemeClr val="accent1"/>
+          </a:fillRef>
+          <a:effectRef idx="0">
+            <a:schemeClr val="accent1"/>
+          </a:effectRef>
+          <a:fontRef idx="minor">
+            <a:schemeClr val="lt1"/>
+          </a:fontRef>
+        </p:style>
+        <p:txBody>
+          <a:bodyPr rtlCol="0" anchor="ctr"/>
+          <a:lstStyle/>
+          <a:p>
+            <a:r>
+              <a:rPr lang="en-US" dirty="0">
+                <a:solidFill>
+                  <a:schemeClr val="tx1"/>
+                </a:solidFill>
+                <a:latin typeface="Courier New" panose="02070309020205020404" pitchFamily="49" charset="0"/>
+                <a:cs typeface="Courier New" panose="02070309020205020404" pitchFamily="49" charset="0"/>
+              </a:rPr>
+              <a:t>w</a:t>
+            </a:r>
+          </a:p>
+        </p:txBody>
+      </p:sp>
+      <p:cxnSp>
+        <p:nvCxnSpPr>
+          <p:cNvPr id="55" name="Straight Arrow Connector 54">
+            <a:extLst>
+              <a:ext uri="{FF2B5EF4-FFF2-40B4-BE49-F238E27FC236}">
+                <a16:creationId xmlns:a16="http://schemas.microsoft.com/office/drawing/2014/main" id="{3530FD4A-4DD8-4F65-3367-B94A436AA3DA}"/>
+              </a:ext>
+            </a:extLst>
+          </p:cNvPr>
+          <p:cNvCxnSpPr>
+            <a:cxnSpLocks/>
+            <a:endCxn id="52" idx="1"/>
+          </p:cNvCxnSpPr>
+          <p:nvPr/>
+        </p:nvCxnSpPr>
+        <p:spPr>
+          <a:xfrm>
+            <a:off x="2532084" y="3832693"/>
+            <a:ext cx="904938" cy="6300"/>
+          </a:xfrm>
+          <a:prstGeom prst="straightConnector1">
+            <a:avLst/>
+          </a:prstGeom>
+          <a:ln w="57150">
+            <a:tailEnd type="triangle"/>
+          </a:ln>
+        </p:spPr>
+        <p:style>
+          <a:lnRef idx="1">
+            <a:schemeClr val="accent1"/>
+          </a:lnRef>
+          <a:fillRef idx="0">
+            <a:schemeClr val="accent1"/>
+          </a:fillRef>
+          <a:effectRef idx="0">
+            <a:schemeClr val="accent1"/>
+          </a:effectRef>
+          <a:fontRef idx="minor">
+            <a:schemeClr val="tx1"/>
+          </a:fontRef>
+        </p:style>
+      </p:cxnSp>
+      <p:sp>
+        <p:nvSpPr>
+          <p:cNvPr id="58" name="Rectangle 57">
+            <a:extLst>
+              <a:ext uri="{FF2B5EF4-FFF2-40B4-BE49-F238E27FC236}">
+                <a16:creationId xmlns:a16="http://schemas.microsoft.com/office/drawing/2014/main" id="{F0F7D074-5A78-C034-6192-684D5F303E53}"/>
+              </a:ext>
+            </a:extLst>
+          </p:cNvPr>
+          <p:cNvSpPr/>
+          <p:nvPr/>
+        </p:nvSpPr>
+        <p:spPr>
+          <a:xfrm>
+            <a:off x="7554700" y="4906013"/>
+            <a:ext cx="776610" cy="367134"/>
+          </a:xfrm>
+          <a:prstGeom prst="rect">
+            <a:avLst/>
+          </a:prstGeom>
+          <a:noFill/>
+          <a:ln w="28575">
+            <a:solidFill>
+              <a:schemeClr val="tx1"/>
+            </a:solidFill>
+          </a:ln>
+        </p:spPr>
+        <p:style>
+          <a:lnRef idx="2">
+            <a:schemeClr val="accent1">
+              <a:shade val="50000"/>
+            </a:schemeClr>
+          </a:lnRef>
+          <a:fillRef idx="1">
+            <a:schemeClr val="accent1"/>
+          </a:fillRef>
+          <a:effectRef idx="0">
+            <a:schemeClr val="accent1"/>
+          </a:effectRef>
+          <a:fontRef idx="minor">
+            <a:schemeClr val="lt1"/>
+          </a:fontRef>
+        </p:style>
+        <p:txBody>
+          <a:bodyPr rtlCol="0" anchor="ctr"/>
+          <a:lstStyle/>
+          <a:p>
+            <a:pPr algn="ctr"/>
+            <a:r>
+              <a:rPr lang="en-US" dirty="0">
+                <a:solidFill>
+                  <a:schemeClr val="tx1"/>
+                </a:solidFill>
+                <a:latin typeface="Courier New" panose="02070309020205020404" pitchFamily="49" charset="0"/>
+                <a:cs typeface="Courier New" panose="02070309020205020404" pitchFamily="49" charset="0"/>
+              </a:rPr>
+              <a:t>z=22</a:t>
+            </a:r>
+          </a:p>
+        </p:txBody>
+      </p:sp>
+      <p:sp>
+        <p:nvSpPr>
+          <p:cNvPr id="60" name="Rectangle 59">
+            <a:extLst>
+              <a:ext uri="{FF2B5EF4-FFF2-40B4-BE49-F238E27FC236}">
+                <a16:creationId xmlns:a16="http://schemas.microsoft.com/office/drawing/2014/main" id="{1F5FFAB3-7D10-F59E-1F68-08CF9A65D5BC}"/>
+              </a:ext>
+            </a:extLst>
+          </p:cNvPr>
+          <p:cNvSpPr/>
+          <p:nvPr/>
+        </p:nvSpPr>
+        <p:spPr>
+          <a:xfrm>
+            <a:off x="8811176" y="4906013"/>
+            <a:ext cx="776610" cy="367134"/>
+          </a:xfrm>
+          <a:prstGeom prst="rect">
+            <a:avLst/>
+          </a:prstGeom>
+          <a:noFill/>
+          <a:ln w="28575">
+            <a:solidFill>
+              <a:schemeClr val="tx1"/>
+            </a:solidFill>
+          </a:ln>
+        </p:spPr>
+        <p:style>
+          <a:lnRef idx="2">
+            <a:schemeClr val="accent1">
+              <a:shade val="50000"/>
+            </a:schemeClr>
+          </a:lnRef>
+          <a:fillRef idx="1">
+            <a:schemeClr val="accent1"/>
+          </a:fillRef>
+          <a:effectRef idx="0">
+            <a:schemeClr val="accent1"/>
+          </a:effectRef>
+          <a:fontRef idx="minor">
+            <a:schemeClr val="lt1"/>
+          </a:fontRef>
+        </p:style>
+        <p:txBody>
+          <a:bodyPr rtlCol="0" anchor="ctr"/>
+          <a:lstStyle/>
+          <a:p>
+            <a:pPr algn="ctr"/>
+            <a:r>
+              <a:rPr lang="en-US" dirty="0">
+                <a:solidFill>
+                  <a:schemeClr val="tx1"/>
+                </a:solidFill>
+                <a:latin typeface="Courier New" panose="02070309020205020404" pitchFamily="49" charset="0"/>
+                <a:cs typeface="Courier New" panose="02070309020205020404" pitchFamily="49" charset="0"/>
+              </a:rPr>
+              <a:t>w=42</a:t>
+            </a:r>
+          </a:p>
+        </p:txBody>
+      </p:sp>
+      <p:sp>
+        <p:nvSpPr>
+          <p:cNvPr id="61" name="Rectangle 60">
+            <a:extLst>
+              <a:ext uri="{FF2B5EF4-FFF2-40B4-BE49-F238E27FC236}">
+                <a16:creationId xmlns:a16="http://schemas.microsoft.com/office/drawing/2014/main" id="{E547137E-A4BA-8EA2-FD9B-166C71552323}"/>
+              </a:ext>
+            </a:extLst>
+          </p:cNvPr>
+          <p:cNvSpPr/>
+          <p:nvPr/>
+        </p:nvSpPr>
+        <p:spPr>
+          <a:xfrm>
+            <a:off x="6298224" y="4889322"/>
+            <a:ext cx="776610" cy="391886"/>
+          </a:xfrm>
+          <a:prstGeom prst="rect">
+            <a:avLst/>
+          </a:prstGeom>
+          <a:noFill/>
+          <a:ln w="28575">
+            <a:solidFill>
+              <a:schemeClr val="tx1"/>
+            </a:solidFill>
+          </a:ln>
+        </p:spPr>
+        <p:style>
+          <a:lnRef idx="2">
+            <a:schemeClr val="accent1">
+              <a:shade val="50000"/>
+            </a:schemeClr>
+          </a:lnRef>
+          <a:fillRef idx="1">
+            <a:schemeClr val="accent1"/>
+          </a:fillRef>
+          <a:effectRef idx="0">
+            <a:schemeClr val="accent1"/>
+          </a:effectRef>
+          <a:fontRef idx="minor">
+            <a:schemeClr val="lt1"/>
+          </a:fontRef>
+        </p:style>
+        <p:txBody>
+          <a:bodyPr rtlCol="0" anchor="ctr"/>
+          <a:lstStyle/>
+          <a:p>
+            <a:r>
+              <a:rPr lang="en-US" dirty="0">
+                <a:solidFill>
+                  <a:schemeClr val="tx1"/>
+                </a:solidFill>
+                <a:latin typeface="Courier New" panose="02070309020205020404" pitchFamily="49" charset="0"/>
+                <a:cs typeface="Courier New" panose="02070309020205020404" pitchFamily="49" charset="0"/>
+              </a:rPr>
+              <a:t>head    </a:t>
+            </a:r>
+          </a:p>
+        </p:txBody>
+      </p:sp>
+      <p:cxnSp>
+        <p:nvCxnSpPr>
+          <p:cNvPr id="62" name="Straight Arrow Connector 61">
+            <a:extLst>
+              <a:ext uri="{FF2B5EF4-FFF2-40B4-BE49-F238E27FC236}">
+                <a16:creationId xmlns:a16="http://schemas.microsoft.com/office/drawing/2014/main" id="{D6042084-4681-F43C-38CC-9F7579C2895F}"/>
+              </a:ext>
+            </a:extLst>
+          </p:cNvPr>
+          <p:cNvCxnSpPr>
+            <a:cxnSpLocks/>
+            <a:stCxn id="61" idx="3"/>
+            <a:endCxn id="58" idx="1"/>
+          </p:cNvCxnSpPr>
+          <p:nvPr/>
+        </p:nvCxnSpPr>
+        <p:spPr>
+          <a:xfrm>
+            <a:off x="7074834" y="5085265"/>
+            <a:ext cx="479866" cy="4315"/>
+          </a:xfrm>
+          <a:prstGeom prst="straightConnector1">
+            <a:avLst/>
+          </a:prstGeom>
+          <a:ln w="57150">
+            <a:tailEnd type="triangle"/>
+          </a:ln>
+        </p:spPr>
+        <p:style>
+          <a:lnRef idx="1">
+            <a:schemeClr val="accent1"/>
+          </a:lnRef>
+          <a:fillRef idx="0">
+            <a:schemeClr val="accent1"/>
+          </a:fillRef>
+          <a:effectRef idx="0">
+            <a:schemeClr val="accent1"/>
+          </a:effectRef>
+          <a:fontRef idx="minor">
+            <a:schemeClr val="tx1"/>
+          </a:fontRef>
+        </p:style>
+      </p:cxnSp>
+      <p:cxnSp>
+        <p:nvCxnSpPr>
+          <p:cNvPr id="65" name="Straight Arrow Connector 64">
+            <a:extLst>
+              <a:ext uri="{FF2B5EF4-FFF2-40B4-BE49-F238E27FC236}">
+                <a16:creationId xmlns:a16="http://schemas.microsoft.com/office/drawing/2014/main" id="{BD79387E-79E5-2A72-C802-5BF136DD4349}"/>
+              </a:ext>
+            </a:extLst>
+          </p:cNvPr>
+          <p:cNvCxnSpPr>
+            <a:cxnSpLocks/>
+            <a:stCxn id="58" idx="3"/>
+          </p:cNvCxnSpPr>
+          <p:nvPr/>
+        </p:nvCxnSpPr>
+        <p:spPr>
+          <a:xfrm>
+            <a:off x="8331310" y="5089580"/>
+            <a:ext cx="479866" cy="0"/>
+          </a:xfrm>
+          <a:prstGeom prst="straightConnector1">
+            <a:avLst/>
+          </a:prstGeom>
+          <a:ln w="57150">
+            <a:tailEnd type="triangle"/>
+          </a:ln>
+        </p:spPr>
+        <p:style>
+          <a:lnRef idx="1">
+            <a:schemeClr val="accent1"/>
+          </a:lnRef>
+          <a:fillRef idx="0">
+            <a:schemeClr val="accent1"/>
+          </a:fillRef>
+          <a:effectRef idx="0">
+            <a:schemeClr val="accent1"/>
+          </a:effectRef>
+          <a:fontRef idx="minor">
+            <a:schemeClr val="tx1"/>
+          </a:fontRef>
+        </p:style>
+      </p:cxnSp>
+      <p:sp>
+        <p:nvSpPr>
+          <p:cNvPr id="71" name="Rectangle 70">
+            <a:extLst>
+              <a:ext uri="{FF2B5EF4-FFF2-40B4-BE49-F238E27FC236}">
+                <a16:creationId xmlns:a16="http://schemas.microsoft.com/office/drawing/2014/main" id="{358A2B7A-9E22-480B-F98E-CA497EE2D2A8}"/>
+              </a:ext>
+            </a:extLst>
+          </p:cNvPr>
+          <p:cNvSpPr/>
+          <p:nvPr/>
+        </p:nvSpPr>
+        <p:spPr>
+          <a:xfrm>
+            <a:off x="10067653" y="4906013"/>
+            <a:ext cx="302209" cy="391886"/>
+          </a:xfrm>
+          <a:prstGeom prst="rect">
+            <a:avLst/>
+          </a:prstGeom>
+          <a:noFill/>
+          <a:ln w="28575">
+            <a:noFill/>
+          </a:ln>
+        </p:spPr>
+        <p:style>
+          <a:lnRef idx="2">
+            <a:schemeClr val="accent1">
+              <a:shade val="50000"/>
+            </a:schemeClr>
+          </a:lnRef>
+          <a:fillRef idx="1">
+            <a:schemeClr val="accent1"/>
+          </a:fillRef>
+          <a:effectRef idx="0">
+            <a:schemeClr val="accent1"/>
+          </a:effectRef>
+          <a:fontRef idx="minor">
+            <a:schemeClr val="lt1"/>
+          </a:fontRef>
+        </p:style>
+        <p:txBody>
+          <a:bodyPr rtlCol="0" anchor="ctr"/>
+          <a:lstStyle/>
+          <a:p>
+            <a:r>
+              <a:rPr lang="en-US" sz="1800" dirty="0">
+                <a:solidFill>
+                  <a:schemeClr val="tx1"/>
+                </a:solidFill>
+                <a:latin typeface="Courier New" panose="02070309020205020404" pitchFamily="49" charset="0"/>
+                <a:cs typeface="Courier New" panose="02070309020205020404" pitchFamily="49" charset="0"/>
+              </a:rPr>
+              <a:t>∅</a:t>
+            </a:r>
+            <a:endParaRPr lang="en-US" dirty="0">
+              <a:solidFill>
+                <a:schemeClr val="tx1"/>
+              </a:solidFill>
+              <a:latin typeface="Courier New" panose="02070309020205020404" pitchFamily="49" charset="0"/>
+              <a:cs typeface="Courier New" panose="02070309020205020404" pitchFamily="49" charset="0"/>
+            </a:endParaRPr>
+          </a:p>
+        </p:txBody>
+      </p:sp>
+      <p:cxnSp>
+        <p:nvCxnSpPr>
+          <p:cNvPr id="72" name="Straight Arrow Connector 71">
+            <a:extLst>
+              <a:ext uri="{FF2B5EF4-FFF2-40B4-BE49-F238E27FC236}">
+                <a16:creationId xmlns:a16="http://schemas.microsoft.com/office/drawing/2014/main" id="{2DF40613-2A6B-EF8D-185A-616E27BA2F57}"/>
+              </a:ext>
+            </a:extLst>
+          </p:cNvPr>
+          <p:cNvCxnSpPr>
+            <a:cxnSpLocks/>
+            <a:stCxn id="60" idx="3"/>
+            <a:endCxn id="71" idx="1"/>
+          </p:cNvCxnSpPr>
+          <p:nvPr/>
+        </p:nvCxnSpPr>
+        <p:spPr>
+          <a:xfrm>
+            <a:off x="9587786" y="5089580"/>
+            <a:ext cx="479867" cy="12376"/>
+          </a:xfrm>
+          <a:prstGeom prst="straightConnector1">
+            <a:avLst/>
+          </a:prstGeom>
+          <a:ln w="57150">
+            <a:tailEnd type="triangle"/>
+          </a:ln>
+        </p:spPr>
+        <p:style>
+          <a:lnRef idx="1">
+            <a:schemeClr val="accent1"/>
+          </a:lnRef>
+          <a:fillRef idx="0">
+            <a:schemeClr val="accent1"/>
+          </a:fillRef>
+          <a:effectRef idx="0">
+            <a:schemeClr val="accent1"/>
+          </a:effectRef>
+          <a:fontRef idx="minor">
+            <a:schemeClr val="tx1"/>
+          </a:fontRef>
+        </p:style>
+      </p:cxnSp>
+      <p:sp>
+        <p:nvSpPr>
+          <p:cNvPr id="81" name="Title 80">
+            <a:extLst>
+              <a:ext uri="{FF2B5EF4-FFF2-40B4-BE49-F238E27FC236}">
+                <a16:creationId xmlns:a16="http://schemas.microsoft.com/office/drawing/2014/main" id="{2EE6FB36-3F85-AE46-81C5-86E1845D25CA}"/>
+              </a:ext>
+            </a:extLst>
+          </p:cNvPr>
+          <p:cNvSpPr>
+            <a:spLocks noGrp="1"/>
+          </p:cNvSpPr>
+          <p:nvPr>
+            <p:ph type="title"/>
+          </p:nvPr>
+        </p:nvSpPr>
+        <p:spPr>
+          <a:xfrm>
+            <a:off x="5038187" y="365125"/>
+            <a:ext cx="6315613" cy="1325563"/>
+          </a:xfrm>
+        </p:spPr>
+        <p:txBody>
+          <a:bodyPr/>
+          <a:lstStyle/>
+          <a:p>
+            <a:pPr algn="r"/>
+            <a:r>
+              <a:rPr lang="en-US" dirty="0"/>
+              <a:t>Simplifying our Pictures</a:t>
+            </a:r>
+          </a:p>
+        </p:txBody>
+      </p:sp>
+      <p:sp>
+        <p:nvSpPr>
+          <p:cNvPr id="4" name="Rectangle 3">
+            <a:extLst>
+              <a:ext uri="{FF2B5EF4-FFF2-40B4-BE49-F238E27FC236}">
+                <a16:creationId xmlns:a16="http://schemas.microsoft.com/office/drawing/2014/main" id="{6F3B897A-F271-BA63-6B51-E9F80AC01770}"/>
+              </a:ext>
+            </a:extLst>
+          </p:cNvPr>
+          <p:cNvSpPr/>
+          <p:nvPr/>
+        </p:nvSpPr>
+        <p:spPr>
+          <a:xfrm>
+            <a:off x="885527" y="295973"/>
+            <a:ext cx="1432527" cy="391886"/>
+          </a:xfrm>
+          <a:prstGeom prst="rect">
+            <a:avLst/>
+          </a:prstGeom>
+          <a:noFill/>
+          <a:ln w="28575">
+            <a:solidFill>
+              <a:schemeClr val="tx1"/>
+            </a:solidFill>
+          </a:ln>
+        </p:spPr>
+        <p:style>
+          <a:lnRef idx="2">
+            <a:schemeClr val="accent1">
+              <a:shade val="50000"/>
+            </a:schemeClr>
+          </a:lnRef>
+          <a:fillRef idx="1">
+            <a:schemeClr val="accent1"/>
+          </a:fillRef>
+          <a:effectRef idx="0">
+            <a:schemeClr val="accent1"/>
+          </a:effectRef>
+          <a:fontRef idx="minor">
+            <a:schemeClr val="lt1"/>
+          </a:fontRef>
+        </p:style>
+        <p:txBody>
+          <a:bodyPr rtlCol="0" anchor="ctr"/>
+          <a:lstStyle/>
+          <a:p>
+            <a:r>
+              <a:rPr lang="en-US" dirty="0">
+                <a:solidFill>
+                  <a:schemeClr val="tx1"/>
+                </a:solidFill>
+                <a:latin typeface="Courier New" panose="02070309020205020404" pitchFamily="49" charset="0"/>
+                <a:cs typeface="Courier New" panose="02070309020205020404" pitchFamily="49" charset="0"/>
+              </a:rPr>
+              <a:t>head:    </a:t>
+            </a:r>
+          </a:p>
+        </p:txBody>
+      </p:sp>
+      <p:cxnSp>
+        <p:nvCxnSpPr>
+          <p:cNvPr id="8" name="Curved Connector 7">
+            <a:extLst>
+              <a:ext uri="{FF2B5EF4-FFF2-40B4-BE49-F238E27FC236}">
+                <a16:creationId xmlns:a16="http://schemas.microsoft.com/office/drawing/2014/main" id="{FD7E7D3F-91FE-0D04-73EB-784CFD129171}"/>
+              </a:ext>
+            </a:extLst>
+          </p:cNvPr>
+          <p:cNvCxnSpPr>
+            <a:cxnSpLocks/>
+            <a:endCxn id="51" idx="1"/>
+          </p:cNvCxnSpPr>
+          <p:nvPr/>
+        </p:nvCxnSpPr>
+        <p:spPr>
+          <a:xfrm rot="5400000">
+            <a:off x="238041" y="2094168"/>
+            <a:ext cx="2944084" cy="508859"/>
+          </a:xfrm>
+          <a:prstGeom prst="curvedConnector4">
+            <a:avLst>
+              <a:gd name="adj1" fmla="val 10683"/>
+              <a:gd name="adj2" fmla="val 182004"/>
+            </a:avLst>
+          </a:prstGeom>
+          <a:ln w="57150">
+            <a:solidFill>
+              <a:schemeClr val="accent1"/>
+            </a:solidFill>
+            <a:tailEnd type="triangle"/>
+          </a:ln>
+        </p:spPr>
+        <p:style>
+          <a:lnRef idx="1">
+            <a:schemeClr val="accent1"/>
+          </a:lnRef>
+          <a:fillRef idx="0">
+            <a:schemeClr val="accent1"/>
+          </a:fillRef>
+          <a:effectRef idx="0">
+            <a:schemeClr val="accent1"/>
+          </a:effectRef>
+          <a:fontRef idx="minor">
+            <a:schemeClr val="tx1"/>
+          </a:fontRef>
+        </p:style>
+      </p:cxnSp>
+      <p:sp>
+        <p:nvSpPr>
+          <p:cNvPr id="18" name="Right Arrow 17">
+            <a:extLst>
+              <a:ext uri="{FF2B5EF4-FFF2-40B4-BE49-F238E27FC236}">
+                <a16:creationId xmlns:a16="http://schemas.microsoft.com/office/drawing/2014/main" id="{AEA31E09-98DF-A588-A5E6-86426B15D50D}"/>
+              </a:ext>
+            </a:extLst>
+          </p:cNvPr>
+          <p:cNvSpPr/>
+          <p:nvPr/>
+        </p:nvSpPr>
+        <p:spPr>
+          <a:xfrm rot="2274146">
+            <a:off x="4809435" y="4365715"/>
+            <a:ext cx="1204685" cy="296046"/>
+          </a:xfrm>
+          <a:prstGeom prst="rightArrow">
+            <a:avLst/>
+          </a:prstGeom>
+        </p:spPr>
+        <p:style>
+          <a:lnRef idx="2">
+            <a:schemeClr val="accent1">
+              <a:shade val="50000"/>
+            </a:schemeClr>
+          </a:lnRef>
+          <a:fillRef idx="1">
+            <a:schemeClr val="accent1"/>
+          </a:fillRef>
+          <a:effectRef idx="0">
+            <a:schemeClr val="accent1"/>
+          </a:effectRef>
+          <a:fontRef idx="minor">
+            <a:schemeClr val="lt1"/>
+          </a:fontRef>
+        </p:style>
+        <p:txBody>
+          <a:bodyPr rtlCol="0" anchor="ctr"/>
+          <a:lstStyle/>
+          <a:p>
+            <a:pPr algn="ctr"/>
+            <a:endParaRPr lang="en-US"/>
+          </a:p>
+        </p:txBody>
+      </p:sp>
+      <p:sp>
+        <p:nvSpPr>
+          <p:cNvPr id="19" name="Rectangle 18">
+            <a:extLst>
+              <a:ext uri="{FF2B5EF4-FFF2-40B4-BE49-F238E27FC236}">
+                <a16:creationId xmlns:a16="http://schemas.microsoft.com/office/drawing/2014/main" id="{6070D8CE-15D4-9DE2-0210-79622EC377AE}"/>
+              </a:ext>
+            </a:extLst>
+          </p:cNvPr>
+          <p:cNvSpPr/>
+          <p:nvPr/>
+        </p:nvSpPr>
+        <p:spPr>
+          <a:xfrm>
+            <a:off x="1452389" y="2695018"/>
+            <a:ext cx="1432527" cy="391886"/>
+          </a:xfrm>
+          <a:prstGeom prst="rect">
+            <a:avLst/>
+          </a:prstGeom>
+          <a:noFill/>
+          <a:ln w="28575">
+            <a:solidFill>
+              <a:schemeClr val="tx1"/>
+            </a:solidFill>
+          </a:ln>
+        </p:spPr>
+        <p:style>
+          <a:lnRef idx="2">
+            <a:schemeClr val="accent1">
+              <a:shade val="50000"/>
+            </a:schemeClr>
+          </a:lnRef>
+          <a:fillRef idx="1">
+            <a:schemeClr val="accent1"/>
+          </a:fillRef>
+          <a:effectRef idx="0">
+            <a:schemeClr val="accent1"/>
+          </a:effectRef>
+          <a:fontRef idx="minor">
+            <a:schemeClr val="lt1"/>
+          </a:fontRef>
+        </p:style>
+        <p:txBody>
+          <a:bodyPr rtlCol="0" anchor="ctr"/>
+          <a:lstStyle/>
+          <a:p>
+            <a:r>
+              <a:rPr lang="en-US" dirty="0">
+                <a:solidFill>
+                  <a:schemeClr val="tx1"/>
+                </a:solidFill>
+                <a:latin typeface="Courier New" panose="02070309020205020404" pitchFamily="49" charset="0"/>
+                <a:cs typeface="Courier New" panose="02070309020205020404" pitchFamily="49" charset="0"/>
+              </a:rPr>
+              <a:t>next: </a:t>
+            </a:r>
+          </a:p>
+        </p:txBody>
+      </p:sp>
+      <p:sp>
+        <p:nvSpPr>
+          <p:cNvPr id="28" name="Rectangle 27">
+            <a:extLst>
+              <a:ext uri="{FF2B5EF4-FFF2-40B4-BE49-F238E27FC236}">
+                <a16:creationId xmlns:a16="http://schemas.microsoft.com/office/drawing/2014/main" id="{3AC2B8B9-A823-3CA2-B83C-98F8C1D4007E}"/>
+              </a:ext>
+            </a:extLst>
+          </p:cNvPr>
+          <p:cNvSpPr/>
+          <p:nvPr/>
+        </p:nvSpPr>
+        <p:spPr>
+          <a:xfrm>
+            <a:off x="1461390" y="4808109"/>
+            <a:ext cx="1432527" cy="391886"/>
+          </a:xfrm>
+          <a:prstGeom prst="rect">
+            <a:avLst/>
+          </a:prstGeom>
+          <a:noFill/>
+          <a:ln w="28575">
+            <a:solidFill>
+              <a:schemeClr val="tx1"/>
+            </a:solidFill>
+          </a:ln>
+        </p:spPr>
+        <p:style>
+          <a:lnRef idx="2">
+            <a:schemeClr val="accent1">
+              <a:shade val="50000"/>
+            </a:schemeClr>
+          </a:lnRef>
+          <a:fillRef idx="1">
+            <a:schemeClr val="accent1"/>
+          </a:fillRef>
+          <a:effectRef idx="0">
+            <a:schemeClr val="accent1"/>
+          </a:effectRef>
+          <a:fontRef idx="minor">
+            <a:schemeClr val="lt1"/>
+          </a:fontRef>
+        </p:style>
+        <p:txBody>
+          <a:bodyPr rtlCol="0" anchor="ctr"/>
+          <a:lstStyle/>
+          <a:p>
+            <a:r>
+              <a:rPr lang="en-US" dirty="0">
+                <a:solidFill>
+                  <a:schemeClr val="tx1"/>
+                </a:solidFill>
+                <a:latin typeface="Courier New" panose="02070309020205020404" pitchFamily="49" charset="0"/>
+                <a:cs typeface="Courier New" panose="02070309020205020404" pitchFamily="49" charset="0"/>
+              </a:rPr>
+              <a:t>next: </a:t>
+            </a:r>
+          </a:p>
+        </p:txBody>
+      </p:sp>
+      <p:sp>
+        <p:nvSpPr>
+          <p:cNvPr id="66" name="Rectangle 65">
+            <a:extLst>
+              <a:ext uri="{FF2B5EF4-FFF2-40B4-BE49-F238E27FC236}">
+                <a16:creationId xmlns:a16="http://schemas.microsoft.com/office/drawing/2014/main" id="{640F76C0-F7D8-DB75-CFC8-5961E9EFEAAD}"/>
+              </a:ext>
+            </a:extLst>
+          </p:cNvPr>
+          <p:cNvSpPr/>
+          <p:nvPr/>
+        </p:nvSpPr>
+        <p:spPr>
+          <a:xfrm>
+            <a:off x="3167857" y="2321348"/>
+            <a:ext cx="302209" cy="391886"/>
+          </a:xfrm>
+          <a:prstGeom prst="rect">
+            <a:avLst/>
+          </a:prstGeom>
+          <a:noFill/>
+          <a:ln w="28575">
+            <a:solidFill>
+              <a:schemeClr val="tx1"/>
+            </a:solidFill>
+          </a:ln>
+        </p:spPr>
+        <p:style>
+          <a:lnRef idx="2">
+            <a:schemeClr val="accent1">
+              <a:shade val="50000"/>
+            </a:schemeClr>
+          </a:lnRef>
+          <a:fillRef idx="1">
+            <a:schemeClr val="accent1"/>
+          </a:fillRef>
+          <a:effectRef idx="0">
+            <a:schemeClr val="accent1"/>
+          </a:effectRef>
+          <a:fontRef idx="minor">
+            <a:schemeClr val="lt1"/>
+          </a:fontRef>
+        </p:style>
+        <p:txBody>
+          <a:bodyPr rtlCol="0" anchor="ctr"/>
+          <a:lstStyle/>
+          <a:p>
+            <a:r>
+              <a:rPr lang="en-US" sz="1800" dirty="0">
+                <a:solidFill>
+                  <a:schemeClr val="tx1"/>
+                </a:solidFill>
+                <a:latin typeface="Courier New" panose="02070309020205020404" pitchFamily="49" charset="0"/>
+                <a:cs typeface="Courier New" panose="02070309020205020404" pitchFamily="49" charset="0"/>
+              </a:rPr>
+              <a:t>∅</a:t>
+            </a:r>
+            <a:endParaRPr lang="en-US" dirty="0">
+              <a:solidFill>
+                <a:schemeClr val="tx1"/>
+              </a:solidFill>
+              <a:latin typeface="Courier New" panose="02070309020205020404" pitchFamily="49" charset="0"/>
+              <a:cs typeface="Courier New" panose="02070309020205020404" pitchFamily="49" charset="0"/>
+            </a:endParaRPr>
+          </a:p>
+        </p:txBody>
+      </p:sp>
+      <p:sp>
+        <p:nvSpPr>
+          <p:cNvPr id="67" name="Rectangle 66">
+            <a:extLst>
+              <a:ext uri="{FF2B5EF4-FFF2-40B4-BE49-F238E27FC236}">
+                <a16:creationId xmlns:a16="http://schemas.microsoft.com/office/drawing/2014/main" id="{9A72EB0D-41A2-CB3F-456F-61B37C8E9A99}"/>
+              </a:ext>
+            </a:extLst>
+          </p:cNvPr>
+          <p:cNvSpPr/>
+          <p:nvPr/>
+        </p:nvSpPr>
+        <p:spPr>
+          <a:xfrm>
+            <a:off x="2461362" y="5516091"/>
+            <a:ext cx="302209" cy="391886"/>
+          </a:xfrm>
+          <a:prstGeom prst="rect">
+            <a:avLst/>
+          </a:prstGeom>
+          <a:noFill/>
+          <a:ln w="28575">
+            <a:solidFill>
+              <a:schemeClr val="tx1"/>
+            </a:solidFill>
+          </a:ln>
+        </p:spPr>
+        <p:style>
+          <a:lnRef idx="2">
+            <a:schemeClr val="accent1">
+              <a:shade val="50000"/>
+            </a:schemeClr>
+          </a:lnRef>
+          <a:fillRef idx="1">
+            <a:schemeClr val="accent1"/>
+          </a:fillRef>
+          <a:effectRef idx="0">
+            <a:schemeClr val="accent1"/>
+          </a:effectRef>
+          <a:fontRef idx="minor">
+            <a:schemeClr val="lt1"/>
+          </a:fontRef>
+        </p:style>
+        <p:txBody>
+          <a:bodyPr rtlCol="0" anchor="ctr"/>
+          <a:lstStyle/>
+          <a:p>
+            <a:r>
+              <a:rPr lang="en-US" sz="1800" dirty="0">
+                <a:solidFill>
+                  <a:schemeClr val="tx1"/>
+                </a:solidFill>
+                <a:latin typeface="Courier New" panose="02070309020205020404" pitchFamily="49" charset="0"/>
+                <a:cs typeface="Courier New" panose="02070309020205020404" pitchFamily="49" charset="0"/>
+              </a:rPr>
+              <a:t>∅</a:t>
+            </a:r>
+            <a:endParaRPr lang="en-US" dirty="0">
+              <a:solidFill>
+                <a:schemeClr val="tx1"/>
+              </a:solidFill>
+              <a:latin typeface="Courier New" panose="02070309020205020404" pitchFamily="49" charset="0"/>
+              <a:cs typeface="Courier New" panose="02070309020205020404" pitchFamily="49" charset="0"/>
+            </a:endParaRPr>
+          </a:p>
+        </p:txBody>
+      </p:sp>
+      <p:cxnSp>
+        <p:nvCxnSpPr>
+          <p:cNvPr id="69" name="Straight Arrow Connector 68">
+            <a:extLst>
+              <a:ext uri="{FF2B5EF4-FFF2-40B4-BE49-F238E27FC236}">
+                <a16:creationId xmlns:a16="http://schemas.microsoft.com/office/drawing/2014/main" id="{A0250EAE-708A-366C-77B0-E7C15486440D}"/>
+              </a:ext>
+            </a:extLst>
+          </p:cNvPr>
+          <p:cNvCxnSpPr>
+            <a:cxnSpLocks/>
+            <a:endCxn id="67" idx="0"/>
+          </p:cNvCxnSpPr>
+          <p:nvPr/>
+        </p:nvCxnSpPr>
+        <p:spPr>
+          <a:xfrm>
+            <a:off x="2612467" y="5000566"/>
+            <a:ext cx="0" cy="515525"/>
+          </a:xfrm>
+          <a:prstGeom prst="straightConnector1">
+            <a:avLst/>
+          </a:prstGeom>
+          <a:ln w="57150">
+            <a:tailEnd type="triangle"/>
+          </a:ln>
+        </p:spPr>
+        <p:style>
+          <a:lnRef idx="1">
+            <a:schemeClr val="accent1"/>
+          </a:lnRef>
+          <a:fillRef idx="0">
+            <a:schemeClr val="accent1"/>
+          </a:fillRef>
+          <a:effectRef idx="0">
+            <a:schemeClr val="accent1"/>
+          </a:effectRef>
+          <a:fontRef idx="minor">
+            <a:schemeClr val="tx1"/>
+          </a:fontRef>
+        </p:style>
+      </p:cxnSp>
+      <p:cxnSp>
+        <p:nvCxnSpPr>
+          <p:cNvPr id="74" name="Straight Arrow Connector 73">
+            <a:extLst>
+              <a:ext uri="{FF2B5EF4-FFF2-40B4-BE49-F238E27FC236}">
+                <a16:creationId xmlns:a16="http://schemas.microsoft.com/office/drawing/2014/main" id="{25059FED-E07D-86CE-BC63-8278C6804D3E}"/>
+              </a:ext>
+            </a:extLst>
+          </p:cNvPr>
+          <p:cNvCxnSpPr>
+            <a:cxnSpLocks/>
+            <a:endCxn id="66" idx="1"/>
+          </p:cNvCxnSpPr>
+          <p:nvPr/>
+        </p:nvCxnSpPr>
+        <p:spPr>
+          <a:xfrm>
+            <a:off x="2612466" y="2517291"/>
+            <a:ext cx="555391" cy="0"/>
+          </a:xfrm>
+          <a:prstGeom prst="straightConnector1">
+            <a:avLst/>
+          </a:prstGeom>
+          <a:ln w="57150">
+            <a:tailEnd type="triangle"/>
+          </a:ln>
+        </p:spPr>
+        <p:style>
+          <a:lnRef idx="1">
+            <a:schemeClr val="accent1"/>
+          </a:lnRef>
+          <a:fillRef idx="0">
+            <a:schemeClr val="accent1"/>
+          </a:fillRef>
+          <a:effectRef idx="0">
+            <a:schemeClr val="accent1"/>
+          </a:effectRef>
+          <a:fontRef idx="minor">
+            <a:schemeClr val="tx1"/>
+          </a:fontRef>
+        </p:style>
+      </p:cxnSp>
+    </p:spTree>
+    <p:extLst>
+      <p:ext uri="{BB962C8B-B14F-4D97-AF65-F5344CB8AC3E}">
+        <p14:creationId xmlns:p14="http://schemas.microsoft.com/office/powerpoint/2010/main" val="3777892897"/>
+      </p:ext>
+    </p:extLst>
+  </p:cSld>
+  <p:clrMapOvr>
+    <a:masterClrMapping/>
+  </p:clrMapOvr>
+  <mc:AlternateContent xmlns:mc="http://schemas.openxmlformats.org/markup-compatibility/2006" xmlns:p159="http://schemas.microsoft.com/office/powerpoint/2015/09/main">
+    <mc:Choice Requires="p159">
+      <p:transition xmlns:p14="http://schemas.microsoft.com/office/powerpoint/2010/main" spd="slow" p14:dur="2000">
+        <p159:morph option="byObject"/>
+      </p:transition>
+    </mc:Choice>
+    <mc:Fallback xmlns="">
+      <p:transition spd="slow">
+        <p:fade/>
+      </p:transition>
+    </mc:Fallback>
+  </mc:AlternateContent>
+</p:sld>
+</file>
+
+<file path=ppt/slides/slide8.xml><?xml version="1.0" encoding="utf-8"?>
+<p:sld xmlns:a="http://schemas.openxmlformats.org/drawingml/2006/main" xmlns:r="http://schemas.openxmlformats.org/officeDocument/2006/relationships" xmlns:p="http://schemas.openxmlformats.org/presentationml/2006/main">
+  <p:cSld>
+    <p:spTree>
+      <p:nvGrpSpPr>
+        <p:cNvPr id="1" name=""/>
+        <p:cNvGrpSpPr/>
+        <p:nvPr/>
+      </p:nvGrpSpPr>
+      <p:grpSpPr>
+        <a:xfrm>
+          <a:off x="0" y="0"/>
+          <a:ext cx="0" cy="0"/>
+          <a:chOff x="0" y="0"/>
+          <a:chExt cx="0" cy="0"/>
+        </a:xfrm>
+      </p:grpSpPr>
+      <p:sp>
+        <p:nvSpPr>
+          <p:cNvPr id="3" name="Title 2">
+            <a:extLst>
+              <a:ext uri="{FF2B5EF4-FFF2-40B4-BE49-F238E27FC236}">
+                <a16:creationId xmlns:a16="http://schemas.microsoft.com/office/drawing/2014/main" id="{F63984F9-8425-3C13-BE9B-24EBF80A9185}"/>
+              </a:ext>
+            </a:extLst>
+          </p:cNvPr>
+          <p:cNvSpPr>
+            <a:spLocks noGrp="1"/>
+          </p:cNvSpPr>
+          <p:nvPr>
+            <p:ph type="title"/>
+          </p:nvPr>
+        </p:nvSpPr>
+        <p:spPr/>
+        <p:txBody>
+          <a:bodyPr/>
+          <a:lstStyle/>
+          <a:p>
+            <a:r>
+              <a:rPr lang="en-US" dirty="0"/>
+              <a:t>Changing From </a:t>
+            </a:r>
+            <a:r>
+              <a:rPr lang="en-US" dirty="0" err="1"/>
+              <a:t>ListMap</a:t>
+            </a:r>
+            <a:r>
+              <a:rPr lang="en-US" dirty="0"/>
+              <a:t> to HashMap</a:t>
+            </a:r>
+          </a:p>
+        </p:txBody>
+      </p:sp>
+      <p:sp>
+        <p:nvSpPr>
+          <p:cNvPr id="5" name="TextBox 4">
+            <a:extLst>
+              <a:ext uri="{FF2B5EF4-FFF2-40B4-BE49-F238E27FC236}">
+                <a16:creationId xmlns:a16="http://schemas.microsoft.com/office/drawing/2014/main" id="{DA1880B2-3FAF-4179-3EDE-F63E14DC2A93}"/>
+              </a:ext>
+            </a:extLst>
+          </p:cNvPr>
+          <p:cNvSpPr txBox="1"/>
+          <p:nvPr/>
+        </p:nvSpPr>
+        <p:spPr>
+          <a:xfrm>
+            <a:off x="1095649" y="2242044"/>
+            <a:ext cx="3191899" cy="2677656"/>
+          </a:xfrm>
+          <a:prstGeom prst="rect">
+            <a:avLst/>
+          </a:prstGeom>
+          <a:noFill/>
+        </p:spPr>
+        <p:txBody>
+          <a:bodyPr wrap="none" rtlCol="0">
+            <a:spAutoFit/>
+          </a:bodyPr>
+          <a:lstStyle/>
+          <a:p>
+            <a:r>
+              <a:rPr lang="en-US" sz="1400" b="1" dirty="0">
+                <a:latin typeface="Courier New" panose="02070309020205020404" pitchFamily="49" charset="0"/>
+                <a:cs typeface="Courier New" panose="02070309020205020404" pitchFamily="49" charset="0"/>
+              </a:rPr>
+              <a:t>struct </a:t>
+            </a:r>
+            <a:r>
+              <a:rPr lang="en-US" sz="1400" b="1" dirty="0" err="1">
+                <a:latin typeface="Courier New" panose="02070309020205020404" pitchFamily="49" charset="0"/>
+                <a:cs typeface="Courier New" panose="02070309020205020404" pitchFamily="49" charset="0"/>
+              </a:rPr>
+              <a:t>MapEntry</a:t>
+            </a:r>
+            <a:r>
+              <a:rPr lang="en-US" sz="1400" b="1" dirty="0">
+                <a:latin typeface="Courier New" panose="02070309020205020404" pitchFamily="49" charset="0"/>
+                <a:cs typeface="Courier New" panose="02070309020205020404" pitchFamily="49" charset="0"/>
+              </a:rPr>
+              <a:t> {</a:t>
+            </a:r>
+          </a:p>
+          <a:p>
+            <a:r>
+              <a:rPr lang="en-US" sz="1400" b="1" dirty="0">
+                <a:latin typeface="Courier New" panose="02070309020205020404" pitchFamily="49" charset="0"/>
+                <a:cs typeface="Courier New" panose="02070309020205020404" pitchFamily="49" charset="0"/>
+              </a:rPr>
+              <a:t>    char *key;  /* public */</a:t>
+            </a:r>
+          </a:p>
+          <a:p>
+            <a:r>
+              <a:rPr lang="en-US" sz="1400" b="1" dirty="0">
+                <a:latin typeface="Courier New" panose="02070309020205020404" pitchFamily="49" charset="0"/>
+                <a:cs typeface="Courier New" panose="02070309020205020404" pitchFamily="49" charset="0"/>
+              </a:rPr>
+              <a:t>    int value;  /* public */</a:t>
+            </a:r>
+          </a:p>
+          <a:p>
+            <a:r>
+              <a:rPr lang="en-US" sz="1400" b="1" dirty="0">
+                <a:latin typeface="Courier New" panose="02070309020205020404" pitchFamily="49" charset="0"/>
+                <a:cs typeface="Courier New" panose="02070309020205020404" pitchFamily="49" charset="0"/>
+              </a:rPr>
+              <a:t>    struct </a:t>
+            </a:r>
+            <a:r>
+              <a:rPr lang="en-US" sz="1400" b="1" dirty="0" err="1">
+                <a:latin typeface="Courier New" panose="02070309020205020404" pitchFamily="49" charset="0"/>
+                <a:cs typeface="Courier New" panose="02070309020205020404" pitchFamily="49" charset="0"/>
+              </a:rPr>
+              <a:t>MapEntry</a:t>
+            </a:r>
+            <a:r>
+              <a:rPr lang="en-US" sz="1400" b="1" dirty="0">
+                <a:latin typeface="Courier New" panose="02070309020205020404" pitchFamily="49" charset="0"/>
+                <a:cs typeface="Courier New" panose="02070309020205020404" pitchFamily="49" charset="0"/>
+              </a:rPr>
+              <a:t> *__</a:t>
+            </a:r>
+            <a:r>
+              <a:rPr lang="en-US" sz="1400" b="1" dirty="0" err="1">
+                <a:latin typeface="Courier New" panose="02070309020205020404" pitchFamily="49" charset="0"/>
+                <a:cs typeface="Courier New" panose="02070309020205020404" pitchFamily="49" charset="0"/>
+              </a:rPr>
+              <a:t>prev</a:t>
+            </a:r>
+            <a:r>
+              <a:rPr lang="en-US" sz="1400" b="1" dirty="0">
+                <a:latin typeface="Courier New" panose="02070309020205020404" pitchFamily="49" charset="0"/>
+                <a:cs typeface="Courier New" panose="02070309020205020404" pitchFamily="49" charset="0"/>
+              </a:rPr>
+              <a:t>;</a:t>
+            </a:r>
+          </a:p>
+          <a:p>
+            <a:r>
+              <a:rPr lang="en-US" sz="1400" b="1" dirty="0">
+                <a:latin typeface="Courier New" panose="02070309020205020404" pitchFamily="49" charset="0"/>
+                <a:cs typeface="Courier New" panose="02070309020205020404" pitchFamily="49" charset="0"/>
+              </a:rPr>
+              <a:t>    struct </a:t>
+            </a:r>
+            <a:r>
+              <a:rPr lang="en-US" sz="1400" b="1" dirty="0" err="1">
+                <a:latin typeface="Courier New" panose="02070309020205020404" pitchFamily="49" charset="0"/>
+                <a:cs typeface="Courier New" panose="02070309020205020404" pitchFamily="49" charset="0"/>
+              </a:rPr>
+              <a:t>MapEntry</a:t>
+            </a:r>
+            <a:r>
+              <a:rPr lang="en-US" sz="1400" b="1" dirty="0">
+                <a:latin typeface="Courier New" panose="02070309020205020404" pitchFamily="49" charset="0"/>
+                <a:cs typeface="Courier New" panose="02070309020205020404" pitchFamily="49" charset="0"/>
+              </a:rPr>
+              <a:t> *__next;</a:t>
+            </a:r>
+          </a:p>
+          <a:p>
+            <a:r>
+              <a:rPr lang="en-US" sz="1400" b="1" dirty="0">
+                <a:latin typeface="Courier New" panose="02070309020205020404" pitchFamily="49" charset="0"/>
+                <a:cs typeface="Courier New" panose="02070309020205020404" pitchFamily="49" charset="0"/>
+              </a:rPr>
+              <a:t>};</a:t>
+            </a:r>
+          </a:p>
+          <a:p>
+            <a:endParaRPr lang="en-US" sz="1400" b="1" dirty="0">
+              <a:latin typeface="Courier New" panose="02070309020205020404" pitchFamily="49" charset="0"/>
+              <a:cs typeface="Courier New" panose="02070309020205020404" pitchFamily="49" charset="0"/>
+            </a:endParaRPr>
+          </a:p>
+          <a:p>
+            <a:r>
+              <a:rPr lang="en-US" sz="1400" b="1" dirty="0">
+                <a:latin typeface="Courier New" panose="02070309020205020404" pitchFamily="49" charset="0"/>
+                <a:cs typeface="Courier New" panose="02070309020205020404" pitchFamily="49" charset="0"/>
+              </a:rPr>
+              <a:t>struct </a:t>
+            </a:r>
+            <a:r>
+              <a:rPr lang="en-US" sz="1400" b="1" dirty="0" err="1">
+                <a:latin typeface="Courier New" panose="02070309020205020404" pitchFamily="49" charset="0"/>
+                <a:cs typeface="Courier New" panose="02070309020205020404" pitchFamily="49" charset="0"/>
+              </a:rPr>
+              <a:t>ListMap</a:t>
+            </a:r>
+            <a:r>
+              <a:rPr lang="en-US" sz="1400" b="1" dirty="0">
+                <a:latin typeface="Courier New" panose="02070309020205020404" pitchFamily="49" charset="0"/>
+                <a:cs typeface="Courier New" panose="02070309020205020404" pitchFamily="49" charset="0"/>
+              </a:rPr>
+              <a:t> {</a:t>
+            </a:r>
+          </a:p>
+          <a:p>
+            <a:r>
+              <a:rPr lang="en-US" sz="1400" b="1" dirty="0">
+                <a:latin typeface="Courier New" panose="02070309020205020404" pitchFamily="49" charset="0"/>
+                <a:cs typeface="Courier New" panose="02070309020205020404" pitchFamily="49" charset="0"/>
+              </a:rPr>
+              <a:t>   struct </a:t>
+            </a:r>
+            <a:r>
+              <a:rPr lang="en-US" sz="1400" b="1" dirty="0" err="1">
+                <a:latin typeface="Courier New" panose="02070309020205020404" pitchFamily="49" charset="0"/>
+                <a:cs typeface="Courier New" panose="02070309020205020404" pitchFamily="49" charset="0"/>
+              </a:rPr>
+              <a:t>MapEntry</a:t>
+            </a:r>
+            <a:r>
+              <a:rPr lang="en-US" sz="1400" b="1" dirty="0">
+                <a:latin typeface="Courier New" panose="02070309020205020404" pitchFamily="49" charset="0"/>
+                <a:cs typeface="Courier New" panose="02070309020205020404" pitchFamily="49" charset="0"/>
+              </a:rPr>
+              <a:t> *__head;</a:t>
+            </a:r>
+          </a:p>
+          <a:p>
+            <a:r>
+              <a:rPr lang="en-US" sz="1400" b="1" dirty="0">
+                <a:latin typeface="Courier New" panose="02070309020205020404" pitchFamily="49" charset="0"/>
+                <a:cs typeface="Courier New" panose="02070309020205020404" pitchFamily="49" charset="0"/>
+              </a:rPr>
+              <a:t>   struct </a:t>
+            </a:r>
+            <a:r>
+              <a:rPr lang="en-US" sz="1400" b="1" dirty="0" err="1">
+                <a:latin typeface="Courier New" panose="02070309020205020404" pitchFamily="49" charset="0"/>
+                <a:cs typeface="Courier New" panose="02070309020205020404" pitchFamily="49" charset="0"/>
+              </a:rPr>
+              <a:t>MapEntry</a:t>
+            </a:r>
+            <a:r>
+              <a:rPr lang="en-US" sz="1400" b="1" dirty="0">
+                <a:latin typeface="Courier New" panose="02070309020205020404" pitchFamily="49" charset="0"/>
+                <a:cs typeface="Courier New" panose="02070309020205020404" pitchFamily="49" charset="0"/>
+              </a:rPr>
+              <a:t> *__tail;</a:t>
+            </a:r>
+          </a:p>
+          <a:p>
+            <a:r>
+              <a:rPr lang="en-US" sz="1400" b="1" dirty="0">
+                <a:latin typeface="Courier New" panose="02070309020205020404" pitchFamily="49" charset="0"/>
+                <a:cs typeface="Courier New" panose="02070309020205020404" pitchFamily="49" charset="0"/>
+              </a:rPr>
+              <a:t>   ...</a:t>
+            </a:r>
+          </a:p>
+          <a:p>
+            <a:r>
+              <a:rPr lang="en-US" sz="1400" b="1" dirty="0">
+                <a:latin typeface="Courier New" panose="02070309020205020404" pitchFamily="49" charset="0"/>
+                <a:cs typeface="Courier New" panose="02070309020205020404" pitchFamily="49" charset="0"/>
+              </a:rPr>
+              <a:t>};</a:t>
+            </a:r>
+          </a:p>
+        </p:txBody>
+      </p:sp>
+      <p:sp>
+        <p:nvSpPr>
+          <p:cNvPr id="6" name="TextBox 5">
+            <a:extLst>
+              <a:ext uri="{FF2B5EF4-FFF2-40B4-BE49-F238E27FC236}">
+                <a16:creationId xmlns:a16="http://schemas.microsoft.com/office/drawing/2014/main" id="{A962DFA6-1752-6EE4-5631-CFE7456EA7CC}"/>
+              </a:ext>
+            </a:extLst>
+          </p:cNvPr>
+          <p:cNvSpPr txBox="1"/>
+          <p:nvPr/>
+        </p:nvSpPr>
+        <p:spPr>
+          <a:xfrm>
+            <a:off x="6875126" y="2134322"/>
+            <a:ext cx="4051109" cy="2893100"/>
+          </a:xfrm>
+          <a:prstGeom prst="rect">
+            <a:avLst/>
+          </a:prstGeom>
+          <a:noFill/>
+        </p:spPr>
+        <p:txBody>
+          <a:bodyPr wrap="none" rtlCol="0">
+            <a:spAutoFit/>
+          </a:bodyPr>
+          <a:lstStyle/>
+          <a:p>
+            <a:r>
+              <a:rPr lang="en-US" sz="1400" b="1" dirty="0">
+                <a:latin typeface="Courier New" panose="02070309020205020404" pitchFamily="49" charset="0"/>
+                <a:cs typeface="Courier New" panose="02070309020205020404" pitchFamily="49" charset="0"/>
+              </a:rPr>
+              <a:t>struct </a:t>
+            </a:r>
+            <a:r>
+              <a:rPr lang="en-US" sz="1400" b="1" dirty="0" err="1">
+                <a:latin typeface="Courier New" panose="02070309020205020404" pitchFamily="49" charset="0"/>
+                <a:cs typeface="Courier New" panose="02070309020205020404" pitchFamily="49" charset="0"/>
+              </a:rPr>
+              <a:t>HashMapEntry</a:t>
+            </a:r>
+            <a:r>
+              <a:rPr lang="en-US" sz="1400" b="1" dirty="0">
+                <a:latin typeface="Courier New" panose="02070309020205020404" pitchFamily="49" charset="0"/>
+                <a:cs typeface="Courier New" panose="02070309020205020404" pitchFamily="49" charset="0"/>
+              </a:rPr>
+              <a:t> {</a:t>
+            </a:r>
+          </a:p>
+          <a:p>
+            <a:r>
+              <a:rPr lang="en-US" sz="1400" b="1" dirty="0">
+                <a:latin typeface="Courier New" panose="02070309020205020404" pitchFamily="49" charset="0"/>
+                <a:cs typeface="Courier New" panose="02070309020205020404" pitchFamily="49" charset="0"/>
+              </a:rPr>
+              <a:t>    char *key;  /* public */</a:t>
+            </a:r>
+          </a:p>
+          <a:p>
+            <a:r>
+              <a:rPr lang="en-US" sz="1400" b="1" dirty="0">
+                <a:latin typeface="Courier New" panose="02070309020205020404" pitchFamily="49" charset="0"/>
+                <a:cs typeface="Courier New" panose="02070309020205020404" pitchFamily="49" charset="0"/>
+              </a:rPr>
+              <a:t>    int value;  /* public */</a:t>
+            </a:r>
+          </a:p>
+          <a:p>
+            <a:r>
+              <a:rPr lang="en-US" sz="1400" b="1" dirty="0">
+                <a:latin typeface="Courier New" panose="02070309020205020404" pitchFamily="49" charset="0"/>
+                <a:cs typeface="Courier New" panose="02070309020205020404" pitchFamily="49" charset="0"/>
+              </a:rPr>
+              <a:t>    struct </a:t>
+            </a:r>
+            <a:r>
+              <a:rPr lang="en-US" sz="1400" b="1" dirty="0" err="1">
+                <a:latin typeface="Courier New" panose="02070309020205020404" pitchFamily="49" charset="0"/>
+                <a:cs typeface="Courier New" panose="02070309020205020404" pitchFamily="49" charset="0"/>
+              </a:rPr>
+              <a:t>HashMapEntry</a:t>
+            </a:r>
+            <a:r>
+              <a:rPr lang="en-US" sz="1400" b="1" dirty="0">
+                <a:latin typeface="Courier New" panose="02070309020205020404" pitchFamily="49" charset="0"/>
+                <a:cs typeface="Courier New" panose="02070309020205020404" pitchFamily="49" charset="0"/>
+              </a:rPr>
+              <a:t> *__</a:t>
+            </a:r>
+            <a:r>
+              <a:rPr lang="en-US" sz="1400" b="1" dirty="0" err="1">
+                <a:latin typeface="Courier New" panose="02070309020205020404" pitchFamily="49" charset="0"/>
+                <a:cs typeface="Courier New" panose="02070309020205020404" pitchFamily="49" charset="0"/>
+              </a:rPr>
+              <a:t>prev</a:t>
+            </a:r>
+            <a:r>
+              <a:rPr lang="en-US" sz="1400" b="1" dirty="0">
+                <a:latin typeface="Courier New" panose="02070309020205020404" pitchFamily="49" charset="0"/>
+                <a:cs typeface="Courier New" panose="02070309020205020404" pitchFamily="49" charset="0"/>
+              </a:rPr>
+              <a:t>;</a:t>
+            </a:r>
+          </a:p>
+          <a:p>
+            <a:r>
+              <a:rPr lang="en-US" sz="1400" b="1" dirty="0">
+                <a:latin typeface="Courier New" panose="02070309020205020404" pitchFamily="49" charset="0"/>
+                <a:cs typeface="Courier New" panose="02070309020205020404" pitchFamily="49" charset="0"/>
+              </a:rPr>
+              <a:t>    struct </a:t>
+            </a:r>
+            <a:r>
+              <a:rPr lang="en-US" sz="1400" b="1" dirty="0" err="1">
+                <a:latin typeface="Courier New" panose="02070309020205020404" pitchFamily="49" charset="0"/>
+                <a:cs typeface="Courier New" panose="02070309020205020404" pitchFamily="49" charset="0"/>
+              </a:rPr>
+              <a:t>HashMapEntry</a:t>
+            </a:r>
+            <a:r>
+              <a:rPr lang="en-US" sz="1400" b="1" dirty="0">
+                <a:latin typeface="Courier New" panose="02070309020205020404" pitchFamily="49" charset="0"/>
+                <a:cs typeface="Courier New" panose="02070309020205020404" pitchFamily="49" charset="0"/>
+              </a:rPr>
+              <a:t> *__next;</a:t>
+            </a:r>
+          </a:p>
+          <a:p>
+            <a:r>
+              <a:rPr lang="en-US" sz="1400" b="1" dirty="0">
+                <a:latin typeface="Courier New" panose="02070309020205020404" pitchFamily="49" charset="0"/>
+                <a:cs typeface="Courier New" panose="02070309020205020404" pitchFamily="49" charset="0"/>
+              </a:rPr>
+              <a:t>};</a:t>
+            </a:r>
+          </a:p>
+          <a:p>
+            <a:endParaRPr lang="en-US" sz="1400" b="1" dirty="0">
+              <a:latin typeface="Courier New" panose="02070309020205020404" pitchFamily="49" charset="0"/>
+              <a:cs typeface="Courier New" panose="02070309020205020404" pitchFamily="49" charset="0"/>
+            </a:endParaRPr>
+          </a:p>
+          <a:p>
+            <a:r>
+              <a:rPr lang="en-US" sz="1400" b="1" dirty="0">
+                <a:latin typeface="Courier New" panose="02070309020205020404" pitchFamily="49" charset="0"/>
+                <a:cs typeface="Courier New" panose="02070309020205020404" pitchFamily="49" charset="0"/>
+              </a:rPr>
+              <a:t>struct HashMap {</a:t>
+            </a:r>
+          </a:p>
+          <a:p>
+            <a:r>
+              <a:rPr lang="en-US" sz="1400" b="1" dirty="0">
+                <a:latin typeface="Courier New" panose="02070309020205020404" pitchFamily="49" charset="0"/>
+                <a:cs typeface="Courier New" panose="02070309020205020404" pitchFamily="49" charset="0"/>
+              </a:rPr>
+              <a:t>    int __buckets;</a:t>
+            </a:r>
+          </a:p>
+          <a:p>
+            <a:r>
+              <a:rPr lang="en-US" sz="1400" b="1" dirty="0">
+                <a:latin typeface="Courier New" panose="02070309020205020404" pitchFamily="49" charset="0"/>
+                <a:cs typeface="Courier New" panose="02070309020205020404" pitchFamily="49" charset="0"/>
+              </a:rPr>
+              <a:t>    struct </a:t>
+            </a:r>
+            <a:r>
+              <a:rPr lang="en-US" sz="1400" b="1" dirty="0" err="1">
+                <a:latin typeface="Courier New" panose="02070309020205020404" pitchFamily="49" charset="0"/>
+                <a:cs typeface="Courier New" panose="02070309020205020404" pitchFamily="49" charset="0"/>
+              </a:rPr>
+              <a:t>HashMapEntry</a:t>
+            </a:r>
+            <a:r>
+              <a:rPr lang="en-US" sz="1400" b="1" dirty="0">
+                <a:latin typeface="Courier New" panose="02070309020205020404" pitchFamily="49" charset="0"/>
+                <a:cs typeface="Courier New" panose="02070309020205020404" pitchFamily="49" charset="0"/>
+              </a:rPr>
+              <a:t> *__heads[8];</a:t>
+            </a:r>
+          </a:p>
+          <a:p>
+            <a:r>
+              <a:rPr lang="en-US" sz="1400" b="1" dirty="0">
+                <a:latin typeface="Courier New" panose="02070309020205020404" pitchFamily="49" charset="0"/>
+                <a:cs typeface="Courier New" panose="02070309020205020404" pitchFamily="49" charset="0"/>
+              </a:rPr>
+              <a:t>    struct </a:t>
+            </a:r>
+            <a:r>
+              <a:rPr lang="en-US" sz="1400" b="1" dirty="0" err="1">
+                <a:latin typeface="Courier New" panose="02070309020205020404" pitchFamily="49" charset="0"/>
+                <a:cs typeface="Courier New" panose="02070309020205020404" pitchFamily="49" charset="0"/>
+              </a:rPr>
+              <a:t>HashMapEntry</a:t>
+            </a:r>
+            <a:r>
+              <a:rPr lang="en-US" sz="1400" b="1" dirty="0">
+                <a:latin typeface="Courier New" panose="02070309020205020404" pitchFamily="49" charset="0"/>
+                <a:cs typeface="Courier New" panose="02070309020205020404" pitchFamily="49" charset="0"/>
+              </a:rPr>
+              <a:t> *__tails[8];</a:t>
+            </a:r>
+          </a:p>
+          <a:p>
+            <a:r>
+              <a:rPr lang="en-US" sz="1400" b="1" dirty="0">
+                <a:latin typeface="Courier New" panose="02070309020205020404" pitchFamily="49" charset="0"/>
+                <a:cs typeface="Courier New" panose="02070309020205020404" pitchFamily="49" charset="0"/>
+              </a:rPr>
+              <a:t>   ...</a:t>
+            </a:r>
+          </a:p>
+          <a:p>
+            <a:r>
+              <a:rPr lang="en-US" sz="1400" b="1" dirty="0">
+                <a:latin typeface="Courier New" panose="02070309020205020404" pitchFamily="49" charset="0"/>
+                <a:cs typeface="Courier New" panose="02070309020205020404" pitchFamily="49" charset="0"/>
+              </a:rPr>
+              <a:t>};</a:t>
+            </a:r>
+          </a:p>
+        </p:txBody>
+      </p:sp>
+    </p:spTree>
+    <p:extLst>
+      <p:ext uri="{BB962C8B-B14F-4D97-AF65-F5344CB8AC3E}">
+        <p14:creationId xmlns:p14="http://schemas.microsoft.com/office/powerpoint/2010/main" val="1853505579"/>
+      </p:ext>
+    </p:extLst>
+  </p:cSld>
+  <p:clrMapOvr>
+    <a:masterClrMapping/>
+  </p:clrMapOvr>
+</p:sld>
+</file>
+
+<file path=ppt/slides/slide9.xml><?xml version="1.0" encoding="utf-8"?>
+<p:sld xmlns:a="http://schemas.openxmlformats.org/drawingml/2006/main" xmlns:r="http://schemas.openxmlformats.org/officeDocument/2006/relationships" xmlns:p="http://schemas.openxmlformats.org/presentationml/2006/main">
+  <p:cSld>
+    <p:spTree>
+      <p:nvGrpSpPr>
+        <p:cNvPr id="1" name=""/>
+        <p:cNvGrpSpPr/>
+        <p:nvPr/>
+      </p:nvGrpSpPr>
+      <p:grpSpPr>
+        <a:xfrm>
+          <a:off x="0" y="0"/>
+          <a:ext cx="0" cy="0"/>
+          <a:chOff x="0" y="0"/>
+          <a:chExt cx="0" cy="0"/>
+        </a:xfrm>
+      </p:grpSpPr>
+      <p:sp>
+        <p:nvSpPr>
+          <p:cNvPr id="3" name="Title 2">
+            <a:extLst>
+              <a:ext uri="{FF2B5EF4-FFF2-40B4-BE49-F238E27FC236}">
+                <a16:creationId xmlns:a16="http://schemas.microsoft.com/office/drawing/2014/main" id="{F63984F9-8425-3C13-BE9B-24EBF80A9185}"/>
+              </a:ext>
+            </a:extLst>
+          </p:cNvPr>
+          <p:cNvSpPr>
+            <a:spLocks noGrp="1"/>
+          </p:cNvSpPr>
+          <p:nvPr>
+            <p:ph type="title"/>
+          </p:nvPr>
+        </p:nvSpPr>
+        <p:spPr/>
+        <p:txBody>
+          <a:bodyPr/>
+          <a:lstStyle/>
+          <a:p>
+            <a:r>
+              <a:rPr lang="en-US" dirty="0"/>
+              <a:t>Changing From </a:t>
+            </a:r>
+            <a:r>
+              <a:rPr lang="en-US" dirty="0" err="1"/>
+              <a:t>ListMap</a:t>
+            </a:r>
+            <a:r>
+              <a:rPr lang="en-US" dirty="0"/>
+              <a:t> to HashMap</a:t>
+            </a:r>
+          </a:p>
+        </p:txBody>
+      </p:sp>
+      <p:sp>
+        <p:nvSpPr>
+          <p:cNvPr id="2" name="Rectangle 1">
+            <a:extLst>
+              <a:ext uri="{FF2B5EF4-FFF2-40B4-BE49-F238E27FC236}">
+                <a16:creationId xmlns:a16="http://schemas.microsoft.com/office/drawing/2014/main" id="{CAE139EF-885F-D358-935B-60639CB9A374}"/>
+              </a:ext>
+            </a:extLst>
+          </p:cNvPr>
+          <p:cNvSpPr/>
+          <p:nvPr/>
+        </p:nvSpPr>
+        <p:spPr>
+          <a:xfrm>
+            <a:off x="2577865" y="2353611"/>
+            <a:ext cx="776610" cy="367134"/>
+          </a:xfrm>
+          <a:prstGeom prst="rect">
+            <a:avLst/>
+          </a:prstGeom>
+          <a:noFill/>
+          <a:ln w="28575">
+            <a:solidFill>
+              <a:schemeClr val="tx1"/>
+            </a:solidFill>
+          </a:ln>
+        </p:spPr>
+        <p:style>
+          <a:lnRef idx="2">
+            <a:schemeClr val="accent1">
+              <a:shade val="50000"/>
+            </a:schemeClr>
+          </a:lnRef>
+          <a:fillRef idx="1">
+            <a:schemeClr val="accent1"/>
+          </a:fillRef>
+          <a:effectRef idx="0">
+            <a:schemeClr val="accent1"/>
+          </a:effectRef>
+          <a:fontRef idx="minor">
+            <a:schemeClr val="lt1"/>
+          </a:fontRef>
+        </p:style>
+        <p:txBody>
+          <a:bodyPr rtlCol="0" anchor="ctr"/>
+          <a:lstStyle/>
+          <a:p>
+            <a:pPr algn="ctr"/>
+            <a:r>
+              <a:rPr lang="en-US" dirty="0">
+                <a:solidFill>
+                  <a:schemeClr val="tx1"/>
+                </a:solidFill>
+                <a:latin typeface="Courier New" panose="02070309020205020404" pitchFamily="49" charset="0"/>
+                <a:cs typeface="Courier New" panose="02070309020205020404" pitchFamily="49" charset="0"/>
+              </a:rPr>
+              <a:t>b=14</a:t>
+            </a:r>
+          </a:p>
+        </p:txBody>
+      </p:sp>
+      <p:sp>
+        <p:nvSpPr>
+          <p:cNvPr id="4" name="Rectangle 3">
+            <a:extLst>
+              <a:ext uri="{FF2B5EF4-FFF2-40B4-BE49-F238E27FC236}">
+                <a16:creationId xmlns:a16="http://schemas.microsoft.com/office/drawing/2014/main" id="{E7A7A938-CE0B-9D66-55FE-4D469E99A307}"/>
+              </a:ext>
+            </a:extLst>
+          </p:cNvPr>
+          <p:cNvSpPr/>
+          <p:nvPr/>
+        </p:nvSpPr>
+        <p:spPr>
+          <a:xfrm>
+            <a:off x="8908712" y="2353611"/>
+            <a:ext cx="776610" cy="367134"/>
+          </a:xfrm>
+          <a:prstGeom prst="rect">
+            <a:avLst/>
+          </a:prstGeom>
+          <a:noFill/>
+          <a:ln w="28575">
+            <a:solidFill>
+              <a:schemeClr val="tx1"/>
+            </a:solidFill>
+          </a:ln>
+        </p:spPr>
+        <p:style>
+          <a:lnRef idx="2">
+            <a:schemeClr val="accent1">
+              <a:shade val="50000"/>
+            </a:schemeClr>
+          </a:lnRef>
+          <a:fillRef idx="1">
+            <a:schemeClr val="accent1"/>
+          </a:fillRef>
+          <a:effectRef idx="0">
+            <a:schemeClr val="accent1"/>
+          </a:effectRef>
+          <a:fontRef idx="minor">
+            <a:schemeClr val="lt1"/>
+          </a:fontRef>
+        </p:style>
+        <p:txBody>
+          <a:bodyPr rtlCol="0" anchor="ctr"/>
+          <a:lstStyle/>
+          <a:p>
+            <a:pPr algn="ctr"/>
+            <a:r>
+              <a:rPr lang="en-US" dirty="0">
+                <a:solidFill>
+                  <a:schemeClr val="tx1"/>
+                </a:solidFill>
+                <a:latin typeface="Courier New" panose="02070309020205020404" pitchFamily="49" charset="0"/>
+                <a:cs typeface="Courier New" panose="02070309020205020404" pitchFamily="49" charset="0"/>
+              </a:rPr>
+              <a:t>m=90</a:t>
+            </a:r>
+          </a:p>
+        </p:txBody>
+      </p:sp>
+      <p:sp>
+        <p:nvSpPr>
+          <p:cNvPr id="7" name="Rectangle 6">
+            <a:extLst>
+              <a:ext uri="{FF2B5EF4-FFF2-40B4-BE49-F238E27FC236}">
+                <a16:creationId xmlns:a16="http://schemas.microsoft.com/office/drawing/2014/main" id="{BE261B9F-39A9-4616-9628-43EBBF9E1EF1}"/>
+              </a:ext>
+            </a:extLst>
+          </p:cNvPr>
+          <p:cNvSpPr/>
+          <p:nvPr/>
+        </p:nvSpPr>
+        <p:spPr>
+          <a:xfrm>
+            <a:off x="1311696" y="2341235"/>
+            <a:ext cx="776610" cy="391886"/>
+          </a:xfrm>
+          <a:prstGeom prst="rect">
+            <a:avLst/>
+          </a:prstGeom>
+          <a:noFill/>
+          <a:ln w="28575">
+            <a:solidFill>
+              <a:schemeClr val="tx1"/>
+            </a:solidFill>
+          </a:ln>
+        </p:spPr>
+        <p:style>
+          <a:lnRef idx="2">
+            <a:schemeClr val="accent1">
+              <a:shade val="50000"/>
+            </a:schemeClr>
+          </a:lnRef>
+          <a:fillRef idx="1">
+            <a:schemeClr val="accent1"/>
+          </a:fillRef>
+          <a:effectRef idx="0">
+            <a:schemeClr val="accent1"/>
+          </a:effectRef>
+          <a:fontRef idx="minor">
+            <a:schemeClr val="lt1"/>
+          </a:fontRef>
+        </p:style>
+        <p:txBody>
+          <a:bodyPr rtlCol="0" anchor="ctr"/>
+          <a:lstStyle/>
+          <a:p>
+            <a:r>
+              <a:rPr lang="en-US" dirty="0">
+                <a:solidFill>
+                  <a:schemeClr val="tx1"/>
+                </a:solidFill>
+                <a:latin typeface="Courier New" panose="02070309020205020404" pitchFamily="49" charset="0"/>
+                <a:cs typeface="Courier New" panose="02070309020205020404" pitchFamily="49" charset="0"/>
+              </a:rPr>
+              <a:t>head    </a:t>
+            </a:r>
+          </a:p>
+        </p:txBody>
+      </p:sp>
+      <p:cxnSp>
+        <p:nvCxnSpPr>
+          <p:cNvPr id="8" name="Straight Arrow Connector 7">
+            <a:extLst>
+              <a:ext uri="{FF2B5EF4-FFF2-40B4-BE49-F238E27FC236}">
+                <a16:creationId xmlns:a16="http://schemas.microsoft.com/office/drawing/2014/main" id="{0028E8E2-A8B3-B180-4B7C-9E13B57774D4}"/>
+              </a:ext>
+            </a:extLst>
+          </p:cNvPr>
+          <p:cNvCxnSpPr>
+            <a:cxnSpLocks/>
+          </p:cNvCxnSpPr>
+          <p:nvPr/>
+        </p:nvCxnSpPr>
+        <p:spPr>
+          <a:xfrm>
+            <a:off x="2088306" y="2535021"/>
+            <a:ext cx="479866" cy="0"/>
+          </a:xfrm>
+          <a:prstGeom prst="straightConnector1">
+            <a:avLst/>
+          </a:prstGeom>
+          <a:ln w="57150">
+            <a:tailEnd type="triangle"/>
+          </a:ln>
+        </p:spPr>
+        <p:style>
+          <a:lnRef idx="1">
+            <a:schemeClr val="accent1"/>
+          </a:lnRef>
+          <a:fillRef idx="0">
+            <a:schemeClr val="accent1"/>
+          </a:fillRef>
+          <a:effectRef idx="0">
+            <a:schemeClr val="accent1"/>
+          </a:effectRef>
+          <a:fontRef idx="minor">
+            <a:schemeClr val="tx1"/>
+          </a:fontRef>
+        </p:style>
+      </p:cxnSp>
+      <p:cxnSp>
+        <p:nvCxnSpPr>
+          <p:cNvPr id="9" name="Straight Arrow Connector 8">
+            <a:extLst>
+              <a:ext uri="{FF2B5EF4-FFF2-40B4-BE49-F238E27FC236}">
+                <a16:creationId xmlns:a16="http://schemas.microsoft.com/office/drawing/2014/main" id="{5E58F3D0-81E2-4D12-3420-98BD0B3D00A0}"/>
+              </a:ext>
+            </a:extLst>
+          </p:cNvPr>
+          <p:cNvCxnSpPr>
+            <a:cxnSpLocks/>
+            <a:stCxn id="42" idx="3"/>
+          </p:cNvCxnSpPr>
+          <p:nvPr/>
+        </p:nvCxnSpPr>
+        <p:spPr>
+          <a:xfrm>
+            <a:off x="8419151" y="2537178"/>
+            <a:ext cx="489561" cy="0"/>
+          </a:xfrm>
+          <a:prstGeom prst="straightConnector1">
+            <a:avLst/>
+          </a:prstGeom>
+          <a:ln w="57150">
+            <a:tailEnd type="triangle"/>
+          </a:ln>
+        </p:spPr>
+        <p:style>
+          <a:lnRef idx="1">
+            <a:schemeClr val="accent1"/>
+          </a:lnRef>
+          <a:fillRef idx="0">
+            <a:schemeClr val="accent1"/>
+          </a:fillRef>
+          <a:effectRef idx="0">
+            <a:schemeClr val="accent1"/>
+          </a:effectRef>
+          <a:fontRef idx="minor">
+            <a:schemeClr val="tx1"/>
+          </a:fontRef>
+        </p:style>
+      </p:cxnSp>
+      <p:sp>
+        <p:nvSpPr>
+          <p:cNvPr id="10" name="Rectangle 9">
+            <a:extLst>
+              <a:ext uri="{FF2B5EF4-FFF2-40B4-BE49-F238E27FC236}">
+                <a16:creationId xmlns:a16="http://schemas.microsoft.com/office/drawing/2014/main" id="{FF830349-BE36-E9B4-1D6A-846630C653C8}"/>
+              </a:ext>
+            </a:extLst>
+          </p:cNvPr>
+          <p:cNvSpPr/>
+          <p:nvPr/>
+        </p:nvSpPr>
+        <p:spPr>
+          <a:xfrm>
+            <a:off x="10165189" y="2341235"/>
+            <a:ext cx="302209" cy="391886"/>
+          </a:xfrm>
+          <a:prstGeom prst="rect">
+            <a:avLst/>
+          </a:prstGeom>
+          <a:noFill/>
+          <a:ln w="28575">
+            <a:noFill/>
+          </a:ln>
+        </p:spPr>
+        <p:style>
+          <a:lnRef idx="2">
+            <a:schemeClr val="accent1">
+              <a:shade val="50000"/>
+            </a:schemeClr>
+          </a:lnRef>
+          <a:fillRef idx="1">
+            <a:schemeClr val="accent1"/>
+          </a:fillRef>
+          <a:effectRef idx="0">
+            <a:schemeClr val="accent1"/>
+          </a:effectRef>
+          <a:fontRef idx="minor">
+            <a:schemeClr val="lt1"/>
+          </a:fontRef>
+        </p:style>
+        <p:txBody>
+          <a:bodyPr rtlCol="0" anchor="ctr"/>
+          <a:lstStyle/>
+          <a:p>
+            <a:r>
+              <a:rPr lang="en-US" sz="1800" dirty="0">
+                <a:solidFill>
+                  <a:schemeClr val="tx1"/>
+                </a:solidFill>
+                <a:latin typeface="Courier New" panose="02070309020205020404" pitchFamily="49" charset="0"/>
+                <a:cs typeface="Courier New" panose="02070309020205020404" pitchFamily="49" charset="0"/>
+              </a:rPr>
+              <a:t>∅</a:t>
+            </a:r>
+            <a:endParaRPr lang="en-US" dirty="0">
+              <a:solidFill>
+                <a:schemeClr val="tx1"/>
+              </a:solidFill>
+              <a:latin typeface="Courier New" panose="02070309020205020404" pitchFamily="49" charset="0"/>
+              <a:cs typeface="Courier New" panose="02070309020205020404" pitchFamily="49" charset="0"/>
+            </a:endParaRPr>
+          </a:p>
+        </p:txBody>
+      </p:sp>
+      <p:cxnSp>
+        <p:nvCxnSpPr>
+          <p:cNvPr id="11" name="Straight Arrow Connector 10">
+            <a:extLst>
+              <a:ext uri="{FF2B5EF4-FFF2-40B4-BE49-F238E27FC236}">
+                <a16:creationId xmlns:a16="http://schemas.microsoft.com/office/drawing/2014/main" id="{66336335-E82F-C2FE-4BBA-3F33D8644AB3}"/>
+              </a:ext>
+            </a:extLst>
+          </p:cNvPr>
+          <p:cNvCxnSpPr>
+            <a:cxnSpLocks/>
+          </p:cNvCxnSpPr>
+          <p:nvPr/>
+        </p:nvCxnSpPr>
+        <p:spPr>
+          <a:xfrm>
+            <a:off x="9685322" y="2530990"/>
+            <a:ext cx="479867" cy="0"/>
+          </a:xfrm>
+          <a:prstGeom prst="straightConnector1">
+            <a:avLst/>
+          </a:prstGeom>
+          <a:ln w="57150">
+            <a:tailEnd type="triangle"/>
+          </a:ln>
+        </p:spPr>
+        <p:style>
+          <a:lnRef idx="1">
+            <a:schemeClr val="accent1"/>
+          </a:lnRef>
+          <a:fillRef idx="0">
+            <a:schemeClr val="accent1"/>
+          </a:fillRef>
+          <a:effectRef idx="0">
+            <a:schemeClr val="accent1"/>
+          </a:effectRef>
+          <a:fontRef idx="minor">
+            <a:schemeClr val="tx1"/>
+          </a:fontRef>
+        </p:style>
+      </p:cxnSp>
+      <p:sp>
+        <p:nvSpPr>
+          <p:cNvPr id="12" name="Rectangle 11">
+            <a:extLst>
+              <a:ext uri="{FF2B5EF4-FFF2-40B4-BE49-F238E27FC236}">
+                <a16:creationId xmlns:a16="http://schemas.microsoft.com/office/drawing/2014/main" id="{947C4BF2-490C-4B14-F18C-767FDDEB5DBC}"/>
+              </a:ext>
+            </a:extLst>
+          </p:cNvPr>
+          <p:cNvSpPr/>
+          <p:nvPr/>
+        </p:nvSpPr>
+        <p:spPr>
+          <a:xfrm>
+            <a:off x="4198222" y="4014783"/>
+            <a:ext cx="1586528" cy="391886"/>
+          </a:xfrm>
+          <a:prstGeom prst="rect">
+            <a:avLst/>
+          </a:prstGeom>
+          <a:noFill/>
+          <a:ln w="28575">
+            <a:solidFill>
+              <a:schemeClr val="tx1"/>
+            </a:solidFill>
+          </a:ln>
+        </p:spPr>
+        <p:style>
+          <a:lnRef idx="2">
+            <a:schemeClr val="accent1">
+              <a:shade val="50000"/>
+            </a:schemeClr>
+          </a:lnRef>
+          <a:fillRef idx="1">
+            <a:schemeClr val="accent1"/>
+          </a:fillRef>
+          <a:effectRef idx="0">
+            <a:schemeClr val="accent1"/>
+          </a:effectRef>
+          <a:fontRef idx="minor">
+            <a:schemeClr val="lt1"/>
+          </a:fontRef>
+        </p:style>
+        <p:txBody>
+          <a:bodyPr rtlCol="0" anchor="ctr"/>
+          <a:lstStyle/>
+          <a:p>
+            <a:r>
+              <a:rPr lang="en-US" dirty="0">
+                <a:solidFill>
+                  <a:schemeClr val="tx1"/>
+                </a:solidFill>
+                <a:latin typeface="Courier New" panose="02070309020205020404" pitchFamily="49" charset="0"/>
+                <a:cs typeface="Courier New" panose="02070309020205020404" pitchFamily="49" charset="0"/>
+              </a:rPr>
+              <a:t>heads[0]    </a:t>
+            </a:r>
+          </a:p>
+        </p:txBody>
+      </p:sp>
+      <p:sp>
+        <p:nvSpPr>
+          <p:cNvPr id="13" name="Rectangle 12">
+            <a:extLst>
+              <a:ext uri="{FF2B5EF4-FFF2-40B4-BE49-F238E27FC236}">
+                <a16:creationId xmlns:a16="http://schemas.microsoft.com/office/drawing/2014/main" id="{22C615E4-BB99-3C77-0095-4E60F20E4043}"/>
+              </a:ext>
+            </a:extLst>
+          </p:cNvPr>
+          <p:cNvSpPr/>
+          <p:nvPr/>
+        </p:nvSpPr>
+        <p:spPr>
+          <a:xfrm>
+            <a:off x="4198222" y="4396770"/>
+            <a:ext cx="1586528" cy="391886"/>
+          </a:xfrm>
+          <a:prstGeom prst="rect">
+            <a:avLst/>
+          </a:prstGeom>
+          <a:noFill/>
+          <a:ln w="28575">
+            <a:solidFill>
+              <a:schemeClr val="tx1"/>
+            </a:solidFill>
+          </a:ln>
+        </p:spPr>
+        <p:style>
+          <a:lnRef idx="2">
+            <a:schemeClr val="accent1">
+              <a:shade val="50000"/>
+            </a:schemeClr>
+          </a:lnRef>
+          <a:fillRef idx="1">
+            <a:schemeClr val="accent1"/>
+          </a:fillRef>
+          <a:effectRef idx="0">
+            <a:schemeClr val="accent1"/>
+          </a:effectRef>
+          <a:fontRef idx="minor">
+            <a:schemeClr val="lt1"/>
+          </a:fontRef>
+        </p:style>
+        <p:txBody>
+          <a:bodyPr rtlCol="0" anchor="ctr"/>
+          <a:lstStyle/>
+          <a:p>
+            <a:r>
+              <a:rPr lang="en-US" dirty="0">
+                <a:solidFill>
+                  <a:schemeClr val="tx1"/>
+                </a:solidFill>
+                <a:latin typeface="Courier New" panose="02070309020205020404" pitchFamily="49" charset="0"/>
+                <a:cs typeface="Courier New" panose="02070309020205020404" pitchFamily="49" charset="0"/>
+              </a:rPr>
+              <a:t>heads[1]    </a:t>
+            </a:r>
+          </a:p>
+        </p:txBody>
+      </p:sp>
+      <p:sp>
+        <p:nvSpPr>
+          <p:cNvPr id="14" name="Rectangle 13">
+            <a:extLst>
+              <a:ext uri="{FF2B5EF4-FFF2-40B4-BE49-F238E27FC236}">
+                <a16:creationId xmlns:a16="http://schemas.microsoft.com/office/drawing/2014/main" id="{CE15B630-DF14-B59C-05C5-D5FA711222C1}"/>
+              </a:ext>
+            </a:extLst>
+          </p:cNvPr>
+          <p:cNvSpPr/>
+          <p:nvPr/>
+        </p:nvSpPr>
+        <p:spPr>
+          <a:xfrm>
+            <a:off x="4198222" y="4778757"/>
+            <a:ext cx="1586528" cy="391886"/>
+          </a:xfrm>
+          <a:prstGeom prst="rect">
+            <a:avLst/>
+          </a:prstGeom>
+          <a:noFill/>
+          <a:ln w="28575">
+            <a:solidFill>
+              <a:schemeClr val="tx1"/>
+            </a:solidFill>
+          </a:ln>
+        </p:spPr>
+        <p:style>
+          <a:lnRef idx="2">
+            <a:schemeClr val="accent1">
+              <a:shade val="50000"/>
+            </a:schemeClr>
+          </a:lnRef>
+          <a:fillRef idx="1">
+            <a:schemeClr val="accent1"/>
+          </a:fillRef>
+          <a:effectRef idx="0">
+            <a:schemeClr val="accent1"/>
+          </a:effectRef>
+          <a:fontRef idx="minor">
+            <a:schemeClr val="lt1"/>
+          </a:fontRef>
+        </p:style>
+        <p:txBody>
+          <a:bodyPr rtlCol="0" anchor="ctr"/>
+          <a:lstStyle/>
+          <a:p>
+            <a:r>
+              <a:rPr lang="en-US" dirty="0">
+                <a:solidFill>
+                  <a:schemeClr val="tx1"/>
+                </a:solidFill>
+                <a:latin typeface="Courier New" panose="02070309020205020404" pitchFamily="49" charset="0"/>
+                <a:cs typeface="Courier New" panose="02070309020205020404" pitchFamily="49" charset="0"/>
+              </a:rPr>
+              <a:t>heads[2]    </a:t>
+            </a:r>
+          </a:p>
+        </p:txBody>
+      </p:sp>
+      <p:sp>
+        <p:nvSpPr>
+          <p:cNvPr id="15" name="Rectangle 14">
+            <a:extLst>
+              <a:ext uri="{FF2B5EF4-FFF2-40B4-BE49-F238E27FC236}">
+                <a16:creationId xmlns:a16="http://schemas.microsoft.com/office/drawing/2014/main" id="{053E6E4A-CE41-F346-0554-E3D25F5C664B}"/>
+              </a:ext>
+            </a:extLst>
+          </p:cNvPr>
+          <p:cNvSpPr/>
+          <p:nvPr/>
+        </p:nvSpPr>
+        <p:spPr>
+          <a:xfrm>
+            <a:off x="4198222" y="5189127"/>
+            <a:ext cx="1586528" cy="391886"/>
+          </a:xfrm>
+          <a:prstGeom prst="rect">
+            <a:avLst/>
+          </a:prstGeom>
+          <a:noFill/>
+          <a:ln w="28575">
+            <a:solidFill>
+              <a:schemeClr val="tx1"/>
+            </a:solidFill>
+          </a:ln>
+        </p:spPr>
+        <p:style>
+          <a:lnRef idx="2">
+            <a:schemeClr val="accent1">
+              <a:shade val="50000"/>
+            </a:schemeClr>
+          </a:lnRef>
+          <a:fillRef idx="1">
+            <a:schemeClr val="accent1"/>
+          </a:fillRef>
+          <a:effectRef idx="0">
+            <a:schemeClr val="accent1"/>
+          </a:effectRef>
+          <a:fontRef idx="minor">
+            <a:schemeClr val="lt1"/>
+          </a:fontRef>
+        </p:style>
+        <p:txBody>
+          <a:bodyPr rtlCol="0" anchor="ctr"/>
+          <a:lstStyle/>
+          <a:p>
+            <a:r>
+              <a:rPr lang="en-US" dirty="0">
+                <a:solidFill>
+                  <a:schemeClr val="tx1"/>
+                </a:solidFill>
+                <a:latin typeface="Courier New" panose="02070309020205020404" pitchFamily="49" charset="0"/>
+                <a:cs typeface="Courier New" panose="02070309020205020404" pitchFamily="49" charset="0"/>
+              </a:rPr>
+              <a:t>heads[3]    </a:t>
+            </a:r>
+          </a:p>
+        </p:txBody>
+      </p:sp>
+      <p:sp>
+        <p:nvSpPr>
+          <p:cNvPr id="16" name="Rectangle 15">
+            <a:extLst>
+              <a:ext uri="{FF2B5EF4-FFF2-40B4-BE49-F238E27FC236}">
+                <a16:creationId xmlns:a16="http://schemas.microsoft.com/office/drawing/2014/main" id="{0F60ABCA-209C-8F55-2531-8B76DDD6EB54}"/>
+              </a:ext>
+            </a:extLst>
+          </p:cNvPr>
+          <p:cNvSpPr/>
+          <p:nvPr/>
+        </p:nvSpPr>
+        <p:spPr>
+          <a:xfrm>
+            <a:off x="4198222" y="3472462"/>
+            <a:ext cx="1586528" cy="391886"/>
+          </a:xfrm>
+          <a:prstGeom prst="rect">
+            <a:avLst/>
+          </a:prstGeom>
+          <a:noFill/>
+          <a:ln w="28575">
+            <a:solidFill>
+              <a:schemeClr val="tx1"/>
+            </a:solidFill>
+          </a:ln>
+        </p:spPr>
+        <p:style>
+          <a:lnRef idx="2">
+            <a:schemeClr val="accent1">
+              <a:shade val="50000"/>
+            </a:schemeClr>
+          </a:lnRef>
+          <a:fillRef idx="1">
+            <a:schemeClr val="accent1"/>
+          </a:fillRef>
+          <a:effectRef idx="0">
+            <a:schemeClr val="accent1"/>
+          </a:effectRef>
+          <a:fontRef idx="minor">
+            <a:schemeClr val="lt1"/>
+          </a:fontRef>
+        </p:style>
+        <p:txBody>
+          <a:bodyPr rtlCol="0" anchor="ctr"/>
+          <a:lstStyle/>
+          <a:p>
+            <a:r>
+              <a:rPr lang="en-US" dirty="0">
+                <a:solidFill>
+                  <a:schemeClr val="tx1"/>
+                </a:solidFill>
+                <a:latin typeface="Courier New" panose="02070309020205020404" pitchFamily="49" charset="0"/>
+                <a:cs typeface="Courier New" panose="02070309020205020404" pitchFamily="49" charset="0"/>
+              </a:rPr>
+              <a:t>buckets: 4   </a:t>
+            </a:r>
+          </a:p>
+        </p:txBody>
+      </p:sp>
+      <p:sp>
+        <p:nvSpPr>
+          <p:cNvPr id="17" name="Rounded Rectangle 16">
+            <a:extLst>
+              <a:ext uri="{FF2B5EF4-FFF2-40B4-BE49-F238E27FC236}">
+                <a16:creationId xmlns:a16="http://schemas.microsoft.com/office/drawing/2014/main" id="{0CE31A12-B194-640E-A9A5-C44D61B1AC87}"/>
+              </a:ext>
+            </a:extLst>
+          </p:cNvPr>
+          <p:cNvSpPr/>
+          <p:nvPr/>
+        </p:nvSpPr>
+        <p:spPr>
+          <a:xfrm>
+            <a:off x="2434060" y="4325526"/>
+            <a:ext cx="1162580" cy="826090"/>
+          </a:xfrm>
+          <a:prstGeom prst="roundRect">
+            <a:avLst/>
+          </a:prstGeom>
+        </p:spPr>
+        <p:style>
+          <a:lnRef idx="2">
+            <a:schemeClr val="accent1">
+              <a:shade val="50000"/>
+            </a:schemeClr>
+          </a:lnRef>
+          <a:fillRef idx="1">
+            <a:schemeClr val="accent1"/>
+          </a:fillRef>
+          <a:effectRef idx="0">
+            <a:schemeClr val="accent1"/>
+          </a:effectRef>
+          <a:fontRef idx="minor">
+            <a:schemeClr val="lt1"/>
+          </a:fontRef>
+        </p:style>
+        <p:txBody>
+          <a:bodyPr rtlCol="0" anchor="ctr"/>
+          <a:lstStyle/>
+          <a:p>
+            <a:pPr algn="ctr"/>
+            <a:r>
+              <a:rPr lang="en-US" dirty="0"/>
+              <a:t>Hash  % 4</a:t>
+            </a:r>
+          </a:p>
+        </p:txBody>
+      </p:sp>
+      <p:sp>
+        <p:nvSpPr>
+          <p:cNvPr id="18" name="Rectangle 17">
+            <a:extLst>
+              <a:ext uri="{FF2B5EF4-FFF2-40B4-BE49-F238E27FC236}">
+                <a16:creationId xmlns:a16="http://schemas.microsoft.com/office/drawing/2014/main" id="{45899FCE-A44E-7D38-AA5D-B222CB8DAD96}"/>
+              </a:ext>
+            </a:extLst>
+          </p:cNvPr>
+          <p:cNvSpPr/>
+          <p:nvPr/>
+        </p:nvSpPr>
+        <p:spPr>
+          <a:xfrm>
+            <a:off x="1177584" y="4556364"/>
+            <a:ext cx="776610" cy="367134"/>
+          </a:xfrm>
+          <a:prstGeom prst="rect">
+            <a:avLst/>
+          </a:prstGeom>
+          <a:noFill/>
+          <a:ln w="28575">
+            <a:solidFill>
+              <a:schemeClr val="tx1"/>
+            </a:solidFill>
+          </a:ln>
+        </p:spPr>
+        <p:style>
+          <a:lnRef idx="2">
+            <a:schemeClr val="accent1">
+              <a:shade val="50000"/>
+            </a:schemeClr>
+          </a:lnRef>
+          <a:fillRef idx="1">
+            <a:schemeClr val="accent1"/>
+          </a:fillRef>
+          <a:effectRef idx="0">
+            <a:schemeClr val="accent1"/>
+          </a:effectRef>
+          <a:fontRef idx="minor">
+            <a:schemeClr val="lt1"/>
+          </a:fontRef>
+        </p:style>
+        <p:txBody>
+          <a:bodyPr rtlCol="0" anchor="ctr"/>
+          <a:lstStyle/>
+          <a:p>
+            <a:pPr algn="ctr"/>
+            <a:r>
+              <a:rPr lang="en-US" dirty="0">
+                <a:solidFill>
+                  <a:schemeClr val="tx1"/>
+                </a:solidFill>
+                <a:latin typeface="Courier New" panose="02070309020205020404" pitchFamily="49" charset="0"/>
+                <a:cs typeface="Courier New" panose="02070309020205020404" pitchFamily="49" charset="0"/>
+              </a:rPr>
+              <a:t>key</a:t>
+            </a:r>
+          </a:p>
+        </p:txBody>
+      </p:sp>
+      <p:cxnSp>
+        <p:nvCxnSpPr>
+          <p:cNvPr id="19" name="Straight Arrow Connector 18">
+            <a:extLst>
+              <a:ext uri="{FF2B5EF4-FFF2-40B4-BE49-F238E27FC236}">
+                <a16:creationId xmlns:a16="http://schemas.microsoft.com/office/drawing/2014/main" id="{095EFEE7-88C3-D1A3-96DE-370DDF8157AD}"/>
+              </a:ext>
+            </a:extLst>
+          </p:cNvPr>
+          <p:cNvCxnSpPr>
+            <a:cxnSpLocks/>
+            <a:stCxn id="18" idx="3"/>
+            <a:endCxn id="17" idx="1"/>
+          </p:cNvCxnSpPr>
+          <p:nvPr/>
+        </p:nvCxnSpPr>
+        <p:spPr>
+          <a:xfrm flipV="1">
+            <a:off x="1954194" y="4738571"/>
+            <a:ext cx="479866" cy="1360"/>
+          </a:xfrm>
+          <a:prstGeom prst="straightConnector1">
+            <a:avLst/>
+          </a:prstGeom>
+          <a:ln w="57150">
+            <a:tailEnd type="triangle"/>
+          </a:ln>
+        </p:spPr>
+        <p:style>
+          <a:lnRef idx="1">
+            <a:schemeClr val="accent1"/>
+          </a:lnRef>
+          <a:fillRef idx="0">
+            <a:schemeClr val="accent1"/>
+          </a:fillRef>
+          <a:effectRef idx="0">
+            <a:schemeClr val="accent1"/>
+          </a:effectRef>
+          <a:fontRef idx="minor">
+            <a:schemeClr val="tx1"/>
+          </a:fontRef>
+        </p:style>
+      </p:cxnSp>
+      <p:cxnSp>
+        <p:nvCxnSpPr>
+          <p:cNvPr id="22" name="Straight Arrow Connector 21">
+            <a:extLst>
+              <a:ext uri="{FF2B5EF4-FFF2-40B4-BE49-F238E27FC236}">
+                <a16:creationId xmlns:a16="http://schemas.microsoft.com/office/drawing/2014/main" id="{80D0386E-03D1-2DF0-7EB7-B114ACE10678}"/>
+              </a:ext>
+            </a:extLst>
+          </p:cNvPr>
+          <p:cNvCxnSpPr>
+            <a:cxnSpLocks/>
+            <a:stCxn id="17" idx="3"/>
+            <a:endCxn id="12" idx="1"/>
+          </p:cNvCxnSpPr>
+          <p:nvPr/>
+        </p:nvCxnSpPr>
+        <p:spPr>
+          <a:xfrm flipV="1">
+            <a:off x="3596640" y="4210726"/>
+            <a:ext cx="601582" cy="527845"/>
+          </a:xfrm>
+          <a:prstGeom prst="straightConnector1">
+            <a:avLst/>
+          </a:prstGeom>
+          <a:ln w="57150">
+            <a:tailEnd type="triangle"/>
+          </a:ln>
+        </p:spPr>
+        <p:style>
+          <a:lnRef idx="1">
+            <a:schemeClr val="accent1"/>
+          </a:lnRef>
+          <a:fillRef idx="0">
+            <a:schemeClr val="accent1"/>
+          </a:fillRef>
+          <a:effectRef idx="0">
+            <a:schemeClr val="accent1"/>
+          </a:effectRef>
+          <a:fontRef idx="minor">
+            <a:schemeClr val="tx1"/>
+          </a:fontRef>
+        </p:style>
+      </p:cxnSp>
+      <p:cxnSp>
+        <p:nvCxnSpPr>
+          <p:cNvPr id="25" name="Straight Arrow Connector 24">
+            <a:extLst>
+              <a:ext uri="{FF2B5EF4-FFF2-40B4-BE49-F238E27FC236}">
+                <a16:creationId xmlns:a16="http://schemas.microsoft.com/office/drawing/2014/main" id="{06D45F4C-1657-B304-06AE-6740386CD466}"/>
+              </a:ext>
+            </a:extLst>
+          </p:cNvPr>
+          <p:cNvCxnSpPr>
+            <a:cxnSpLocks/>
+            <a:stCxn id="17" idx="3"/>
+            <a:endCxn id="13" idx="1"/>
+          </p:cNvCxnSpPr>
+          <p:nvPr/>
+        </p:nvCxnSpPr>
+        <p:spPr>
+          <a:xfrm flipV="1">
+            <a:off x="3596640" y="4592713"/>
+            <a:ext cx="601582" cy="145858"/>
+          </a:xfrm>
+          <a:prstGeom prst="straightConnector1">
+            <a:avLst/>
+          </a:prstGeom>
+          <a:ln w="57150">
+            <a:tailEnd type="triangle"/>
+          </a:ln>
+        </p:spPr>
+        <p:style>
+          <a:lnRef idx="1">
+            <a:schemeClr val="accent1"/>
+          </a:lnRef>
+          <a:fillRef idx="0">
+            <a:schemeClr val="accent1"/>
+          </a:fillRef>
+          <a:effectRef idx="0">
+            <a:schemeClr val="accent1"/>
+          </a:effectRef>
+          <a:fontRef idx="minor">
+            <a:schemeClr val="tx1"/>
+          </a:fontRef>
+        </p:style>
+      </p:cxnSp>
+      <p:cxnSp>
+        <p:nvCxnSpPr>
+          <p:cNvPr id="28" name="Straight Arrow Connector 27">
+            <a:extLst>
+              <a:ext uri="{FF2B5EF4-FFF2-40B4-BE49-F238E27FC236}">
+                <a16:creationId xmlns:a16="http://schemas.microsoft.com/office/drawing/2014/main" id="{B05932C1-EB4D-1554-329E-97780DC4A7E1}"/>
+              </a:ext>
+            </a:extLst>
+          </p:cNvPr>
+          <p:cNvCxnSpPr>
+            <a:cxnSpLocks/>
+            <a:stCxn id="17" idx="3"/>
+            <a:endCxn id="14" idx="1"/>
+          </p:cNvCxnSpPr>
+          <p:nvPr/>
+        </p:nvCxnSpPr>
+        <p:spPr>
+          <a:xfrm>
+            <a:off x="3596640" y="4738571"/>
+            <a:ext cx="601582" cy="236129"/>
+          </a:xfrm>
+          <a:prstGeom prst="straightConnector1">
+            <a:avLst/>
+          </a:prstGeom>
+          <a:ln w="57150">
+            <a:tailEnd type="triangle"/>
+          </a:ln>
+        </p:spPr>
+        <p:style>
+          <a:lnRef idx="1">
+            <a:schemeClr val="accent1"/>
+          </a:lnRef>
+          <a:fillRef idx="0">
+            <a:schemeClr val="accent1"/>
+          </a:fillRef>
+          <a:effectRef idx="0">
+            <a:schemeClr val="accent1"/>
+          </a:effectRef>
+          <a:fontRef idx="minor">
+            <a:schemeClr val="tx1"/>
+          </a:fontRef>
+        </p:style>
+      </p:cxnSp>
+      <p:cxnSp>
+        <p:nvCxnSpPr>
+          <p:cNvPr id="31" name="Straight Arrow Connector 30">
+            <a:extLst>
+              <a:ext uri="{FF2B5EF4-FFF2-40B4-BE49-F238E27FC236}">
+                <a16:creationId xmlns:a16="http://schemas.microsoft.com/office/drawing/2014/main" id="{C06121C8-BF5E-251D-2C4F-0F2C67195C67}"/>
+              </a:ext>
+            </a:extLst>
+          </p:cNvPr>
+          <p:cNvCxnSpPr>
+            <a:cxnSpLocks/>
+            <a:stCxn id="17" idx="3"/>
+            <a:endCxn id="15" idx="1"/>
+          </p:cNvCxnSpPr>
+          <p:nvPr/>
+        </p:nvCxnSpPr>
+        <p:spPr>
+          <a:xfrm>
+            <a:off x="3596640" y="4738571"/>
+            <a:ext cx="601582" cy="646499"/>
+          </a:xfrm>
+          <a:prstGeom prst="straightConnector1">
+            <a:avLst/>
+          </a:prstGeom>
+          <a:ln w="57150">
+            <a:tailEnd type="triangle"/>
+          </a:ln>
+        </p:spPr>
+        <p:style>
+          <a:lnRef idx="1">
+            <a:schemeClr val="accent1"/>
+          </a:lnRef>
+          <a:fillRef idx="0">
+            <a:schemeClr val="accent1"/>
+          </a:fillRef>
+          <a:effectRef idx="0">
+            <a:schemeClr val="accent1"/>
+          </a:effectRef>
+          <a:fontRef idx="minor">
+            <a:schemeClr val="tx1"/>
+          </a:fontRef>
+        </p:style>
+      </p:cxnSp>
+      <p:sp>
+        <p:nvSpPr>
+          <p:cNvPr id="34" name="Rectangle 33">
+            <a:extLst>
+              <a:ext uri="{FF2B5EF4-FFF2-40B4-BE49-F238E27FC236}">
+                <a16:creationId xmlns:a16="http://schemas.microsoft.com/office/drawing/2014/main" id="{918AE155-0C94-AE89-1A35-2D0EECB99F09}"/>
+              </a:ext>
+            </a:extLst>
+          </p:cNvPr>
+          <p:cNvSpPr/>
+          <p:nvPr/>
+        </p:nvSpPr>
+        <p:spPr>
+          <a:xfrm>
+            <a:off x="3844034" y="2353611"/>
+            <a:ext cx="776610" cy="367134"/>
+          </a:xfrm>
+          <a:prstGeom prst="rect">
+            <a:avLst/>
+          </a:prstGeom>
+          <a:noFill/>
+          <a:ln w="28575">
+            <a:solidFill>
+              <a:schemeClr val="tx1"/>
+            </a:solidFill>
+          </a:ln>
+        </p:spPr>
+        <p:style>
+          <a:lnRef idx="2">
+            <a:schemeClr val="accent1">
+              <a:shade val="50000"/>
+            </a:schemeClr>
+          </a:lnRef>
+          <a:fillRef idx="1">
+            <a:schemeClr val="accent1"/>
+          </a:fillRef>
+          <a:effectRef idx="0">
+            <a:schemeClr val="accent1"/>
+          </a:effectRef>
+          <a:fontRef idx="minor">
+            <a:schemeClr val="lt1"/>
+          </a:fontRef>
+        </p:style>
+        <p:txBody>
+          <a:bodyPr rtlCol="0" anchor="ctr"/>
+          <a:lstStyle/>
+          <a:p>
+            <a:pPr algn="ctr"/>
+            <a:r>
+              <a:rPr lang="en-US" dirty="0">
+                <a:solidFill>
+                  <a:schemeClr val="tx1"/>
+                </a:solidFill>
+                <a:latin typeface="Courier New" panose="02070309020205020404" pitchFamily="49" charset="0"/>
+                <a:cs typeface="Courier New" panose="02070309020205020404" pitchFamily="49" charset="0"/>
+              </a:rPr>
+              <a:t>d=21</a:t>
+            </a:r>
+          </a:p>
+        </p:txBody>
+      </p:sp>
+      <p:cxnSp>
+        <p:nvCxnSpPr>
+          <p:cNvPr id="35" name="Straight Arrow Connector 34">
+            <a:extLst>
+              <a:ext uri="{FF2B5EF4-FFF2-40B4-BE49-F238E27FC236}">
+                <a16:creationId xmlns:a16="http://schemas.microsoft.com/office/drawing/2014/main" id="{DF2BD5F9-2F01-E56F-712E-ABA15ECFD70B}"/>
+              </a:ext>
+            </a:extLst>
+          </p:cNvPr>
+          <p:cNvCxnSpPr>
+            <a:cxnSpLocks/>
+          </p:cNvCxnSpPr>
+          <p:nvPr/>
+        </p:nvCxnSpPr>
+        <p:spPr>
+          <a:xfrm flipV="1">
+            <a:off x="3347677" y="2535021"/>
+            <a:ext cx="479866" cy="21842"/>
+          </a:xfrm>
+          <a:prstGeom prst="straightConnector1">
+            <a:avLst/>
+          </a:prstGeom>
+          <a:ln w="57150">
+            <a:tailEnd type="triangle"/>
+          </a:ln>
+        </p:spPr>
+        <p:style>
+          <a:lnRef idx="1">
+            <a:schemeClr val="accent1"/>
+          </a:lnRef>
+          <a:fillRef idx="0">
+            <a:schemeClr val="accent1"/>
+          </a:fillRef>
+          <a:effectRef idx="0">
+            <a:schemeClr val="accent1"/>
+          </a:effectRef>
+          <a:fontRef idx="minor">
+            <a:schemeClr val="tx1"/>
+          </a:fontRef>
+        </p:style>
+      </p:cxnSp>
+      <p:sp>
+        <p:nvSpPr>
+          <p:cNvPr id="36" name="Rectangle 35">
+            <a:extLst>
+              <a:ext uri="{FF2B5EF4-FFF2-40B4-BE49-F238E27FC236}">
+                <a16:creationId xmlns:a16="http://schemas.microsoft.com/office/drawing/2014/main" id="{9847D500-B98F-9681-C818-F93F4754CFA8}"/>
+              </a:ext>
+            </a:extLst>
+          </p:cNvPr>
+          <p:cNvSpPr/>
+          <p:nvPr/>
+        </p:nvSpPr>
+        <p:spPr>
+          <a:xfrm>
+            <a:off x="5110203" y="2353611"/>
+            <a:ext cx="776610" cy="367134"/>
+          </a:xfrm>
+          <a:prstGeom prst="rect">
+            <a:avLst/>
+          </a:prstGeom>
+          <a:noFill/>
+          <a:ln w="28575">
+            <a:solidFill>
+              <a:schemeClr val="tx1"/>
+            </a:solidFill>
+          </a:ln>
+        </p:spPr>
+        <p:style>
+          <a:lnRef idx="2">
+            <a:schemeClr val="accent1">
+              <a:shade val="50000"/>
+            </a:schemeClr>
+          </a:lnRef>
+          <a:fillRef idx="1">
+            <a:schemeClr val="accent1"/>
+          </a:fillRef>
+          <a:effectRef idx="0">
+            <a:schemeClr val="accent1"/>
+          </a:effectRef>
+          <a:fontRef idx="minor">
+            <a:schemeClr val="lt1"/>
+          </a:fontRef>
+        </p:style>
+        <p:txBody>
+          <a:bodyPr rtlCol="0" anchor="ctr"/>
+          <a:lstStyle/>
+          <a:p>
+            <a:pPr algn="ctr"/>
+            <a:r>
+              <a:rPr lang="en-US" dirty="0">
+                <a:solidFill>
+                  <a:schemeClr val="tx1"/>
+                </a:solidFill>
+                <a:latin typeface="Courier New" panose="02070309020205020404" pitchFamily="49" charset="0"/>
+                <a:cs typeface="Courier New" panose="02070309020205020404" pitchFamily="49" charset="0"/>
+              </a:rPr>
+              <a:t>f=19</a:t>
+            </a:r>
+          </a:p>
+        </p:txBody>
+      </p:sp>
+      <p:sp>
+        <p:nvSpPr>
+          <p:cNvPr id="37" name="Rectangle 36">
+            <a:extLst>
+              <a:ext uri="{FF2B5EF4-FFF2-40B4-BE49-F238E27FC236}">
+                <a16:creationId xmlns:a16="http://schemas.microsoft.com/office/drawing/2014/main" id="{58244CBD-ACAB-0F6A-7C46-A410F2393505}"/>
+              </a:ext>
+            </a:extLst>
+          </p:cNvPr>
+          <p:cNvSpPr/>
+          <p:nvPr/>
+        </p:nvSpPr>
+        <p:spPr>
+          <a:xfrm>
+            <a:off x="6376372" y="2353611"/>
+            <a:ext cx="776610" cy="367134"/>
+          </a:xfrm>
+          <a:prstGeom prst="rect">
+            <a:avLst/>
+          </a:prstGeom>
+          <a:noFill/>
+          <a:ln w="28575">
+            <a:solidFill>
+              <a:schemeClr val="tx1"/>
+            </a:solidFill>
+          </a:ln>
+        </p:spPr>
+        <p:style>
+          <a:lnRef idx="2">
+            <a:schemeClr val="accent1">
+              <a:shade val="50000"/>
+            </a:schemeClr>
+          </a:lnRef>
+          <a:fillRef idx="1">
+            <a:schemeClr val="accent1"/>
+          </a:fillRef>
+          <a:effectRef idx="0">
+            <a:schemeClr val="accent1"/>
+          </a:effectRef>
+          <a:fontRef idx="minor">
+            <a:schemeClr val="lt1"/>
+          </a:fontRef>
+        </p:style>
+        <p:txBody>
+          <a:bodyPr rtlCol="0" anchor="ctr"/>
+          <a:lstStyle/>
+          <a:p>
+            <a:pPr algn="ctr"/>
+            <a:r>
+              <a:rPr lang="en-US" dirty="0">
+                <a:solidFill>
+                  <a:schemeClr val="tx1"/>
+                </a:solidFill>
+                <a:latin typeface="Courier New" panose="02070309020205020404" pitchFamily="49" charset="0"/>
+                <a:cs typeface="Courier New" panose="02070309020205020404" pitchFamily="49" charset="0"/>
+              </a:rPr>
+              <a:t>h=17</a:t>
+            </a:r>
+          </a:p>
+        </p:txBody>
+      </p:sp>
+      <p:cxnSp>
+        <p:nvCxnSpPr>
+          <p:cNvPr id="38" name="Straight Arrow Connector 37">
+            <a:extLst>
+              <a:ext uri="{FF2B5EF4-FFF2-40B4-BE49-F238E27FC236}">
+                <a16:creationId xmlns:a16="http://schemas.microsoft.com/office/drawing/2014/main" id="{186C90FD-8676-414F-AB34-35202F41B629}"/>
+              </a:ext>
+            </a:extLst>
+          </p:cNvPr>
+          <p:cNvCxnSpPr>
+            <a:cxnSpLocks/>
+            <a:endCxn id="37" idx="1"/>
+          </p:cNvCxnSpPr>
+          <p:nvPr/>
+        </p:nvCxnSpPr>
+        <p:spPr>
+          <a:xfrm>
+            <a:off x="5903969" y="2535021"/>
+            <a:ext cx="472403" cy="2157"/>
+          </a:xfrm>
+          <a:prstGeom prst="straightConnector1">
+            <a:avLst/>
+          </a:prstGeom>
+          <a:ln w="57150">
+            <a:tailEnd type="triangle"/>
+          </a:ln>
+        </p:spPr>
+        <p:style>
+          <a:lnRef idx="1">
+            <a:schemeClr val="accent1"/>
+          </a:lnRef>
+          <a:fillRef idx="0">
+            <a:schemeClr val="accent1"/>
+          </a:fillRef>
+          <a:effectRef idx="0">
+            <a:schemeClr val="accent1"/>
+          </a:effectRef>
+          <a:fontRef idx="minor">
+            <a:schemeClr val="tx1"/>
+          </a:fontRef>
+        </p:style>
+      </p:cxnSp>
+      <p:cxnSp>
+        <p:nvCxnSpPr>
+          <p:cNvPr id="39" name="Straight Arrow Connector 38">
+            <a:extLst>
+              <a:ext uri="{FF2B5EF4-FFF2-40B4-BE49-F238E27FC236}">
+                <a16:creationId xmlns:a16="http://schemas.microsoft.com/office/drawing/2014/main" id="{7A500415-0BEF-FFB9-C6DC-30CD122008EC}"/>
+              </a:ext>
+            </a:extLst>
+          </p:cNvPr>
+          <p:cNvCxnSpPr>
+            <a:cxnSpLocks/>
+          </p:cNvCxnSpPr>
+          <p:nvPr/>
+        </p:nvCxnSpPr>
+        <p:spPr>
+          <a:xfrm>
+            <a:off x="4604153" y="2509149"/>
+            <a:ext cx="520311" cy="0"/>
+          </a:xfrm>
+          <a:prstGeom prst="straightConnector1">
+            <a:avLst/>
+          </a:prstGeom>
+          <a:ln w="57150">
+            <a:tailEnd type="triangle"/>
+          </a:ln>
+        </p:spPr>
+        <p:style>
+          <a:lnRef idx="1">
+            <a:schemeClr val="accent1"/>
+          </a:lnRef>
+          <a:fillRef idx="0">
+            <a:schemeClr val="accent1"/>
+          </a:fillRef>
+          <a:effectRef idx="0">
+            <a:schemeClr val="accent1"/>
+          </a:effectRef>
+          <a:fontRef idx="minor">
+            <a:schemeClr val="tx1"/>
+          </a:fontRef>
+        </p:style>
+      </p:cxnSp>
+      <p:sp>
+        <p:nvSpPr>
+          <p:cNvPr id="42" name="Rectangle 41">
+            <a:extLst>
+              <a:ext uri="{FF2B5EF4-FFF2-40B4-BE49-F238E27FC236}">
+                <a16:creationId xmlns:a16="http://schemas.microsoft.com/office/drawing/2014/main" id="{E313248F-E398-87BC-D5AA-71F8C8854B01}"/>
+              </a:ext>
+            </a:extLst>
+          </p:cNvPr>
+          <p:cNvSpPr/>
+          <p:nvPr/>
+        </p:nvSpPr>
+        <p:spPr>
+          <a:xfrm>
+            <a:off x="7642541" y="2353611"/>
+            <a:ext cx="776610" cy="367134"/>
+          </a:xfrm>
+          <a:prstGeom prst="rect">
+            <a:avLst/>
+          </a:prstGeom>
+          <a:noFill/>
+          <a:ln w="28575">
+            <a:solidFill>
+              <a:schemeClr val="tx1"/>
+            </a:solidFill>
+          </a:ln>
+        </p:spPr>
+        <p:style>
+          <a:lnRef idx="2">
+            <a:schemeClr val="accent1">
+              <a:shade val="50000"/>
+            </a:schemeClr>
+          </a:lnRef>
+          <a:fillRef idx="1">
+            <a:schemeClr val="accent1"/>
+          </a:fillRef>
+          <a:effectRef idx="0">
+            <a:schemeClr val="accent1"/>
+          </a:effectRef>
+          <a:fontRef idx="minor">
+            <a:schemeClr val="lt1"/>
+          </a:fontRef>
+        </p:style>
+        <p:txBody>
+          <a:bodyPr rtlCol="0" anchor="ctr"/>
+          <a:lstStyle/>
+          <a:p>
+            <a:pPr algn="ctr"/>
+            <a:r>
+              <a:rPr lang="en-US" dirty="0">
+                <a:solidFill>
+                  <a:schemeClr val="tx1"/>
+                </a:solidFill>
+                <a:latin typeface="Courier New" panose="02070309020205020404" pitchFamily="49" charset="0"/>
+                <a:cs typeface="Courier New" panose="02070309020205020404" pitchFamily="49" charset="0"/>
+              </a:rPr>
+              <a:t>j=18</a:t>
+            </a:r>
+          </a:p>
+        </p:txBody>
+      </p:sp>
+      <p:cxnSp>
+        <p:nvCxnSpPr>
+          <p:cNvPr id="45" name="Straight Arrow Connector 44">
+            <a:extLst>
+              <a:ext uri="{FF2B5EF4-FFF2-40B4-BE49-F238E27FC236}">
+                <a16:creationId xmlns:a16="http://schemas.microsoft.com/office/drawing/2014/main" id="{809622C1-9DC9-AFE9-E01E-074C55A1AE75}"/>
+              </a:ext>
+            </a:extLst>
+          </p:cNvPr>
+          <p:cNvCxnSpPr>
+            <a:cxnSpLocks/>
+            <a:stCxn id="37" idx="3"/>
+            <a:endCxn id="42" idx="1"/>
+          </p:cNvCxnSpPr>
+          <p:nvPr/>
+        </p:nvCxnSpPr>
+        <p:spPr>
+          <a:xfrm>
+            <a:off x="7152982" y="2537178"/>
+            <a:ext cx="489559" cy="0"/>
+          </a:xfrm>
+          <a:prstGeom prst="straightConnector1">
+            <a:avLst/>
+          </a:prstGeom>
+          <a:ln w="57150">
+            <a:tailEnd type="triangle"/>
+          </a:ln>
+        </p:spPr>
+        <p:style>
+          <a:lnRef idx="1">
+            <a:schemeClr val="accent1"/>
+          </a:lnRef>
+          <a:fillRef idx="0">
+            <a:schemeClr val="accent1"/>
+          </a:fillRef>
+          <a:effectRef idx="0">
+            <a:schemeClr val="accent1"/>
+          </a:effectRef>
+          <a:fontRef idx="minor">
+            <a:schemeClr val="tx1"/>
+          </a:fontRef>
+        </p:style>
+      </p:cxnSp>
+      <p:sp>
+        <p:nvSpPr>
+          <p:cNvPr id="61" name="Rectangle 60">
+            <a:extLst>
+              <a:ext uri="{FF2B5EF4-FFF2-40B4-BE49-F238E27FC236}">
+                <a16:creationId xmlns:a16="http://schemas.microsoft.com/office/drawing/2014/main" id="{7C2798E3-101D-9011-543B-FC7A578C9609}"/>
+              </a:ext>
+            </a:extLst>
+          </p:cNvPr>
+          <p:cNvSpPr/>
+          <p:nvPr/>
+        </p:nvSpPr>
+        <p:spPr>
+          <a:xfrm>
+            <a:off x="6261916" y="5569536"/>
+            <a:ext cx="302209" cy="391886"/>
+          </a:xfrm>
+          <a:prstGeom prst="rect">
+            <a:avLst/>
+          </a:prstGeom>
+          <a:noFill/>
+          <a:ln w="28575">
+            <a:noFill/>
+          </a:ln>
+        </p:spPr>
+        <p:style>
+          <a:lnRef idx="2">
+            <a:schemeClr val="accent1">
+              <a:shade val="50000"/>
+            </a:schemeClr>
+          </a:lnRef>
+          <a:fillRef idx="1">
+            <a:schemeClr val="accent1"/>
+          </a:fillRef>
+          <a:effectRef idx="0">
+            <a:schemeClr val="accent1"/>
+          </a:effectRef>
+          <a:fontRef idx="minor">
+            <a:schemeClr val="lt1"/>
+          </a:fontRef>
+        </p:style>
+        <p:txBody>
+          <a:bodyPr rtlCol="0" anchor="ctr"/>
+          <a:lstStyle/>
+          <a:p>
+            <a:r>
+              <a:rPr lang="en-US" sz="1800" dirty="0">
+                <a:solidFill>
+                  <a:schemeClr val="tx1"/>
+                </a:solidFill>
+                <a:latin typeface="Courier New" panose="02070309020205020404" pitchFamily="49" charset="0"/>
+                <a:cs typeface="Courier New" panose="02070309020205020404" pitchFamily="49" charset="0"/>
+              </a:rPr>
+              <a:t>∅</a:t>
+            </a:r>
+            <a:endParaRPr lang="en-US" dirty="0">
+              <a:solidFill>
+                <a:schemeClr val="tx1"/>
+              </a:solidFill>
+              <a:latin typeface="Courier New" panose="02070309020205020404" pitchFamily="49" charset="0"/>
+              <a:cs typeface="Courier New" panose="02070309020205020404" pitchFamily="49" charset="0"/>
+            </a:endParaRPr>
+          </a:p>
+        </p:txBody>
+      </p:sp>
+      <p:cxnSp>
+        <p:nvCxnSpPr>
+          <p:cNvPr id="62" name="Straight Arrow Connector 61">
+            <a:extLst>
+              <a:ext uri="{FF2B5EF4-FFF2-40B4-BE49-F238E27FC236}">
+                <a16:creationId xmlns:a16="http://schemas.microsoft.com/office/drawing/2014/main" id="{00D0F29A-B091-075B-F09B-EF72BD6E0B68}"/>
+              </a:ext>
+            </a:extLst>
+          </p:cNvPr>
+          <p:cNvCxnSpPr>
+            <a:cxnSpLocks/>
+            <a:stCxn id="15" idx="3"/>
+            <a:endCxn id="61" idx="1"/>
+          </p:cNvCxnSpPr>
+          <p:nvPr/>
+        </p:nvCxnSpPr>
+        <p:spPr>
+          <a:xfrm>
+            <a:off x="5784750" y="5385070"/>
+            <a:ext cx="477166" cy="380409"/>
+          </a:xfrm>
+          <a:prstGeom prst="straightConnector1">
+            <a:avLst/>
+          </a:prstGeom>
+          <a:ln w="57150">
+            <a:tailEnd type="triangle"/>
+          </a:ln>
+        </p:spPr>
+        <p:style>
+          <a:lnRef idx="1">
+            <a:schemeClr val="accent1"/>
+          </a:lnRef>
+          <a:fillRef idx="0">
+            <a:schemeClr val="accent1"/>
+          </a:fillRef>
+          <a:effectRef idx="0">
+            <a:schemeClr val="accent1"/>
+          </a:effectRef>
+          <a:fontRef idx="minor">
+            <a:schemeClr val="tx1"/>
+          </a:fontRef>
+        </p:style>
+      </p:cxnSp>
+      <p:sp>
+        <p:nvSpPr>
+          <p:cNvPr id="63" name="Rectangle 62">
+            <a:extLst>
+              <a:ext uri="{FF2B5EF4-FFF2-40B4-BE49-F238E27FC236}">
+                <a16:creationId xmlns:a16="http://schemas.microsoft.com/office/drawing/2014/main" id="{C6744D3C-E9A3-6A48-9F13-53FB4CF596BB}"/>
+              </a:ext>
+            </a:extLst>
+          </p:cNvPr>
+          <p:cNvSpPr/>
+          <p:nvPr/>
+        </p:nvSpPr>
+        <p:spPr>
+          <a:xfrm>
+            <a:off x="8786792" y="4990499"/>
+            <a:ext cx="776610" cy="367134"/>
+          </a:xfrm>
+          <a:prstGeom prst="rect">
+            <a:avLst/>
+          </a:prstGeom>
+          <a:noFill/>
+          <a:ln w="28575">
+            <a:solidFill>
+              <a:schemeClr val="tx1"/>
+            </a:solidFill>
+          </a:ln>
+        </p:spPr>
+        <p:style>
+          <a:lnRef idx="2">
+            <a:schemeClr val="accent1">
+              <a:shade val="50000"/>
+            </a:schemeClr>
+          </a:lnRef>
+          <a:fillRef idx="1">
+            <a:schemeClr val="accent1"/>
+          </a:fillRef>
+          <a:effectRef idx="0">
+            <a:schemeClr val="accent1"/>
+          </a:effectRef>
+          <a:fontRef idx="minor">
+            <a:schemeClr val="lt1"/>
+          </a:fontRef>
+        </p:style>
+        <p:txBody>
+          <a:bodyPr rtlCol="0" anchor="ctr"/>
+          <a:lstStyle/>
+          <a:p>
+            <a:pPr algn="ctr"/>
+            <a:r>
+              <a:rPr lang="en-US" dirty="0">
+                <a:solidFill>
+                  <a:schemeClr val="tx1"/>
+                </a:solidFill>
+                <a:latin typeface="Courier New" panose="02070309020205020404" pitchFamily="49" charset="0"/>
+                <a:cs typeface="Courier New" panose="02070309020205020404" pitchFamily="49" charset="0"/>
+              </a:rPr>
+              <a:t>m=90</a:t>
+            </a:r>
+          </a:p>
+        </p:txBody>
+      </p:sp>
+      <p:cxnSp>
+        <p:nvCxnSpPr>
+          <p:cNvPr id="64" name="Straight Arrow Connector 63">
+            <a:extLst>
+              <a:ext uri="{FF2B5EF4-FFF2-40B4-BE49-F238E27FC236}">
+                <a16:creationId xmlns:a16="http://schemas.microsoft.com/office/drawing/2014/main" id="{E99499BC-88D7-479E-81E4-2EDB3381CC2D}"/>
+              </a:ext>
+            </a:extLst>
+          </p:cNvPr>
+          <p:cNvCxnSpPr>
+            <a:cxnSpLocks/>
+            <a:stCxn id="67" idx="3"/>
+          </p:cNvCxnSpPr>
+          <p:nvPr/>
+        </p:nvCxnSpPr>
+        <p:spPr>
+          <a:xfrm>
+            <a:off x="8297231" y="5174066"/>
+            <a:ext cx="489561" cy="0"/>
+          </a:xfrm>
+          <a:prstGeom prst="straightConnector1">
+            <a:avLst/>
+          </a:prstGeom>
+          <a:ln w="57150">
+            <a:tailEnd type="triangle"/>
+          </a:ln>
+        </p:spPr>
+        <p:style>
+          <a:lnRef idx="1">
+            <a:schemeClr val="accent1"/>
+          </a:lnRef>
+          <a:fillRef idx="0">
+            <a:schemeClr val="accent1"/>
+          </a:fillRef>
+          <a:effectRef idx="0">
+            <a:schemeClr val="accent1"/>
+          </a:effectRef>
+          <a:fontRef idx="minor">
+            <a:schemeClr val="tx1"/>
+          </a:fontRef>
+        </p:style>
+      </p:cxnSp>
+      <p:sp>
+        <p:nvSpPr>
+          <p:cNvPr id="65" name="Rectangle 64">
+            <a:extLst>
+              <a:ext uri="{FF2B5EF4-FFF2-40B4-BE49-F238E27FC236}">
+                <a16:creationId xmlns:a16="http://schemas.microsoft.com/office/drawing/2014/main" id="{5FC1C7C5-02F1-127E-F72B-A9AB9CC2FE64}"/>
+              </a:ext>
+            </a:extLst>
+          </p:cNvPr>
+          <p:cNvSpPr/>
+          <p:nvPr/>
+        </p:nvSpPr>
+        <p:spPr>
+          <a:xfrm>
+            <a:off x="6254452" y="4990499"/>
+            <a:ext cx="776610" cy="367134"/>
+          </a:xfrm>
+          <a:prstGeom prst="rect">
+            <a:avLst/>
+          </a:prstGeom>
+          <a:noFill/>
+          <a:ln w="28575">
+            <a:solidFill>
+              <a:schemeClr val="tx1"/>
+            </a:solidFill>
+          </a:ln>
+        </p:spPr>
+        <p:style>
+          <a:lnRef idx="2">
+            <a:schemeClr val="accent1">
+              <a:shade val="50000"/>
+            </a:schemeClr>
+          </a:lnRef>
+          <a:fillRef idx="1">
+            <a:schemeClr val="accent1"/>
+          </a:fillRef>
+          <a:effectRef idx="0">
+            <a:schemeClr val="accent1"/>
+          </a:effectRef>
+          <a:fontRef idx="minor">
+            <a:schemeClr val="lt1"/>
+          </a:fontRef>
+        </p:style>
+        <p:txBody>
+          <a:bodyPr rtlCol="0" anchor="ctr"/>
+          <a:lstStyle/>
+          <a:p>
+            <a:pPr algn="ctr"/>
+            <a:r>
+              <a:rPr lang="en-US" dirty="0">
+                <a:solidFill>
+                  <a:schemeClr val="tx1"/>
+                </a:solidFill>
+                <a:latin typeface="Courier New" panose="02070309020205020404" pitchFamily="49" charset="0"/>
+                <a:cs typeface="Courier New" panose="02070309020205020404" pitchFamily="49" charset="0"/>
+              </a:rPr>
+              <a:t>b=14</a:t>
+            </a:r>
+          </a:p>
+        </p:txBody>
+      </p:sp>
+      <p:cxnSp>
+        <p:nvCxnSpPr>
+          <p:cNvPr id="66" name="Straight Arrow Connector 65">
+            <a:extLst>
+              <a:ext uri="{FF2B5EF4-FFF2-40B4-BE49-F238E27FC236}">
+                <a16:creationId xmlns:a16="http://schemas.microsoft.com/office/drawing/2014/main" id="{FF7EAE86-CCDE-2792-99CC-F349DE7D96BF}"/>
+              </a:ext>
+            </a:extLst>
+          </p:cNvPr>
+          <p:cNvCxnSpPr>
+            <a:cxnSpLocks/>
+            <a:stCxn id="14" idx="3"/>
+            <a:endCxn id="65" idx="1"/>
+          </p:cNvCxnSpPr>
+          <p:nvPr/>
+        </p:nvCxnSpPr>
+        <p:spPr>
+          <a:xfrm>
+            <a:off x="5784750" y="4974700"/>
+            <a:ext cx="469702" cy="199366"/>
+          </a:xfrm>
+          <a:prstGeom prst="straightConnector1">
+            <a:avLst/>
+          </a:prstGeom>
+          <a:ln w="57150">
+            <a:tailEnd type="triangle"/>
+          </a:ln>
+        </p:spPr>
+        <p:style>
+          <a:lnRef idx="1">
+            <a:schemeClr val="accent1"/>
+          </a:lnRef>
+          <a:fillRef idx="0">
+            <a:schemeClr val="accent1"/>
+          </a:fillRef>
+          <a:effectRef idx="0">
+            <a:schemeClr val="accent1"/>
+          </a:effectRef>
+          <a:fontRef idx="minor">
+            <a:schemeClr val="tx1"/>
+          </a:fontRef>
+        </p:style>
+      </p:cxnSp>
+      <p:sp>
+        <p:nvSpPr>
+          <p:cNvPr id="67" name="Rectangle 66">
+            <a:extLst>
+              <a:ext uri="{FF2B5EF4-FFF2-40B4-BE49-F238E27FC236}">
+                <a16:creationId xmlns:a16="http://schemas.microsoft.com/office/drawing/2014/main" id="{744E4346-6B70-EAB0-823F-EE904182AE58}"/>
+              </a:ext>
+            </a:extLst>
+          </p:cNvPr>
+          <p:cNvSpPr/>
+          <p:nvPr/>
+        </p:nvSpPr>
+        <p:spPr>
+          <a:xfrm>
+            <a:off x="7520621" y="4990499"/>
+            <a:ext cx="776610" cy="367134"/>
+          </a:xfrm>
+          <a:prstGeom prst="rect">
+            <a:avLst/>
+          </a:prstGeom>
+          <a:noFill/>
+          <a:ln w="28575">
+            <a:solidFill>
+              <a:schemeClr val="tx1"/>
+            </a:solidFill>
+          </a:ln>
+        </p:spPr>
+        <p:style>
+          <a:lnRef idx="2">
+            <a:schemeClr val="accent1">
+              <a:shade val="50000"/>
+            </a:schemeClr>
+          </a:lnRef>
+          <a:fillRef idx="1">
+            <a:schemeClr val="accent1"/>
+          </a:fillRef>
+          <a:effectRef idx="0">
+            <a:schemeClr val="accent1"/>
+          </a:effectRef>
+          <a:fontRef idx="minor">
+            <a:schemeClr val="lt1"/>
+          </a:fontRef>
+        </p:style>
+        <p:txBody>
+          <a:bodyPr rtlCol="0" anchor="ctr"/>
+          <a:lstStyle/>
+          <a:p>
+            <a:pPr algn="ctr"/>
+            <a:r>
+              <a:rPr lang="en-US" dirty="0">
+                <a:solidFill>
+                  <a:schemeClr val="tx1"/>
+                </a:solidFill>
+                <a:latin typeface="Courier New" panose="02070309020205020404" pitchFamily="49" charset="0"/>
+                <a:cs typeface="Courier New" panose="02070309020205020404" pitchFamily="49" charset="0"/>
+              </a:rPr>
+              <a:t>j=18</a:t>
+            </a:r>
+          </a:p>
+        </p:txBody>
+      </p:sp>
+      <p:cxnSp>
+        <p:nvCxnSpPr>
+          <p:cNvPr id="68" name="Straight Arrow Connector 67">
+            <a:extLst>
+              <a:ext uri="{FF2B5EF4-FFF2-40B4-BE49-F238E27FC236}">
+                <a16:creationId xmlns:a16="http://schemas.microsoft.com/office/drawing/2014/main" id="{501F20FA-C990-2FE1-02AC-3378ACFBCA43}"/>
+              </a:ext>
+            </a:extLst>
+          </p:cNvPr>
+          <p:cNvCxnSpPr>
+            <a:cxnSpLocks/>
+            <a:stCxn id="65" idx="3"/>
+            <a:endCxn id="67" idx="1"/>
+          </p:cNvCxnSpPr>
+          <p:nvPr/>
+        </p:nvCxnSpPr>
+        <p:spPr>
+          <a:xfrm>
+            <a:off x="7031062" y="5174066"/>
+            <a:ext cx="489559" cy="0"/>
+          </a:xfrm>
+          <a:prstGeom prst="straightConnector1">
+            <a:avLst/>
+          </a:prstGeom>
+          <a:ln w="57150">
+            <a:tailEnd type="triangle"/>
+          </a:ln>
+        </p:spPr>
+        <p:style>
+          <a:lnRef idx="1">
+            <a:schemeClr val="accent1"/>
+          </a:lnRef>
+          <a:fillRef idx="0">
+            <a:schemeClr val="accent1"/>
+          </a:fillRef>
+          <a:effectRef idx="0">
+            <a:schemeClr val="accent1"/>
+          </a:effectRef>
+          <a:fontRef idx="minor">
+            <a:schemeClr val="tx1"/>
+          </a:fontRef>
+        </p:style>
+      </p:cxnSp>
+      <p:sp>
+        <p:nvSpPr>
+          <p:cNvPr id="71" name="Rectangle 70">
+            <a:extLst>
+              <a:ext uri="{FF2B5EF4-FFF2-40B4-BE49-F238E27FC236}">
+                <a16:creationId xmlns:a16="http://schemas.microsoft.com/office/drawing/2014/main" id="{3872E838-3873-5097-8D56-E310CCA8B77A}"/>
+              </a:ext>
+            </a:extLst>
+          </p:cNvPr>
+          <p:cNvSpPr/>
+          <p:nvPr/>
+        </p:nvSpPr>
+        <p:spPr>
+          <a:xfrm>
+            <a:off x="10052963" y="4967860"/>
+            <a:ext cx="302209" cy="391886"/>
+          </a:xfrm>
+          <a:prstGeom prst="rect">
+            <a:avLst/>
+          </a:prstGeom>
+          <a:noFill/>
+          <a:ln w="28575">
+            <a:noFill/>
+          </a:ln>
+        </p:spPr>
+        <p:style>
+          <a:lnRef idx="2">
+            <a:schemeClr val="accent1">
+              <a:shade val="50000"/>
+            </a:schemeClr>
+          </a:lnRef>
+          <a:fillRef idx="1">
+            <a:schemeClr val="accent1"/>
+          </a:fillRef>
+          <a:effectRef idx="0">
+            <a:schemeClr val="accent1"/>
+          </a:effectRef>
+          <a:fontRef idx="minor">
+            <a:schemeClr val="lt1"/>
+          </a:fontRef>
+        </p:style>
+        <p:txBody>
+          <a:bodyPr rtlCol="0" anchor="ctr"/>
+          <a:lstStyle/>
+          <a:p>
+            <a:r>
+              <a:rPr lang="en-US" sz="1800" dirty="0">
+                <a:solidFill>
+                  <a:schemeClr val="tx1"/>
+                </a:solidFill>
+                <a:latin typeface="Courier New" panose="02070309020205020404" pitchFamily="49" charset="0"/>
+                <a:cs typeface="Courier New" panose="02070309020205020404" pitchFamily="49" charset="0"/>
+              </a:rPr>
+              <a:t>∅</a:t>
+            </a:r>
+            <a:endParaRPr lang="en-US" dirty="0">
+              <a:solidFill>
+                <a:schemeClr val="tx1"/>
+              </a:solidFill>
+              <a:latin typeface="Courier New" panose="02070309020205020404" pitchFamily="49" charset="0"/>
+              <a:cs typeface="Courier New" panose="02070309020205020404" pitchFamily="49" charset="0"/>
+            </a:endParaRPr>
+          </a:p>
+        </p:txBody>
+      </p:sp>
+      <p:cxnSp>
+        <p:nvCxnSpPr>
+          <p:cNvPr id="72" name="Straight Arrow Connector 71">
+            <a:extLst>
+              <a:ext uri="{FF2B5EF4-FFF2-40B4-BE49-F238E27FC236}">
+                <a16:creationId xmlns:a16="http://schemas.microsoft.com/office/drawing/2014/main" id="{C4CC257C-5A60-D0AC-8D1A-D40A2C563629}"/>
+              </a:ext>
+            </a:extLst>
+          </p:cNvPr>
+          <p:cNvCxnSpPr>
+            <a:cxnSpLocks/>
+          </p:cNvCxnSpPr>
+          <p:nvPr/>
+        </p:nvCxnSpPr>
+        <p:spPr>
+          <a:xfrm>
+            <a:off x="9573096" y="5157615"/>
+            <a:ext cx="479867" cy="0"/>
+          </a:xfrm>
+          <a:prstGeom prst="straightConnector1">
+            <a:avLst/>
+          </a:prstGeom>
+          <a:ln w="57150">
+            <a:tailEnd type="triangle"/>
+          </a:ln>
+        </p:spPr>
+        <p:style>
+          <a:lnRef idx="1">
+            <a:schemeClr val="accent1"/>
+          </a:lnRef>
+          <a:fillRef idx="0">
+            <a:schemeClr val="accent1"/>
+          </a:fillRef>
+          <a:effectRef idx="0">
+            <a:schemeClr val="accent1"/>
+          </a:effectRef>
+          <a:fontRef idx="minor">
+            <a:schemeClr val="tx1"/>
+          </a:fontRef>
+        </p:style>
+      </p:cxnSp>
+      <p:sp>
+        <p:nvSpPr>
+          <p:cNvPr id="75" name="Rectangle 74">
+            <a:extLst>
+              <a:ext uri="{FF2B5EF4-FFF2-40B4-BE49-F238E27FC236}">
+                <a16:creationId xmlns:a16="http://schemas.microsoft.com/office/drawing/2014/main" id="{C6D398EA-FB12-7CBD-5579-6C0860BD4B61}"/>
+              </a:ext>
+            </a:extLst>
+          </p:cNvPr>
+          <p:cNvSpPr/>
+          <p:nvPr/>
+        </p:nvSpPr>
+        <p:spPr>
+          <a:xfrm>
+            <a:off x="6237296" y="3864841"/>
+            <a:ext cx="776610" cy="367134"/>
+          </a:xfrm>
+          <a:prstGeom prst="rect">
+            <a:avLst/>
+          </a:prstGeom>
+          <a:noFill/>
+          <a:ln w="28575">
+            <a:solidFill>
+              <a:schemeClr val="tx1"/>
+            </a:solidFill>
+          </a:ln>
+        </p:spPr>
+        <p:style>
+          <a:lnRef idx="2">
+            <a:schemeClr val="accent1">
+              <a:shade val="50000"/>
+            </a:schemeClr>
+          </a:lnRef>
+          <a:fillRef idx="1">
+            <a:schemeClr val="accent1"/>
+          </a:fillRef>
+          <a:effectRef idx="0">
+            <a:schemeClr val="accent1"/>
+          </a:effectRef>
+          <a:fontRef idx="minor">
+            <a:schemeClr val="lt1"/>
+          </a:fontRef>
+        </p:style>
+        <p:txBody>
+          <a:bodyPr rtlCol="0" anchor="ctr"/>
+          <a:lstStyle/>
+          <a:p>
+            <a:pPr algn="ctr"/>
+            <a:r>
+              <a:rPr lang="en-US" dirty="0">
+                <a:solidFill>
+                  <a:schemeClr val="tx1"/>
+                </a:solidFill>
+                <a:latin typeface="Courier New" panose="02070309020205020404" pitchFamily="49" charset="0"/>
+                <a:cs typeface="Courier New" panose="02070309020205020404" pitchFamily="49" charset="0"/>
+              </a:rPr>
+              <a:t>f=19</a:t>
+            </a:r>
+          </a:p>
+        </p:txBody>
+      </p:sp>
+      <p:cxnSp>
+        <p:nvCxnSpPr>
+          <p:cNvPr id="76" name="Straight Arrow Connector 75">
+            <a:extLst>
+              <a:ext uri="{FF2B5EF4-FFF2-40B4-BE49-F238E27FC236}">
+                <a16:creationId xmlns:a16="http://schemas.microsoft.com/office/drawing/2014/main" id="{AAF31F80-DE41-5842-2DBA-6D0A051C074D}"/>
+              </a:ext>
+            </a:extLst>
+          </p:cNvPr>
+          <p:cNvCxnSpPr>
+            <a:cxnSpLocks/>
+            <a:stCxn id="12" idx="3"/>
+            <a:endCxn id="75" idx="1"/>
+          </p:cNvCxnSpPr>
+          <p:nvPr/>
+        </p:nvCxnSpPr>
+        <p:spPr>
+          <a:xfrm flipV="1">
+            <a:off x="5784750" y="4048408"/>
+            <a:ext cx="452546" cy="162318"/>
+          </a:xfrm>
+          <a:prstGeom prst="straightConnector1">
+            <a:avLst/>
+          </a:prstGeom>
+          <a:ln w="57150">
+            <a:tailEnd type="triangle"/>
+          </a:ln>
+        </p:spPr>
+        <p:style>
+          <a:lnRef idx="1">
+            <a:schemeClr val="accent1"/>
+          </a:lnRef>
+          <a:fillRef idx="0">
+            <a:schemeClr val="accent1"/>
+          </a:fillRef>
+          <a:effectRef idx="0">
+            <a:schemeClr val="accent1"/>
+          </a:effectRef>
+          <a:fontRef idx="minor">
+            <a:schemeClr val="tx1"/>
+          </a:fontRef>
+        </p:style>
+      </p:cxnSp>
+      <p:sp>
+        <p:nvSpPr>
+          <p:cNvPr id="77" name="Rectangle 76">
+            <a:extLst>
+              <a:ext uri="{FF2B5EF4-FFF2-40B4-BE49-F238E27FC236}">
+                <a16:creationId xmlns:a16="http://schemas.microsoft.com/office/drawing/2014/main" id="{B9DCC9C1-F689-171E-79B3-DE9C61798B20}"/>
+              </a:ext>
+            </a:extLst>
+          </p:cNvPr>
+          <p:cNvSpPr/>
+          <p:nvPr/>
+        </p:nvSpPr>
+        <p:spPr>
+          <a:xfrm>
+            <a:off x="7503465" y="3864841"/>
+            <a:ext cx="776610" cy="367134"/>
+          </a:xfrm>
+          <a:prstGeom prst="rect">
+            <a:avLst/>
+          </a:prstGeom>
+          <a:noFill/>
+          <a:ln w="28575">
+            <a:solidFill>
+              <a:schemeClr val="tx1"/>
+            </a:solidFill>
+          </a:ln>
+        </p:spPr>
+        <p:style>
+          <a:lnRef idx="2">
+            <a:schemeClr val="accent1">
+              <a:shade val="50000"/>
+            </a:schemeClr>
+          </a:lnRef>
+          <a:fillRef idx="1">
+            <a:schemeClr val="accent1"/>
+          </a:fillRef>
+          <a:effectRef idx="0">
+            <a:schemeClr val="accent1"/>
+          </a:effectRef>
+          <a:fontRef idx="minor">
+            <a:schemeClr val="lt1"/>
+          </a:fontRef>
+        </p:style>
+        <p:txBody>
+          <a:bodyPr rtlCol="0" anchor="ctr"/>
+          <a:lstStyle/>
+          <a:p>
+            <a:pPr algn="ctr"/>
+            <a:r>
+              <a:rPr lang="en-US" dirty="0">
+                <a:solidFill>
+                  <a:schemeClr val="tx1"/>
+                </a:solidFill>
+                <a:latin typeface="Courier New" panose="02070309020205020404" pitchFamily="49" charset="0"/>
+                <a:cs typeface="Courier New" panose="02070309020205020404" pitchFamily="49" charset="0"/>
+              </a:rPr>
+              <a:t>h=17</a:t>
+            </a:r>
+          </a:p>
+        </p:txBody>
+      </p:sp>
+      <p:cxnSp>
+        <p:nvCxnSpPr>
+          <p:cNvPr id="78" name="Straight Arrow Connector 77">
+            <a:extLst>
+              <a:ext uri="{FF2B5EF4-FFF2-40B4-BE49-F238E27FC236}">
+                <a16:creationId xmlns:a16="http://schemas.microsoft.com/office/drawing/2014/main" id="{DF2A89ED-E107-3CB4-32D5-9D9FEB1760F1}"/>
+              </a:ext>
+            </a:extLst>
+          </p:cNvPr>
+          <p:cNvCxnSpPr>
+            <a:cxnSpLocks/>
+            <a:stCxn id="75" idx="3"/>
+            <a:endCxn id="77" idx="1"/>
+          </p:cNvCxnSpPr>
+          <p:nvPr/>
+        </p:nvCxnSpPr>
+        <p:spPr>
+          <a:xfrm>
+            <a:off x="7013906" y="4048408"/>
+            <a:ext cx="489559" cy="0"/>
+          </a:xfrm>
+          <a:prstGeom prst="straightConnector1">
+            <a:avLst/>
+          </a:prstGeom>
+          <a:ln w="57150">
+            <a:tailEnd type="triangle"/>
+          </a:ln>
+        </p:spPr>
+        <p:style>
+          <a:lnRef idx="1">
+            <a:schemeClr val="accent1"/>
+          </a:lnRef>
+          <a:fillRef idx="0">
+            <a:schemeClr val="accent1"/>
+          </a:fillRef>
+          <a:effectRef idx="0">
+            <a:schemeClr val="accent1"/>
+          </a:effectRef>
+          <a:fontRef idx="minor">
+            <a:schemeClr val="tx1"/>
+          </a:fontRef>
+        </p:style>
+      </p:cxnSp>
+      <p:sp>
+        <p:nvSpPr>
+          <p:cNvPr id="79" name="Rectangle 78">
+            <a:extLst>
+              <a:ext uri="{FF2B5EF4-FFF2-40B4-BE49-F238E27FC236}">
+                <a16:creationId xmlns:a16="http://schemas.microsoft.com/office/drawing/2014/main" id="{EC04BB2E-2090-C383-9828-7FB7C9F50BB2}"/>
+              </a:ext>
+            </a:extLst>
+          </p:cNvPr>
+          <p:cNvSpPr/>
+          <p:nvPr/>
+        </p:nvSpPr>
+        <p:spPr>
+          <a:xfrm>
+            <a:off x="8780031" y="3842202"/>
+            <a:ext cx="302209" cy="391886"/>
+          </a:xfrm>
+          <a:prstGeom prst="rect">
+            <a:avLst/>
+          </a:prstGeom>
+          <a:noFill/>
+          <a:ln w="28575">
+            <a:noFill/>
+          </a:ln>
+        </p:spPr>
+        <p:style>
+          <a:lnRef idx="2">
+            <a:schemeClr val="accent1">
+              <a:shade val="50000"/>
+            </a:schemeClr>
+          </a:lnRef>
+          <a:fillRef idx="1">
+            <a:schemeClr val="accent1"/>
+          </a:fillRef>
+          <a:effectRef idx="0">
+            <a:schemeClr val="accent1"/>
+          </a:effectRef>
+          <a:fontRef idx="minor">
+            <a:schemeClr val="lt1"/>
+          </a:fontRef>
+        </p:style>
+        <p:txBody>
+          <a:bodyPr rtlCol="0" anchor="ctr"/>
+          <a:lstStyle/>
+          <a:p>
+            <a:r>
+              <a:rPr lang="en-US" sz="1800" dirty="0">
+                <a:solidFill>
+                  <a:schemeClr val="tx1"/>
+                </a:solidFill>
+                <a:latin typeface="Courier New" panose="02070309020205020404" pitchFamily="49" charset="0"/>
+                <a:cs typeface="Courier New" panose="02070309020205020404" pitchFamily="49" charset="0"/>
+              </a:rPr>
+              <a:t>∅</a:t>
+            </a:r>
+            <a:endParaRPr lang="en-US" dirty="0">
+              <a:solidFill>
+                <a:schemeClr val="tx1"/>
+              </a:solidFill>
+              <a:latin typeface="Courier New" panose="02070309020205020404" pitchFamily="49" charset="0"/>
+              <a:cs typeface="Courier New" panose="02070309020205020404" pitchFamily="49" charset="0"/>
+            </a:endParaRPr>
+          </a:p>
+        </p:txBody>
+      </p:sp>
+      <p:cxnSp>
+        <p:nvCxnSpPr>
+          <p:cNvPr id="80" name="Straight Arrow Connector 79">
+            <a:extLst>
+              <a:ext uri="{FF2B5EF4-FFF2-40B4-BE49-F238E27FC236}">
+                <a16:creationId xmlns:a16="http://schemas.microsoft.com/office/drawing/2014/main" id="{CBC3C72D-7163-FC4A-4AA5-9A04E614A6E5}"/>
+              </a:ext>
+            </a:extLst>
+          </p:cNvPr>
+          <p:cNvCxnSpPr>
+            <a:cxnSpLocks/>
+            <a:stCxn id="77" idx="3"/>
+          </p:cNvCxnSpPr>
+          <p:nvPr/>
+        </p:nvCxnSpPr>
+        <p:spPr>
+          <a:xfrm flipV="1">
+            <a:off x="8280075" y="4031957"/>
+            <a:ext cx="499956" cy="16451"/>
+          </a:xfrm>
+          <a:prstGeom prst="straightConnector1">
+            <a:avLst/>
+          </a:prstGeom>
+          <a:ln w="57150">
+            <a:tailEnd type="triangle"/>
+          </a:ln>
+        </p:spPr>
+        <p:style>
+          <a:lnRef idx="1">
+            <a:schemeClr val="accent1"/>
+          </a:lnRef>
+          <a:fillRef idx="0">
+            <a:schemeClr val="accent1"/>
+          </a:fillRef>
+          <a:effectRef idx="0">
+            <a:schemeClr val="accent1"/>
+          </a:effectRef>
+          <a:fontRef idx="minor">
+            <a:schemeClr val="tx1"/>
+          </a:fontRef>
+        </p:style>
+      </p:cxnSp>
+      <p:sp>
+        <p:nvSpPr>
+          <p:cNvPr id="83" name="Rectangle 82">
+            <a:extLst>
+              <a:ext uri="{FF2B5EF4-FFF2-40B4-BE49-F238E27FC236}">
+                <a16:creationId xmlns:a16="http://schemas.microsoft.com/office/drawing/2014/main" id="{F5112036-1A18-3A23-60B0-2AB5760407D6}"/>
+              </a:ext>
+            </a:extLst>
+          </p:cNvPr>
+          <p:cNvSpPr/>
+          <p:nvPr/>
+        </p:nvSpPr>
+        <p:spPr>
+          <a:xfrm>
+            <a:off x="6244758" y="4395605"/>
+            <a:ext cx="776610" cy="367134"/>
+          </a:xfrm>
+          <a:prstGeom prst="rect">
+            <a:avLst/>
+          </a:prstGeom>
+          <a:noFill/>
+          <a:ln w="28575">
+            <a:solidFill>
+              <a:schemeClr val="tx1"/>
+            </a:solidFill>
+          </a:ln>
+        </p:spPr>
+        <p:style>
+          <a:lnRef idx="2">
+            <a:schemeClr val="accent1">
+              <a:shade val="50000"/>
+            </a:schemeClr>
+          </a:lnRef>
+          <a:fillRef idx="1">
+            <a:schemeClr val="accent1"/>
+          </a:fillRef>
+          <a:effectRef idx="0">
+            <a:schemeClr val="accent1"/>
+          </a:effectRef>
+          <a:fontRef idx="minor">
+            <a:schemeClr val="lt1"/>
+          </a:fontRef>
+        </p:style>
+        <p:txBody>
+          <a:bodyPr rtlCol="0" anchor="ctr"/>
+          <a:lstStyle/>
+          <a:p>
+            <a:pPr algn="ctr"/>
+            <a:r>
+              <a:rPr lang="en-US" dirty="0">
+                <a:solidFill>
+                  <a:schemeClr val="tx1"/>
+                </a:solidFill>
+                <a:latin typeface="Courier New" panose="02070309020205020404" pitchFamily="49" charset="0"/>
+                <a:cs typeface="Courier New" panose="02070309020205020404" pitchFamily="49" charset="0"/>
+              </a:rPr>
+              <a:t>d=21</a:t>
+            </a:r>
+          </a:p>
+        </p:txBody>
+      </p:sp>
+      <p:cxnSp>
+        <p:nvCxnSpPr>
+          <p:cNvPr id="84" name="Straight Arrow Connector 83">
+            <a:extLst>
+              <a:ext uri="{FF2B5EF4-FFF2-40B4-BE49-F238E27FC236}">
+                <a16:creationId xmlns:a16="http://schemas.microsoft.com/office/drawing/2014/main" id="{ADE20BAF-4B8D-4F82-080C-4A678B06CB95}"/>
+              </a:ext>
+            </a:extLst>
+          </p:cNvPr>
+          <p:cNvCxnSpPr>
+            <a:cxnSpLocks/>
+            <a:endCxn id="83" idx="1"/>
+          </p:cNvCxnSpPr>
+          <p:nvPr/>
+        </p:nvCxnSpPr>
+        <p:spPr>
+          <a:xfrm>
+            <a:off x="5772355" y="4577015"/>
+            <a:ext cx="472403" cy="2157"/>
+          </a:xfrm>
+          <a:prstGeom prst="straightConnector1">
+            <a:avLst/>
+          </a:prstGeom>
+          <a:ln w="57150">
+            <a:tailEnd type="triangle"/>
+          </a:ln>
+        </p:spPr>
+        <p:style>
+          <a:lnRef idx="1">
+            <a:schemeClr val="accent1"/>
+          </a:lnRef>
+          <a:fillRef idx="0">
+            <a:schemeClr val="accent1"/>
+          </a:fillRef>
+          <a:effectRef idx="0">
+            <a:schemeClr val="accent1"/>
+          </a:effectRef>
+          <a:fontRef idx="minor">
+            <a:schemeClr val="tx1"/>
+          </a:fontRef>
+        </p:style>
+      </p:cxnSp>
+      <p:sp>
+        <p:nvSpPr>
+          <p:cNvPr id="87" name="Rectangle 86">
+            <a:extLst>
+              <a:ext uri="{FF2B5EF4-FFF2-40B4-BE49-F238E27FC236}">
+                <a16:creationId xmlns:a16="http://schemas.microsoft.com/office/drawing/2014/main" id="{0C58AA7F-A7AA-BD8A-6B0F-8FBDEFAA1BDB}"/>
+              </a:ext>
+            </a:extLst>
+          </p:cNvPr>
+          <p:cNvSpPr/>
+          <p:nvPr/>
+        </p:nvSpPr>
+        <p:spPr>
+          <a:xfrm>
+            <a:off x="7519525" y="4372966"/>
+            <a:ext cx="302209" cy="391886"/>
+          </a:xfrm>
+          <a:prstGeom prst="rect">
+            <a:avLst/>
+          </a:prstGeom>
+          <a:noFill/>
+          <a:ln w="28575">
+            <a:noFill/>
+          </a:ln>
+        </p:spPr>
+        <p:style>
+          <a:lnRef idx="2">
+            <a:schemeClr val="accent1">
+              <a:shade val="50000"/>
+            </a:schemeClr>
+          </a:lnRef>
+          <a:fillRef idx="1">
+            <a:schemeClr val="accent1"/>
+          </a:fillRef>
+          <a:effectRef idx="0">
+            <a:schemeClr val="accent1"/>
+          </a:effectRef>
+          <a:fontRef idx="minor">
+            <a:schemeClr val="lt1"/>
+          </a:fontRef>
+        </p:style>
+        <p:txBody>
+          <a:bodyPr rtlCol="0" anchor="ctr"/>
+          <a:lstStyle/>
+          <a:p>
+            <a:r>
+              <a:rPr lang="en-US" sz="1800" dirty="0">
+                <a:solidFill>
+                  <a:schemeClr val="tx1"/>
+                </a:solidFill>
+                <a:latin typeface="Courier New" panose="02070309020205020404" pitchFamily="49" charset="0"/>
+                <a:cs typeface="Courier New" panose="02070309020205020404" pitchFamily="49" charset="0"/>
+              </a:rPr>
+              <a:t>∅</a:t>
+            </a:r>
+            <a:endParaRPr lang="en-US" dirty="0">
+              <a:solidFill>
+                <a:schemeClr val="tx1"/>
+              </a:solidFill>
+              <a:latin typeface="Courier New" panose="02070309020205020404" pitchFamily="49" charset="0"/>
+              <a:cs typeface="Courier New" panose="02070309020205020404" pitchFamily="49" charset="0"/>
+            </a:endParaRPr>
+          </a:p>
+        </p:txBody>
+      </p:sp>
+      <p:cxnSp>
+        <p:nvCxnSpPr>
+          <p:cNvPr id="88" name="Straight Arrow Connector 87">
+            <a:extLst>
+              <a:ext uri="{FF2B5EF4-FFF2-40B4-BE49-F238E27FC236}">
+                <a16:creationId xmlns:a16="http://schemas.microsoft.com/office/drawing/2014/main" id="{81E04858-8DB4-1B7B-11A1-987B65361DA2}"/>
+              </a:ext>
+            </a:extLst>
+          </p:cNvPr>
+          <p:cNvCxnSpPr>
+            <a:cxnSpLocks/>
+            <a:stCxn id="83" idx="3"/>
+            <a:endCxn id="87" idx="1"/>
+          </p:cNvCxnSpPr>
+          <p:nvPr/>
+        </p:nvCxnSpPr>
+        <p:spPr>
+          <a:xfrm flipV="1">
+            <a:off x="7021368" y="4568909"/>
+            <a:ext cx="498157" cy="10263"/>
+          </a:xfrm>
+          <a:prstGeom prst="straightConnector1">
+            <a:avLst/>
+          </a:prstGeom>
+          <a:ln w="57150">
+            <a:tailEnd type="triangle"/>
+          </a:ln>
+        </p:spPr>
+        <p:style>
+          <a:lnRef idx="1">
+            <a:schemeClr val="accent1"/>
+          </a:lnRef>
+          <a:fillRef idx="0">
+            <a:schemeClr val="accent1"/>
+          </a:fillRef>
+          <a:effectRef idx="0">
+            <a:schemeClr val="accent1"/>
+          </a:effectRef>
+          <a:fontRef idx="minor">
+            <a:schemeClr val="tx1"/>
+          </a:fontRef>
+        </p:style>
+      </p:cxnSp>
+    </p:spTree>
+    <p:extLst>
+      <p:ext uri="{BB962C8B-B14F-4D97-AF65-F5344CB8AC3E}">
+        <p14:creationId xmlns:p14="http://schemas.microsoft.com/office/powerpoint/2010/main" val="3576736982"/>
       </p:ext>
     </p:extLst>
   </p:cSld>
@@ -4692,4 +13330,299 @@
     </a:ext>
   </a:extLst>
 </a:theme>
+</file>
+
+<file path=ppt/theme/theme2.xml><?xml version="1.0" encoding="utf-8"?>
+<a:theme xmlns:a="http://schemas.openxmlformats.org/drawingml/2006/main" name="Office Theme">
+  <a:themeElements>
+    <a:clrScheme name="Office">
+      <a:dk1>
+        <a:sysClr val="windowText" lastClr="000000"/>
+      </a:dk1>
+      <a:lt1>
+        <a:sysClr val="window" lastClr="FFFFFF"/>
+      </a:lt1>
+      <a:dk2>
+        <a:srgbClr val="44546A"/>
+      </a:dk2>
+      <a:lt2>
+        <a:srgbClr val="E7E6E6"/>
+      </a:lt2>
+      <a:accent1>
+        <a:srgbClr val="4472C4"/>
+      </a:accent1>
+      <a:accent2>
+        <a:srgbClr val="ED7D31"/>
+      </a:accent2>
+      <a:accent3>
+        <a:srgbClr val="A5A5A5"/>
+      </a:accent3>
+      <a:accent4>
+        <a:srgbClr val="FFC000"/>
+      </a:accent4>
+      <a:accent5>
+        <a:srgbClr val="5B9BD5"/>
+      </a:accent5>
+      <a:accent6>
+        <a:srgbClr val="70AD47"/>
+      </a:accent6>
+      <a:hlink>
+        <a:srgbClr val="0563C1"/>
+      </a:hlink>
+      <a:folHlink>
+        <a:srgbClr val="954F72"/>
+      </a:folHlink>
+    </a:clrScheme>
+    <a:fontScheme name="Office">
+      <a:majorFont>
+        <a:latin typeface="Calibri Light" panose="020F0302020204030204"/>
+        <a:ea typeface=""/>
+        <a:cs typeface=""/>
+        <a:font script="Jpan" typeface="游ゴシック Light"/>
+        <a:font script="Hang" typeface="맑은 고딕"/>
+        <a:font script="Hans" typeface="等线 Light"/>
+        <a:font script="Hant" typeface="新細明體"/>
+        <a:font script="Arab" typeface="Times New Roman"/>
+        <a:font script="Hebr" typeface="Times New Roman"/>
+        <a:font script="Thai" typeface="Angsana New"/>
+        <a:font script="Ethi" typeface="Nyala"/>
+        <a:font script="Beng" typeface="Vrinda"/>
+        <a:font script="Gujr" typeface="Shruti"/>
+        <a:font script="Khmr" typeface="MoolBoran"/>
+        <a:font script="Knda" typeface="Tunga"/>
+        <a:font script="Guru" typeface="Raavi"/>
+        <a:font script="Cans" typeface="Euphemia"/>
+        <a:font script="Cher" typeface="Plantagenet Cherokee"/>
+        <a:font script="Yiii" typeface="Microsoft Yi Baiti"/>
+        <a:font script="Tibt" typeface="Microsoft Himalaya"/>
+        <a:font script="Thaa" typeface="MV Boli"/>
+        <a:font script="Deva" typeface="Mangal"/>
+        <a:font script="Telu" typeface="Gautami"/>
+        <a:font script="Taml" typeface="Latha"/>
+        <a:font script="Syrc" typeface="Estrangelo Edessa"/>
+        <a:font script="Orya" typeface="Kalinga"/>
+        <a:font script="Mlym" typeface="Kartika"/>
+        <a:font script="Laoo" typeface="DokChampa"/>
+        <a:font script="Sinh" typeface="Iskoola Pota"/>
+        <a:font script="Mong" typeface="Mongolian Baiti"/>
+        <a:font script="Viet" typeface="Times New Roman"/>
+        <a:font script="Uigh" typeface="Microsoft Uighur"/>
+        <a:font script="Geor" typeface="Sylfaen"/>
+        <a:font script="Armn" typeface="Arial"/>
+        <a:font script="Bugi" typeface="Leelawadee UI"/>
+        <a:font script="Bopo" typeface="Microsoft JhengHei"/>
+        <a:font script="Java" typeface="Javanese Text"/>
+        <a:font script="Lisu" typeface="Segoe UI"/>
+        <a:font script="Mymr" typeface="Myanmar Text"/>
+        <a:font script="Nkoo" typeface="Ebrima"/>
+        <a:font script="Olck" typeface="Nirmala UI"/>
+        <a:font script="Osma" typeface="Ebrima"/>
+        <a:font script="Phag" typeface="Phagspa"/>
+        <a:font script="Syrn" typeface="Estrangelo Edessa"/>
+        <a:font script="Syrj" typeface="Estrangelo Edessa"/>
+        <a:font script="Syre" typeface="Estrangelo Edessa"/>
+        <a:font script="Sora" typeface="Nirmala UI"/>
+        <a:font script="Tale" typeface="Microsoft Tai Le"/>
+        <a:font script="Talu" typeface="Microsoft New Tai Lue"/>
+        <a:font script="Tfng" typeface="Ebrima"/>
+      </a:majorFont>
+      <a:minorFont>
+        <a:latin typeface="Calibri" panose="020F0502020204030204"/>
+        <a:ea typeface=""/>
+        <a:cs typeface=""/>
+        <a:font script="Jpan" typeface="游ゴシック"/>
+        <a:font script="Hang" typeface="맑은 고딕"/>
+        <a:font script="Hans" typeface="等线"/>
+        <a:font script="Hant" typeface="新細明體"/>
+        <a:font script="Arab" typeface="Arial"/>
+        <a:font script="Hebr" typeface="Arial"/>
+        <a:font script="Thai" typeface="Cordia New"/>
+        <a:font script="Ethi" typeface="Nyala"/>
+        <a:font script="Beng" typeface="Vrinda"/>
+        <a:font script="Gujr" typeface="Shruti"/>
+        <a:font script="Khmr" typeface="DaunPenh"/>
+        <a:font script="Knda" typeface="Tunga"/>
+        <a:font script="Guru" typeface="Raavi"/>
+        <a:font script="Cans" typeface="Euphemia"/>
+        <a:font script="Cher" typeface="Plantagenet Cherokee"/>
+        <a:font script="Yiii" typeface="Microsoft Yi Baiti"/>
+        <a:font script="Tibt" typeface="Microsoft Himalaya"/>
+        <a:font script="Thaa" typeface="MV Boli"/>
+        <a:font script="Deva" typeface="Mangal"/>
+        <a:font script="Telu" typeface="Gautami"/>
+        <a:font script="Taml" typeface="Latha"/>
+        <a:font script="Syrc" typeface="Estrangelo Edessa"/>
+        <a:font script="Orya" typeface="Kalinga"/>
+        <a:font script="Mlym" typeface="Kartika"/>
+        <a:font script="Laoo" typeface="DokChampa"/>
+        <a:font script="Sinh" typeface="Iskoola Pota"/>
+        <a:font script="Mong" typeface="Mongolian Baiti"/>
+        <a:font script="Viet" typeface="Arial"/>
+        <a:font script="Uigh" typeface="Microsoft Uighur"/>
+        <a:font script="Geor" typeface="Sylfaen"/>
+        <a:font script="Armn" typeface="Arial"/>
+        <a:font script="Bugi" typeface="Leelawadee UI"/>
+        <a:font script="Bopo" typeface="Microsoft JhengHei"/>
+        <a:font script="Java" typeface="Javanese Text"/>
+        <a:font script="Lisu" typeface="Segoe UI"/>
+        <a:font script="Mymr" typeface="Myanmar Text"/>
+        <a:font script="Nkoo" typeface="Ebrima"/>
+        <a:font script="Olck" typeface="Nirmala UI"/>
+        <a:font script="Osma" typeface="Ebrima"/>
+        <a:font script="Phag" typeface="Phagspa"/>
+        <a:font script="Syrn" typeface="Estrangelo Edessa"/>
+        <a:font script="Syrj" typeface="Estrangelo Edessa"/>
+        <a:font script="Syre" typeface="Estrangelo Edessa"/>
+        <a:font script="Sora" typeface="Nirmala UI"/>
+        <a:font script="Tale" typeface="Microsoft Tai Le"/>
+        <a:font script="Talu" typeface="Microsoft New Tai Lue"/>
+        <a:font script="Tfng" typeface="Ebrima"/>
+      </a:minorFont>
+    </a:fontScheme>
+    <a:fmtScheme name="Office">
+      <a:fillStyleLst>
+        <a:solidFill>
+          <a:schemeClr val="phClr"/>
+        </a:solidFill>
+        <a:gradFill rotWithShape="1">
+          <a:gsLst>
+            <a:gs pos="0">
+              <a:schemeClr val="phClr">
+                <a:lumMod val="110000"/>
+                <a:satMod val="105000"/>
+                <a:tint val="67000"/>
+              </a:schemeClr>
+            </a:gs>
+            <a:gs pos="50000">
+              <a:schemeClr val="phClr">
+                <a:lumMod val="105000"/>
+                <a:satMod val="103000"/>
+                <a:tint val="73000"/>
+              </a:schemeClr>
+            </a:gs>
+            <a:gs pos="100000">
+              <a:schemeClr val="phClr">
+                <a:lumMod val="105000"/>
+                <a:satMod val="109000"/>
+                <a:tint val="81000"/>
+              </a:schemeClr>
+            </a:gs>
+          </a:gsLst>
+          <a:lin ang="5400000" scaled="0"/>
+        </a:gradFill>
+        <a:gradFill rotWithShape="1">
+          <a:gsLst>
+            <a:gs pos="0">
+              <a:schemeClr val="phClr">
+                <a:satMod val="103000"/>
+                <a:lumMod val="102000"/>
+                <a:tint val="94000"/>
+              </a:schemeClr>
+            </a:gs>
+            <a:gs pos="50000">
+              <a:schemeClr val="phClr">
+                <a:satMod val="110000"/>
+                <a:lumMod val="100000"/>
+                <a:shade val="100000"/>
+              </a:schemeClr>
+            </a:gs>
+            <a:gs pos="100000">
+              <a:schemeClr val="phClr">
+                <a:lumMod val="99000"/>
+                <a:satMod val="120000"/>
+                <a:shade val="78000"/>
+              </a:schemeClr>
+            </a:gs>
+          </a:gsLst>
+          <a:lin ang="5400000" scaled="0"/>
+        </a:gradFill>
+      </a:fillStyleLst>
+      <a:lnStyleLst>
+        <a:ln w="6350" cap="flat" cmpd="sng" algn="ctr">
+          <a:solidFill>
+            <a:schemeClr val="phClr"/>
+          </a:solidFill>
+          <a:prstDash val="solid"/>
+          <a:miter lim="800000"/>
+        </a:ln>
+        <a:ln w="12700" cap="flat" cmpd="sng" algn="ctr">
+          <a:solidFill>
+            <a:schemeClr val="phClr"/>
+          </a:solidFill>
+          <a:prstDash val="solid"/>
+          <a:miter lim="800000"/>
+        </a:ln>
+        <a:ln w="19050" cap="flat" cmpd="sng" algn="ctr">
+          <a:solidFill>
+            <a:schemeClr val="phClr"/>
+          </a:solidFill>
+          <a:prstDash val="solid"/>
+          <a:miter lim="800000"/>
+        </a:ln>
+      </a:lnStyleLst>
+      <a:effectStyleLst>
+        <a:effectStyle>
+          <a:effectLst/>
+        </a:effectStyle>
+        <a:effectStyle>
+          <a:effectLst/>
+        </a:effectStyle>
+        <a:effectStyle>
+          <a:effectLst>
+            <a:outerShdw blurRad="57150" dist="19050" dir="5400000" algn="ctr" rotWithShape="0">
+              <a:srgbClr val="000000">
+                <a:alpha val="63000"/>
+              </a:srgbClr>
+            </a:outerShdw>
+          </a:effectLst>
+        </a:effectStyle>
+      </a:effectStyleLst>
+      <a:bgFillStyleLst>
+        <a:solidFill>
+          <a:schemeClr val="phClr"/>
+        </a:solidFill>
+        <a:solidFill>
+          <a:schemeClr val="phClr">
+            <a:tint val="95000"/>
+            <a:satMod val="170000"/>
+          </a:schemeClr>
+        </a:solidFill>
+        <a:gradFill rotWithShape="1">
+          <a:gsLst>
+            <a:gs pos="0">
+              <a:schemeClr val="phClr">
+                <a:tint val="93000"/>
+                <a:satMod val="150000"/>
+                <a:shade val="98000"/>
+                <a:lumMod val="102000"/>
+              </a:schemeClr>
+            </a:gs>
+            <a:gs pos="50000">
+              <a:schemeClr val="phClr">
+                <a:tint val="98000"/>
+                <a:satMod val="130000"/>
+                <a:shade val="90000"/>
+                <a:lumMod val="103000"/>
+              </a:schemeClr>
+            </a:gs>
+            <a:gs pos="100000">
+              <a:schemeClr val="phClr">
+                <a:shade val="63000"/>
+                <a:satMod val="120000"/>
+              </a:schemeClr>
+            </a:gs>
+          </a:gsLst>
+          <a:lin ang="5400000" scaled="0"/>
+        </a:gradFill>
+      </a:bgFillStyleLst>
+    </a:fmtScheme>
+  </a:themeElements>
+  <a:objectDefaults/>
+  <a:extraClrSchemeLst/>
+  <a:extLst>
+    <a:ext uri="{05A4C25C-085E-4340-85A3-A5531E510DB2}">
+      <thm15:themeFamily xmlns:thm15="http://schemas.microsoft.com/office/thememl/2012/main" name="Office Theme" id="{62F939B6-93AF-4DB8-9C6B-D6C7DFDC589F}" vid="{4A3C46E8-61CC-4603-A589-7422A47A8E4A}"/>
+    </a:ext>
+  </a:extLst>
+</a:theme>
 </file>
--- a/lectures/CC-05-Trees-Hash.pptx
+++ b/lectures/CC-05-Trees-Hash.pptx
@@ -5,7 +5,7 @@
     <p:sldMasterId id="2147483648" r:id="rId1"/>
   </p:sldMasterIdLst>
   <p:notesMasterIdLst>
-    <p:notesMasterId r:id="rId17"/>
+    <p:notesMasterId r:id="rId23"/>
   </p:notesMasterIdLst>
   <p:sldIdLst>
     <p:sldId id="256" r:id="rId2"/>
@@ -20,9 +20,15 @@
     <p:sldId id="374" r:id="rId11"/>
     <p:sldId id="375" r:id="rId12"/>
     <p:sldId id="343" r:id="rId13"/>
-    <p:sldId id="287" r:id="rId14"/>
-    <p:sldId id="339" r:id="rId15"/>
-    <p:sldId id="292" r:id="rId16"/>
+    <p:sldId id="381" r:id="rId14"/>
+    <p:sldId id="380" r:id="rId15"/>
+    <p:sldId id="376" r:id="rId16"/>
+    <p:sldId id="378" r:id="rId17"/>
+    <p:sldId id="377" r:id="rId18"/>
+    <p:sldId id="379" r:id="rId19"/>
+    <p:sldId id="287" r:id="rId20"/>
+    <p:sldId id="339" r:id="rId21"/>
+    <p:sldId id="292" r:id="rId22"/>
   </p:sldIdLst>
   <p:sldSz cx="12192000" cy="6858000"/>
   <p:notesSz cx="6858000" cy="9144000"/>
@@ -4828,8 +4834,8 @@
         </p:blipFill>
         <p:spPr>
           <a:xfrm>
-            <a:off x="694703" y="2410017"/>
-            <a:ext cx="4951185" cy="2129021"/>
+            <a:off x="838200" y="2384466"/>
+            <a:ext cx="5584003" cy="2401134"/>
           </a:xfrm>
           <a:prstGeom prst="rect">
             <a:avLst/>
@@ -4858,7 +4864,7 @@
         </p:blipFill>
         <p:spPr>
           <a:xfrm>
-            <a:off x="5927060" y="1749891"/>
+            <a:off x="6757054" y="1848365"/>
             <a:ext cx="5080000" cy="3581400"/>
           </a:xfrm>
           <a:prstGeom prst="rect">
@@ -5418,8 +5424,149 @@
                 </a:solidFill>
                 <a:latin typeface="Menlo" panose="020B0609030804020204" pitchFamily="49" charset="0"/>
               </a:rPr>
-              <a:t>cc_05_01_01.c</a:t>
-            </a:r>
+              <a:t>cc_05_01.c</a:t>
+            </a:r>
+          </a:p>
+        </p:txBody>
+      </p:sp>
+      <p:sp>
+        <p:nvSpPr>
+          <p:cNvPr id="2" name="Rectangle 1">
+            <a:extLst>
+              <a:ext uri="{FF2B5EF4-FFF2-40B4-BE49-F238E27FC236}">
+                <a16:creationId xmlns:a16="http://schemas.microsoft.com/office/drawing/2014/main" id="{4049B15D-450F-FB40-87E6-1A2BD25BB64C}"/>
+              </a:ext>
+            </a:extLst>
+          </p:cNvPr>
+          <p:cNvSpPr/>
+          <p:nvPr/>
+        </p:nvSpPr>
+        <p:spPr>
+          <a:xfrm>
+            <a:off x="9678572" y="1336431"/>
+            <a:ext cx="196948" cy="295421"/>
+          </a:xfrm>
+          <a:prstGeom prst="rect">
+            <a:avLst/>
+          </a:prstGeom>
+          <a:noFill/>
+        </p:spPr>
+        <p:style>
+          <a:lnRef idx="2">
+            <a:schemeClr val="accent1">
+              <a:shade val="50000"/>
+            </a:schemeClr>
+          </a:lnRef>
+          <a:fillRef idx="1">
+            <a:schemeClr val="accent1"/>
+          </a:fillRef>
+          <a:effectRef idx="0">
+            <a:schemeClr val="accent1"/>
+          </a:effectRef>
+          <a:fontRef idx="minor">
+            <a:schemeClr val="lt1"/>
+          </a:fontRef>
+        </p:style>
+        <p:txBody>
+          <a:bodyPr rtlCol="0" anchor="ctr"/>
+          <a:lstStyle/>
+          <a:p>
+            <a:pPr algn="ctr"/>
+            <a:endParaRPr lang="en-US"/>
+          </a:p>
+        </p:txBody>
+      </p:sp>
+      <p:sp>
+        <p:nvSpPr>
+          <p:cNvPr id="3" name="Rectangle 2">
+            <a:extLst>
+              <a:ext uri="{FF2B5EF4-FFF2-40B4-BE49-F238E27FC236}">
+                <a16:creationId xmlns:a16="http://schemas.microsoft.com/office/drawing/2014/main" id="{A280ADB6-9453-F136-795D-F5056A481B23}"/>
+              </a:ext>
+            </a:extLst>
+          </p:cNvPr>
+          <p:cNvSpPr/>
+          <p:nvPr/>
+        </p:nvSpPr>
+        <p:spPr>
+          <a:xfrm>
+            <a:off x="9706708" y="3281288"/>
+            <a:ext cx="196948" cy="295421"/>
+          </a:xfrm>
+          <a:prstGeom prst="rect">
+            <a:avLst/>
+          </a:prstGeom>
+          <a:noFill/>
+        </p:spPr>
+        <p:style>
+          <a:lnRef idx="2">
+            <a:schemeClr val="accent1">
+              <a:shade val="50000"/>
+            </a:schemeClr>
+          </a:lnRef>
+          <a:fillRef idx="1">
+            <a:schemeClr val="accent1"/>
+          </a:fillRef>
+          <a:effectRef idx="0">
+            <a:schemeClr val="accent1"/>
+          </a:effectRef>
+          <a:fontRef idx="minor">
+            <a:schemeClr val="lt1"/>
+          </a:fontRef>
+        </p:style>
+        <p:txBody>
+          <a:bodyPr rtlCol="0" anchor="ctr"/>
+          <a:lstStyle/>
+          <a:p>
+            <a:pPr algn="ctr"/>
+            <a:endParaRPr lang="en-US"/>
+          </a:p>
+        </p:txBody>
+      </p:sp>
+      <p:sp>
+        <p:nvSpPr>
+          <p:cNvPr id="4" name="Rectangle 3">
+            <a:extLst>
+              <a:ext uri="{FF2B5EF4-FFF2-40B4-BE49-F238E27FC236}">
+                <a16:creationId xmlns:a16="http://schemas.microsoft.com/office/drawing/2014/main" id="{6D4311CD-E4A8-DCD2-3952-AE79EE6FB25A}"/>
+              </a:ext>
+            </a:extLst>
+          </p:cNvPr>
+          <p:cNvSpPr/>
+          <p:nvPr/>
+        </p:nvSpPr>
+        <p:spPr>
+          <a:xfrm>
+            <a:off x="9706708" y="5187457"/>
+            <a:ext cx="196948" cy="295421"/>
+          </a:xfrm>
+          <a:prstGeom prst="rect">
+            <a:avLst/>
+          </a:prstGeom>
+          <a:noFill/>
+        </p:spPr>
+        <p:style>
+          <a:lnRef idx="2">
+            <a:schemeClr val="accent1">
+              <a:shade val="50000"/>
+            </a:schemeClr>
+          </a:lnRef>
+          <a:fillRef idx="1">
+            <a:schemeClr val="accent1"/>
+          </a:fillRef>
+          <a:effectRef idx="0">
+            <a:schemeClr val="accent1"/>
+          </a:effectRef>
+          <a:fontRef idx="minor">
+            <a:schemeClr val="lt1"/>
+          </a:fontRef>
+        </p:style>
+        <p:txBody>
+          <a:bodyPr rtlCol="0" anchor="ctr"/>
+          <a:lstStyle/>
+          <a:p>
+            <a:pPr algn="ctr"/>
+            <a:endParaRPr lang="en-US"/>
           </a:p>
         </p:txBody>
       </p:sp>
@@ -5458,7 +5605,7 @@
           <p:cNvPr id="2" name="Title 1">
             <a:extLst>
               <a:ext uri="{FF2B5EF4-FFF2-40B4-BE49-F238E27FC236}">
-                <a16:creationId xmlns:a16="http://schemas.microsoft.com/office/drawing/2014/main" id="{AF527238-F1A1-31AD-9629-746FE02E67A3}"/>
+                <a16:creationId xmlns:a16="http://schemas.microsoft.com/office/drawing/2014/main" id="{FF2ABFBA-E64A-D064-6F8D-E1D57F69AA00}"/>
               </a:ext>
             </a:extLst>
           </p:cNvPr>
@@ -5476,13 +5623,8 @@
           <a:p>
             <a:r>
               <a:rPr lang="en-US" dirty="0"/>
-              <a:t>TBD: </a:t>
-            </a:r>
-            <a:r>
-              <a:rPr lang="en-US" dirty="0" err="1"/>
-              <a:t>LinkedTree</a:t>
-            </a:r>
-            <a:endParaRPr lang="en-US" dirty="0"/>
+              <a:t>Lets Build our HashMap</a:t>
+            </a:r>
           </a:p>
         </p:txBody>
       </p:sp>
@@ -5491,7 +5633,7 @@
           <p:cNvPr id="3" name="Text Placeholder 2">
             <a:extLst>
               <a:ext uri="{FF2B5EF4-FFF2-40B4-BE49-F238E27FC236}">
-                <a16:creationId xmlns:a16="http://schemas.microsoft.com/office/drawing/2014/main" id="{DDA23206-C253-8CEA-391D-261F2BE99EF0}"/>
+                <a16:creationId xmlns:a16="http://schemas.microsoft.com/office/drawing/2014/main" id="{2326FF20-CA60-72CC-F028-B04B99DC35F3}"/>
               </a:ext>
             </a:extLst>
           </p:cNvPr>
@@ -5507,14 +5649,17 @@
           <a:bodyPr/>
           <a:lstStyle/>
           <a:p>
-            <a:endParaRPr lang="en-US"/>
+            <a:r>
+              <a:rPr lang="en-US" dirty="0"/>
+              <a:t>First, make a copy of our List Map and change a (very) few things</a:t>
+            </a:r>
           </a:p>
         </p:txBody>
       </p:sp>
     </p:spTree>
     <p:extLst>
       <p:ext uri="{BB962C8B-B14F-4D97-AF65-F5344CB8AC3E}">
-        <p14:creationId xmlns:p14="http://schemas.microsoft.com/office/powerpoint/2010/main" val="2717174361"/>
+        <p14:creationId xmlns:p14="http://schemas.microsoft.com/office/powerpoint/2010/main" val="1036851473"/>
       </p:ext>
     </p:extLst>
   </p:cSld>
@@ -5543,116 +5688,520 @@
       </p:grpSpPr>
       <p:sp>
         <p:nvSpPr>
-          <p:cNvPr id="4" name="Title 3">
-            <a:extLst>
-              <a:ext uri="{FF2B5EF4-FFF2-40B4-BE49-F238E27FC236}">
-                <a16:creationId xmlns:a16="http://schemas.microsoft.com/office/drawing/2014/main" id="{C6B9E8AC-ABA2-FB4E-FD75-527CE7ECD111}"/>
-              </a:ext>
-            </a:extLst>
-          </p:cNvPr>
-          <p:cNvSpPr>
-            <a:spLocks noGrp="1"/>
-          </p:cNvSpPr>
-          <p:nvPr>
-            <p:ph type="title"/>
-          </p:nvPr>
-        </p:nvSpPr>
-        <p:spPr/>
-        <p:txBody>
-          <a:bodyPr/>
+          <p:cNvPr id="5" name="TextBox 4">
+            <a:extLst>
+              <a:ext uri="{FF2B5EF4-FFF2-40B4-BE49-F238E27FC236}">
+                <a16:creationId xmlns:a16="http://schemas.microsoft.com/office/drawing/2014/main" id="{A1F34521-3E85-1FB0-1D82-AFF2657BBEC0}"/>
+              </a:ext>
+            </a:extLst>
+          </p:cNvPr>
+          <p:cNvSpPr txBox="1"/>
+          <p:nvPr/>
+        </p:nvSpPr>
+        <p:spPr>
+          <a:xfrm>
+            <a:off x="614875" y="818491"/>
+            <a:ext cx="6418972" cy="5355312"/>
+          </a:xfrm>
+          <a:prstGeom prst="rect">
+            <a:avLst/>
+          </a:prstGeom>
+          <a:noFill/>
+        </p:spPr>
+        <p:txBody>
+          <a:bodyPr wrap="square">
+            <a:spAutoFit/>
+          </a:bodyPr>
           <a:lstStyle/>
           <a:p>
             <a:r>
-              <a:rPr lang="en-US" dirty="0"/>
-              <a:t>A </a:t>
-            </a:r>
-            <a:r>
-              <a:rPr lang="en-US" dirty="0" err="1"/>
-              <a:t>LinkedTreeMap</a:t>
-            </a:r>
-            <a:endParaRPr lang="en-US" dirty="0"/>
-          </a:p>
-        </p:txBody>
-      </p:sp>
-      <p:sp>
-        <p:nvSpPr>
-          <p:cNvPr id="5" name="Content Placeholder 4">
-            <a:extLst>
-              <a:ext uri="{FF2B5EF4-FFF2-40B4-BE49-F238E27FC236}">
-                <a16:creationId xmlns:a16="http://schemas.microsoft.com/office/drawing/2014/main" id="{6B8BB105-0AF7-8246-C832-09F12F90E149}"/>
-              </a:ext>
-            </a:extLst>
-          </p:cNvPr>
-          <p:cNvSpPr>
-            <a:spLocks noGrp="1"/>
-          </p:cNvSpPr>
-          <p:nvPr>
-            <p:ph idx="1"/>
-          </p:nvPr>
-        </p:nvSpPr>
-        <p:spPr/>
-        <p:txBody>
-          <a:bodyPr/>
+              <a:rPr lang="en-US" b="1" dirty="0">
+                <a:latin typeface="Courier New" panose="02070309020205020404" pitchFamily="49" charset="0"/>
+                <a:cs typeface="Courier New" panose="02070309020205020404" pitchFamily="49" charset="0"/>
+              </a:rPr>
+              <a:t>struct HashMap * </a:t>
+            </a:r>
+            <a:r>
+              <a:rPr lang="en-US" b="1" dirty="0" err="1">
+                <a:latin typeface="Courier New" panose="02070309020205020404" pitchFamily="49" charset="0"/>
+                <a:cs typeface="Courier New" panose="02070309020205020404" pitchFamily="49" charset="0"/>
+              </a:rPr>
+              <a:t>HashMap_new</a:t>
+            </a:r>
+            <a:r>
+              <a:rPr lang="en-US" b="1" dirty="0">
+                <a:latin typeface="Courier New" panose="02070309020205020404" pitchFamily="49" charset="0"/>
+                <a:cs typeface="Courier New" panose="02070309020205020404" pitchFamily="49" charset="0"/>
+              </a:rPr>
+              <a:t>() {</a:t>
+            </a:r>
+          </a:p>
+          <a:p>
+            <a:r>
+              <a:rPr lang="en-US" b="1" dirty="0">
+                <a:latin typeface="Courier New" panose="02070309020205020404" pitchFamily="49" charset="0"/>
+                <a:cs typeface="Courier New" panose="02070309020205020404" pitchFamily="49" charset="0"/>
+              </a:rPr>
+              <a:t>    struct HashMap *p = malloc(</a:t>
+            </a:r>
+            <a:r>
+              <a:rPr lang="en-US" b="1" dirty="0" err="1">
+                <a:latin typeface="Courier New" panose="02070309020205020404" pitchFamily="49" charset="0"/>
+                <a:cs typeface="Courier New" panose="02070309020205020404" pitchFamily="49" charset="0"/>
+              </a:rPr>
+              <a:t>sizeof</a:t>
+            </a:r>
+            <a:r>
+              <a:rPr lang="en-US" b="1" dirty="0">
+                <a:latin typeface="Courier New" panose="02070309020205020404" pitchFamily="49" charset="0"/>
+                <a:cs typeface="Courier New" panose="02070309020205020404" pitchFamily="49" charset="0"/>
+              </a:rPr>
+              <a:t>(*p));</a:t>
+            </a:r>
+          </a:p>
+          <a:p>
+            <a:endParaRPr lang="en-US" b="1" dirty="0">
+              <a:latin typeface="Courier New" panose="02070309020205020404" pitchFamily="49" charset="0"/>
+              <a:cs typeface="Courier New" panose="02070309020205020404" pitchFamily="49" charset="0"/>
+            </a:endParaRPr>
+          </a:p>
+          <a:p>
+            <a:r>
+              <a:rPr lang="en-US" b="1" dirty="0">
+                <a:latin typeface="Courier New" panose="02070309020205020404" pitchFamily="49" charset="0"/>
+                <a:cs typeface="Courier New" panose="02070309020205020404" pitchFamily="49" charset="0"/>
+              </a:rPr>
+              <a:t>    p-&gt;__buckets = 8;</a:t>
+            </a:r>
+          </a:p>
+          <a:p>
+            <a:r>
+              <a:rPr lang="en-US" b="1" dirty="0">
+                <a:latin typeface="Courier New" panose="02070309020205020404" pitchFamily="49" charset="0"/>
+                <a:cs typeface="Courier New" panose="02070309020205020404" pitchFamily="49" charset="0"/>
+              </a:rPr>
+              <a:t>    for(int </a:t>
+            </a:r>
+            <a:r>
+              <a:rPr lang="en-US" b="1" dirty="0" err="1">
+                <a:latin typeface="Courier New" panose="02070309020205020404" pitchFamily="49" charset="0"/>
+                <a:cs typeface="Courier New" panose="02070309020205020404" pitchFamily="49" charset="0"/>
+              </a:rPr>
+              <a:t>i</a:t>
+            </a:r>
+            <a:r>
+              <a:rPr lang="en-US" b="1" dirty="0">
+                <a:latin typeface="Courier New" panose="02070309020205020404" pitchFamily="49" charset="0"/>
+                <a:cs typeface="Courier New" panose="02070309020205020404" pitchFamily="49" charset="0"/>
+              </a:rPr>
+              <a:t>=0; </a:t>
+            </a:r>
+            <a:r>
+              <a:rPr lang="en-US" b="1" dirty="0" err="1">
+                <a:latin typeface="Courier New" panose="02070309020205020404" pitchFamily="49" charset="0"/>
+                <a:cs typeface="Courier New" panose="02070309020205020404" pitchFamily="49" charset="0"/>
+              </a:rPr>
+              <a:t>i</a:t>
+            </a:r>
+            <a:r>
+              <a:rPr lang="en-US" b="1" dirty="0">
+                <a:latin typeface="Courier New" panose="02070309020205020404" pitchFamily="49" charset="0"/>
+                <a:cs typeface="Courier New" panose="02070309020205020404" pitchFamily="49" charset="0"/>
+              </a:rPr>
+              <a:t> &lt; p-&gt;__buckets; </a:t>
+            </a:r>
+            <a:r>
+              <a:rPr lang="en-US" b="1" dirty="0" err="1">
+                <a:latin typeface="Courier New" panose="02070309020205020404" pitchFamily="49" charset="0"/>
+                <a:cs typeface="Courier New" panose="02070309020205020404" pitchFamily="49" charset="0"/>
+              </a:rPr>
+              <a:t>i</a:t>
+            </a:r>
+            <a:r>
+              <a:rPr lang="en-US" b="1" dirty="0">
+                <a:latin typeface="Courier New" panose="02070309020205020404" pitchFamily="49" charset="0"/>
+                <a:cs typeface="Courier New" panose="02070309020205020404" pitchFamily="49" charset="0"/>
+              </a:rPr>
+              <a:t>++ ) {</a:t>
+            </a:r>
+          </a:p>
+          <a:p>
+            <a:r>
+              <a:rPr lang="en-US" b="1" dirty="0">
+                <a:latin typeface="Courier New" panose="02070309020205020404" pitchFamily="49" charset="0"/>
+                <a:cs typeface="Courier New" panose="02070309020205020404" pitchFamily="49" charset="0"/>
+              </a:rPr>
+              <a:t>        p-&gt;__heads[</a:t>
+            </a:r>
+            <a:r>
+              <a:rPr lang="en-US" b="1" dirty="0" err="1">
+                <a:latin typeface="Courier New" panose="02070309020205020404" pitchFamily="49" charset="0"/>
+                <a:cs typeface="Courier New" panose="02070309020205020404" pitchFamily="49" charset="0"/>
+              </a:rPr>
+              <a:t>i</a:t>
+            </a:r>
+            <a:r>
+              <a:rPr lang="en-US" b="1" dirty="0">
+                <a:latin typeface="Courier New" panose="02070309020205020404" pitchFamily="49" charset="0"/>
+                <a:cs typeface="Courier New" panose="02070309020205020404" pitchFamily="49" charset="0"/>
+              </a:rPr>
+              <a:t>] = NULL;</a:t>
+            </a:r>
+          </a:p>
+          <a:p>
+            <a:r>
+              <a:rPr lang="en-US" b="1" dirty="0">
+                <a:latin typeface="Courier New" panose="02070309020205020404" pitchFamily="49" charset="0"/>
+                <a:cs typeface="Courier New" panose="02070309020205020404" pitchFamily="49" charset="0"/>
+              </a:rPr>
+              <a:t>        p-&gt;__tails[</a:t>
+            </a:r>
+            <a:r>
+              <a:rPr lang="en-US" b="1" dirty="0" err="1">
+                <a:latin typeface="Courier New" panose="02070309020205020404" pitchFamily="49" charset="0"/>
+                <a:cs typeface="Courier New" panose="02070309020205020404" pitchFamily="49" charset="0"/>
+              </a:rPr>
+              <a:t>i</a:t>
+            </a:r>
+            <a:r>
+              <a:rPr lang="en-US" b="1" dirty="0">
+                <a:latin typeface="Courier New" panose="02070309020205020404" pitchFamily="49" charset="0"/>
+                <a:cs typeface="Courier New" panose="02070309020205020404" pitchFamily="49" charset="0"/>
+              </a:rPr>
+              <a:t>] = NULL;</a:t>
+            </a:r>
+          </a:p>
+          <a:p>
+            <a:r>
+              <a:rPr lang="en-US" b="1" dirty="0">
+                <a:latin typeface="Courier New" panose="02070309020205020404" pitchFamily="49" charset="0"/>
+                <a:cs typeface="Courier New" panose="02070309020205020404" pitchFamily="49" charset="0"/>
+              </a:rPr>
+              <a:t>    }</a:t>
+            </a:r>
+          </a:p>
+          <a:p>
+            <a:endParaRPr lang="en-US" b="1" dirty="0">
+              <a:latin typeface="Courier New" panose="02070309020205020404" pitchFamily="49" charset="0"/>
+              <a:cs typeface="Courier New" panose="02070309020205020404" pitchFamily="49" charset="0"/>
+            </a:endParaRPr>
+          </a:p>
+          <a:p>
+            <a:r>
+              <a:rPr lang="en-US" b="1" dirty="0">
+                <a:latin typeface="Courier New" panose="02070309020205020404" pitchFamily="49" charset="0"/>
+                <a:cs typeface="Courier New" panose="02070309020205020404" pitchFamily="49" charset="0"/>
+              </a:rPr>
+              <a:t>    p-&gt;__count = 0;</a:t>
+            </a:r>
+          </a:p>
+          <a:p>
+            <a:endParaRPr lang="en-US" b="1" dirty="0">
+              <a:latin typeface="Courier New" panose="02070309020205020404" pitchFamily="49" charset="0"/>
+              <a:cs typeface="Courier New" panose="02070309020205020404" pitchFamily="49" charset="0"/>
+            </a:endParaRPr>
+          </a:p>
+          <a:p>
+            <a:r>
+              <a:rPr lang="en-US" b="1" dirty="0">
+                <a:latin typeface="Courier New" panose="02070309020205020404" pitchFamily="49" charset="0"/>
+                <a:cs typeface="Courier New" panose="02070309020205020404" pitchFamily="49" charset="0"/>
+              </a:rPr>
+              <a:t>    p-&gt;put = &amp;__</a:t>
+            </a:r>
+            <a:r>
+              <a:rPr lang="en-US" b="1" dirty="0" err="1">
+                <a:latin typeface="Courier New" panose="02070309020205020404" pitchFamily="49" charset="0"/>
+                <a:cs typeface="Courier New" panose="02070309020205020404" pitchFamily="49" charset="0"/>
+              </a:rPr>
+              <a:t>HashMap_put</a:t>
+            </a:r>
+            <a:r>
+              <a:rPr lang="en-US" b="1" dirty="0">
+                <a:latin typeface="Courier New" panose="02070309020205020404" pitchFamily="49" charset="0"/>
+                <a:cs typeface="Courier New" panose="02070309020205020404" pitchFamily="49" charset="0"/>
+              </a:rPr>
+              <a:t>;</a:t>
+            </a:r>
+          </a:p>
+          <a:p>
+            <a:r>
+              <a:rPr lang="en-US" b="1" dirty="0">
+                <a:latin typeface="Courier New" panose="02070309020205020404" pitchFamily="49" charset="0"/>
+                <a:cs typeface="Courier New" panose="02070309020205020404" pitchFamily="49" charset="0"/>
+              </a:rPr>
+              <a:t>    p-&gt;get = &amp;__</a:t>
+            </a:r>
+            <a:r>
+              <a:rPr lang="en-US" b="1" dirty="0" err="1">
+                <a:latin typeface="Courier New" panose="02070309020205020404" pitchFamily="49" charset="0"/>
+                <a:cs typeface="Courier New" panose="02070309020205020404" pitchFamily="49" charset="0"/>
+              </a:rPr>
+              <a:t>HashMap_get</a:t>
+            </a:r>
+            <a:r>
+              <a:rPr lang="en-US" b="1" dirty="0">
+                <a:latin typeface="Courier New" panose="02070309020205020404" pitchFamily="49" charset="0"/>
+                <a:cs typeface="Courier New" panose="02070309020205020404" pitchFamily="49" charset="0"/>
+              </a:rPr>
+              <a:t>;</a:t>
+            </a:r>
+          </a:p>
+          <a:p>
+            <a:r>
+              <a:rPr lang="en-US" b="1" dirty="0">
+                <a:latin typeface="Courier New" panose="02070309020205020404" pitchFamily="49" charset="0"/>
+                <a:cs typeface="Courier New" panose="02070309020205020404" pitchFamily="49" charset="0"/>
+              </a:rPr>
+              <a:t>    p-&gt;size = &amp;__</a:t>
+            </a:r>
+            <a:r>
+              <a:rPr lang="en-US" b="1" dirty="0" err="1">
+                <a:latin typeface="Courier New" panose="02070309020205020404" pitchFamily="49" charset="0"/>
+                <a:cs typeface="Courier New" panose="02070309020205020404" pitchFamily="49" charset="0"/>
+              </a:rPr>
+              <a:t>HashMap_size</a:t>
+            </a:r>
+            <a:r>
+              <a:rPr lang="en-US" b="1" dirty="0">
+                <a:latin typeface="Courier New" panose="02070309020205020404" pitchFamily="49" charset="0"/>
+                <a:cs typeface="Courier New" panose="02070309020205020404" pitchFamily="49" charset="0"/>
+              </a:rPr>
+              <a:t>;</a:t>
+            </a:r>
+          </a:p>
+          <a:p>
+            <a:r>
+              <a:rPr lang="en-US" b="1" dirty="0">
+                <a:latin typeface="Courier New" panose="02070309020205020404" pitchFamily="49" charset="0"/>
+                <a:cs typeface="Courier New" panose="02070309020205020404" pitchFamily="49" charset="0"/>
+              </a:rPr>
+              <a:t>    p-&gt;dump = &amp;__</a:t>
+            </a:r>
+            <a:r>
+              <a:rPr lang="en-US" b="1" dirty="0" err="1">
+                <a:latin typeface="Courier New" panose="02070309020205020404" pitchFamily="49" charset="0"/>
+                <a:cs typeface="Courier New" panose="02070309020205020404" pitchFamily="49" charset="0"/>
+              </a:rPr>
+              <a:t>HashMap_dump</a:t>
+            </a:r>
+            <a:r>
+              <a:rPr lang="en-US" b="1" dirty="0">
+                <a:latin typeface="Courier New" panose="02070309020205020404" pitchFamily="49" charset="0"/>
+                <a:cs typeface="Courier New" panose="02070309020205020404" pitchFamily="49" charset="0"/>
+              </a:rPr>
+              <a:t>;</a:t>
+            </a:r>
+          </a:p>
+          <a:p>
+            <a:r>
+              <a:rPr lang="en-US" b="1" dirty="0">
+                <a:latin typeface="Courier New" panose="02070309020205020404" pitchFamily="49" charset="0"/>
+                <a:cs typeface="Courier New" panose="02070309020205020404" pitchFamily="49" charset="0"/>
+              </a:rPr>
+              <a:t>    p-&gt;</a:t>
+            </a:r>
+            <a:r>
+              <a:rPr lang="en-US" b="1" dirty="0" err="1">
+                <a:latin typeface="Courier New" panose="02070309020205020404" pitchFamily="49" charset="0"/>
+                <a:cs typeface="Courier New" panose="02070309020205020404" pitchFamily="49" charset="0"/>
+              </a:rPr>
+              <a:t>iter</a:t>
+            </a:r>
+            <a:r>
+              <a:rPr lang="en-US" b="1" dirty="0">
+                <a:latin typeface="Courier New" panose="02070309020205020404" pitchFamily="49" charset="0"/>
+                <a:cs typeface="Courier New" panose="02070309020205020404" pitchFamily="49" charset="0"/>
+              </a:rPr>
+              <a:t> = &amp;__</a:t>
+            </a:r>
+            <a:r>
+              <a:rPr lang="en-US" b="1" dirty="0" err="1">
+                <a:latin typeface="Courier New" panose="02070309020205020404" pitchFamily="49" charset="0"/>
+                <a:cs typeface="Courier New" panose="02070309020205020404" pitchFamily="49" charset="0"/>
+              </a:rPr>
+              <a:t>HashMap_iter</a:t>
+            </a:r>
+            <a:r>
+              <a:rPr lang="en-US" b="1" dirty="0">
+                <a:latin typeface="Courier New" panose="02070309020205020404" pitchFamily="49" charset="0"/>
+                <a:cs typeface="Courier New" panose="02070309020205020404" pitchFamily="49" charset="0"/>
+              </a:rPr>
+              <a:t>;</a:t>
+            </a:r>
+          </a:p>
+          <a:p>
+            <a:r>
+              <a:rPr lang="en-US" b="1" dirty="0">
+                <a:latin typeface="Courier New" panose="02070309020205020404" pitchFamily="49" charset="0"/>
+                <a:cs typeface="Courier New" panose="02070309020205020404" pitchFamily="49" charset="0"/>
+              </a:rPr>
+              <a:t>    p-&gt;del = &amp;__</a:t>
+            </a:r>
+            <a:r>
+              <a:rPr lang="en-US" b="1" dirty="0" err="1">
+                <a:latin typeface="Courier New" panose="02070309020205020404" pitchFamily="49" charset="0"/>
+                <a:cs typeface="Courier New" panose="02070309020205020404" pitchFamily="49" charset="0"/>
+              </a:rPr>
+              <a:t>HashMap_del</a:t>
+            </a:r>
+            <a:r>
+              <a:rPr lang="en-US" b="1" dirty="0">
+                <a:latin typeface="Courier New" panose="02070309020205020404" pitchFamily="49" charset="0"/>
+                <a:cs typeface="Courier New" panose="02070309020205020404" pitchFamily="49" charset="0"/>
+              </a:rPr>
+              <a:t>;</a:t>
+            </a:r>
+          </a:p>
+          <a:p>
+            <a:r>
+              <a:rPr lang="en-US" b="1" dirty="0">
+                <a:latin typeface="Courier New" panose="02070309020205020404" pitchFamily="49" charset="0"/>
+                <a:cs typeface="Courier New" panose="02070309020205020404" pitchFamily="49" charset="0"/>
+              </a:rPr>
+              <a:t>    return p;</a:t>
+            </a:r>
+          </a:p>
+          <a:p>
+            <a:r>
+              <a:rPr lang="en-US" b="1" dirty="0">
+                <a:latin typeface="Courier New" panose="02070309020205020404" pitchFamily="49" charset="0"/>
+                <a:cs typeface="Courier New" panose="02070309020205020404" pitchFamily="49" charset="0"/>
+              </a:rPr>
+              <a:t>}</a:t>
+            </a:r>
+          </a:p>
+        </p:txBody>
+      </p:sp>
+      <p:sp>
+        <p:nvSpPr>
+          <p:cNvPr id="2" name="TextBox 1">
+            <a:extLst>
+              <a:ext uri="{FF2B5EF4-FFF2-40B4-BE49-F238E27FC236}">
+                <a16:creationId xmlns:a16="http://schemas.microsoft.com/office/drawing/2014/main" id="{1E5D3AD9-AC61-7451-D7C2-AD787DD60C2E}"/>
+              </a:ext>
+            </a:extLst>
+          </p:cNvPr>
+          <p:cNvSpPr txBox="1"/>
+          <p:nvPr/>
+        </p:nvSpPr>
+        <p:spPr>
+          <a:xfrm>
+            <a:off x="6203653" y="3102252"/>
+            <a:ext cx="5147563" cy="2031325"/>
+          </a:xfrm>
+          <a:prstGeom prst="rect">
+            <a:avLst/>
+          </a:prstGeom>
+          <a:noFill/>
+          <a:ln w="38100">
+            <a:solidFill>
+              <a:srgbClr val="0070C0"/>
+            </a:solidFill>
+          </a:ln>
+        </p:spPr>
+        <p:txBody>
+          <a:bodyPr wrap="none" rtlCol="0">
+            <a:spAutoFit/>
+          </a:bodyPr>
           <a:lstStyle/>
           <a:p>
             <a:r>
-              <a:rPr lang="en-US" dirty="0"/>
-              <a:t>Stays ordered (like Python </a:t>
-            </a:r>
-            <a:r>
-              <a:rPr lang="en-US" dirty="0" err="1"/>
-              <a:t>OrderedDict</a:t>
-            </a:r>
-            <a:r>
-              <a:rPr lang="en-US" dirty="0"/>
-              <a:t>)</a:t>
-            </a:r>
-          </a:p>
-          <a:p>
-            <a:r>
-              <a:rPr lang="en-US" dirty="0"/>
-              <a:t>Stays sorted (like Java </a:t>
-            </a:r>
-            <a:r>
-              <a:rPr lang="en-US" dirty="0" err="1"/>
-              <a:t>TreeMap</a:t>
-            </a:r>
-            <a:r>
-              <a:rPr lang="en-US" dirty="0"/>
-              <a:t>)</a:t>
-            </a:r>
-          </a:p>
-          <a:p>
-            <a:r>
-              <a:rPr lang="en-US" dirty="0"/>
-              <a:t>Can be iterated (like C++ map, and </a:t>
-            </a:r>
-            <a:r>
-              <a:rPr lang="en-US" dirty="0" err="1"/>
-              <a:t>OrderedDict</a:t>
-            </a:r>
-            <a:r>
-              <a:rPr lang="en-US" dirty="0"/>
-              <a:t>, but not </a:t>
-            </a:r>
-            <a:r>
-              <a:rPr lang="en-US" dirty="0" err="1"/>
-              <a:t>TreeMap</a:t>
-            </a:r>
-            <a:r>
-              <a:rPr lang="en-US" dirty="0"/>
-              <a:t>)</a:t>
-            </a:r>
-          </a:p>
-          <a:p>
-            <a:endParaRPr lang="en-US" dirty="0"/>
+              <a:rPr lang="en-US" b="1" dirty="0">
+                <a:latin typeface="Courier New" panose="02070309020205020404" pitchFamily="49" charset="0"/>
+                <a:cs typeface="Courier New" panose="02070309020205020404" pitchFamily="49" charset="0"/>
+              </a:rPr>
+              <a:t>struct HashMap {</a:t>
+            </a:r>
+          </a:p>
+          <a:p>
+            <a:r>
+              <a:rPr lang="en-US" b="1" dirty="0">
+                <a:latin typeface="Courier New" panose="02070309020205020404" pitchFamily="49" charset="0"/>
+                <a:cs typeface="Courier New" panose="02070309020205020404" pitchFamily="49" charset="0"/>
+              </a:rPr>
+              <a:t>    int __buckets;</a:t>
+            </a:r>
+          </a:p>
+          <a:p>
+            <a:r>
+              <a:rPr lang="en-US" b="1" dirty="0">
+                <a:latin typeface="Courier New" panose="02070309020205020404" pitchFamily="49" charset="0"/>
+                <a:cs typeface="Courier New" panose="02070309020205020404" pitchFamily="49" charset="0"/>
+              </a:rPr>
+              <a:t>    struct </a:t>
+            </a:r>
+            <a:r>
+              <a:rPr lang="en-US" b="1" dirty="0" err="1">
+                <a:latin typeface="Courier New" panose="02070309020205020404" pitchFamily="49" charset="0"/>
+                <a:cs typeface="Courier New" panose="02070309020205020404" pitchFamily="49" charset="0"/>
+              </a:rPr>
+              <a:t>HashMapEntry</a:t>
+            </a:r>
+            <a:r>
+              <a:rPr lang="en-US" b="1" dirty="0">
+                <a:latin typeface="Courier New" panose="02070309020205020404" pitchFamily="49" charset="0"/>
+                <a:cs typeface="Courier New" panose="02070309020205020404" pitchFamily="49" charset="0"/>
+              </a:rPr>
+              <a:t> *__heads[8];</a:t>
+            </a:r>
+          </a:p>
+          <a:p>
+            <a:r>
+              <a:rPr lang="en-US" b="1" dirty="0">
+                <a:latin typeface="Courier New" panose="02070309020205020404" pitchFamily="49" charset="0"/>
+                <a:cs typeface="Courier New" panose="02070309020205020404" pitchFamily="49" charset="0"/>
+              </a:rPr>
+              <a:t>    struct </a:t>
+            </a:r>
+            <a:r>
+              <a:rPr lang="en-US" b="1" dirty="0" err="1">
+                <a:latin typeface="Courier New" panose="02070309020205020404" pitchFamily="49" charset="0"/>
+                <a:cs typeface="Courier New" panose="02070309020205020404" pitchFamily="49" charset="0"/>
+              </a:rPr>
+              <a:t>HashMapEntry</a:t>
+            </a:r>
+            <a:r>
+              <a:rPr lang="en-US" b="1" dirty="0">
+                <a:latin typeface="Courier New" panose="02070309020205020404" pitchFamily="49" charset="0"/>
+                <a:cs typeface="Courier New" panose="02070309020205020404" pitchFamily="49" charset="0"/>
+              </a:rPr>
+              <a:t> *__tails[8];</a:t>
+            </a:r>
+          </a:p>
+          <a:p>
+            <a:r>
+              <a:rPr lang="en-US" b="1" dirty="0">
+                <a:latin typeface="Courier New" panose="02070309020205020404" pitchFamily="49" charset="0"/>
+                <a:cs typeface="Courier New" panose="02070309020205020404" pitchFamily="49" charset="0"/>
+              </a:rPr>
+              <a:t>    int __count;</a:t>
+            </a:r>
+          </a:p>
+          <a:p>
+            <a:r>
+              <a:rPr lang="en-US" b="1" dirty="0">
+                <a:latin typeface="Courier New" panose="02070309020205020404" pitchFamily="49" charset="0"/>
+                <a:cs typeface="Courier New" panose="02070309020205020404" pitchFamily="49" charset="0"/>
+              </a:rPr>
+              <a:t>   ...</a:t>
+            </a:r>
+          </a:p>
+          <a:p>
+            <a:r>
+              <a:rPr lang="en-US" b="1" dirty="0">
+                <a:latin typeface="Courier New" panose="02070309020205020404" pitchFamily="49" charset="0"/>
+                <a:cs typeface="Courier New" panose="02070309020205020404" pitchFamily="49" charset="0"/>
+              </a:rPr>
+              <a:t>};</a:t>
+            </a:r>
           </a:p>
         </p:txBody>
       </p:sp>
     </p:spTree>
     <p:extLst>
       <p:ext uri="{BB962C8B-B14F-4D97-AF65-F5344CB8AC3E}">
-        <p14:creationId xmlns:p14="http://schemas.microsoft.com/office/powerpoint/2010/main" val="3653535979"/>
+        <p14:creationId xmlns:p14="http://schemas.microsoft.com/office/powerpoint/2010/main" val="1844225032"/>
       </p:ext>
     </p:extLst>
   </p:cSld>
@@ -5679,1240 +6228,719 @@
           <a:chExt cx="0" cy="0"/>
         </a:xfrm>
       </p:grpSpPr>
-      <p:cxnSp>
-        <p:nvCxnSpPr>
-          <p:cNvPr id="46" name="Straight Arrow Connector 45">
-            <a:extLst>
-              <a:ext uri="{FF2B5EF4-FFF2-40B4-BE49-F238E27FC236}">
-                <a16:creationId xmlns:a16="http://schemas.microsoft.com/office/drawing/2014/main" id="{04522262-D68D-F78F-6B9F-FD84B64289B0}"/>
-              </a:ext>
-            </a:extLst>
-          </p:cNvPr>
-          <p:cNvCxnSpPr>
-            <a:cxnSpLocks/>
-            <a:endCxn id="47" idx="3"/>
-          </p:cNvCxnSpPr>
+      <p:sp>
+        <p:nvSpPr>
+          <p:cNvPr id="5" name="TextBox 4">
+            <a:extLst>
+              <a:ext uri="{FF2B5EF4-FFF2-40B4-BE49-F238E27FC236}">
+                <a16:creationId xmlns:a16="http://schemas.microsoft.com/office/drawing/2014/main" id="{A1F34521-3E85-1FB0-1D82-AFF2657BBEC0}"/>
+              </a:ext>
+            </a:extLst>
+          </p:cNvPr>
+          <p:cNvSpPr txBox="1"/>
           <p:nvPr/>
-        </p:nvCxnSpPr>
-        <p:spPr>
-          <a:xfrm flipH="1">
-            <a:off x="3558886" y="1891240"/>
-            <a:ext cx="2561889" cy="800706"/>
-          </a:xfrm>
-          <a:prstGeom prst="straightConnector1">
-            <a:avLst/>
-          </a:prstGeom>
-          <a:ln w="57150">
-            <a:solidFill>
-              <a:schemeClr val="accent2">
-                <a:lumMod val="75000"/>
-              </a:schemeClr>
-            </a:solidFill>
-            <a:tailEnd type="triangle"/>
-          </a:ln>
-        </p:spPr>
-        <p:style>
-          <a:lnRef idx="1">
-            <a:schemeClr val="accent1"/>
-          </a:lnRef>
-          <a:fillRef idx="0">
-            <a:schemeClr val="accent1"/>
-          </a:fillRef>
-          <a:effectRef idx="0">
-            <a:schemeClr val="accent1"/>
-          </a:effectRef>
-          <a:fontRef idx="minor">
-            <a:schemeClr val="tx1"/>
-          </a:fontRef>
-        </p:style>
-      </p:cxnSp>
-      <p:sp>
-        <p:nvSpPr>
-          <p:cNvPr id="31" name="Snip Same Side Corner Rectangle 30">
-            <a:extLst>
-              <a:ext uri="{FF2B5EF4-FFF2-40B4-BE49-F238E27FC236}">
-                <a16:creationId xmlns:a16="http://schemas.microsoft.com/office/drawing/2014/main" id="{E7026527-51C7-8BDC-9825-BD78B1B25892}"/>
-              </a:ext>
-            </a:extLst>
-          </p:cNvPr>
-          <p:cNvSpPr/>
-          <p:nvPr/>
         </p:nvSpPr>
         <p:spPr>
           <a:xfrm>
-            <a:off x="5781760" y="1567692"/>
-            <a:ext cx="1045588" cy="521759"/>
-          </a:xfrm>
-          <a:prstGeom prst="snip2SameRect">
-            <a:avLst>
-              <a:gd name="adj1" fmla="val 0"/>
-              <a:gd name="adj2" fmla="val 28571"/>
-            </a:avLst>
-          </a:prstGeom>
-          <a:solidFill>
-            <a:schemeClr val="bg1"/>
-          </a:solidFill>
-          <a:ln w="38100">
-            <a:solidFill>
-              <a:schemeClr val="tx1"/>
-            </a:solidFill>
-          </a:ln>
-        </p:spPr>
-        <p:style>
-          <a:lnRef idx="2">
-            <a:schemeClr val="accent1">
-              <a:shade val="50000"/>
-            </a:schemeClr>
-          </a:lnRef>
-          <a:fillRef idx="1">
-            <a:schemeClr val="accent1"/>
-          </a:fillRef>
-          <a:effectRef idx="0">
-            <a:schemeClr val="accent1"/>
-          </a:effectRef>
-          <a:fontRef idx="minor">
-            <a:schemeClr val="lt1"/>
-          </a:fontRef>
-        </p:style>
-        <p:txBody>
-          <a:bodyPr rtlCol="0" anchor="ctr"/>
-          <a:lstStyle/>
-          <a:p>
-            <a:pPr algn="ctr"/>
-            <a:r>
-              <a:rPr lang="en-US" dirty="0">
-                <a:solidFill>
-                  <a:schemeClr val="tx1"/>
-                </a:solidFill>
-              </a:rPr>
-              <a:t>h=42</a:t>
-            </a:r>
-          </a:p>
-        </p:txBody>
-      </p:sp>
-      <p:cxnSp>
-        <p:nvCxnSpPr>
-          <p:cNvPr id="51" name="Straight Arrow Connector 50">
-            <a:extLst>
-              <a:ext uri="{FF2B5EF4-FFF2-40B4-BE49-F238E27FC236}">
-                <a16:creationId xmlns:a16="http://schemas.microsoft.com/office/drawing/2014/main" id="{48B18272-38CA-87F3-AF02-F3A8A5125AAE}"/>
-              </a:ext>
-            </a:extLst>
-          </p:cNvPr>
-          <p:cNvCxnSpPr>
-            <a:cxnSpLocks/>
-            <a:endCxn id="62" idx="3"/>
-          </p:cNvCxnSpPr>
-          <p:nvPr/>
-        </p:nvCxnSpPr>
-        <p:spPr>
-          <a:xfrm>
-            <a:off x="6745646" y="1988820"/>
-            <a:ext cx="2304576" cy="688612"/>
-          </a:xfrm>
-          <a:prstGeom prst="straightConnector1">
-            <a:avLst/>
-          </a:prstGeom>
-          <a:ln w="57150">
-            <a:solidFill>
-              <a:schemeClr val="accent2">
-                <a:lumMod val="75000"/>
-              </a:schemeClr>
-            </a:solidFill>
-            <a:tailEnd type="triangle"/>
-          </a:ln>
-        </p:spPr>
-        <p:style>
-          <a:lnRef idx="1">
-            <a:schemeClr val="accent1"/>
-          </a:lnRef>
-          <a:fillRef idx="0">
-            <a:schemeClr val="accent1"/>
-          </a:fillRef>
-          <a:effectRef idx="0">
-            <a:schemeClr val="accent1"/>
-          </a:effectRef>
-          <a:fontRef idx="minor">
-            <a:schemeClr val="tx1"/>
-          </a:fontRef>
-        </p:style>
-      </p:cxnSp>
-      <p:cxnSp>
-        <p:nvCxnSpPr>
-          <p:cNvPr id="55" name="Straight Arrow Connector 54">
-            <a:extLst>
-              <a:ext uri="{FF2B5EF4-FFF2-40B4-BE49-F238E27FC236}">
-                <a16:creationId xmlns:a16="http://schemas.microsoft.com/office/drawing/2014/main" id="{9BB641C6-8772-90CA-7FCB-2D5173146D5F}"/>
-              </a:ext>
-            </a:extLst>
-          </p:cNvPr>
-          <p:cNvCxnSpPr>
-            <a:cxnSpLocks/>
-            <a:endCxn id="56" idx="3"/>
-          </p:cNvCxnSpPr>
-          <p:nvPr/>
-        </p:nvCxnSpPr>
-        <p:spPr>
-          <a:xfrm flipH="1">
-            <a:off x="2186052" y="3119045"/>
-            <a:ext cx="897014" cy="590545"/>
-          </a:xfrm>
-          <a:prstGeom prst="straightConnector1">
-            <a:avLst/>
-          </a:prstGeom>
-          <a:ln w="57150">
-            <a:solidFill>
-              <a:schemeClr val="accent2">
-                <a:lumMod val="75000"/>
-              </a:schemeClr>
-            </a:solidFill>
-            <a:tailEnd type="triangle"/>
-          </a:ln>
-        </p:spPr>
-        <p:style>
-          <a:lnRef idx="1">
-            <a:schemeClr val="accent1"/>
-          </a:lnRef>
-          <a:fillRef idx="0">
-            <a:schemeClr val="accent1"/>
-          </a:fillRef>
-          <a:effectRef idx="0">
-            <a:schemeClr val="accent1"/>
-          </a:effectRef>
-          <a:fontRef idx="minor">
-            <a:schemeClr val="tx1"/>
-          </a:fontRef>
-        </p:style>
-      </p:cxnSp>
-      <p:sp>
-        <p:nvSpPr>
-          <p:cNvPr id="56" name="Snip Same Side Corner Rectangle 55">
-            <a:extLst>
-              <a:ext uri="{FF2B5EF4-FFF2-40B4-BE49-F238E27FC236}">
-                <a16:creationId xmlns:a16="http://schemas.microsoft.com/office/drawing/2014/main" id="{E44504D0-FB6C-AF97-C4D8-A127FD543364}"/>
-              </a:ext>
-            </a:extLst>
-          </p:cNvPr>
-          <p:cNvSpPr/>
-          <p:nvPr/>
-        </p:nvSpPr>
-        <p:spPr>
-          <a:xfrm>
-            <a:off x="1663258" y="3709590"/>
-            <a:ext cx="1045588" cy="521759"/>
-          </a:xfrm>
-          <a:prstGeom prst="snip2SameRect">
-            <a:avLst>
-              <a:gd name="adj1" fmla="val 0"/>
-              <a:gd name="adj2" fmla="val 28571"/>
-            </a:avLst>
-          </a:prstGeom>
-          <a:solidFill>
-            <a:schemeClr val="bg1"/>
-          </a:solidFill>
-          <a:ln w="38100">
-            <a:solidFill>
-              <a:schemeClr val="tx1"/>
-            </a:solidFill>
-          </a:ln>
-        </p:spPr>
-        <p:style>
-          <a:lnRef idx="2">
-            <a:schemeClr val="accent1">
-              <a:shade val="50000"/>
-            </a:schemeClr>
-          </a:lnRef>
-          <a:fillRef idx="1">
-            <a:schemeClr val="accent1"/>
-          </a:fillRef>
-          <a:effectRef idx="0">
-            <a:schemeClr val="accent1"/>
-          </a:effectRef>
-          <a:fontRef idx="minor">
-            <a:schemeClr val="lt1"/>
-          </a:fontRef>
-        </p:style>
-        <p:txBody>
-          <a:bodyPr rtlCol="0" anchor="ctr"/>
-          <a:lstStyle/>
-          <a:p>
-            <a:pPr algn="ctr"/>
-            <a:r>
-              <a:rPr lang="en-US" dirty="0">
-                <a:solidFill>
-                  <a:schemeClr val="tx1"/>
-                </a:solidFill>
-              </a:rPr>
-              <a:t>b=123</a:t>
-            </a:r>
-          </a:p>
-        </p:txBody>
-      </p:sp>
-      <p:sp>
-        <p:nvSpPr>
-          <p:cNvPr id="57" name="Snip Same Side Corner Rectangle 56">
-            <a:extLst>
-              <a:ext uri="{FF2B5EF4-FFF2-40B4-BE49-F238E27FC236}">
-                <a16:creationId xmlns:a16="http://schemas.microsoft.com/office/drawing/2014/main" id="{A3F4F994-6AE0-3F3F-30C8-4A26D6B7E51C}"/>
-              </a:ext>
-            </a:extLst>
-          </p:cNvPr>
-          <p:cNvSpPr/>
-          <p:nvPr/>
-        </p:nvSpPr>
-        <p:spPr>
-          <a:xfrm>
-            <a:off x="4408926" y="3738024"/>
-            <a:ext cx="1045588" cy="521759"/>
-          </a:xfrm>
-          <a:prstGeom prst="snip2SameRect">
-            <a:avLst>
-              <a:gd name="adj1" fmla="val 0"/>
-              <a:gd name="adj2" fmla="val 28571"/>
-            </a:avLst>
-          </a:prstGeom>
-          <a:solidFill>
-            <a:schemeClr val="bg1"/>
-          </a:solidFill>
-          <a:ln w="38100">
-            <a:solidFill>
-              <a:schemeClr val="tx1"/>
-            </a:solidFill>
-          </a:ln>
-        </p:spPr>
-        <p:style>
-          <a:lnRef idx="2">
-            <a:schemeClr val="accent1">
-              <a:shade val="50000"/>
-            </a:schemeClr>
-          </a:lnRef>
-          <a:fillRef idx="1">
-            <a:schemeClr val="accent1"/>
-          </a:fillRef>
-          <a:effectRef idx="0">
-            <a:schemeClr val="accent1"/>
-          </a:effectRef>
-          <a:fontRef idx="minor">
-            <a:schemeClr val="lt1"/>
-          </a:fontRef>
-        </p:style>
-        <p:txBody>
-          <a:bodyPr rtlCol="0" anchor="ctr"/>
-          <a:lstStyle/>
-          <a:p>
-            <a:pPr algn="ctr"/>
-            <a:r>
-              <a:rPr lang="en-US" dirty="0">
-                <a:solidFill>
-                  <a:schemeClr val="tx1"/>
-                </a:solidFill>
-              </a:rPr>
-              <a:t>f=6</a:t>
-            </a:r>
-          </a:p>
-        </p:txBody>
-      </p:sp>
-      <p:cxnSp>
-        <p:nvCxnSpPr>
-          <p:cNvPr id="58" name="Straight Arrow Connector 57">
-            <a:extLst>
-              <a:ext uri="{FF2B5EF4-FFF2-40B4-BE49-F238E27FC236}">
-                <a16:creationId xmlns:a16="http://schemas.microsoft.com/office/drawing/2014/main" id="{5E8145B6-B0EC-9F97-7DC8-B7DABF5E341E}"/>
-              </a:ext>
-            </a:extLst>
-          </p:cNvPr>
-          <p:cNvCxnSpPr>
-            <a:cxnSpLocks/>
-            <a:endCxn id="57" idx="3"/>
-          </p:cNvCxnSpPr>
-          <p:nvPr/>
-        </p:nvCxnSpPr>
-        <p:spPr>
-          <a:xfrm>
-            <a:off x="4012621" y="3119045"/>
-            <a:ext cx="919099" cy="618979"/>
-          </a:xfrm>
-          <a:prstGeom prst="straightConnector1">
-            <a:avLst/>
-          </a:prstGeom>
-          <a:ln w="57150">
-            <a:solidFill>
-              <a:schemeClr val="accent2">
-                <a:lumMod val="75000"/>
-              </a:schemeClr>
-            </a:solidFill>
-            <a:tailEnd type="triangle"/>
-          </a:ln>
-        </p:spPr>
-        <p:style>
-          <a:lnRef idx="1">
-            <a:schemeClr val="accent1"/>
-          </a:lnRef>
-          <a:fillRef idx="0">
-            <a:schemeClr val="accent1"/>
-          </a:fillRef>
-          <a:effectRef idx="0">
-            <a:schemeClr val="accent1"/>
-          </a:effectRef>
-          <a:fontRef idx="minor">
-            <a:schemeClr val="tx1"/>
-          </a:fontRef>
-        </p:style>
-      </p:cxnSp>
-      <p:cxnSp>
-        <p:nvCxnSpPr>
-          <p:cNvPr id="63" name="Straight Arrow Connector 62">
-            <a:extLst>
-              <a:ext uri="{FF2B5EF4-FFF2-40B4-BE49-F238E27FC236}">
-                <a16:creationId xmlns:a16="http://schemas.microsoft.com/office/drawing/2014/main" id="{005192F9-2EE0-E69B-5086-84B615B69593}"/>
-              </a:ext>
-            </a:extLst>
-          </p:cNvPr>
-          <p:cNvCxnSpPr>
-            <a:cxnSpLocks/>
-            <a:endCxn id="64" idx="3"/>
-          </p:cNvCxnSpPr>
-          <p:nvPr/>
-        </p:nvCxnSpPr>
-        <p:spPr>
-          <a:xfrm flipH="1">
-            <a:off x="7677388" y="3098560"/>
-            <a:ext cx="932364" cy="624950"/>
-          </a:xfrm>
-          <a:prstGeom prst="straightConnector1">
-            <a:avLst/>
-          </a:prstGeom>
-          <a:ln w="57150">
-            <a:solidFill>
-              <a:schemeClr val="accent2">
-                <a:lumMod val="75000"/>
-              </a:schemeClr>
-            </a:solidFill>
-            <a:tailEnd type="triangle"/>
-          </a:ln>
-        </p:spPr>
-        <p:style>
-          <a:lnRef idx="1">
-            <a:schemeClr val="accent1"/>
-          </a:lnRef>
-          <a:fillRef idx="0">
-            <a:schemeClr val="accent1"/>
-          </a:fillRef>
-          <a:effectRef idx="0">
-            <a:schemeClr val="accent1"/>
-          </a:effectRef>
-          <a:fontRef idx="minor">
-            <a:schemeClr val="tx1"/>
-          </a:fontRef>
-        </p:style>
-      </p:cxnSp>
-      <p:sp>
-        <p:nvSpPr>
-          <p:cNvPr id="64" name="Snip Same Side Corner Rectangle 63">
-            <a:extLst>
-              <a:ext uri="{FF2B5EF4-FFF2-40B4-BE49-F238E27FC236}">
-                <a16:creationId xmlns:a16="http://schemas.microsoft.com/office/drawing/2014/main" id="{D78881C0-3877-6C05-BEF9-49D3A0444BD6}"/>
-              </a:ext>
-            </a:extLst>
-          </p:cNvPr>
-          <p:cNvSpPr/>
-          <p:nvPr/>
-        </p:nvSpPr>
-        <p:spPr>
-          <a:xfrm>
-            <a:off x="7154594" y="3723510"/>
-            <a:ext cx="1045588" cy="521759"/>
-          </a:xfrm>
-          <a:prstGeom prst="snip2SameRect">
-            <a:avLst>
-              <a:gd name="adj1" fmla="val 0"/>
-              <a:gd name="adj2" fmla="val 28571"/>
-            </a:avLst>
-          </a:prstGeom>
-          <a:solidFill>
-            <a:schemeClr val="bg1"/>
-          </a:solidFill>
-          <a:ln w="38100">
-            <a:solidFill>
-              <a:schemeClr val="tx1"/>
-            </a:solidFill>
-          </a:ln>
-        </p:spPr>
-        <p:style>
-          <a:lnRef idx="2">
-            <a:schemeClr val="accent1">
-              <a:shade val="50000"/>
-            </a:schemeClr>
-          </a:lnRef>
-          <a:fillRef idx="1">
-            <a:schemeClr val="accent1"/>
-          </a:fillRef>
-          <a:effectRef idx="0">
-            <a:schemeClr val="accent1"/>
-          </a:effectRef>
-          <a:fontRef idx="minor">
-            <a:schemeClr val="lt1"/>
-          </a:fontRef>
-        </p:style>
-        <p:txBody>
-          <a:bodyPr rtlCol="0" anchor="ctr"/>
-          <a:lstStyle/>
-          <a:p>
-            <a:pPr algn="ctr"/>
-            <a:r>
-              <a:rPr lang="en-US" dirty="0">
-                <a:solidFill>
-                  <a:schemeClr val="tx1"/>
-                </a:solidFill>
-              </a:rPr>
-              <a:t>j=12</a:t>
-            </a:r>
-          </a:p>
-        </p:txBody>
-      </p:sp>
-      <p:sp>
-        <p:nvSpPr>
-          <p:cNvPr id="65" name="Snip Same Side Corner Rectangle 64">
-            <a:extLst>
-              <a:ext uri="{FF2B5EF4-FFF2-40B4-BE49-F238E27FC236}">
-                <a16:creationId xmlns:a16="http://schemas.microsoft.com/office/drawing/2014/main" id="{C2B35D46-1AFB-860B-197E-9C8DAB781F72}"/>
-              </a:ext>
-            </a:extLst>
-          </p:cNvPr>
-          <p:cNvSpPr/>
-          <p:nvPr/>
-        </p:nvSpPr>
-        <p:spPr>
-          <a:xfrm>
-            <a:off x="9900264" y="3710004"/>
-            <a:ext cx="1045588" cy="521759"/>
-          </a:xfrm>
-          <a:prstGeom prst="snip2SameRect">
-            <a:avLst>
-              <a:gd name="adj1" fmla="val 0"/>
-              <a:gd name="adj2" fmla="val 28571"/>
-            </a:avLst>
-          </a:prstGeom>
-          <a:solidFill>
-            <a:schemeClr val="bg1"/>
-          </a:solidFill>
-          <a:ln w="38100">
-            <a:solidFill>
-              <a:schemeClr val="tx1"/>
-            </a:solidFill>
-          </a:ln>
-        </p:spPr>
-        <p:style>
-          <a:lnRef idx="2">
-            <a:schemeClr val="accent1">
-              <a:shade val="50000"/>
-            </a:schemeClr>
-          </a:lnRef>
-          <a:fillRef idx="1">
-            <a:schemeClr val="accent1"/>
-          </a:fillRef>
-          <a:effectRef idx="0">
-            <a:schemeClr val="accent1"/>
-          </a:effectRef>
-          <a:fontRef idx="minor">
-            <a:schemeClr val="lt1"/>
-          </a:fontRef>
-        </p:style>
-        <p:txBody>
-          <a:bodyPr rtlCol="0" anchor="ctr"/>
-          <a:lstStyle/>
-          <a:p>
-            <a:pPr algn="ctr"/>
-            <a:r>
-              <a:rPr lang="en-US" dirty="0">
-                <a:solidFill>
-                  <a:schemeClr val="tx1"/>
-                </a:solidFill>
-              </a:rPr>
-              <a:t>m=67</a:t>
-            </a:r>
-          </a:p>
-        </p:txBody>
-      </p:sp>
-      <p:cxnSp>
-        <p:nvCxnSpPr>
-          <p:cNvPr id="66" name="Straight Arrow Connector 65">
-            <a:extLst>
-              <a:ext uri="{FF2B5EF4-FFF2-40B4-BE49-F238E27FC236}">
-                <a16:creationId xmlns:a16="http://schemas.microsoft.com/office/drawing/2014/main" id="{166D2452-5257-6535-2E33-2985DA19E501}"/>
-              </a:ext>
-            </a:extLst>
-          </p:cNvPr>
-          <p:cNvCxnSpPr>
-            <a:cxnSpLocks/>
-            <a:endCxn id="65" idx="3"/>
-          </p:cNvCxnSpPr>
-          <p:nvPr/>
-        </p:nvCxnSpPr>
-        <p:spPr>
-          <a:xfrm>
-            <a:off x="9427535" y="3098560"/>
-            <a:ext cx="995523" cy="611444"/>
-          </a:xfrm>
-          <a:prstGeom prst="straightConnector1">
-            <a:avLst/>
-          </a:prstGeom>
-          <a:ln w="57150">
-            <a:solidFill>
-              <a:schemeClr val="accent2">
-                <a:lumMod val="75000"/>
-              </a:schemeClr>
-            </a:solidFill>
-            <a:tailEnd type="triangle"/>
-          </a:ln>
-        </p:spPr>
-        <p:style>
-          <a:lnRef idx="1">
-            <a:schemeClr val="accent1"/>
-          </a:lnRef>
-          <a:fillRef idx="0">
-            <a:schemeClr val="accent1"/>
-          </a:fillRef>
-          <a:effectRef idx="0">
-            <a:schemeClr val="accent1"/>
-          </a:effectRef>
-          <a:fontRef idx="minor">
-            <a:schemeClr val="tx1"/>
-          </a:fontRef>
-        </p:style>
-      </p:cxnSp>
-      <p:cxnSp>
-        <p:nvCxnSpPr>
-          <p:cNvPr id="72" name="Curved Connector 71">
-            <a:extLst>
-              <a:ext uri="{FF2B5EF4-FFF2-40B4-BE49-F238E27FC236}">
-                <a16:creationId xmlns:a16="http://schemas.microsoft.com/office/drawing/2014/main" id="{A78F898C-1BEC-02EB-C57C-7D6C469B9BA5}"/>
-              </a:ext>
-            </a:extLst>
-          </p:cNvPr>
-          <p:cNvCxnSpPr>
-            <a:cxnSpLocks/>
-            <a:stCxn id="47" idx="0"/>
-            <a:endCxn id="57" idx="3"/>
-          </p:cNvCxnSpPr>
-          <p:nvPr/>
-        </p:nvCxnSpPr>
-        <p:spPr>
-          <a:xfrm>
-            <a:off x="4081680" y="2952826"/>
-            <a:ext cx="850040" cy="785198"/>
-          </a:xfrm>
-          <a:prstGeom prst="curvedConnector2">
-            <a:avLst/>
-          </a:prstGeom>
-          <a:ln w="57150">
-            <a:solidFill>
-              <a:srgbClr val="0070C0"/>
-            </a:solidFill>
-            <a:tailEnd type="triangle"/>
-          </a:ln>
-        </p:spPr>
-        <p:style>
-          <a:lnRef idx="1">
-            <a:schemeClr val="accent1"/>
-          </a:lnRef>
-          <a:fillRef idx="0">
-            <a:schemeClr val="accent1"/>
-          </a:fillRef>
-          <a:effectRef idx="0">
-            <a:schemeClr val="accent1"/>
-          </a:effectRef>
-          <a:fontRef idx="minor">
-            <a:schemeClr val="tx1"/>
-          </a:fontRef>
-        </p:style>
-      </p:cxnSp>
-      <p:cxnSp>
-        <p:nvCxnSpPr>
-          <p:cNvPr id="73" name="Curved Connector 72">
-            <a:extLst>
-              <a:ext uri="{FF2B5EF4-FFF2-40B4-BE49-F238E27FC236}">
-                <a16:creationId xmlns:a16="http://schemas.microsoft.com/office/drawing/2014/main" id="{BD0A97D4-05A1-36B1-2949-6F751ABCAA36}"/>
-              </a:ext>
-            </a:extLst>
-          </p:cNvPr>
-          <p:cNvCxnSpPr>
-            <a:cxnSpLocks/>
-            <a:stCxn id="76" idx="3"/>
-            <a:endCxn id="56" idx="2"/>
-          </p:cNvCxnSpPr>
-          <p:nvPr/>
-        </p:nvCxnSpPr>
-        <p:spPr>
-          <a:xfrm>
-            <a:off x="1162236" y="3955955"/>
-            <a:ext cx="501022" cy="14515"/>
-          </a:xfrm>
-          <a:prstGeom prst="curvedConnector3">
-            <a:avLst>
-              <a:gd name="adj1" fmla="val 50000"/>
-            </a:avLst>
-          </a:prstGeom>
-          <a:ln w="57150">
-            <a:solidFill>
-              <a:srgbClr val="0070C0"/>
-            </a:solidFill>
-            <a:tailEnd type="triangle"/>
-          </a:ln>
-        </p:spPr>
-        <p:style>
-          <a:lnRef idx="1">
-            <a:schemeClr val="accent1"/>
-          </a:lnRef>
-          <a:fillRef idx="0">
-            <a:schemeClr val="accent1"/>
-          </a:fillRef>
-          <a:effectRef idx="0">
-            <a:schemeClr val="accent1"/>
-          </a:effectRef>
-          <a:fontRef idx="minor">
-            <a:schemeClr val="tx1"/>
-          </a:fontRef>
-        </p:style>
-      </p:cxnSp>
-      <p:sp>
-        <p:nvSpPr>
-          <p:cNvPr id="76" name="Rectangle 75">
-            <a:extLst>
-              <a:ext uri="{FF2B5EF4-FFF2-40B4-BE49-F238E27FC236}">
-                <a16:creationId xmlns:a16="http://schemas.microsoft.com/office/drawing/2014/main" id="{4B3E3293-6372-042A-88ED-C6E9E45A4FBC}"/>
-              </a:ext>
-            </a:extLst>
-          </p:cNvPr>
-          <p:cNvSpPr/>
-          <p:nvPr/>
-        </p:nvSpPr>
-        <p:spPr>
-          <a:xfrm>
-            <a:off x="385626" y="3760012"/>
-            <a:ext cx="776610" cy="391886"/>
+            <a:off x="614874" y="818491"/>
+            <a:ext cx="11286393" cy="5078313"/>
           </a:xfrm>
           <a:prstGeom prst="rect">
             <a:avLst/>
           </a:prstGeom>
           <a:noFill/>
-          <a:ln w="28575">
-            <a:solidFill>
-              <a:schemeClr val="tx1"/>
-            </a:solidFill>
-          </a:ln>
-        </p:spPr>
-        <p:style>
-          <a:lnRef idx="2">
-            <a:schemeClr val="accent1">
-              <a:shade val="50000"/>
-            </a:schemeClr>
-          </a:lnRef>
-          <a:fillRef idx="1">
-            <a:schemeClr val="accent1"/>
-          </a:fillRef>
-          <a:effectRef idx="0">
-            <a:schemeClr val="accent1"/>
-          </a:effectRef>
-          <a:fontRef idx="minor">
-            <a:schemeClr val="lt1"/>
-          </a:fontRef>
-        </p:style>
-        <p:txBody>
-          <a:bodyPr rtlCol="0" anchor="ctr"/>
+        </p:spPr>
+        <p:txBody>
+          <a:bodyPr wrap="square">
+            <a:spAutoFit/>
+          </a:bodyPr>
           <a:lstStyle/>
           <a:p>
             <a:r>
-              <a:rPr lang="en-US" dirty="0">
+              <a:rPr lang="en-US" b="1" dirty="0">
+                <a:latin typeface="Courier New" panose="02070309020205020404" pitchFamily="49" charset="0"/>
+                <a:cs typeface="Courier New" panose="02070309020205020404" pitchFamily="49" charset="0"/>
+              </a:rPr>
+              <a:t>struct </a:t>
+            </a:r>
+            <a:r>
+              <a:rPr lang="en-US" b="1" dirty="0" err="1">
+                <a:latin typeface="Courier New" panose="02070309020205020404" pitchFamily="49" charset="0"/>
+                <a:cs typeface="Courier New" panose="02070309020205020404" pitchFamily="49" charset="0"/>
+              </a:rPr>
+              <a:t>HashMapEntry</a:t>
+            </a:r>
+            <a:r>
+              <a:rPr lang="en-US" b="1" dirty="0">
+                <a:latin typeface="Courier New" panose="02070309020205020404" pitchFamily="49" charset="0"/>
+                <a:cs typeface="Courier New" panose="02070309020205020404" pitchFamily="49" charset="0"/>
+              </a:rPr>
+              <a:t>* __</a:t>
+            </a:r>
+            <a:r>
+              <a:rPr lang="en-US" b="1" dirty="0" err="1">
+                <a:latin typeface="Courier New" panose="02070309020205020404" pitchFamily="49" charset="0"/>
+                <a:cs typeface="Courier New" panose="02070309020205020404" pitchFamily="49" charset="0"/>
+              </a:rPr>
+              <a:t>HashMap_find</a:t>
+            </a:r>
+            <a:r>
+              <a:rPr lang="en-US" b="1" dirty="0">
+                <a:latin typeface="Courier New" panose="02070309020205020404" pitchFamily="49" charset="0"/>
+                <a:cs typeface="Courier New" panose="02070309020205020404" pitchFamily="49" charset="0"/>
+              </a:rPr>
+              <a:t>(struct HashMap* self, char *key, </a:t>
+            </a:r>
+            <a:r>
+              <a:rPr lang="en-US" b="1" dirty="0">
                 <a:solidFill>
-                  <a:schemeClr val="tx1"/>
+                  <a:srgbClr val="0070C0"/>
                 </a:solidFill>
                 <a:latin typeface="Courier New" panose="02070309020205020404" pitchFamily="49" charset="0"/>
                 <a:cs typeface="Courier New" panose="02070309020205020404" pitchFamily="49" charset="0"/>
               </a:rPr>
-              <a:t>head    </a:t>
-            </a:r>
-          </a:p>
-        </p:txBody>
-      </p:sp>
-      <p:cxnSp>
-        <p:nvCxnSpPr>
-          <p:cNvPr id="79" name="Curved Connector 78">
-            <a:extLst>
-              <a:ext uri="{FF2B5EF4-FFF2-40B4-BE49-F238E27FC236}">
-                <a16:creationId xmlns:a16="http://schemas.microsoft.com/office/drawing/2014/main" id="{1F3CDD97-C773-3017-8819-F36E5E40630C}"/>
-              </a:ext>
-            </a:extLst>
-          </p:cNvPr>
-          <p:cNvCxnSpPr>
-            <a:cxnSpLocks/>
-            <a:stCxn id="56" idx="0"/>
-            <a:endCxn id="47" idx="3"/>
-          </p:cNvCxnSpPr>
+              <a:t>int bucket</a:t>
+            </a:r>
+            <a:r>
+              <a:rPr lang="en-US" b="1" dirty="0">
+                <a:latin typeface="Courier New" panose="02070309020205020404" pitchFamily="49" charset="0"/>
+                <a:cs typeface="Courier New" panose="02070309020205020404" pitchFamily="49" charset="0"/>
+              </a:rPr>
+              <a:t>)</a:t>
+            </a:r>
+          </a:p>
+          <a:p>
+            <a:r>
+              <a:rPr lang="en-US" b="1" dirty="0">
+                <a:latin typeface="Courier New" panose="02070309020205020404" pitchFamily="49" charset="0"/>
+                <a:cs typeface="Courier New" panose="02070309020205020404" pitchFamily="49" charset="0"/>
+              </a:rPr>
+              <a:t>{</a:t>
+            </a:r>
+          </a:p>
+          <a:p>
+            <a:r>
+              <a:rPr lang="en-US" b="1" dirty="0">
+                <a:latin typeface="Courier New" panose="02070309020205020404" pitchFamily="49" charset="0"/>
+                <a:cs typeface="Courier New" panose="02070309020205020404" pitchFamily="49" charset="0"/>
+              </a:rPr>
+              <a:t>    struct </a:t>
+            </a:r>
+            <a:r>
+              <a:rPr lang="en-US" b="1" dirty="0" err="1">
+                <a:latin typeface="Courier New" panose="02070309020205020404" pitchFamily="49" charset="0"/>
+                <a:cs typeface="Courier New" panose="02070309020205020404" pitchFamily="49" charset="0"/>
+              </a:rPr>
+              <a:t>HashMapEntry</a:t>
+            </a:r>
+            <a:r>
+              <a:rPr lang="en-US" b="1" dirty="0">
+                <a:latin typeface="Courier New" panose="02070309020205020404" pitchFamily="49" charset="0"/>
+                <a:cs typeface="Courier New" panose="02070309020205020404" pitchFamily="49" charset="0"/>
+              </a:rPr>
+              <a:t> *cur;</a:t>
+            </a:r>
+          </a:p>
+          <a:p>
+            <a:r>
+              <a:rPr lang="en-US" b="1" dirty="0">
+                <a:latin typeface="Courier New" panose="02070309020205020404" pitchFamily="49" charset="0"/>
+                <a:cs typeface="Courier New" panose="02070309020205020404" pitchFamily="49" charset="0"/>
+              </a:rPr>
+              <a:t>    if ( self == NULL || key == NULL ) return NULL;</a:t>
+            </a:r>
+          </a:p>
+          <a:p>
+            <a:r>
+              <a:rPr lang="en-US" b="1" dirty="0">
+                <a:latin typeface="Courier New" panose="02070309020205020404" pitchFamily="49" charset="0"/>
+                <a:cs typeface="Courier New" panose="02070309020205020404" pitchFamily="49" charset="0"/>
+              </a:rPr>
+              <a:t>    for(cur = self-&gt;</a:t>
+            </a:r>
+            <a:r>
+              <a:rPr lang="en-US" b="1" dirty="0">
+                <a:solidFill>
+                  <a:srgbClr val="0070C0"/>
+                </a:solidFill>
+                <a:latin typeface="Courier New" panose="02070309020205020404" pitchFamily="49" charset="0"/>
+                <a:cs typeface="Courier New" panose="02070309020205020404" pitchFamily="49" charset="0"/>
+              </a:rPr>
+              <a:t>__heads[bucket]</a:t>
+            </a:r>
+            <a:r>
+              <a:rPr lang="en-US" b="1" dirty="0">
+                <a:latin typeface="Courier New" panose="02070309020205020404" pitchFamily="49" charset="0"/>
+                <a:cs typeface="Courier New" panose="02070309020205020404" pitchFamily="49" charset="0"/>
+              </a:rPr>
+              <a:t>; cur != NULL ; cur = cur-&gt;__next ) {</a:t>
+            </a:r>
+          </a:p>
+          <a:p>
+            <a:r>
+              <a:rPr lang="en-US" b="1" dirty="0">
+                <a:latin typeface="Courier New" panose="02070309020205020404" pitchFamily="49" charset="0"/>
+                <a:cs typeface="Courier New" panose="02070309020205020404" pitchFamily="49" charset="0"/>
+              </a:rPr>
+              <a:t>        if(</a:t>
+            </a:r>
+            <a:r>
+              <a:rPr lang="en-US" b="1" dirty="0" err="1">
+                <a:latin typeface="Courier New" panose="02070309020205020404" pitchFamily="49" charset="0"/>
+                <a:cs typeface="Courier New" panose="02070309020205020404" pitchFamily="49" charset="0"/>
+              </a:rPr>
+              <a:t>strcmp</a:t>
+            </a:r>
+            <a:r>
+              <a:rPr lang="en-US" b="1" dirty="0">
+                <a:latin typeface="Courier New" panose="02070309020205020404" pitchFamily="49" charset="0"/>
+                <a:cs typeface="Courier New" panose="02070309020205020404" pitchFamily="49" charset="0"/>
+              </a:rPr>
+              <a:t>(key, cur-&gt;key) == 0 ) return cur;</a:t>
+            </a:r>
+          </a:p>
+          <a:p>
+            <a:r>
+              <a:rPr lang="en-US" b="1" dirty="0">
+                <a:latin typeface="Courier New" panose="02070309020205020404" pitchFamily="49" charset="0"/>
+                <a:cs typeface="Courier New" panose="02070309020205020404" pitchFamily="49" charset="0"/>
+              </a:rPr>
+              <a:t>    }</a:t>
+            </a:r>
+          </a:p>
+          <a:p>
+            <a:r>
+              <a:rPr lang="en-US" b="1" dirty="0">
+                <a:latin typeface="Courier New" panose="02070309020205020404" pitchFamily="49" charset="0"/>
+                <a:cs typeface="Courier New" panose="02070309020205020404" pitchFamily="49" charset="0"/>
+              </a:rPr>
+              <a:t>    return NULL;</a:t>
+            </a:r>
+          </a:p>
+          <a:p>
+            <a:r>
+              <a:rPr lang="en-US" b="1" dirty="0">
+                <a:latin typeface="Courier New" panose="02070309020205020404" pitchFamily="49" charset="0"/>
+                <a:cs typeface="Courier New" panose="02070309020205020404" pitchFamily="49" charset="0"/>
+              </a:rPr>
+              <a:t>}</a:t>
+            </a:r>
+          </a:p>
+          <a:p>
+            <a:endParaRPr lang="en-US" b="1" dirty="0">
+              <a:latin typeface="Courier New" panose="02070309020205020404" pitchFamily="49" charset="0"/>
+              <a:cs typeface="Courier New" panose="02070309020205020404" pitchFamily="49" charset="0"/>
+            </a:endParaRPr>
+          </a:p>
+          <a:p>
+            <a:endParaRPr lang="en-US" b="1" dirty="0">
+              <a:latin typeface="Courier New" panose="02070309020205020404" pitchFamily="49" charset="0"/>
+              <a:cs typeface="Courier New" panose="02070309020205020404" pitchFamily="49" charset="0"/>
+            </a:endParaRPr>
+          </a:p>
+          <a:p>
+            <a:r>
+              <a:rPr lang="en-US" b="1" dirty="0">
+                <a:latin typeface="Courier New" panose="02070309020205020404" pitchFamily="49" charset="0"/>
+                <a:cs typeface="Courier New" panose="02070309020205020404" pitchFamily="49" charset="0"/>
+              </a:rPr>
+              <a:t>int __</a:t>
+            </a:r>
+            <a:r>
+              <a:rPr lang="en-US" b="1" dirty="0" err="1">
+                <a:latin typeface="Courier New" panose="02070309020205020404" pitchFamily="49" charset="0"/>
+                <a:cs typeface="Courier New" panose="02070309020205020404" pitchFamily="49" charset="0"/>
+              </a:rPr>
+              <a:t>HashMap_get</a:t>
+            </a:r>
+            <a:r>
+              <a:rPr lang="en-US" b="1" dirty="0">
+                <a:latin typeface="Courier New" panose="02070309020205020404" pitchFamily="49" charset="0"/>
+                <a:cs typeface="Courier New" panose="02070309020205020404" pitchFamily="49" charset="0"/>
+              </a:rPr>
+              <a:t>(struct HashMap* self, char *key, int def)</a:t>
+            </a:r>
+          </a:p>
+          <a:p>
+            <a:r>
+              <a:rPr lang="en-US" b="1" dirty="0">
+                <a:latin typeface="Courier New" panose="02070309020205020404" pitchFamily="49" charset="0"/>
+                <a:cs typeface="Courier New" panose="02070309020205020404" pitchFamily="49" charset="0"/>
+              </a:rPr>
+              <a:t>{</a:t>
+            </a:r>
+          </a:p>
+          <a:p>
+            <a:r>
+              <a:rPr lang="en-US" b="1" dirty="0">
+                <a:solidFill>
+                  <a:srgbClr val="0070C0"/>
+                </a:solidFill>
+                <a:latin typeface="Courier New" panose="02070309020205020404" pitchFamily="49" charset="0"/>
+                <a:cs typeface="Courier New" panose="02070309020205020404" pitchFamily="49" charset="0"/>
+              </a:rPr>
+              <a:t>    int bucket = </a:t>
+            </a:r>
+            <a:r>
+              <a:rPr lang="en-US" b="1" dirty="0" err="1">
+                <a:solidFill>
+                  <a:srgbClr val="0070C0"/>
+                </a:solidFill>
+                <a:latin typeface="Courier New" panose="02070309020205020404" pitchFamily="49" charset="0"/>
+                <a:cs typeface="Courier New" panose="02070309020205020404" pitchFamily="49" charset="0"/>
+              </a:rPr>
+              <a:t>getBucket</a:t>
+            </a:r>
+            <a:r>
+              <a:rPr lang="en-US" b="1" dirty="0">
+                <a:solidFill>
+                  <a:srgbClr val="0070C0"/>
+                </a:solidFill>
+                <a:latin typeface="Courier New" panose="02070309020205020404" pitchFamily="49" charset="0"/>
+                <a:cs typeface="Courier New" panose="02070309020205020404" pitchFamily="49" charset="0"/>
+              </a:rPr>
+              <a:t>(key, self-&gt;__buckets);</a:t>
+            </a:r>
+          </a:p>
+          <a:p>
+            <a:r>
+              <a:rPr lang="en-US" b="1" dirty="0">
+                <a:latin typeface="Courier New" panose="02070309020205020404" pitchFamily="49" charset="0"/>
+                <a:cs typeface="Courier New" panose="02070309020205020404" pitchFamily="49" charset="0"/>
+              </a:rPr>
+              <a:t>    struct </a:t>
+            </a:r>
+            <a:r>
+              <a:rPr lang="en-US" b="1" dirty="0" err="1">
+                <a:latin typeface="Courier New" panose="02070309020205020404" pitchFamily="49" charset="0"/>
+                <a:cs typeface="Courier New" panose="02070309020205020404" pitchFamily="49" charset="0"/>
+              </a:rPr>
+              <a:t>HashMapEntry</a:t>
+            </a:r>
+            <a:r>
+              <a:rPr lang="en-US" b="1" dirty="0">
+                <a:latin typeface="Courier New" panose="02070309020205020404" pitchFamily="49" charset="0"/>
+                <a:cs typeface="Courier New" panose="02070309020205020404" pitchFamily="49" charset="0"/>
+              </a:rPr>
+              <a:t> *</a:t>
+            </a:r>
+            <a:r>
+              <a:rPr lang="en-US" b="1" dirty="0" err="1">
+                <a:latin typeface="Courier New" panose="02070309020205020404" pitchFamily="49" charset="0"/>
+                <a:cs typeface="Courier New" panose="02070309020205020404" pitchFamily="49" charset="0"/>
+              </a:rPr>
+              <a:t>retval</a:t>
+            </a:r>
+            <a:r>
+              <a:rPr lang="en-US" b="1" dirty="0">
+                <a:latin typeface="Courier New" panose="02070309020205020404" pitchFamily="49" charset="0"/>
+                <a:cs typeface="Courier New" panose="02070309020205020404" pitchFamily="49" charset="0"/>
+              </a:rPr>
+              <a:t> = __</a:t>
+            </a:r>
+            <a:r>
+              <a:rPr lang="en-US" b="1" dirty="0" err="1">
+                <a:latin typeface="Courier New" panose="02070309020205020404" pitchFamily="49" charset="0"/>
+                <a:cs typeface="Courier New" panose="02070309020205020404" pitchFamily="49" charset="0"/>
+              </a:rPr>
+              <a:t>HashMap_find</a:t>
+            </a:r>
+            <a:r>
+              <a:rPr lang="en-US" b="1" dirty="0">
+                <a:latin typeface="Courier New" panose="02070309020205020404" pitchFamily="49" charset="0"/>
+                <a:cs typeface="Courier New" panose="02070309020205020404" pitchFamily="49" charset="0"/>
+              </a:rPr>
+              <a:t>(self, key, bucket);</a:t>
+            </a:r>
+          </a:p>
+          <a:p>
+            <a:r>
+              <a:rPr lang="en-US" b="1" dirty="0">
+                <a:latin typeface="Courier New" panose="02070309020205020404" pitchFamily="49" charset="0"/>
+                <a:cs typeface="Courier New" panose="02070309020205020404" pitchFamily="49" charset="0"/>
+              </a:rPr>
+              <a:t>    if ( </a:t>
+            </a:r>
+            <a:r>
+              <a:rPr lang="en-US" b="1" dirty="0" err="1">
+                <a:latin typeface="Courier New" panose="02070309020205020404" pitchFamily="49" charset="0"/>
+                <a:cs typeface="Courier New" panose="02070309020205020404" pitchFamily="49" charset="0"/>
+              </a:rPr>
+              <a:t>retval</a:t>
+            </a:r>
+            <a:r>
+              <a:rPr lang="en-US" b="1" dirty="0">
+                <a:latin typeface="Courier New" panose="02070309020205020404" pitchFamily="49" charset="0"/>
+                <a:cs typeface="Courier New" panose="02070309020205020404" pitchFamily="49" charset="0"/>
+              </a:rPr>
+              <a:t> == NULL ) return def;</a:t>
+            </a:r>
+          </a:p>
+          <a:p>
+            <a:r>
+              <a:rPr lang="en-US" b="1" dirty="0">
+                <a:latin typeface="Courier New" panose="02070309020205020404" pitchFamily="49" charset="0"/>
+                <a:cs typeface="Courier New" panose="02070309020205020404" pitchFamily="49" charset="0"/>
+              </a:rPr>
+              <a:t>    return </a:t>
+            </a:r>
+            <a:r>
+              <a:rPr lang="en-US" b="1" dirty="0" err="1">
+                <a:latin typeface="Courier New" panose="02070309020205020404" pitchFamily="49" charset="0"/>
+                <a:cs typeface="Courier New" panose="02070309020205020404" pitchFamily="49" charset="0"/>
+              </a:rPr>
+              <a:t>retval</a:t>
+            </a:r>
+            <a:r>
+              <a:rPr lang="en-US" b="1" dirty="0">
+                <a:latin typeface="Courier New" panose="02070309020205020404" pitchFamily="49" charset="0"/>
+                <a:cs typeface="Courier New" panose="02070309020205020404" pitchFamily="49" charset="0"/>
+              </a:rPr>
+              <a:t>-&gt;value;</a:t>
+            </a:r>
+          </a:p>
+          <a:p>
+            <a:r>
+              <a:rPr lang="en-US" b="1" dirty="0">
+                <a:latin typeface="Courier New" panose="02070309020205020404" pitchFamily="49" charset="0"/>
+                <a:cs typeface="Courier New" panose="02070309020205020404" pitchFamily="49" charset="0"/>
+              </a:rPr>
+              <a:t>}</a:t>
+            </a:r>
+          </a:p>
+        </p:txBody>
+      </p:sp>
+    </p:spTree>
+    <p:extLst>
+      <p:ext uri="{BB962C8B-B14F-4D97-AF65-F5344CB8AC3E}">
+        <p14:creationId xmlns:p14="http://schemas.microsoft.com/office/powerpoint/2010/main" val="3052491345"/>
+      </p:ext>
+    </p:extLst>
+  </p:cSld>
+  <p:clrMapOvr>
+    <a:masterClrMapping/>
+  </p:clrMapOvr>
+</p:sld>
+</file>
+
+<file path=ppt/slides/slide16.xml><?xml version="1.0" encoding="utf-8"?>
+<p:sld xmlns:a="http://schemas.openxmlformats.org/drawingml/2006/main" xmlns:r="http://schemas.openxmlformats.org/officeDocument/2006/relationships" xmlns:p="http://schemas.openxmlformats.org/presentationml/2006/main">
+  <p:cSld>
+    <p:spTree>
+      <p:nvGrpSpPr>
+        <p:cNvPr id="1" name=""/>
+        <p:cNvGrpSpPr/>
+        <p:nvPr/>
+      </p:nvGrpSpPr>
+      <p:grpSpPr>
+        <a:xfrm>
+          <a:off x="0" y="0"/>
+          <a:ext cx="0" cy="0"/>
+          <a:chOff x="0" y="0"/>
+          <a:chExt cx="0" cy="0"/>
+        </a:xfrm>
+      </p:grpSpPr>
+      <p:sp>
+        <p:nvSpPr>
+          <p:cNvPr id="5" name="TextBox 4">
+            <a:extLst>
+              <a:ext uri="{FF2B5EF4-FFF2-40B4-BE49-F238E27FC236}">
+                <a16:creationId xmlns:a16="http://schemas.microsoft.com/office/drawing/2014/main" id="{A1F34521-3E85-1FB0-1D82-AFF2657BBEC0}"/>
+              </a:ext>
+            </a:extLst>
+          </p:cNvPr>
+          <p:cNvSpPr txBox="1"/>
           <p:nvPr/>
-        </p:nvCxnSpPr>
-        <p:spPr>
-          <a:xfrm flipV="1">
-            <a:off x="2708846" y="2691946"/>
-            <a:ext cx="850040" cy="1278524"/>
-          </a:xfrm>
-          <a:prstGeom prst="curvedConnector4">
-            <a:avLst>
-              <a:gd name="adj1" fmla="val 19249"/>
-              <a:gd name="adj2" fmla="val 117880"/>
-            </a:avLst>
-          </a:prstGeom>
-          <a:ln w="57150">
-            <a:solidFill>
-              <a:srgbClr val="0070C0"/>
-            </a:solidFill>
-            <a:tailEnd type="triangle"/>
-          </a:ln>
-        </p:spPr>
-        <p:style>
-          <a:lnRef idx="1">
-            <a:schemeClr val="accent1"/>
-          </a:lnRef>
-          <a:fillRef idx="0">
-            <a:schemeClr val="accent1"/>
-          </a:fillRef>
-          <a:effectRef idx="0">
-            <a:schemeClr val="accent1"/>
-          </a:effectRef>
-          <a:fontRef idx="minor">
-            <a:schemeClr val="tx1"/>
-          </a:fontRef>
-        </p:style>
-      </p:cxnSp>
-      <p:cxnSp>
-        <p:nvCxnSpPr>
-          <p:cNvPr id="87" name="Curved Connector 86">
-            <a:extLst>
-              <a:ext uri="{FF2B5EF4-FFF2-40B4-BE49-F238E27FC236}">
-                <a16:creationId xmlns:a16="http://schemas.microsoft.com/office/drawing/2014/main" id="{6FA2AB38-1BD2-9D5F-D2FB-E94A9E319965}"/>
-              </a:ext>
-            </a:extLst>
-          </p:cNvPr>
-          <p:cNvCxnSpPr>
-            <a:cxnSpLocks/>
-            <a:stCxn id="57" idx="0"/>
-            <a:endCxn id="31" idx="3"/>
-          </p:cNvCxnSpPr>
-          <p:nvPr/>
-        </p:nvCxnSpPr>
-        <p:spPr>
-          <a:xfrm flipV="1">
-            <a:off x="5454514" y="1567692"/>
-            <a:ext cx="850040" cy="2431212"/>
-          </a:xfrm>
-          <a:prstGeom prst="curvedConnector4">
-            <a:avLst>
-              <a:gd name="adj1" fmla="val 19249"/>
-              <a:gd name="adj2" fmla="val 109403"/>
-            </a:avLst>
-          </a:prstGeom>
-          <a:ln w="57150">
-            <a:solidFill>
-              <a:srgbClr val="0070C0"/>
-            </a:solidFill>
-            <a:tailEnd type="triangle"/>
-          </a:ln>
-        </p:spPr>
-        <p:style>
-          <a:lnRef idx="1">
-            <a:schemeClr val="accent1"/>
-          </a:lnRef>
-          <a:fillRef idx="0">
-            <a:schemeClr val="accent1"/>
-          </a:fillRef>
-          <a:effectRef idx="0">
-            <a:schemeClr val="accent1"/>
-          </a:effectRef>
-          <a:fontRef idx="minor">
-            <a:schemeClr val="tx1"/>
-          </a:fontRef>
-        </p:style>
-      </p:cxnSp>
-      <p:cxnSp>
-        <p:nvCxnSpPr>
-          <p:cNvPr id="93" name="Curved Connector 92">
-            <a:extLst>
-              <a:ext uri="{FF2B5EF4-FFF2-40B4-BE49-F238E27FC236}">
-                <a16:creationId xmlns:a16="http://schemas.microsoft.com/office/drawing/2014/main" id="{0A54B6BA-4C4D-21EA-4529-8DC89E5B0D6B}"/>
-              </a:ext>
-            </a:extLst>
-          </p:cNvPr>
-          <p:cNvCxnSpPr>
-            <a:cxnSpLocks/>
-            <a:stCxn id="31" idx="0"/>
-            <a:endCxn id="64" idx="2"/>
-          </p:cNvCxnSpPr>
-          <p:nvPr/>
-        </p:nvCxnSpPr>
+        </p:nvSpPr>
         <p:spPr>
           <a:xfrm>
-            <a:off x="6827348" y="1828572"/>
-            <a:ext cx="327246" cy="2155818"/>
-          </a:xfrm>
-          <a:prstGeom prst="curvedConnector3">
-            <a:avLst>
-              <a:gd name="adj1" fmla="val 50000"/>
-            </a:avLst>
-          </a:prstGeom>
-          <a:ln w="57150">
-            <a:solidFill>
-              <a:srgbClr val="0070C0"/>
-            </a:solidFill>
-            <a:tailEnd type="triangle"/>
-          </a:ln>
-        </p:spPr>
-        <p:style>
-          <a:lnRef idx="1">
-            <a:schemeClr val="accent1"/>
-          </a:lnRef>
-          <a:fillRef idx="0">
-            <a:schemeClr val="accent1"/>
-          </a:fillRef>
-          <a:effectRef idx="0">
-            <a:schemeClr val="accent1"/>
-          </a:effectRef>
-          <a:fontRef idx="minor">
-            <a:schemeClr val="tx1"/>
-          </a:fontRef>
-        </p:style>
-      </p:cxnSp>
-      <p:cxnSp>
-        <p:nvCxnSpPr>
-          <p:cNvPr id="100" name="Curved Connector 99">
-            <a:extLst>
-              <a:ext uri="{FF2B5EF4-FFF2-40B4-BE49-F238E27FC236}">
-                <a16:creationId xmlns:a16="http://schemas.microsoft.com/office/drawing/2014/main" id="{5B13272C-13DA-3341-A568-7CD3B876E716}"/>
-              </a:ext>
-            </a:extLst>
-          </p:cNvPr>
-          <p:cNvCxnSpPr>
-            <a:cxnSpLocks/>
-            <a:stCxn id="64" idx="0"/>
-            <a:endCxn id="62" idx="3"/>
-          </p:cNvCxnSpPr>
-          <p:nvPr/>
-        </p:nvCxnSpPr>
-        <p:spPr>
-          <a:xfrm flipV="1">
-            <a:off x="8200182" y="2677432"/>
-            <a:ext cx="850040" cy="1306958"/>
-          </a:xfrm>
-          <a:prstGeom prst="curvedConnector4">
-            <a:avLst>
-              <a:gd name="adj1" fmla="val 19249"/>
-              <a:gd name="adj2" fmla="val 117491"/>
-            </a:avLst>
-          </a:prstGeom>
-          <a:ln w="57150">
-            <a:solidFill>
-              <a:srgbClr val="0070C0"/>
-            </a:solidFill>
-            <a:tailEnd type="triangle"/>
-          </a:ln>
-        </p:spPr>
-        <p:style>
-          <a:lnRef idx="1">
-            <a:schemeClr val="accent1"/>
-          </a:lnRef>
-          <a:fillRef idx="0">
-            <a:schemeClr val="accent1"/>
-          </a:fillRef>
-          <a:effectRef idx="0">
-            <a:schemeClr val="accent1"/>
-          </a:effectRef>
-          <a:fontRef idx="minor">
-            <a:schemeClr val="tx1"/>
-          </a:fontRef>
-        </p:style>
-      </p:cxnSp>
-      <p:cxnSp>
-        <p:nvCxnSpPr>
-          <p:cNvPr id="105" name="Curved Connector 104">
-            <a:extLst>
-              <a:ext uri="{FF2B5EF4-FFF2-40B4-BE49-F238E27FC236}">
-                <a16:creationId xmlns:a16="http://schemas.microsoft.com/office/drawing/2014/main" id="{40D5F708-690D-948E-6E1E-F00FD1D017D2}"/>
-              </a:ext>
-            </a:extLst>
-          </p:cNvPr>
-          <p:cNvCxnSpPr>
-            <a:cxnSpLocks/>
-            <a:stCxn id="62" idx="0"/>
-            <a:endCxn id="65" idx="3"/>
-          </p:cNvCxnSpPr>
-          <p:nvPr/>
-        </p:nvCxnSpPr>
-        <p:spPr>
-          <a:xfrm>
-            <a:off x="9573016" y="2938312"/>
-            <a:ext cx="850042" cy="771692"/>
-          </a:xfrm>
-          <a:prstGeom prst="curvedConnector2">
-            <a:avLst/>
-          </a:prstGeom>
-          <a:ln w="57150">
-            <a:solidFill>
-              <a:srgbClr val="0070C0"/>
-            </a:solidFill>
-            <a:tailEnd type="triangle"/>
-          </a:ln>
-        </p:spPr>
-        <p:style>
-          <a:lnRef idx="1">
-            <a:schemeClr val="accent1"/>
-          </a:lnRef>
-          <a:fillRef idx="0">
-            <a:schemeClr val="accent1"/>
-          </a:fillRef>
-          <a:effectRef idx="0">
-            <a:schemeClr val="accent1"/>
-          </a:effectRef>
-          <a:fontRef idx="minor">
-            <a:schemeClr val="tx1"/>
-          </a:fontRef>
-        </p:style>
-      </p:cxnSp>
-      <p:cxnSp>
-        <p:nvCxnSpPr>
-          <p:cNvPr id="111" name="Curved Connector 110">
-            <a:extLst>
-              <a:ext uri="{FF2B5EF4-FFF2-40B4-BE49-F238E27FC236}">
-                <a16:creationId xmlns:a16="http://schemas.microsoft.com/office/drawing/2014/main" id="{95805C96-F5A9-D1F5-B2BB-EDDB7ACF11BD}"/>
-              </a:ext>
-            </a:extLst>
-          </p:cNvPr>
-          <p:cNvCxnSpPr>
-            <a:cxnSpLocks/>
-            <a:stCxn id="65" idx="0"/>
-            <a:endCxn id="113" idx="1"/>
-          </p:cNvCxnSpPr>
-          <p:nvPr/>
-        </p:nvCxnSpPr>
-        <p:spPr>
-          <a:xfrm flipV="1">
-            <a:off x="10945852" y="3956964"/>
-            <a:ext cx="580851" cy="13920"/>
-          </a:xfrm>
-          <a:prstGeom prst="curvedConnector3">
-            <a:avLst>
-              <a:gd name="adj1" fmla="val 50000"/>
-            </a:avLst>
-          </a:prstGeom>
-          <a:ln w="57150">
-            <a:solidFill>
-              <a:srgbClr val="0070C0"/>
-            </a:solidFill>
-            <a:tailEnd type="triangle"/>
-          </a:ln>
-        </p:spPr>
-        <p:style>
-          <a:lnRef idx="1">
-            <a:schemeClr val="accent1"/>
-          </a:lnRef>
-          <a:fillRef idx="0">
-            <a:schemeClr val="accent1"/>
-          </a:fillRef>
-          <a:effectRef idx="0">
-            <a:schemeClr val="accent1"/>
-          </a:effectRef>
-          <a:fontRef idx="minor">
-            <a:schemeClr val="tx1"/>
-          </a:fontRef>
-        </p:style>
-      </p:cxnSp>
-      <p:sp>
-        <p:nvSpPr>
-          <p:cNvPr id="113" name="Rectangle 112">
-            <a:extLst>
-              <a:ext uri="{FF2B5EF4-FFF2-40B4-BE49-F238E27FC236}">
-                <a16:creationId xmlns:a16="http://schemas.microsoft.com/office/drawing/2014/main" id="{C0A64257-3355-8BBF-EC4D-1432811A506A}"/>
-              </a:ext>
-            </a:extLst>
-          </p:cNvPr>
-          <p:cNvSpPr/>
-          <p:nvPr/>
-        </p:nvSpPr>
-        <p:spPr>
-          <a:xfrm>
-            <a:off x="11526703" y="3761021"/>
-            <a:ext cx="302209" cy="391886"/>
+            <a:off x="452803" y="394692"/>
+            <a:ext cx="11286393" cy="6463308"/>
           </a:xfrm>
           <a:prstGeom prst="rect">
             <a:avLst/>
           </a:prstGeom>
           <a:noFill/>
-          <a:ln w="28575">
-            <a:noFill/>
-          </a:ln>
-        </p:spPr>
-        <p:style>
-          <a:lnRef idx="2">
-            <a:schemeClr val="accent1">
-              <a:shade val="50000"/>
-            </a:schemeClr>
-          </a:lnRef>
-          <a:fillRef idx="1">
-            <a:schemeClr val="accent1"/>
-          </a:fillRef>
-          <a:effectRef idx="0">
-            <a:schemeClr val="accent1"/>
-          </a:effectRef>
-          <a:fontRef idx="minor">
-            <a:schemeClr val="lt1"/>
-          </a:fontRef>
-        </p:style>
-        <p:txBody>
-          <a:bodyPr rtlCol="0" anchor="ctr"/>
+        </p:spPr>
+        <p:txBody>
+          <a:bodyPr wrap="square">
+            <a:spAutoFit/>
+          </a:bodyPr>
           <a:lstStyle/>
           <a:p>
             <a:r>
-              <a:rPr lang="en-US" sz="1800" dirty="0">
-                <a:solidFill>
-                  <a:schemeClr val="tx1"/>
-                </a:solidFill>
-                <a:latin typeface="Courier New" panose="02070309020205020404" pitchFamily="49" charset="0"/>
-                <a:cs typeface="Courier New" panose="02070309020205020404" pitchFamily="49" charset="0"/>
-              </a:rPr>
-              <a:t>∅</a:t>
-            </a:r>
-            <a:endParaRPr lang="en-US" dirty="0">
-              <a:solidFill>
-                <a:schemeClr val="tx1"/>
-              </a:solidFill>
+              <a:rPr lang="en-US" b="1" dirty="0">
+                <a:latin typeface="Courier New" panose="02070309020205020404" pitchFamily="49" charset="0"/>
+                <a:cs typeface="Courier New" panose="02070309020205020404" pitchFamily="49" charset="0"/>
+              </a:rPr>
+              <a:t>void __</a:t>
+            </a:r>
+            <a:r>
+              <a:rPr lang="en-US" b="1" dirty="0" err="1">
+                <a:latin typeface="Courier New" panose="02070309020205020404" pitchFamily="49" charset="0"/>
+                <a:cs typeface="Courier New" panose="02070309020205020404" pitchFamily="49" charset="0"/>
+              </a:rPr>
+              <a:t>Map_put</a:t>
+            </a:r>
+            <a:r>
+              <a:rPr lang="en-US" b="1" dirty="0">
+                <a:latin typeface="Courier New" panose="02070309020205020404" pitchFamily="49" charset="0"/>
+                <a:cs typeface="Courier New" panose="02070309020205020404" pitchFamily="49" charset="0"/>
+              </a:rPr>
+              <a:t>(struct Map* self, char *key, int value) {</a:t>
+            </a:r>
+          </a:p>
+          <a:p>
+            <a:r>
+              <a:rPr lang="en-US" b="1" dirty="0">
+                <a:latin typeface="Courier New" panose="02070309020205020404" pitchFamily="49" charset="0"/>
+                <a:cs typeface="Courier New" panose="02070309020205020404" pitchFamily="49" charset="0"/>
+              </a:rPr>
+              <a:t>    </a:t>
+            </a:r>
+          </a:p>
+          <a:p>
+            <a:r>
+              <a:rPr lang="en-US" b="1" dirty="0">
+                <a:latin typeface="Courier New" panose="02070309020205020404" pitchFamily="49" charset="0"/>
+                <a:cs typeface="Courier New" panose="02070309020205020404" pitchFamily="49" charset="0"/>
+              </a:rPr>
+              <a:t>    struct </a:t>
+            </a:r>
+            <a:r>
+              <a:rPr lang="en-US" b="1" dirty="0" err="1">
+                <a:latin typeface="Courier New" panose="02070309020205020404" pitchFamily="49" charset="0"/>
+                <a:cs typeface="Courier New" panose="02070309020205020404" pitchFamily="49" charset="0"/>
+              </a:rPr>
+              <a:t>MapEntry</a:t>
+            </a:r>
+            <a:r>
+              <a:rPr lang="en-US" b="1" dirty="0">
+                <a:latin typeface="Courier New" panose="02070309020205020404" pitchFamily="49" charset="0"/>
+                <a:cs typeface="Courier New" panose="02070309020205020404" pitchFamily="49" charset="0"/>
+              </a:rPr>
+              <a:t> *old, *new;</a:t>
+            </a:r>
+          </a:p>
+          <a:p>
+            <a:r>
+              <a:rPr lang="en-US" b="1" dirty="0">
+                <a:latin typeface="Courier New" panose="02070309020205020404" pitchFamily="49" charset="0"/>
+                <a:cs typeface="Courier New" panose="02070309020205020404" pitchFamily="49" charset="0"/>
+              </a:rPr>
+              <a:t>    char *</a:t>
+            </a:r>
+            <a:r>
+              <a:rPr lang="en-US" b="1" dirty="0" err="1">
+                <a:latin typeface="Courier New" panose="02070309020205020404" pitchFamily="49" charset="0"/>
+                <a:cs typeface="Courier New" panose="02070309020205020404" pitchFamily="49" charset="0"/>
+              </a:rPr>
+              <a:t>new_key</a:t>
+            </a:r>
+            <a:r>
+              <a:rPr lang="en-US" b="1" dirty="0">
+                <a:latin typeface="Courier New" panose="02070309020205020404" pitchFamily="49" charset="0"/>
+                <a:cs typeface="Courier New" panose="02070309020205020404" pitchFamily="49" charset="0"/>
+              </a:rPr>
+              <a:t>;</a:t>
+            </a:r>
+          </a:p>
+          <a:p>
+            <a:endParaRPr lang="en-US" b="1" dirty="0">
               <a:latin typeface="Courier New" panose="02070309020205020404" pitchFamily="49" charset="0"/>
               <a:cs typeface="Courier New" panose="02070309020205020404" pitchFamily="49" charset="0"/>
             </a:endParaRPr>
           </a:p>
-        </p:txBody>
-      </p:sp>
-      <p:sp>
-        <p:nvSpPr>
-          <p:cNvPr id="62" name="Snip Same Side Corner Rectangle 61">
-            <a:extLst>
-              <a:ext uri="{FF2B5EF4-FFF2-40B4-BE49-F238E27FC236}">
-                <a16:creationId xmlns:a16="http://schemas.microsoft.com/office/drawing/2014/main" id="{632D30FC-BF36-C7BA-0AB0-099A2C74BD6C}"/>
-              </a:ext>
-            </a:extLst>
-          </p:cNvPr>
-          <p:cNvSpPr/>
-          <p:nvPr/>
-        </p:nvSpPr>
-        <p:spPr>
-          <a:xfrm>
-            <a:off x="8527428" y="2677432"/>
-            <a:ext cx="1045588" cy="521759"/>
-          </a:xfrm>
-          <a:prstGeom prst="snip2SameRect">
-            <a:avLst>
-              <a:gd name="adj1" fmla="val 0"/>
-              <a:gd name="adj2" fmla="val 28571"/>
-            </a:avLst>
-          </a:prstGeom>
-          <a:solidFill>
-            <a:schemeClr val="bg1"/>
-          </a:solidFill>
-          <a:ln w="38100">
-            <a:solidFill>
-              <a:schemeClr val="tx1"/>
-            </a:solidFill>
-          </a:ln>
-        </p:spPr>
-        <p:style>
-          <a:lnRef idx="2">
-            <a:schemeClr val="accent1">
-              <a:shade val="50000"/>
-            </a:schemeClr>
-          </a:lnRef>
-          <a:fillRef idx="1">
-            <a:schemeClr val="accent1"/>
-          </a:fillRef>
-          <a:effectRef idx="0">
-            <a:schemeClr val="accent1"/>
-          </a:effectRef>
-          <a:fontRef idx="minor">
-            <a:schemeClr val="lt1"/>
-          </a:fontRef>
-        </p:style>
-        <p:txBody>
-          <a:bodyPr rtlCol="0" anchor="ctr"/>
-          <a:lstStyle/>
-          <a:p>
-            <a:pPr algn="ctr"/>
-            <a:r>
-              <a:rPr lang="en-US" dirty="0">
-                <a:solidFill>
-                  <a:schemeClr val="tx1"/>
-                </a:solidFill>
-              </a:rPr>
-              <a:t>k=9</a:t>
-            </a:r>
-          </a:p>
-        </p:txBody>
-      </p:sp>
-      <p:sp>
-        <p:nvSpPr>
-          <p:cNvPr id="47" name="Snip Same Side Corner Rectangle 46">
-            <a:extLst>
-              <a:ext uri="{FF2B5EF4-FFF2-40B4-BE49-F238E27FC236}">
-                <a16:creationId xmlns:a16="http://schemas.microsoft.com/office/drawing/2014/main" id="{0E25ECBE-128B-4B41-3CF2-BD20AD6A25B8}"/>
-              </a:ext>
-            </a:extLst>
-          </p:cNvPr>
-          <p:cNvSpPr/>
-          <p:nvPr/>
-        </p:nvSpPr>
-        <p:spPr>
-          <a:xfrm>
-            <a:off x="3036092" y="2691946"/>
-            <a:ext cx="1045588" cy="521759"/>
-          </a:xfrm>
-          <a:prstGeom prst="snip2SameRect">
-            <a:avLst>
-              <a:gd name="adj1" fmla="val 0"/>
-              <a:gd name="adj2" fmla="val 28571"/>
-            </a:avLst>
-          </a:prstGeom>
-          <a:solidFill>
-            <a:schemeClr val="bg1"/>
-          </a:solidFill>
-          <a:ln w="38100">
-            <a:solidFill>
-              <a:schemeClr val="tx1"/>
-            </a:solidFill>
-          </a:ln>
-        </p:spPr>
-        <p:style>
-          <a:lnRef idx="2">
-            <a:schemeClr val="accent1">
-              <a:shade val="50000"/>
-            </a:schemeClr>
-          </a:lnRef>
-          <a:fillRef idx="1">
-            <a:schemeClr val="accent1"/>
-          </a:fillRef>
-          <a:effectRef idx="0">
-            <a:schemeClr val="accent1"/>
-          </a:effectRef>
-          <a:fontRef idx="minor">
-            <a:schemeClr val="lt1"/>
-          </a:fontRef>
-        </p:style>
-        <p:txBody>
-          <a:bodyPr rtlCol="0" anchor="ctr"/>
-          <a:lstStyle/>
-          <a:p>
-            <a:pPr algn="ctr"/>
-            <a:r>
-              <a:rPr lang="en-US" dirty="0">
-                <a:solidFill>
-                  <a:schemeClr val="tx1"/>
-                </a:solidFill>
-              </a:rPr>
-              <a:t>d=8</a:t>
+          <a:p>
+            <a:endParaRPr lang="en-US" b="1" dirty="0">
+              <a:latin typeface="Courier New" panose="02070309020205020404" pitchFamily="49" charset="0"/>
+              <a:cs typeface="Courier New" panose="02070309020205020404" pitchFamily="49" charset="0"/>
+            </a:endParaRPr>
+          </a:p>
+          <a:p>
+            <a:r>
+              <a:rPr lang="en-US" b="1" dirty="0">
+                <a:latin typeface="Courier New" panose="02070309020205020404" pitchFamily="49" charset="0"/>
+                <a:cs typeface="Courier New" panose="02070309020205020404" pitchFamily="49" charset="0"/>
+              </a:rPr>
+              <a:t>    old = __</a:t>
+            </a:r>
+            <a:r>
+              <a:rPr lang="en-US" b="1" dirty="0" err="1">
+                <a:latin typeface="Courier New" panose="02070309020205020404" pitchFamily="49" charset="0"/>
+                <a:cs typeface="Courier New" panose="02070309020205020404" pitchFamily="49" charset="0"/>
+              </a:rPr>
+              <a:t>Map_find</a:t>
+            </a:r>
+            <a:r>
+              <a:rPr lang="en-US" b="1" dirty="0">
+                <a:latin typeface="Courier New" panose="02070309020205020404" pitchFamily="49" charset="0"/>
+                <a:cs typeface="Courier New" panose="02070309020205020404" pitchFamily="49" charset="0"/>
+              </a:rPr>
+              <a:t>(self, key);</a:t>
+            </a:r>
+          </a:p>
+          <a:p>
+            <a:r>
+              <a:rPr lang="en-US" b="1" dirty="0">
+                <a:latin typeface="Courier New" panose="02070309020205020404" pitchFamily="49" charset="0"/>
+                <a:cs typeface="Courier New" panose="02070309020205020404" pitchFamily="49" charset="0"/>
+              </a:rPr>
+              <a:t>    if ( old != NULL ) {</a:t>
+            </a:r>
+          </a:p>
+          <a:p>
+            <a:r>
+              <a:rPr lang="en-US" b="1" dirty="0">
+                <a:latin typeface="Courier New" panose="02070309020205020404" pitchFamily="49" charset="0"/>
+                <a:cs typeface="Courier New" panose="02070309020205020404" pitchFamily="49" charset="0"/>
+              </a:rPr>
+              <a:t>        old-&gt;value = value;</a:t>
+            </a:r>
+          </a:p>
+          <a:p>
+            <a:r>
+              <a:rPr lang="en-US" b="1" dirty="0">
+                <a:latin typeface="Courier New" panose="02070309020205020404" pitchFamily="49" charset="0"/>
+                <a:cs typeface="Courier New" panose="02070309020205020404" pitchFamily="49" charset="0"/>
+              </a:rPr>
+              <a:t>        return;</a:t>
+            </a:r>
+          </a:p>
+          <a:p>
+            <a:r>
+              <a:rPr lang="en-US" b="1" dirty="0">
+                <a:latin typeface="Courier New" panose="02070309020205020404" pitchFamily="49" charset="0"/>
+                <a:cs typeface="Courier New" panose="02070309020205020404" pitchFamily="49" charset="0"/>
+              </a:rPr>
+              <a:t>    }</a:t>
+            </a:r>
+          </a:p>
+          <a:p>
+            <a:endParaRPr lang="en-US" b="1" dirty="0">
+              <a:latin typeface="Courier New" panose="02070309020205020404" pitchFamily="49" charset="0"/>
+              <a:cs typeface="Courier New" panose="02070309020205020404" pitchFamily="49" charset="0"/>
+            </a:endParaRPr>
+          </a:p>
+          <a:p>
+            <a:r>
+              <a:rPr lang="en-US" b="1" dirty="0">
+                <a:latin typeface="Courier New" panose="02070309020205020404" pitchFamily="49" charset="0"/>
+                <a:cs typeface="Courier New" panose="02070309020205020404" pitchFamily="49" charset="0"/>
+              </a:rPr>
+              <a:t>    /* Not found - time to insert */</a:t>
+            </a:r>
+          </a:p>
+          <a:p>
+            <a:r>
+              <a:rPr lang="en-US" b="1" dirty="0">
+                <a:latin typeface="Courier New" panose="02070309020205020404" pitchFamily="49" charset="0"/>
+                <a:cs typeface="Courier New" panose="02070309020205020404" pitchFamily="49" charset="0"/>
+              </a:rPr>
+              <a:t>    new = malloc(</a:t>
+            </a:r>
+            <a:r>
+              <a:rPr lang="en-US" b="1" dirty="0" err="1">
+                <a:latin typeface="Courier New" panose="02070309020205020404" pitchFamily="49" charset="0"/>
+                <a:cs typeface="Courier New" panose="02070309020205020404" pitchFamily="49" charset="0"/>
+              </a:rPr>
+              <a:t>sizeof</a:t>
+            </a:r>
+            <a:r>
+              <a:rPr lang="en-US" b="1" dirty="0">
+                <a:latin typeface="Courier New" panose="02070309020205020404" pitchFamily="49" charset="0"/>
+                <a:cs typeface="Courier New" panose="02070309020205020404" pitchFamily="49" charset="0"/>
+              </a:rPr>
+              <a:t>(*new));</a:t>
+            </a:r>
+          </a:p>
+          <a:p>
+            <a:r>
+              <a:rPr lang="en-US" b="1" dirty="0">
+                <a:latin typeface="Courier New" panose="02070309020205020404" pitchFamily="49" charset="0"/>
+                <a:cs typeface="Courier New" panose="02070309020205020404" pitchFamily="49" charset="0"/>
+              </a:rPr>
+              <a:t>    new-&gt;__next = NULL;</a:t>
+            </a:r>
+          </a:p>
+          <a:p>
+            <a:endParaRPr lang="en-US" b="1" dirty="0">
+              <a:latin typeface="Courier New" panose="02070309020205020404" pitchFamily="49" charset="0"/>
+              <a:cs typeface="Courier New" panose="02070309020205020404" pitchFamily="49" charset="0"/>
+            </a:endParaRPr>
+          </a:p>
+          <a:p>
+            <a:r>
+              <a:rPr lang="en-US" b="1" dirty="0">
+                <a:latin typeface="Courier New" panose="02070309020205020404" pitchFamily="49" charset="0"/>
+                <a:cs typeface="Courier New" panose="02070309020205020404" pitchFamily="49" charset="0"/>
+              </a:rPr>
+              <a:t>    if ( self-&gt;__head == NULL ) self-&gt;__head = new;</a:t>
+            </a:r>
+          </a:p>
+          <a:p>
+            <a:r>
+              <a:rPr lang="en-US" b="1" dirty="0">
+                <a:latin typeface="Courier New" panose="02070309020205020404" pitchFamily="49" charset="0"/>
+                <a:cs typeface="Courier New" panose="02070309020205020404" pitchFamily="49" charset="0"/>
+              </a:rPr>
+              <a:t>    if ( self-&gt;__tail != NULL ) self-&gt;__tail-&gt;__next = new;</a:t>
+            </a:r>
+          </a:p>
+          <a:p>
+            <a:r>
+              <a:rPr lang="en-US" b="1" dirty="0">
+                <a:latin typeface="Courier New" panose="02070309020205020404" pitchFamily="49" charset="0"/>
+                <a:cs typeface="Courier New" panose="02070309020205020404" pitchFamily="49" charset="0"/>
+              </a:rPr>
+              <a:t>    new-&gt;__</a:t>
+            </a:r>
+            <a:r>
+              <a:rPr lang="en-US" b="1" dirty="0" err="1">
+                <a:latin typeface="Courier New" panose="02070309020205020404" pitchFamily="49" charset="0"/>
+                <a:cs typeface="Courier New" panose="02070309020205020404" pitchFamily="49" charset="0"/>
+              </a:rPr>
+              <a:t>prev</a:t>
+            </a:r>
+            <a:r>
+              <a:rPr lang="en-US" b="1" dirty="0">
+                <a:latin typeface="Courier New" panose="02070309020205020404" pitchFamily="49" charset="0"/>
+                <a:cs typeface="Courier New" panose="02070309020205020404" pitchFamily="49" charset="0"/>
+              </a:rPr>
+              <a:t> = self-&gt;__tail;</a:t>
+            </a:r>
+          </a:p>
+          <a:p>
+            <a:r>
+              <a:rPr lang="en-US" b="1" dirty="0">
+                <a:latin typeface="Courier New" panose="02070309020205020404" pitchFamily="49" charset="0"/>
+                <a:cs typeface="Courier New" panose="02070309020205020404" pitchFamily="49" charset="0"/>
+              </a:rPr>
+              <a:t>    self-&gt;__tail = new;</a:t>
+            </a:r>
+          </a:p>
+          <a:p>
+            <a:endParaRPr lang="en-US" b="1" dirty="0">
+              <a:latin typeface="Courier New" panose="02070309020205020404" pitchFamily="49" charset="0"/>
+              <a:cs typeface="Courier New" panose="02070309020205020404" pitchFamily="49" charset="0"/>
+            </a:endParaRPr>
+          </a:p>
+          <a:p>
+            <a:r>
+              <a:rPr lang="en-US" b="1" dirty="0">
+                <a:latin typeface="Courier New" panose="02070309020205020404" pitchFamily="49" charset="0"/>
+                <a:cs typeface="Courier New" panose="02070309020205020404" pitchFamily="49" charset="0"/>
+              </a:rPr>
+              <a:t>    ...</a:t>
+            </a:r>
+          </a:p>
+          <a:p>
+            <a:r>
+              <a:rPr lang="en-US" b="1" dirty="0">
+                <a:latin typeface="Courier New" panose="02070309020205020404" pitchFamily="49" charset="0"/>
+                <a:cs typeface="Courier New" panose="02070309020205020404" pitchFamily="49" charset="0"/>
+              </a:rPr>
+              <a:t>}</a:t>
             </a:r>
           </a:p>
         </p:txBody>
@@ -6920,7 +6948,1004 @@
     </p:spTree>
     <p:extLst>
       <p:ext uri="{BB962C8B-B14F-4D97-AF65-F5344CB8AC3E}">
-        <p14:creationId xmlns:p14="http://schemas.microsoft.com/office/powerpoint/2010/main" val="2381920313"/>
+        <p14:creationId xmlns:p14="http://schemas.microsoft.com/office/powerpoint/2010/main" val="1733776237"/>
+      </p:ext>
+    </p:extLst>
+  </p:cSld>
+  <p:clrMapOvr>
+    <a:masterClrMapping/>
+  </p:clrMapOvr>
+</p:sld>
+</file>
+
+<file path=ppt/slides/slide17.xml><?xml version="1.0" encoding="utf-8"?>
+<p:sld xmlns:a="http://schemas.openxmlformats.org/drawingml/2006/main" xmlns:r="http://schemas.openxmlformats.org/officeDocument/2006/relationships" xmlns:p="http://schemas.openxmlformats.org/presentationml/2006/main">
+  <p:cSld>
+    <p:spTree>
+      <p:nvGrpSpPr>
+        <p:cNvPr id="1" name=""/>
+        <p:cNvGrpSpPr/>
+        <p:nvPr/>
+      </p:nvGrpSpPr>
+      <p:grpSpPr>
+        <a:xfrm>
+          <a:off x="0" y="0"/>
+          <a:ext cx="0" cy="0"/>
+          <a:chOff x="0" y="0"/>
+          <a:chExt cx="0" cy="0"/>
+        </a:xfrm>
+      </p:grpSpPr>
+      <p:sp>
+        <p:nvSpPr>
+          <p:cNvPr id="5" name="TextBox 4">
+            <a:extLst>
+              <a:ext uri="{FF2B5EF4-FFF2-40B4-BE49-F238E27FC236}">
+                <a16:creationId xmlns:a16="http://schemas.microsoft.com/office/drawing/2014/main" id="{A1F34521-3E85-1FB0-1D82-AFF2657BBEC0}"/>
+              </a:ext>
+            </a:extLst>
+          </p:cNvPr>
+          <p:cNvSpPr txBox="1"/>
+          <p:nvPr/>
+        </p:nvSpPr>
+        <p:spPr>
+          <a:xfrm>
+            <a:off x="452803" y="394692"/>
+            <a:ext cx="11286393" cy="6463308"/>
+          </a:xfrm>
+          <a:prstGeom prst="rect">
+            <a:avLst/>
+          </a:prstGeom>
+          <a:noFill/>
+        </p:spPr>
+        <p:txBody>
+          <a:bodyPr wrap="square">
+            <a:spAutoFit/>
+          </a:bodyPr>
+          <a:lstStyle/>
+          <a:p>
+            <a:r>
+              <a:rPr lang="en-US" b="1" dirty="0">
+                <a:latin typeface="Courier New" panose="02070309020205020404" pitchFamily="49" charset="0"/>
+                <a:cs typeface="Courier New" panose="02070309020205020404" pitchFamily="49" charset="0"/>
+              </a:rPr>
+              <a:t>void </a:t>
+            </a:r>
+            <a:r>
+              <a:rPr lang="en-US" b="1" dirty="0">
+                <a:solidFill>
+                  <a:srgbClr val="0070C0"/>
+                </a:solidFill>
+                <a:latin typeface="Courier New" panose="02070309020205020404" pitchFamily="49" charset="0"/>
+                <a:cs typeface="Courier New" panose="02070309020205020404" pitchFamily="49" charset="0"/>
+              </a:rPr>
+              <a:t>__</a:t>
+            </a:r>
+            <a:r>
+              <a:rPr lang="en-US" b="1" dirty="0" err="1">
+                <a:solidFill>
+                  <a:srgbClr val="0070C0"/>
+                </a:solidFill>
+                <a:latin typeface="Courier New" panose="02070309020205020404" pitchFamily="49" charset="0"/>
+                <a:cs typeface="Courier New" panose="02070309020205020404" pitchFamily="49" charset="0"/>
+              </a:rPr>
+              <a:t>HashMap_put</a:t>
+            </a:r>
+            <a:r>
+              <a:rPr lang="en-US" b="1" dirty="0">
+                <a:latin typeface="Courier New" panose="02070309020205020404" pitchFamily="49" charset="0"/>
+                <a:cs typeface="Courier New" panose="02070309020205020404" pitchFamily="49" charset="0"/>
+              </a:rPr>
+              <a:t>(struct HashMap* self, char *key, int value) {</a:t>
+            </a:r>
+          </a:p>
+          <a:p>
+            <a:r>
+              <a:rPr lang="en-US" b="1" dirty="0">
+                <a:solidFill>
+                  <a:srgbClr val="0070C0"/>
+                </a:solidFill>
+                <a:latin typeface="Courier New" panose="02070309020205020404" pitchFamily="49" charset="0"/>
+                <a:cs typeface="Courier New" panose="02070309020205020404" pitchFamily="49" charset="0"/>
+              </a:rPr>
+              <a:t>    int bucket;</a:t>
+            </a:r>
+          </a:p>
+          <a:p>
+            <a:r>
+              <a:rPr lang="en-US" b="1" dirty="0">
+                <a:latin typeface="Courier New" panose="02070309020205020404" pitchFamily="49" charset="0"/>
+                <a:cs typeface="Courier New" panose="02070309020205020404" pitchFamily="49" charset="0"/>
+              </a:rPr>
+              <a:t>    struct </a:t>
+            </a:r>
+            <a:r>
+              <a:rPr lang="en-US" b="1" dirty="0" err="1">
+                <a:latin typeface="Courier New" panose="02070309020205020404" pitchFamily="49" charset="0"/>
+                <a:cs typeface="Courier New" panose="02070309020205020404" pitchFamily="49" charset="0"/>
+              </a:rPr>
+              <a:t>HashMapEntry</a:t>
+            </a:r>
+            <a:r>
+              <a:rPr lang="en-US" b="1" dirty="0">
+                <a:latin typeface="Courier New" panose="02070309020205020404" pitchFamily="49" charset="0"/>
+                <a:cs typeface="Courier New" panose="02070309020205020404" pitchFamily="49" charset="0"/>
+              </a:rPr>
+              <a:t> *old, *new;</a:t>
+            </a:r>
+          </a:p>
+          <a:p>
+            <a:r>
+              <a:rPr lang="en-US" b="1" dirty="0">
+                <a:latin typeface="Courier New" panose="02070309020205020404" pitchFamily="49" charset="0"/>
+                <a:cs typeface="Courier New" panose="02070309020205020404" pitchFamily="49" charset="0"/>
+              </a:rPr>
+              <a:t>    char *</a:t>
+            </a:r>
+            <a:r>
+              <a:rPr lang="en-US" b="1" dirty="0" err="1">
+                <a:latin typeface="Courier New" panose="02070309020205020404" pitchFamily="49" charset="0"/>
+                <a:cs typeface="Courier New" panose="02070309020205020404" pitchFamily="49" charset="0"/>
+              </a:rPr>
+              <a:t>new_key</a:t>
+            </a:r>
+            <a:r>
+              <a:rPr lang="en-US" b="1" dirty="0">
+                <a:latin typeface="Courier New" panose="02070309020205020404" pitchFamily="49" charset="0"/>
+                <a:cs typeface="Courier New" panose="02070309020205020404" pitchFamily="49" charset="0"/>
+              </a:rPr>
+              <a:t>, *</a:t>
+            </a:r>
+            <a:r>
+              <a:rPr lang="en-US" b="1" dirty="0" err="1">
+                <a:latin typeface="Courier New" panose="02070309020205020404" pitchFamily="49" charset="0"/>
+                <a:cs typeface="Courier New" panose="02070309020205020404" pitchFamily="49" charset="0"/>
+              </a:rPr>
+              <a:t>new_value</a:t>
+            </a:r>
+            <a:r>
+              <a:rPr lang="en-US" b="1" dirty="0">
+                <a:latin typeface="Courier New" panose="02070309020205020404" pitchFamily="49" charset="0"/>
+                <a:cs typeface="Courier New" panose="02070309020205020404" pitchFamily="49" charset="0"/>
+              </a:rPr>
+              <a:t>;</a:t>
+            </a:r>
+          </a:p>
+          <a:p>
+            <a:endParaRPr lang="en-US" b="1" dirty="0">
+              <a:latin typeface="Courier New" panose="02070309020205020404" pitchFamily="49" charset="0"/>
+              <a:cs typeface="Courier New" panose="02070309020205020404" pitchFamily="49" charset="0"/>
+            </a:endParaRPr>
+          </a:p>
+          <a:p>
+            <a:r>
+              <a:rPr lang="en-US" b="1" dirty="0">
+                <a:solidFill>
+                  <a:srgbClr val="0070C0"/>
+                </a:solidFill>
+                <a:latin typeface="Courier New" panose="02070309020205020404" pitchFamily="49" charset="0"/>
+                <a:cs typeface="Courier New" panose="02070309020205020404" pitchFamily="49" charset="0"/>
+              </a:rPr>
+              <a:t>    bucket = </a:t>
+            </a:r>
+            <a:r>
+              <a:rPr lang="en-US" b="1" dirty="0" err="1">
+                <a:solidFill>
+                  <a:srgbClr val="0070C0"/>
+                </a:solidFill>
+                <a:latin typeface="Courier New" panose="02070309020205020404" pitchFamily="49" charset="0"/>
+                <a:cs typeface="Courier New" panose="02070309020205020404" pitchFamily="49" charset="0"/>
+              </a:rPr>
+              <a:t>getBucket</a:t>
+            </a:r>
+            <a:r>
+              <a:rPr lang="en-US" b="1" dirty="0">
+                <a:solidFill>
+                  <a:srgbClr val="0070C0"/>
+                </a:solidFill>
+                <a:latin typeface="Courier New" panose="02070309020205020404" pitchFamily="49" charset="0"/>
+                <a:cs typeface="Courier New" panose="02070309020205020404" pitchFamily="49" charset="0"/>
+              </a:rPr>
+              <a:t>(key, self-&gt;__buckets);</a:t>
+            </a:r>
+          </a:p>
+          <a:p>
+            <a:r>
+              <a:rPr lang="en-US" b="1" dirty="0">
+                <a:latin typeface="Courier New" panose="02070309020205020404" pitchFamily="49" charset="0"/>
+                <a:cs typeface="Courier New" panose="02070309020205020404" pitchFamily="49" charset="0"/>
+              </a:rPr>
+              <a:t>    old = __</a:t>
+            </a:r>
+            <a:r>
+              <a:rPr lang="en-US" b="1" dirty="0" err="1">
+                <a:latin typeface="Courier New" panose="02070309020205020404" pitchFamily="49" charset="0"/>
+                <a:cs typeface="Courier New" panose="02070309020205020404" pitchFamily="49" charset="0"/>
+              </a:rPr>
+              <a:t>HashMap_find</a:t>
+            </a:r>
+            <a:r>
+              <a:rPr lang="en-US" b="1" dirty="0">
+                <a:latin typeface="Courier New" panose="02070309020205020404" pitchFamily="49" charset="0"/>
+                <a:cs typeface="Courier New" panose="02070309020205020404" pitchFamily="49" charset="0"/>
+              </a:rPr>
+              <a:t>(self, key, </a:t>
+            </a:r>
+            <a:r>
+              <a:rPr lang="en-US" b="1" dirty="0">
+                <a:solidFill>
+                  <a:srgbClr val="0070C0"/>
+                </a:solidFill>
+                <a:latin typeface="Courier New" panose="02070309020205020404" pitchFamily="49" charset="0"/>
+                <a:cs typeface="Courier New" panose="02070309020205020404" pitchFamily="49" charset="0"/>
+              </a:rPr>
+              <a:t>bucket</a:t>
+            </a:r>
+            <a:r>
+              <a:rPr lang="en-US" b="1" dirty="0">
+                <a:latin typeface="Courier New" panose="02070309020205020404" pitchFamily="49" charset="0"/>
+                <a:cs typeface="Courier New" panose="02070309020205020404" pitchFamily="49" charset="0"/>
+              </a:rPr>
+              <a:t>);</a:t>
+            </a:r>
+          </a:p>
+          <a:p>
+            <a:r>
+              <a:rPr lang="en-US" b="1" dirty="0">
+                <a:latin typeface="Courier New" panose="02070309020205020404" pitchFamily="49" charset="0"/>
+                <a:cs typeface="Courier New" panose="02070309020205020404" pitchFamily="49" charset="0"/>
+              </a:rPr>
+              <a:t>    if ( old != NULL ) {</a:t>
+            </a:r>
+          </a:p>
+          <a:p>
+            <a:r>
+              <a:rPr lang="en-US" b="1" dirty="0">
+                <a:latin typeface="Courier New" panose="02070309020205020404" pitchFamily="49" charset="0"/>
+                <a:cs typeface="Courier New" panose="02070309020205020404" pitchFamily="49" charset="0"/>
+              </a:rPr>
+              <a:t>        old-&gt;value = value;</a:t>
+            </a:r>
+          </a:p>
+          <a:p>
+            <a:r>
+              <a:rPr lang="en-US" b="1" dirty="0">
+                <a:latin typeface="Courier New" panose="02070309020205020404" pitchFamily="49" charset="0"/>
+                <a:cs typeface="Courier New" panose="02070309020205020404" pitchFamily="49" charset="0"/>
+              </a:rPr>
+              <a:t>        return;</a:t>
+            </a:r>
+          </a:p>
+          <a:p>
+            <a:r>
+              <a:rPr lang="en-US" b="1" dirty="0">
+                <a:latin typeface="Courier New" panose="02070309020205020404" pitchFamily="49" charset="0"/>
+                <a:cs typeface="Courier New" panose="02070309020205020404" pitchFamily="49" charset="0"/>
+              </a:rPr>
+              <a:t>    }</a:t>
+            </a:r>
+          </a:p>
+          <a:p>
+            <a:endParaRPr lang="en-US" b="1" dirty="0">
+              <a:latin typeface="Courier New" panose="02070309020205020404" pitchFamily="49" charset="0"/>
+              <a:cs typeface="Courier New" panose="02070309020205020404" pitchFamily="49" charset="0"/>
+            </a:endParaRPr>
+          </a:p>
+          <a:p>
+            <a:r>
+              <a:rPr lang="en-US" b="1" dirty="0">
+                <a:latin typeface="Courier New" panose="02070309020205020404" pitchFamily="49" charset="0"/>
+                <a:cs typeface="Courier New" panose="02070309020205020404" pitchFamily="49" charset="0"/>
+              </a:rPr>
+              <a:t>    /* Not found - time to insert */</a:t>
+            </a:r>
+          </a:p>
+          <a:p>
+            <a:r>
+              <a:rPr lang="en-US" b="1" dirty="0">
+                <a:latin typeface="Courier New" panose="02070309020205020404" pitchFamily="49" charset="0"/>
+                <a:cs typeface="Courier New" panose="02070309020205020404" pitchFamily="49" charset="0"/>
+              </a:rPr>
+              <a:t>    new = malloc(</a:t>
+            </a:r>
+            <a:r>
+              <a:rPr lang="en-US" b="1" dirty="0" err="1">
+                <a:latin typeface="Courier New" panose="02070309020205020404" pitchFamily="49" charset="0"/>
+                <a:cs typeface="Courier New" panose="02070309020205020404" pitchFamily="49" charset="0"/>
+              </a:rPr>
+              <a:t>sizeof</a:t>
+            </a:r>
+            <a:r>
+              <a:rPr lang="en-US" b="1" dirty="0">
+                <a:latin typeface="Courier New" panose="02070309020205020404" pitchFamily="49" charset="0"/>
+                <a:cs typeface="Courier New" panose="02070309020205020404" pitchFamily="49" charset="0"/>
+              </a:rPr>
+              <a:t>(*new));</a:t>
+            </a:r>
+          </a:p>
+          <a:p>
+            <a:r>
+              <a:rPr lang="en-US" b="1" dirty="0">
+                <a:latin typeface="Courier New" panose="02070309020205020404" pitchFamily="49" charset="0"/>
+                <a:cs typeface="Courier New" panose="02070309020205020404" pitchFamily="49" charset="0"/>
+              </a:rPr>
+              <a:t>    new-&gt;__next = NULL;</a:t>
+            </a:r>
+          </a:p>
+          <a:p>
+            <a:endParaRPr lang="en-US" b="1" dirty="0">
+              <a:latin typeface="Courier New" panose="02070309020205020404" pitchFamily="49" charset="0"/>
+              <a:cs typeface="Courier New" panose="02070309020205020404" pitchFamily="49" charset="0"/>
+            </a:endParaRPr>
+          </a:p>
+          <a:p>
+            <a:r>
+              <a:rPr lang="en-US" b="1" dirty="0">
+                <a:latin typeface="Courier New" panose="02070309020205020404" pitchFamily="49" charset="0"/>
+                <a:cs typeface="Courier New" panose="02070309020205020404" pitchFamily="49" charset="0"/>
+              </a:rPr>
+              <a:t>    if ( self-&gt;</a:t>
+            </a:r>
+            <a:r>
+              <a:rPr lang="en-US" b="1" dirty="0">
+                <a:solidFill>
+                  <a:srgbClr val="0070C0"/>
+                </a:solidFill>
+                <a:latin typeface="Courier New" panose="02070309020205020404" pitchFamily="49" charset="0"/>
+                <a:cs typeface="Courier New" panose="02070309020205020404" pitchFamily="49" charset="0"/>
+              </a:rPr>
+              <a:t>__heads[bucket] </a:t>
+            </a:r>
+            <a:r>
+              <a:rPr lang="en-US" b="1" dirty="0">
+                <a:latin typeface="Courier New" panose="02070309020205020404" pitchFamily="49" charset="0"/>
+                <a:cs typeface="Courier New" panose="02070309020205020404" pitchFamily="49" charset="0"/>
+              </a:rPr>
+              <a:t>== NULL ) self-&gt;</a:t>
+            </a:r>
+            <a:r>
+              <a:rPr lang="en-US" b="1" dirty="0">
+                <a:solidFill>
+                  <a:srgbClr val="0070C0"/>
+                </a:solidFill>
+                <a:latin typeface="Courier New" panose="02070309020205020404" pitchFamily="49" charset="0"/>
+                <a:cs typeface="Courier New" panose="02070309020205020404" pitchFamily="49" charset="0"/>
+              </a:rPr>
+              <a:t>__heads[bucket] </a:t>
+            </a:r>
+            <a:r>
+              <a:rPr lang="en-US" b="1" dirty="0">
+                <a:latin typeface="Courier New" panose="02070309020205020404" pitchFamily="49" charset="0"/>
+                <a:cs typeface="Courier New" panose="02070309020205020404" pitchFamily="49" charset="0"/>
+              </a:rPr>
+              <a:t>= new;</a:t>
+            </a:r>
+          </a:p>
+          <a:p>
+            <a:r>
+              <a:rPr lang="en-US" b="1" dirty="0">
+                <a:latin typeface="Courier New" panose="02070309020205020404" pitchFamily="49" charset="0"/>
+                <a:cs typeface="Courier New" panose="02070309020205020404" pitchFamily="49" charset="0"/>
+              </a:rPr>
+              <a:t>    if ( self-&gt;</a:t>
+            </a:r>
+            <a:r>
+              <a:rPr lang="en-US" b="1" dirty="0">
+                <a:solidFill>
+                  <a:srgbClr val="0070C0"/>
+                </a:solidFill>
+                <a:latin typeface="Courier New" panose="02070309020205020404" pitchFamily="49" charset="0"/>
+                <a:cs typeface="Courier New" panose="02070309020205020404" pitchFamily="49" charset="0"/>
+              </a:rPr>
+              <a:t>__tails[bucket]</a:t>
+            </a:r>
+            <a:r>
+              <a:rPr lang="en-US" b="1" dirty="0">
+                <a:latin typeface="Courier New" panose="02070309020205020404" pitchFamily="49" charset="0"/>
+                <a:cs typeface="Courier New" panose="02070309020205020404" pitchFamily="49" charset="0"/>
+              </a:rPr>
+              <a:t> != NULL ) self-&gt;</a:t>
+            </a:r>
+            <a:r>
+              <a:rPr lang="en-US" b="1" dirty="0">
+                <a:solidFill>
+                  <a:srgbClr val="0070C0"/>
+                </a:solidFill>
+                <a:latin typeface="Courier New" panose="02070309020205020404" pitchFamily="49" charset="0"/>
+                <a:cs typeface="Courier New" panose="02070309020205020404" pitchFamily="49" charset="0"/>
+              </a:rPr>
+              <a:t>__tails[bucket]</a:t>
+            </a:r>
+            <a:r>
+              <a:rPr lang="en-US" b="1" dirty="0">
+                <a:latin typeface="Courier New" panose="02070309020205020404" pitchFamily="49" charset="0"/>
+                <a:cs typeface="Courier New" panose="02070309020205020404" pitchFamily="49" charset="0"/>
+              </a:rPr>
+              <a:t>-&gt;__next = new;</a:t>
+            </a:r>
+          </a:p>
+          <a:p>
+            <a:r>
+              <a:rPr lang="en-US" b="1" dirty="0">
+                <a:latin typeface="Courier New" panose="02070309020205020404" pitchFamily="49" charset="0"/>
+                <a:cs typeface="Courier New" panose="02070309020205020404" pitchFamily="49" charset="0"/>
+              </a:rPr>
+              <a:t>    new-&gt;__</a:t>
+            </a:r>
+            <a:r>
+              <a:rPr lang="en-US" b="1" dirty="0" err="1">
+                <a:latin typeface="Courier New" panose="02070309020205020404" pitchFamily="49" charset="0"/>
+                <a:cs typeface="Courier New" panose="02070309020205020404" pitchFamily="49" charset="0"/>
+              </a:rPr>
+              <a:t>prev</a:t>
+            </a:r>
+            <a:r>
+              <a:rPr lang="en-US" b="1" dirty="0">
+                <a:latin typeface="Courier New" panose="02070309020205020404" pitchFamily="49" charset="0"/>
+                <a:cs typeface="Courier New" panose="02070309020205020404" pitchFamily="49" charset="0"/>
+              </a:rPr>
+              <a:t> = self-&gt;</a:t>
+            </a:r>
+            <a:r>
+              <a:rPr lang="en-US" b="1" dirty="0">
+                <a:solidFill>
+                  <a:srgbClr val="0070C0"/>
+                </a:solidFill>
+                <a:latin typeface="Courier New" panose="02070309020205020404" pitchFamily="49" charset="0"/>
+                <a:cs typeface="Courier New" panose="02070309020205020404" pitchFamily="49" charset="0"/>
+              </a:rPr>
+              <a:t>__tails[bucket];</a:t>
+            </a:r>
+          </a:p>
+          <a:p>
+            <a:r>
+              <a:rPr lang="en-US" b="1" dirty="0">
+                <a:latin typeface="Courier New" panose="02070309020205020404" pitchFamily="49" charset="0"/>
+                <a:cs typeface="Courier New" panose="02070309020205020404" pitchFamily="49" charset="0"/>
+              </a:rPr>
+              <a:t>    self-&gt;</a:t>
+            </a:r>
+            <a:r>
+              <a:rPr lang="en-US" b="1" dirty="0">
+                <a:solidFill>
+                  <a:srgbClr val="0070C0"/>
+                </a:solidFill>
+                <a:latin typeface="Courier New" panose="02070309020205020404" pitchFamily="49" charset="0"/>
+                <a:cs typeface="Courier New" panose="02070309020205020404" pitchFamily="49" charset="0"/>
+              </a:rPr>
+              <a:t>__tails[bucket] </a:t>
+            </a:r>
+            <a:r>
+              <a:rPr lang="en-US" b="1" dirty="0">
+                <a:latin typeface="Courier New" panose="02070309020205020404" pitchFamily="49" charset="0"/>
+                <a:cs typeface="Courier New" panose="02070309020205020404" pitchFamily="49" charset="0"/>
+              </a:rPr>
+              <a:t>= new;</a:t>
+            </a:r>
+          </a:p>
+          <a:p>
+            <a:endParaRPr lang="en-US" b="1" dirty="0">
+              <a:latin typeface="Courier New" panose="02070309020205020404" pitchFamily="49" charset="0"/>
+              <a:cs typeface="Courier New" panose="02070309020205020404" pitchFamily="49" charset="0"/>
+            </a:endParaRPr>
+          </a:p>
+          <a:p>
+            <a:r>
+              <a:rPr lang="en-US" b="1" dirty="0">
+                <a:latin typeface="Courier New" panose="02070309020205020404" pitchFamily="49" charset="0"/>
+                <a:cs typeface="Courier New" panose="02070309020205020404" pitchFamily="49" charset="0"/>
+              </a:rPr>
+              <a:t>    ...</a:t>
+            </a:r>
+          </a:p>
+          <a:p>
+            <a:r>
+              <a:rPr lang="en-US" b="1" dirty="0">
+                <a:latin typeface="Courier New" panose="02070309020205020404" pitchFamily="49" charset="0"/>
+                <a:cs typeface="Courier New" panose="02070309020205020404" pitchFamily="49" charset="0"/>
+              </a:rPr>
+              <a:t>}</a:t>
+            </a:r>
+          </a:p>
+        </p:txBody>
+      </p:sp>
+    </p:spTree>
+    <p:extLst>
+      <p:ext uri="{BB962C8B-B14F-4D97-AF65-F5344CB8AC3E}">
+        <p14:creationId xmlns:p14="http://schemas.microsoft.com/office/powerpoint/2010/main" val="4238945442"/>
+      </p:ext>
+    </p:extLst>
+  </p:cSld>
+  <p:clrMapOvr>
+    <a:masterClrMapping/>
+  </p:clrMapOvr>
+</p:sld>
+</file>
+
+<file path=ppt/slides/slide18.xml><?xml version="1.0" encoding="utf-8"?>
+<p:sld xmlns:a="http://schemas.openxmlformats.org/drawingml/2006/main" xmlns:r="http://schemas.openxmlformats.org/officeDocument/2006/relationships" xmlns:p="http://schemas.openxmlformats.org/presentationml/2006/main">
+  <p:cSld>
+    <p:spTree>
+      <p:nvGrpSpPr>
+        <p:cNvPr id="1" name=""/>
+        <p:cNvGrpSpPr/>
+        <p:nvPr/>
+      </p:nvGrpSpPr>
+      <p:grpSpPr>
+        <a:xfrm>
+          <a:off x="0" y="0"/>
+          <a:ext cx="0" cy="0"/>
+          <a:chOff x="0" y="0"/>
+          <a:chExt cx="0" cy="0"/>
+        </a:xfrm>
+      </p:grpSpPr>
+      <p:sp>
+        <p:nvSpPr>
+          <p:cNvPr id="5" name="TextBox 4">
+            <a:extLst>
+              <a:ext uri="{FF2B5EF4-FFF2-40B4-BE49-F238E27FC236}">
+                <a16:creationId xmlns:a16="http://schemas.microsoft.com/office/drawing/2014/main" id="{A1F34521-3E85-1FB0-1D82-AFF2657BBEC0}"/>
+              </a:ext>
+            </a:extLst>
+          </p:cNvPr>
+          <p:cNvSpPr txBox="1"/>
+          <p:nvPr/>
+        </p:nvSpPr>
+        <p:spPr>
+          <a:xfrm>
+            <a:off x="452803" y="394692"/>
+            <a:ext cx="11286393" cy="3693319"/>
+          </a:xfrm>
+          <a:prstGeom prst="rect">
+            <a:avLst/>
+          </a:prstGeom>
+          <a:noFill/>
+        </p:spPr>
+        <p:txBody>
+          <a:bodyPr wrap="square">
+            <a:spAutoFit/>
+          </a:bodyPr>
+          <a:lstStyle/>
+          <a:p>
+            <a:r>
+              <a:rPr lang="en-US" b="1" dirty="0">
+                <a:latin typeface="Courier New" panose="02070309020205020404" pitchFamily="49" charset="0"/>
+                <a:cs typeface="Courier New" panose="02070309020205020404" pitchFamily="49" charset="0"/>
+              </a:rPr>
+              <a:t>void __</a:t>
+            </a:r>
+            <a:r>
+              <a:rPr lang="en-US" b="1" dirty="0" err="1">
+                <a:latin typeface="Courier New" panose="02070309020205020404" pitchFamily="49" charset="0"/>
+                <a:cs typeface="Courier New" panose="02070309020205020404" pitchFamily="49" charset="0"/>
+              </a:rPr>
+              <a:t>HashMap_dump</a:t>
+            </a:r>
+            <a:r>
+              <a:rPr lang="en-US" b="1" dirty="0">
+                <a:latin typeface="Courier New" panose="02070309020205020404" pitchFamily="49" charset="0"/>
+                <a:cs typeface="Courier New" panose="02070309020205020404" pitchFamily="49" charset="0"/>
+              </a:rPr>
+              <a:t>(struct HashMap* self)</a:t>
+            </a:r>
+          </a:p>
+          <a:p>
+            <a:r>
+              <a:rPr lang="en-US" b="1" dirty="0">
+                <a:latin typeface="Courier New" panose="02070309020205020404" pitchFamily="49" charset="0"/>
+                <a:cs typeface="Courier New" panose="02070309020205020404" pitchFamily="49" charset="0"/>
+              </a:rPr>
+              <a:t>{</a:t>
+            </a:r>
+          </a:p>
+          <a:p>
+            <a:r>
+              <a:rPr lang="en-US" b="1" dirty="0">
+                <a:latin typeface="Courier New" panose="02070309020205020404" pitchFamily="49" charset="0"/>
+                <a:cs typeface="Courier New" panose="02070309020205020404" pitchFamily="49" charset="0"/>
+              </a:rPr>
+              <a:t>    int </a:t>
+            </a:r>
+            <a:r>
+              <a:rPr lang="en-US" b="1" dirty="0" err="1">
+                <a:latin typeface="Courier New" panose="02070309020205020404" pitchFamily="49" charset="0"/>
+                <a:cs typeface="Courier New" panose="02070309020205020404" pitchFamily="49" charset="0"/>
+              </a:rPr>
+              <a:t>i</a:t>
+            </a:r>
+            <a:r>
+              <a:rPr lang="en-US" b="1" dirty="0">
+                <a:latin typeface="Courier New" panose="02070309020205020404" pitchFamily="49" charset="0"/>
+                <a:cs typeface="Courier New" panose="02070309020205020404" pitchFamily="49" charset="0"/>
+              </a:rPr>
+              <a:t>;</a:t>
+            </a:r>
+          </a:p>
+          <a:p>
+            <a:r>
+              <a:rPr lang="en-US" b="1" dirty="0">
+                <a:latin typeface="Courier New" panose="02070309020205020404" pitchFamily="49" charset="0"/>
+                <a:cs typeface="Courier New" panose="02070309020205020404" pitchFamily="49" charset="0"/>
+              </a:rPr>
+              <a:t>    struct </a:t>
+            </a:r>
+            <a:r>
+              <a:rPr lang="en-US" b="1" dirty="0" err="1">
+                <a:latin typeface="Courier New" panose="02070309020205020404" pitchFamily="49" charset="0"/>
+                <a:cs typeface="Courier New" panose="02070309020205020404" pitchFamily="49" charset="0"/>
+              </a:rPr>
+              <a:t>HashMapEntry</a:t>
+            </a:r>
+            <a:r>
+              <a:rPr lang="en-US" b="1" dirty="0">
+                <a:latin typeface="Courier New" panose="02070309020205020404" pitchFamily="49" charset="0"/>
+                <a:cs typeface="Courier New" panose="02070309020205020404" pitchFamily="49" charset="0"/>
+              </a:rPr>
+              <a:t> *cur;</a:t>
+            </a:r>
+          </a:p>
+          <a:p>
+            <a:endParaRPr lang="en-US" b="1" dirty="0">
+              <a:latin typeface="Courier New" panose="02070309020205020404" pitchFamily="49" charset="0"/>
+              <a:cs typeface="Courier New" panose="02070309020205020404" pitchFamily="49" charset="0"/>
+            </a:endParaRPr>
+          </a:p>
+          <a:p>
+            <a:r>
+              <a:rPr lang="en-US" b="1" dirty="0">
+                <a:latin typeface="Courier New" panose="02070309020205020404" pitchFamily="49" charset="0"/>
+                <a:cs typeface="Courier New" panose="02070309020205020404" pitchFamily="49" charset="0"/>
+              </a:rPr>
+              <a:t>    </a:t>
+            </a:r>
+            <a:r>
+              <a:rPr lang="en-US" b="1" dirty="0" err="1">
+                <a:latin typeface="Courier New" panose="02070309020205020404" pitchFamily="49" charset="0"/>
+                <a:cs typeface="Courier New" panose="02070309020205020404" pitchFamily="49" charset="0"/>
+              </a:rPr>
+              <a:t>printf</a:t>
+            </a:r>
+            <a:r>
+              <a:rPr lang="en-US" b="1" dirty="0">
+                <a:latin typeface="Courier New" panose="02070309020205020404" pitchFamily="49" charset="0"/>
+                <a:cs typeface="Courier New" panose="02070309020205020404" pitchFamily="49" charset="0"/>
+              </a:rPr>
+              <a:t>("Object </a:t>
+            </a:r>
+            <a:r>
+              <a:rPr lang="en-US" b="1" dirty="0" err="1">
+                <a:latin typeface="Courier New" panose="02070309020205020404" pitchFamily="49" charset="0"/>
+                <a:cs typeface="Courier New" panose="02070309020205020404" pitchFamily="49" charset="0"/>
+              </a:rPr>
+              <a:t>HashHashMap</a:t>
+            </a:r>
+            <a:r>
+              <a:rPr lang="en-US" b="1" dirty="0">
+                <a:latin typeface="Courier New" panose="02070309020205020404" pitchFamily="49" charset="0"/>
+                <a:cs typeface="Courier New" panose="02070309020205020404" pitchFamily="49" charset="0"/>
+              </a:rPr>
+              <a:t>@%p count=%d buckets=%d\n", </a:t>
+            </a:r>
+          </a:p>
+          <a:p>
+            <a:r>
+              <a:rPr lang="en-US" b="1" dirty="0">
+                <a:latin typeface="Courier New" panose="02070309020205020404" pitchFamily="49" charset="0"/>
+                <a:cs typeface="Courier New" panose="02070309020205020404" pitchFamily="49" charset="0"/>
+              </a:rPr>
+              <a:t>                                  self, self-&gt;__count, self-&gt;__buckets);</a:t>
+            </a:r>
+          </a:p>
+          <a:p>
+            <a:r>
+              <a:rPr lang="en-US" b="1" dirty="0">
+                <a:latin typeface="Courier New" panose="02070309020205020404" pitchFamily="49" charset="0"/>
+                <a:cs typeface="Courier New" panose="02070309020205020404" pitchFamily="49" charset="0"/>
+              </a:rPr>
+              <a:t>    for(</a:t>
+            </a:r>
+            <a:r>
+              <a:rPr lang="en-US" b="1" dirty="0" err="1">
+                <a:latin typeface="Courier New" panose="02070309020205020404" pitchFamily="49" charset="0"/>
+                <a:cs typeface="Courier New" panose="02070309020205020404" pitchFamily="49" charset="0"/>
+              </a:rPr>
+              <a:t>i</a:t>
+            </a:r>
+            <a:r>
+              <a:rPr lang="en-US" b="1" dirty="0">
+                <a:latin typeface="Courier New" panose="02070309020205020404" pitchFamily="49" charset="0"/>
+                <a:cs typeface="Courier New" panose="02070309020205020404" pitchFamily="49" charset="0"/>
+              </a:rPr>
+              <a:t> = 0; </a:t>
+            </a:r>
+            <a:r>
+              <a:rPr lang="en-US" b="1" dirty="0" err="1">
+                <a:latin typeface="Courier New" panose="02070309020205020404" pitchFamily="49" charset="0"/>
+                <a:cs typeface="Courier New" panose="02070309020205020404" pitchFamily="49" charset="0"/>
+              </a:rPr>
+              <a:t>i</a:t>
+            </a:r>
+            <a:r>
+              <a:rPr lang="en-US" b="1" dirty="0">
+                <a:latin typeface="Courier New" panose="02070309020205020404" pitchFamily="49" charset="0"/>
+                <a:cs typeface="Courier New" panose="02070309020205020404" pitchFamily="49" charset="0"/>
+              </a:rPr>
+              <a:t> &lt; self-&gt;__buckets; </a:t>
+            </a:r>
+            <a:r>
+              <a:rPr lang="en-US" b="1" dirty="0" err="1">
+                <a:latin typeface="Courier New" panose="02070309020205020404" pitchFamily="49" charset="0"/>
+                <a:cs typeface="Courier New" panose="02070309020205020404" pitchFamily="49" charset="0"/>
+              </a:rPr>
+              <a:t>i</a:t>
+            </a:r>
+            <a:r>
+              <a:rPr lang="en-US" b="1" dirty="0">
+                <a:latin typeface="Courier New" panose="02070309020205020404" pitchFamily="49" charset="0"/>
+                <a:cs typeface="Courier New" panose="02070309020205020404" pitchFamily="49" charset="0"/>
+              </a:rPr>
+              <a:t>++ ) {</a:t>
+            </a:r>
+          </a:p>
+          <a:p>
+            <a:r>
+              <a:rPr lang="en-US" b="1" dirty="0">
+                <a:latin typeface="Courier New" panose="02070309020205020404" pitchFamily="49" charset="0"/>
+                <a:cs typeface="Courier New" panose="02070309020205020404" pitchFamily="49" charset="0"/>
+              </a:rPr>
+              <a:t>        for(cur = self-&gt;__heads[</a:t>
+            </a:r>
+            <a:r>
+              <a:rPr lang="en-US" b="1" dirty="0" err="1">
+                <a:latin typeface="Courier New" panose="02070309020205020404" pitchFamily="49" charset="0"/>
+                <a:cs typeface="Courier New" panose="02070309020205020404" pitchFamily="49" charset="0"/>
+              </a:rPr>
+              <a:t>i</a:t>
+            </a:r>
+            <a:r>
+              <a:rPr lang="en-US" b="1" dirty="0">
+                <a:latin typeface="Courier New" panose="02070309020205020404" pitchFamily="49" charset="0"/>
+                <a:cs typeface="Courier New" panose="02070309020205020404" pitchFamily="49" charset="0"/>
+              </a:rPr>
+              <a:t>]; cur != NULL ; cur = cur-&gt;__next ) {</a:t>
+            </a:r>
+          </a:p>
+          <a:p>
+            <a:r>
+              <a:rPr lang="en-US" b="1" dirty="0">
+                <a:latin typeface="Courier New" panose="02070309020205020404" pitchFamily="49" charset="0"/>
+                <a:cs typeface="Courier New" panose="02070309020205020404" pitchFamily="49" charset="0"/>
+              </a:rPr>
+              <a:t>            </a:t>
+            </a:r>
+            <a:r>
+              <a:rPr lang="en-US" b="1" dirty="0" err="1">
+                <a:latin typeface="Courier New" panose="02070309020205020404" pitchFamily="49" charset="0"/>
+                <a:cs typeface="Courier New" panose="02070309020205020404" pitchFamily="49" charset="0"/>
+              </a:rPr>
+              <a:t>printf</a:t>
+            </a:r>
+            <a:r>
+              <a:rPr lang="en-US" b="1" dirty="0">
+                <a:latin typeface="Courier New" panose="02070309020205020404" pitchFamily="49" charset="0"/>
+                <a:cs typeface="Courier New" panose="02070309020205020404" pitchFamily="49" charset="0"/>
+              </a:rPr>
+              <a:t>(" %s=%d [%d]\n", cur-&gt;key, cur-&gt;value, </a:t>
+            </a:r>
+            <a:r>
+              <a:rPr lang="en-US" b="1" dirty="0" err="1">
+                <a:latin typeface="Courier New" panose="02070309020205020404" pitchFamily="49" charset="0"/>
+                <a:cs typeface="Courier New" panose="02070309020205020404" pitchFamily="49" charset="0"/>
+              </a:rPr>
+              <a:t>i</a:t>
+            </a:r>
+            <a:r>
+              <a:rPr lang="en-US" b="1" dirty="0">
+                <a:latin typeface="Courier New" panose="02070309020205020404" pitchFamily="49" charset="0"/>
+                <a:cs typeface="Courier New" panose="02070309020205020404" pitchFamily="49" charset="0"/>
+              </a:rPr>
+              <a:t>);</a:t>
+            </a:r>
+          </a:p>
+          <a:p>
+            <a:r>
+              <a:rPr lang="en-US" b="1" dirty="0">
+                <a:latin typeface="Courier New" panose="02070309020205020404" pitchFamily="49" charset="0"/>
+                <a:cs typeface="Courier New" panose="02070309020205020404" pitchFamily="49" charset="0"/>
+              </a:rPr>
+              <a:t>        }</a:t>
+            </a:r>
+          </a:p>
+          <a:p>
+            <a:r>
+              <a:rPr lang="en-US" b="1" dirty="0">
+                <a:latin typeface="Courier New" panose="02070309020205020404" pitchFamily="49" charset="0"/>
+                <a:cs typeface="Courier New" panose="02070309020205020404" pitchFamily="49" charset="0"/>
+              </a:rPr>
+              <a:t>    }</a:t>
+            </a:r>
+          </a:p>
+          <a:p>
+            <a:r>
+              <a:rPr lang="en-US" b="1" dirty="0">
+                <a:latin typeface="Courier New" panose="02070309020205020404" pitchFamily="49" charset="0"/>
+                <a:cs typeface="Courier New" panose="02070309020205020404" pitchFamily="49" charset="0"/>
+              </a:rPr>
+              <a:t>}</a:t>
+            </a:r>
+          </a:p>
+        </p:txBody>
+      </p:sp>
+      <p:sp>
+        <p:nvSpPr>
+          <p:cNvPr id="3" name="TextBox 2">
+            <a:extLst>
+              <a:ext uri="{FF2B5EF4-FFF2-40B4-BE49-F238E27FC236}">
+                <a16:creationId xmlns:a16="http://schemas.microsoft.com/office/drawing/2014/main" id="{1B48584B-6CF5-35B5-62B5-18E3072D7E63}"/>
+              </a:ext>
+            </a:extLst>
+          </p:cNvPr>
+          <p:cNvSpPr txBox="1"/>
+          <p:nvPr/>
+        </p:nvSpPr>
+        <p:spPr>
+          <a:xfrm>
+            <a:off x="5468815" y="4387787"/>
+            <a:ext cx="6098344" cy="1754326"/>
+          </a:xfrm>
+          <a:prstGeom prst="rect">
+            <a:avLst/>
+          </a:prstGeom>
+          <a:noFill/>
+          <a:ln w="38100">
+            <a:solidFill>
+              <a:srgbClr val="0070C0"/>
+            </a:solidFill>
+          </a:ln>
+        </p:spPr>
+        <p:txBody>
+          <a:bodyPr wrap="square">
+            <a:spAutoFit/>
+          </a:bodyPr>
+          <a:lstStyle/>
+          <a:p>
+            <a:r>
+              <a:rPr lang="en-US" b="1" dirty="0">
+                <a:latin typeface="Courier New" panose="02070309020205020404" pitchFamily="49" charset="0"/>
+                <a:cs typeface="Courier New" panose="02070309020205020404" pitchFamily="49" charset="0"/>
+              </a:rPr>
+              <a:t>Object HashHashMap@0x6000035ac000 count=4 buckets=8</a:t>
+            </a:r>
+          </a:p>
+          <a:p>
+            <a:r>
+              <a:rPr lang="en-US" b="1" dirty="0">
+                <a:latin typeface="Courier New" panose="02070309020205020404" pitchFamily="49" charset="0"/>
+                <a:cs typeface="Courier New" panose="02070309020205020404" pitchFamily="49" charset="0"/>
+              </a:rPr>
+              <a:t> y=2 [1]</a:t>
+            </a:r>
+          </a:p>
+          <a:p>
+            <a:r>
+              <a:rPr lang="en-US" b="1" dirty="0">
+                <a:latin typeface="Courier New" panose="02070309020205020404" pitchFamily="49" charset="0"/>
+                <a:cs typeface="Courier New" panose="02070309020205020404" pitchFamily="49" charset="0"/>
+              </a:rPr>
+              <a:t> a=4 [1]</a:t>
+            </a:r>
+          </a:p>
+          <a:p>
+            <a:r>
+              <a:rPr lang="en-US" b="1" dirty="0">
+                <a:latin typeface="Courier New" panose="02070309020205020404" pitchFamily="49" charset="0"/>
+                <a:cs typeface="Courier New" panose="02070309020205020404" pitchFamily="49" charset="0"/>
+              </a:rPr>
+              <a:t> z=1 [2]</a:t>
+            </a:r>
+          </a:p>
+          <a:p>
+            <a:r>
+              <a:rPr lang="en-US" b="1" dirty="0">
+                <a:latin typeface="Courier New" panose="02070309020205020404" pitchFamily="49" charset="0"/>
+                <a:cs typeface="Courier New" panose="02070309020205020404" pitchFamily="49" charset="0"/>
+              </a:rPr>
+              <a:t> b=3 [2]</a:t>
+            </a:r>
+          </a:p>
+        </p:txBody>
+      </p:sp>
+    </p:spTree>
+    <p:extLst>
+      <p:ext uri="{BB962C8B-B14F-4D97-AF65-F5344CB8AC3E}">
+        <p14:creationId xmlns:p14="http://schemas.microsoft.com/office/powerpoint/2010/main" val="3430629015"/>
+      </p:ext>
+    </p:extLst>
+  </p:cSld>
+  <p:clrMapOvr>
+    <a:masterClrMapping/>
+  </p:clrMapOvr>
+</p:sld>
+</file>
+
+<file path=ppt/slides/slide19.xml><?xml version="1.0" encoding="utf-8"?>
+<p:sld xmlns:a="http://schemas.openxmlformats.org/drawingml/2006/main" xmlns:r="http://schemas.openxmlformats.org/officeDocument/2006/relationships" xmlns:p="http://schemas.openxmlformats.org/presentationml/2006/main">
+  <p:cSld>
+    <p:spTree>
+      <p:nvGrpSpPr>
+        <p:cNvPr id="1" name=""/>
+        <p:cNvGrpSpPr/>
+        <p:nvPr/>
+      </p:nvGrpSpPr>
+      <p:grpSpPr>
+        <a:xfrm>
+          <a:off x="0" y="0"/>
+          <a:ext cx="0" cy="0"/>
+          <a:chOff x="0" y="0"/>
+          <a:chExt cx="0" cy="0"/>
+        </a:xfrm>
+      </p:grpSpPr>
+      <p:sp>
+        <p:nvSpPr>
+          <p:cNvPr id="2" name="Title 1">
+            <a:extLst>
+              <a:ext uri="{FF2B5EF4-FFF2-40B4-BE49-F238E27FC236}">
+                <a16:creationId xmlns:a16="http://schemas.microsoft.com/office/drawing/2014/main" id="{AF527238-F1A1-31AD-9629-746FE02E67A3}"/>
+              </a:ext>
+            </a:extLst>
+          </p:cNvPr>
+          <p:cNvSpPr>
+            <a:spLocks noGrp="1"/>
+          </p:cNvSpPr>
+          <p:nvPr>
+            <p:ph type="title"/>
+          </p:nvPr>
+        </p:nvSpPr>
+        <p:spPr/>
+        <p:txBody>
+          <a:bodyPr/>
+          <a:lstStyle/>
+          <a:p>
+            <a:r>
+              <a:rPr lang="en-US" dirty="0"/>
+              <a:t>TBD: </a:t>
+            </a:r>
+            <a:r>
+              <a:rPr lang="en-US" dirty="0" err="1"/>
+              <a:t>LinkedTree</a:t>
+            </a:r>
+            <a:endParaRPr lang="en-US" dirty="0"/>
+          </a:p>
+        </p:txBody>
+      </p:sp>
+      <p:sp>
+        <p:nvSpPr>
+          <p:cNvPr id="3" name="Text Placeholder 2">
+            <a:extLst>
+              <a:ext uri="{FF2B5EF4-FFF2-40B4-BE49-F238E27FC236}">
+                <a16:creationId xmlns:a16="http://schemas.microsoft.com/office/drawing/2014/main" id="{DDA23206-C253-8CEA-391D-261F2BE99EF0}"/>
+              </a:ext>
+            </a:extLst>
+          </p:cNvPr>
+          <p:cNvSpPr>
+            <a:spLocks noGrp="1"/>
+          </p:cNvSpPr>
+          <p:nvPr>
+            <p:ph type="body" idx="1"/>
+          </p:nvPr>
+        </p:nvSpPr>
+        <p:spPr/>
+        <p:txBody>
+          <a:bodyPr/>
+          <a:lstStyle/>
+          <a:p>
+            <a:endParaRPr lang="en-US"/>
+          </a:p>
+        </p:txBody>
+      </p:sp>
+    </p:spTree>
+    <p:extLst>
+      <p:ext uri="{BB962C8B-B14F-4D97-AF65-F5344CB8AC3E}">
+        <p14:creationId xmlns:p14="http://schemas.microsoft.com/office/powerpoint/2010/main" val="2717174361"/>
       </p:ext>
     </p:extLst>
   </p:cSld>
@@ -7196,6 +8221,1412 @@
     <p:extLst>
       <p:ext uri="{BB962C8B-B14F-4D97-AF65-F5344CB8AC3E}">
         <p14:creationId xmlns:p14="http://schemas.microsoft.com/office/powerpoint/2010/main" val="2966333550"/>
+      </p:ext>
+    </p:extLst>
+  </p:cSld>
+  <p:clrMapOvr>
+    <a:masterClrMapping/>
+  </p:clrMapOvr>
+</p:sld>
+</file>
+
+<file path=ppt/slides/slide20.xml><?xml version="1.0" encoding="utf-8"?>
+<p:sld xmlns:a="http://schemas.openxmlformats.org/drawingml/2006/main" xmlns:r="http://schemas.openxmlformats.org/officeDocument/2006/relationships" xmlns:p="http://schemas.openxmlformats.org/presentationml/2006/main">
+  <p:cSld>
+    <p:spTree>
+      <p:nvGrpSpPr>
+        <p:cNvPr id="1" name=""/>
+        <p:cNvGrpSpPr/>
+        <p:nvPr/>
+      </p:nvGrpSpPr>
+      <p:grpSpPr>
+        <a:xfrm>
+          <a:off x="0" y="0"/>
+          <a:ext cx="0" cy="0"/>
+          <a:chOff x="0" y="0"/>
+          <a:chExt cx="0" cy="0"/>
+        </a:xfrm>
+      </p:grpSpPr>
+      <p:sp>
+        <p:nvSpPr>
+          <p:cNvPr id="4" name="Title 3">
+            <a:extLst>
+              <a:ext uri="{FF2B5EF4-FFF2-40B4-BE49-F238E27FC236}">
+                <a16:creationId xmlns:a16="http://schemas.microsoft.com/office/drawing/2014/main" id="{C6B9E8AC-ABA2-FB4E-FD75-527CE7ECD111}"/>
+              </a:ext>
+            </a:extLst>
+          </p:cNvPr>
+          <p:cNvSpPr>
+            <a:spLocks noGrp="1"/>
+          </p:cNvSpPr>
+          <p:nvPr>
+            <p:ph type="title"/>
+          </p:nvPr>
+        </p:nvSpPr>
+        <p:spPr/>
+        <p:txBody>
+          <a:bodyPr/>
+          <a:lstStyle/>
+          <a:p>
+            <a:r>
+              <a:rPr lang="en-US" dirty="0"/>
+              <a:t>A </a:t>
+            </a:r>
+            <a:r>
+              <a:rPr lang="en-US" dirty="0" err="1"/>
+              <a:t>LinkedTreeMap</a:t>
+            </a:r>
+            <a:endParaRPr lang="en-US" dirty="0"/>
+          </a:p>
+        </p:txBody>
+      </p:sp>
+      <p:sp>
+        <p:nvSpPr>
+          <p:cNvPr id="5" name="Content Placeholder 4">
+            <a:extLst>
+              <a:ext uri="{FF2B5EF4-FFF2-40B4-BE49-F238E27FC236}">
+                <a16:creationId xmlns:a16="http://schemas.microsoft.com/office/drawing/2014/main" id="{6B8BB105-0AF7-8246-C832-09F12F90E149}"/>
+              </a:ext>
+            </a:extLst>
+          </p:cNvPr>
+          <p:cNvSpPr>
+            <a:spLocks noGrp="1"/>
+          </p:cNvSpPr>
+          <p:nvPr>
+            <p:ph idx="1"/>
+          </p:nvPr>
+        </p:nvSpPr>
+        <p:spPr/>
+        <p:txBody>
+          <a:bodyPr/>
+          <a:lstStyle/>
+          <a:p>
+            <a:r>
+              <a:rPr lang="en-US" dirty="0"/>
+              <a:t>Stays ordered (like Python </a:t>
+            </a:r>
+            <a:r>
+              <a:rPr lang="en-US" dirty="0" err="1"/>
+              <a:t>OrderedDict</a:t>
+            </a:r>
+            <a:r>
+              <a:rPr lang="en-US" dirty="0"/>
+              <a:t>)</a:t>
+            </a:r>
+          </a:p>
+          <a:p>
+            <a:r>
+              <a:rPr lang="en-US" dirty="0"/>
+              <a:t>Stays sorted (like Java </a:t>
+            </a:r>
+            <a:r>
+              <a:rPr lang="en-US" dirty="0" err="1"/>
+              <a:t>TreeMap</a:t>
+            </a:r>
+            <a:r>
+              <a:rPr lang="en-US" dirty="0"/>
+              <a:t>)</a:t>
+            </a:r>
+          </a:p>
+          <a:p>
+            <a:r>
+              <a:rPr lang="en-US" dirty="0"/>
+              <a:t>Can be iterated (like C++ map, and </a:t>
+            </a:r>
+            <a:r>
+              <a:rPr lang="en-US" dirty="0" err="1"/>
+              <a:t>OrderedDict</a:t>
+            </a:r>
+            <a:r>
+              <a:rPr lang="en-US" dirty="0"/>
+              <a:t>, but not </a:t>
+            </a:r>
+            <a:r>
+              <a:rPr lang="en-US" dirty="0" err="1"/>
+              <a:t>TreeMap</a:t>
+            </a:r>
+            <a:r>
+              <a:rPr lang="en-US" dirty="0"/>
+              <a:t>)</a:t>
+            </a:r>
+          </a:p>
+          <a:p>
+            <a:endParaRPr lang="en-US" dirty="0"/>
+          </a:p>
+        </p:txBody>
+      </p:sp>
+    </p:spTree>
+    <p:extLst>
+      <p:ext uri="{BB962C8B-B14F-4D97-AF65-F5344CB8AC3E}">
+        <p14:creationId xmlns:p14="http://schemas.microsoft.com/office/powerpoint/2010/main" val="3653535979"/>
+      </p:ext>
+    </p:extLst>
+  </p:cSld>
+  <p:clrMapOvr>
+    <a:masterClrMapping/>
+  </p:clrMapOvr>
+</p:sld>
+</file>
+
+<file path=ppt/slides/slide21.xml><?xml version="1.0" encoding="utf-8"?>
+<p:sld xmlns:a="http://schemas.openxmlformats.org/drawingml/2006/main" xmlns:r="http://schemas.openxmlformats.org/officeDocument/2006/relationships" xmlns:p="http://schemas.openxmlformats.org/presentationml/2006/main">
+  <p:cSld>
+    <p:spTree>
+      <p:nvGrpSpPr>
+        <p:cNvPr id="1" name=""/>
+        <p:cNvGrpSpPr/>
+        <p:nvPr/>
+      </p:nvGrpSpPr>
+      <p:grpSpPr>
+        <a:xfrm>
+          <a:off x="0" y="0"/>
+          <a:ext cx="0" cy="0"/>
+          <a:chOff x="0" y="0"/>
+          <a:chExt cx="0" cy="0"/>
+        </a:xfrm>
+      </p:grpSpPr>
+      <p:cxnSp>
+        <p:nvCxnSpPr>
+          <p:cNvPr id="46" name="Straight Arrow Connector 45">
+            <a:extLst>
+              <a:ext uri="{FF2B5EF4-FFF2-40B4-BE49-F238E27FC236}">
+                <a16:creationId xmlns:a16="http://schemas.microsoft.com/office/drawing/2014/main" id="{04522262-D68D-F78F-6B9F-FD84B64289B0}"/>
+              </a:ext>
+            </a:extLst>
+          </p:cNvPr>
+          <p:cNvCxnSpPr>
+            <a:cxnSpLocks/>
+            <a:endCxn id="47" idx="3"/>
+          </p:cNvCxnSpPr>
+          <p:nvPr/>
+        </p:nvCxnSpPr>
+        <p:spPr>
+          <a:xfrm flipH="1">
+            <a:off x="3558886" y="1891240"/>
+            <a:ext cx="2561889" cy="800706"/>
+          </a:xfrm>
+          <a:prstGeom prst="straightConnector1">
+            <a:avLst/>
+          </a:prstGeom>
+          <a:ln w="57150">
+            <a:solidFill>
+              <a:schemeClr val="accent2">
+                <a:lumMod val="75000"/>
+              </a:schemeClr>
+            </a:solidFill>
+            <a:tailEnd type="triangle"/>
+          </a:ln>
+        </p:spPr>
+        <p:style>
+          <a:lnRef idx="1">
+            <a:schemeClr val="accent1"/>
+          </a:lnRef>
+          <a:fillRef idx="0">
+            <a:schemeClr val="accent1"/>
+          </a:fillRef>
+          <a:effectRef idx="0">
+            <a:schemeClr val="accent1"/>
+          </a:effectRef>
+          <a:fontRef idx="minor">
+            <a:schemeClr val="tx1"/>
+          </a:fontRef>
+        </p:style>
+      </p:cxnSp>
+      <p:sp>
+        <p:nvSpPr>
+          <p:cNvPr id="31" name="Snip Same Side Corner Rectangle 30">
+            <a:extLst>
+              <a:ext uri="{FF2B5EF4-FFF2-40B4-BE49-F238E27FC236}">
+                <a16:creationId xmlns:a16="http://schemas.microsoft.com/office/drawing/2014/main" id="{E7026527-51C7-8BDC-9825-BD78B1B25892}"/>
+              </a:ext>
+            </a:extLst>
+          </p:cNvPr>
+          <p:cNvSpPr/>
+          <p:nvPr/>
+        </p:nvSpPr>
+        <p:spPr>
+          <a:xfrm>
+            <a:off x="5781760" y="1567692"/>
+            <a:ext cx="1045588" cy="521759"/>
+          </a:xfrm>
+          <a:prstGeom prst="snip2SameRect">
+            <a:avLst>
+              <a:gd name="adj1" fmla="val 0"/>
+              <a:gd name="adj2" fmla="val 28571"/>
+            </a:avLst>
+          </a:prstGeom>
+          <a:solidFill>
+            <a:schemeClr val="bg1"/>
+          </a:solidFill>
+          <a:ln w="38100">
+            <a:solidFill>
+              <a:schemeClr val="tx1"/>
+            </a:solidFill>
+          </a:ln>
+        </p:spPr>
+        <p:style>
+          <a:lnRef idx="2">
+            <a:schemeClr val="accent1">
+              <a:shade val="50000"/>
+            </a:schemeClr>
+          </a:lnRef>
+          <a:fillRef idx="1">
+            <a:schemeClr val="accent1"/>
+          </a:fillRef>
+          <a:effectRef idx="0">
+            <a:schemeClr val="accent1"/>
+          </a:effectRef>
+          <a:fontRef idx="minor">
+            <a:schemeClr val="lt1"/>
+          </a:fontRef>
+        </p:style>
+        <p:txBody>
+          <a:bodyPr rtlCol="0" anchor="ctr"/>
+          <a:lstStyle/>
+          <a:p>
+            <a:pPr algn="ctr"/>
+            <a:r>
+              <a:rPr lang="en-US" dirty="0">
+                <a:solidFill>
+                  <a:schemeClr val="tx1"/>
+                </a:solidFill>
+              </a:rPr>
+              <a:t>h=42</a:t>
+            </a:r>
+          </a:p>
+        </p:txBody>
+      </p:sp>
+      <p:cxnSp>
+        <p:nvCxnSpPr>
+          <p:cNvPr id="51" name="Straight Arrow Connector 50">
+            <a:extLst>
+              <a:ext uri="{FF2B5EF4-FFF2-40B4-BE49-F238E27FC236}">
+                <a16:creationId xmlns:a16="http://schemas.microsoft.com/office/drawing/2014/main" id="{48B18272-38CA-87F3-AF02-F3A8A5125AAE}"/>
+              </a:ext>
+            </a:extLst>
+          </p:cNvPr>
+          <p:cNvCxnSpPr>
+            <a:cxnSpLocks/>
+            <a:endCxn id="62" idx="3"/>
+          </p:cNvCxnSpPr>
+          <p:nvPr/>
+        </p:nvCxnSpPr>
+        <p:spPr>
+          <a:xfrm>
+            <a:off x="6745646" y="1988820"/>
+            <a:ext cx="2304576" cy="688612"/>
+          </a:xfrm>
+          <a:prstGeom prst="straightConnector1">
+            <a:avLst/>
+          </a:prstGeom>
+          <a:ln w="57150">
+            <a:solidFill>
+              <a:schemeClr val="accent2">
+                <a:lumMod val="75000"/>
+              </a:schemeClr>
+            </a:solidFill>
+            <a:tailEnd type="triangle"/>
+          </a:ln>
+        </p:spPr>
+        <p:style>
+          <a:lnRef idx="1">
+            <a:schemeClr val="accent1"/>
+          </a:lnRef>
+          <a:fillRef idx="0">
+            <a:schemeClr val="accent1"/>
+          </a:fillRef>
+          <a:effectRef idx="0">
+            <a:schemeClr val="accent1"/>
+          </a:effectRef>
+          <a:fontRef idx="minor">
+            <a:schemeClr val="tx1"/>
+          </a:fontRef>
+        </p:style>
+      </p:cxnSp>
+      <p:cxnSp>
+        <p:nvCxnSpPr>
+          <p:cNvPr id="55" name="Straight Arrow Connector 54">
+            <a:extLst>
+              <a:ext uri="{FF2B5EF4-FFF2-40B4-BE49-F238E27FC236}">
+                <a16:creationId xmlns:a16="http://schemas.microsoft.com/office/drawing/2014/main" id="{9BB641C6-8772-90CA-7FCB-2D5173146D5F}"/>
+              </a:ext>
+            </a:extLst>
+          </p:cNvPr>
+          <p:cNvCxnSpPr>
+            <a:cxnSpLocks/>
+            <a:endCxn id="56" idx="3"/>
+          </p:cNvCxnSpPr>
+          <p:nvPr/>
+        </p:nvCxnSpPr>
+        <p:spPr>
+          <a:xfrm flipH="1">
+            <a:off x="2186052" y="3119045"/>
+            <a:ext cx="897014" cy="590545"/>
+          </a:xfrm>
+          <a:prstGeom prst="straightConnector1">
+            <a:avLst/>
+          </a:prstGeom>
+          <a:ln w="57150">
+            <a:solidFill>
+              <a:schemeClr val="accent2">
+                <a:lumMod val="75000"/>
+              </a:schemeClr>
+            </a:solidFill>
+            <a:tailEnd type="triangle"/>
+          </a:ln>
+        </p:spPr>
+        <p:style>
+          <a:lnRef idx="1">
+            <a:schemeClr val="accent1"/>
+          </a:lnRef>
+          <a:fillRef idx="0">
+            <a:schemeClr val="accent1"/>
+          </a:fillRef>
+          <a:effectRef idx="0">
+            <a:schemeClr val="accent1"/>
+          </a:effectRef>
+          <a:fontRef idx="minor">
+            <a:schemeClr val="tx1"/>
+          </a:fontRef>
+        </p:style>
+      </p:cxnSp>
+      <p:sp>
+        <p:nvSpPr>
+          <p:cNvPr id="56" name="Snip Same Side Corner Rectangle 55">
+            <a:extLst>
+              <a:ext uri="{FF2B5EF4-FFF2-40B4-BE49-F238E27FC236}">
+                <a16:creationId xmlns:a16="http://schemas.microsoft.com/office/drawing/2014/main" id="{E44504D0-FB6C-AF97-C4D8-A127FD543364}"/>
+              </a:ext>
+            </a:extLst>
+          </p:cNvPr>
+          <p:cNvSpPr/>
+          <p:nvPr/>
+        </p:nvSpPr>
+        <p:spPr>
+          <a:xfrm>
+            <a:off x="1663258" y="3709590"/>
+            <a:ext cx="1045588" cy="521759"/>
+          </a:xfrm>
+          <a:prstGeom prst="snip2SameRect">
+            <a:avLst>
+              <a:gd name="adj1" fmla="val 0"/>
+              <a:gd name="adj2" fmla="val 28571"/>
+            </a:avLst>
+          </a:prstGeom>
+          <a:solidFill>
+            <a:schemeClr val="bg1"/>
+          </a:solidFill>
+          <a:ln w="38100">
+            <a:solidFill>
+              <a:schemeClr val="tx1"/>
+            </a:solidFill>
+          </a:ln>
+        </p:spPr>
+        <p:style>
+          <a:lnRef idx="2">
+            <a:schemeClr val="accent1">
+              <a:shade val="50000"/>
+            </a:schemeClr>
+          </a:lnRef>
+          <a:fillRef idx="1">
+            <a:schemeClr val="accent1"/>
+          </a:fillRef>
+          <a:effectRef idx="0">
+            <a:schemeClr val="accent1"/>
+          </a:effectRef>
+          <a:fontRef idx="minor">
+            <a:schemeClr val="lt1"/>
+          </a:fontRef>
+        </p:style>
+        <p:txBody>
+          <a:bodyPr rtlCol="0" anchor="ctr"/>
+          <a:lstStyle/>
+          <a:p>
+            <a:pPr algn="ctr"/>
+            <a:r>
+              <a:rPr lang="en-US" dirty="0">
+                <a:solidFill>
+                  <a:schemeClr val="tx1"/>
+                </a:solidFill>
+              </a:rPr>
+              <a:t>b=123</a:t>
+            </a:r>
+          </a:p>
+        </p:txBody>
+      </p:sp>
+      <p:sp>
+        <p:nvSpPr>
+          <p:cNvPr id="57" name="Snip Same Side Corner Rectangle 56">
+            <a:extLst>
+              <a:ext uri="{FF2B5EF4-FFF2-40B4-BE49-F238E27FC236}">
+                <a16:creationId xmlns:a16="http://schemas.microsoft.com/office/drawing/2014/main" id="{A3F4F994-6AE0-3F3F-30C8-4A26D6B7E51C}"/>
+              </a:ext>
+            </a:extLst>
+          </p:cNvPr>
+          <p:cNvSpPr/>
+          <p:nvPr/>
+        </p:nvSpPr>
+        <p:spPr>
+          <a:xfrm>
+            <a:off x="4408926" y="3738024"/>
+            <a:ext cx="1045588" cy="521759"/>
+          </a:xfrm>
+          <a:prstGeom prst="snip2SameRect">
+            <a:avLst>
+              <a:gd name="adj1" fmla="val 0"/>
+              <a:gd name="adj2" fmla="val 28571"/>
+            </a:avLst>
+          </a:prstGeom>
+          <a:solidFill>
+            <a:schemeClr val="bg1"/>
+          </a:solidFill>
+          <a:ln w="38100">
+            <a:solidFill>
+              <a:schemeClr val="tx1"/>
+            </a:solidFill>
+          </a:ln>
+        </p:spPr>
+        <p:style>
+          <a:lnRef idx="2">
+            <a:schemeClr val="accent1">
+              <a:shade val="50000"/>
+            </a:schemeClr>
+          </a:lnRef>
+          <a:fillRef idx="1">
+            <a:schemeClr val="accent1"/>
+          </a:fillRef>
+          <a:effectRef idx="0">
+            <a:schemeClr val="accent1"/>
+          </a:effectRef>
+          <a:fontRef idx="minor">
+            <a:schemeClr val="lt1"/>
+          </a:fontRef>
+        </p:style>
+        <p:txBody>
+          <a:bodyPr rtlCol="0" anchor="ctr"/>
+          <a:lstStyle/>
+          <a:p>
+            <a:pPr algn="ctr"/>
+            <a:r>
+              <a:rPr lang="en-US" dirty="0">
+                <a:solidFill>
+                  <a:schemeClr val="tx1"/>
+                </a:solidFill>
+              </a:rPr>
+              <a:t>f=6</a:t>
+            </a:r>
+          </a:p>
+        </p:txBody>
+      </p:sp>
+      <p:cxnSp>
+        <p:nvCxnSpPr>
+          <p:cNvPr id="58" name="Straight Arrow Connector 57">
+            <a:extLst>
+              <a:ext uri="{FF2B5EF4-FFF2-40B4-BE49-F238E27FC236}">
+                <a16:creationId xmlns:a16="http://schemas.microsoft.com/office/drawing/2014/main" id="{5E8145B6-B0EC-9F97-7DC8-B7DABF5E341E}"/>
+              </a:ext>
+            </a:extLst>
+          </p:cNvPr>
+          <p:cNvCxnSpPr>
+            <a:cxnSpLocks/>
+            <a:endCxn id="57" idx="3"/>
+          </p:cNvCxnSpPr>
+          <p:nvPr/>
+        </p:nvCxnSpPr>
+        <p:spPr>
+          <a:xfrm>
+            <a:off x="4012621" y="3119045"/>
+            <a:ext cx="919099" cy="618979"/>
+          </a:xfrm>
+          <a:prstGeom prst="straightConnector1">
+            <a:avLst/>
+          </a:prstGeom>
+          <a:ln w="57150">
+            <a:solidFill>
+              <a:schemeClr val="accent2">
+                <a:lumMod val="75000"/>
+              </a:schemeClr>
+            </a:solidFill>
+            <a:tailEnd type="triangle"/>
+          </a:ln>
+        </p:spPr>
+        <p:style>
+          <a:lnRef idx="1">
+            <a:schemeClr val="accent1"/>
+          </a:lnRef>
+          <a:fillRef idx="0">
+            <a:schemeClr val="accent1"/>
+          </a:fillRef>
+          <a:effectRef idx="0">
+            <a:schemeClr val="accent1"/>
+          </a:effectRef>
+          <a:fontRef idx="minor">
+            <a:schemeClr val="tx1"/>
+          </a:fontRef>
+        </p:style>
+      </p:cxnSp>
+      <p:cxnSp>
+        <p:nvCxnSpPr>
+          <p:cNvPr id="63" name="Straight Arrow Connector 62">
+            <a:extLst>
+              <a:ext uri="{FF2B5EF4-FFF2-40B4-BE49-F238E27FC236}">
+                <a16:creationId xmlns:a16="http://schemas.microsoft.com/office/drawing/2014/main" id="{005192F9-2EE0-E69B-5086-84B615B69593}"/>
+              </a:ext>
+            </a:extLst>
+          </p:cNvPr>
+          <p:cNvCxnSpPr>
+            <a:cxnSpLocks/>
+            <a:endCxn id="64" idx="3"/>
+          </p:cNvCxnSpPr>
+          <p:nvPr/>
+        </p:nvCxnSpPr>
+        <p:spPr>
+          <a:xfrm flipH="1">
+            <a:off x="7677388" y="3098560"/>
+            <a:ext cx="932364" cy="624950"/>
+          </a:xfrm>
+          <a:prstGeom prst="straightConnector1">
+            <a:avLst/>
+          </a:prstGeom>
+          <a:ln w="57150">
+            <a:solidFill>
+              <a:schemeClr val="accent2">
+                <a:lumMod val="75000"/>
+              </a:schemeClr>
+            </a:solidFill>
+            <a:tailEnd type="triangle"/>
+          </a:ln>
+        </p:spPr>
+        <p:style>
+          <a:lnRef idx="1">
+            <a:schemeClr val="accent1"/>
+          </a:lnRef>
+          <a:fillRef idx="0">
+            <a:schemeClr val="accent1"/>
+          </a:fillRef>
+          <a:effectRef idx="0">
+            <a:schemeClr val="accent1"/>
+          </a:effectRef>
+          <a:fontRef idx="minor">
+            <a:schemeClr val="tx1"/>
+          </a:fontRef>
+        </p:style>
+      </p:cxnSp>
+      <p:sp>
+        <p:nvSpPr>
+          <p:cNvPr id="64" name="Snip Same Side Corner Rectangle 63">
+            <a:extLst>
+              <a:ext uri="{FF2B5EF4-FFF2-40B4-BE49-F238E27FC236}">
+                <a16:creationId xmlns:a16="http://schemas.microsoft.com/office/drawing/2014/main" id="{D78881C0-3877-6C05-BEF9-49D3A0444BD6}"/>
+              </a:ext>
+            </a:extLst>
+          </p:cNvPr>
+          <p:cNvSpPr/>
+          <p:nvPr/>
+        </p:nvSpPr>
+        <p:spPr>
+          <a:xfrm>
+            <a:off x="7154594" y="3723510"/>
+            <a:ext cx="1045588" cy="521759"/>
+          </a:xfrm>
+          <a:prstGeom prst="snip2SameRect">
+            <a:avLst>
+              <a:gd name="adj1" fmla="val 0"/>
+              <a:gd name="adj2" fmla="val 28571"/>
+            </a:avLst>
+          </a:prstGeom>
+          <a:solidFill>
+            <a:schemeClr val="bg1"/>
+          </a:solidFill>
+          <a:ln w="38100">
+            <a:solidFill>
+              <a:schemeClr val="tx1"/>
+            </a:solidFill>
+          </a:ln>
+        </p:spPr>
+        <p:style>
+          <a:lnRef idx="2">
+            <a:schemeClr val="accent1">
+              <a:shade val="50000"/>
+            </a:schemeClr>
+          </a:lnRef>
+          <a:fillRef idx="1">
+            <a:schemeClr val="accent1"/>
+          </a:fillRef>
+          <a:effectRef idx="0">
+            <a:schemeClr val="accent1"/>
+          </a:effectRef>
+          <a:fontRef idx="minor">
+            <a:schemeClr val="lt1"/>
+          </a:fontRef>
+        </p:style>
+        <p:txBody>
+          <a:bodyPr rtlCol="0" anchor="ctr"/>
+          <a:lstStyle/>
+          <a:p>
+            <a:pPr algn="ctr"/>
+            <a:r>
+              <a:rPr lang="en-US" dirty="0">
+                <a:solidFill>
+                  <a:schemeClr val="tx1"/>
+                </a:solidFill>
+              </a:rPr>
+              <a:t>j=12</a:t>
+            </a:r>
+          </a:p>
+        </p:txBody>
+      </p:sp>
+      <p:sp>
+        <p:nvSpPr>
+          <p:cNvPr id="65" name="Snip Same Side Corner Rectangle 64">
+            <a:extLst>
+              <a:ext uri="{FF2B5EF4-FFF2-40B4-BE49-F238E27FC236}">
+                <a16:creationId xmlns:a16="http://schemas.microsoft.com/office/drawing/2014/main" id="{C2B35D46-1AFB-860B-197E-9C8DAB781F72}"/>
+              </a:ext>
+            </a:extLst>
+          </p:cNvPr>
+          <p:cNvSpPr/>
+          <p:nvPr/>
+        </p:nvSpPr>
+        <p:spPr>
+          <a:xfrm>
+            <a:off x="9900264" y="3710004"/>
+            <a:ext cx="1045588" cy="521759"/>
+          </a:xfrm>
+          <a:prstGeom prst="snip2SameRect">
+            <a:avLst>
+              <a:gd name="adj1" fmla="val 0"/>
+              <a:gd name="adj2" fmla="val 28571"/>
+            </a:avLst>
+          </a:prstGeom>
+          <a:solidFill>
+            <a:schemeClr val="bg1"/>
+          </a:solidFill>
+          <a:ln w="38100">
+            <a:solidFill>
+              <a:schemeClr val="tx1"/>
+            </a:solidFill>
+          </a:ln>
+        </p:spPr>
+        <p:style>
+          <a:lnRef idx="2">
+            <a:schemeClr val="accent1">
+              <a:shade val="50000"/>
+            </a:schemeClr>
+          </a:lnRef>
+          <a:fillRef idx="1">
+            <a:schemeClr val="accent1"/>
+          </a:fillRef>
+          <a:effectRef idx="0">
+            <a:schemeClr val="accent1"/>
+          </a:effectRef>
+          <a:fontRef idx="minor">
+            <a:schemeClr val="lt1"/>
+          </a:fontRef>
+        </p:style>
+        <p:txBody>
+          <a:bodyPr rtlCol="0" anchor="ctr"/>
+          <a:lstStyle/>
+          <a:p>
+            <a:pPr algn="ctr"/>
+            <a:r>
+              <a:rPr lang="en-US" dirty="0">
+                <a:solidFill>
+                  <a:schemeClr val="tx1"/>
+                </a:solidFill>
+              </a:rPr>
+              <a:t>m=67</a:t>
+            </a:r>
+          </a:p>
+        </p:txBody>
+      </p:sp>
+      <p:cxnSp>
+        <p:nvCxnSpPr>
+          <p:cNvPr id="66" name="Straight Arrow Connector 65">
+            <a:extLst>
+              <a:ext uri="{FF2B5EF4-FFF2-40B4-BE49-F238E27FC236}">
+                <a16:creationId xmlns:a16="http://schemas.microsoft.com/office/drawing/2014/main" id="{166D2452-5257-6535-2E33-2985DA19E501}"/>
+              </a:ext>
+            </a:extLst>
+          </p:cNvPr>
+          <p:cNvCxnSpPr>
+            <a:cxnSpLocks/>
+            <a:endCxn id="65" idx="3"/>
+          </p:cNvCxnSpPr>
+          <p:nvPr/>
+        </p:nvCxnSpPr>
+        <p:spPr>
+          <a:xfrm>
+            <a:off x="9427535" y="3098560"/>
+            <a:ext cx="995523" cy="611444"/>
+          </a:xfrm>
+          <a:prstGeom prst="straightConnector1">
+            <a:avLst/>
+          </a:prstGeom>
+          <a:ln w="57150">
+            <a:solidFill>
+              <a:schemeClr val="accent2">
+                <a:lumMod val="75000"/>
+              </a:schemeClr>
+            </a:solidFill>
+            <a:tailEnd type="triangle"/>
+          </a:ln>
+        </p:spPr>
+        <p:style>
+          <a:lnRef idx="1">
+            <a:schemeClr val="accent1"/>
+          </a:lnRef>
+          <a:fillRef idx="0">
+            <a:schemeClr val="accent1"/>
+          </a:fillRef>
+          <a:effectRef idx="0">
+            <a:schemeClr val="accent1"/>
+          </a:effectRef>
+          <a:fontRef idx="minor">
+            <a:schemeClr val="tx1"/>
+          </a:fontRef>
+        </p:style>
+      </p:cxnSp>
+      <p:cxnSp>
+        <p:nvCxnSpPr>
+          <p:cNvPr id="72" name="Curved Connector 71">
+            <a:extLst>
+              <a:ext uri="{FF2B5EF4-FFF2-40B4-BE49-F238E27FC236}">
+                <a16:creationId xmlns:a16="http://schemas.microsoft.com/office/drawing/2014/main" id="{A78F898C-1BEC-02EB-C57C-7D6C469B9BA5}"/>
+              </a:ext>
+            </a:extLst>
+          </p:cNvPr>
+          <p:cNvCxnSpPr>
+            <a:cxnSpLocks/>
+            <a:stCxn id="47" idx="0"/>
+            <a:endCxn id="57" idx="3"/>
+          </p:cNvCxnSpPr>
+          <p:nvPr/>
+        </p:nvCxnSpPr>
+        <p:spPr>
+          <a:xfrm>
+            <a:off x="4081680" y="2952826"/>
+            <a:ext cx="850040" cy="785198"/>
+          </a:xfrm>
+          <a:prstGeom prst="curvedConnector2">
+            <a:avLst/>
+          </a:prstGeom>
+          <a:ln w="57150">
+            <a:solidFill>
+              <a:srgbClr val="0070C0"/>
+            </a:solidFill>
+            <a:tailEnd type="triangle"/>
+          </a:ln>
+        </p:spPr>
+        <p:style>
+          <a:lnRef idx="1">
+            <a:schemeClr val="accent1"/>
+          </a:lnRef>
+          <a:fillRef idx="0">
+            <a:schemeClr val="accent1"/>
+          </a:fillRef>
+          <a:effectRef idx="0">
+            <a:schemeClr val="accent1"/>
+          </a:effectRef>
+          <a:fontRef idx="minor">
+            <a:schemeClr val="tx1"/>
+          </a:fontRef>
+        </p:style>
+      </p:cxnSp>
+      <p:cxnSp>
+        <p:nvCxnSpPr>
+          <p:cNvPr id="73" name="Curved Connector 72">
+            <a:extLst>
+              <a:ext uri="{FF2B5EF4-FFF2-40B4-BE49-F238E27FC236}">
+                <a16:creationId xmlns:a16="http://schemas.microsoft.com/office/drawing/2014/main" id="{BD0A97D4-05A1-36B1-2949-6F751ABCAA36}"/>
+              </a:ext>
+            </a:extLst>
+          </p:cNvPr>
+          <p:cNvCxnSpPr>
+            <a:cxnSpLocks/>
+            <a:stCxn id="76" idx="3"/>
+            <a:endCxn id="56" idx="2"/>
+          </p:cNvCxnSpPr>
+          <p:nvPr/>
+        </p:nvCxnSpPr>
+        <p:spPr>
+          <a:xfrm>
+            <a:off x="1162236" y="3955955"/>
+            <a:ext cx="501022" cy="14515"/>
+          </a:xfrm>
+          <a:prstGeom prst="curvedConnector3">
+            <a:avLst>
+              <a:gd name="adj1" fmla="val 50000"/>
+            </a:avLst>
+          </a:prstGeom>
+          <a:ln w="57150">
+            <a:solidFill>
+              <a:srgbClr val="0070C0"/>
+            </a:solidFill>
+            <a:tailEnd type="triangle"/>
+          </a:ln>
+        </p:spPr>
+        <p:style>
+          <a:lnRef idx="1">
+            <a:schemeClr val="accent1"/>
+          </a:lnRef>
+          <a:fillRef idx="0">
+            <a:schemeClr val="accent1"/>
+          </a:fillRef>
+          <a:effectRef idx="0">
+            <a:schemeClr val="accent1"/>
+          </a:effectRef>
+          <a:fontRef idx="minor">
+            <a:schemeClr val="tx1"/>
+          </a:fontRef>
+        </p:style>
+      </p:cxnSp>
+      <p:sp>
+        <p:nvSpPr>
+          <p:cNvPr id="76" name="Rectangle 75">
+            <a:extLst>
+              <a:ext uri="{FF2B5EF4-FFF2-40B4-BE49-F238E27FC236}">
+                <a16:creationId xmlns:a16="http://schemas.microsoft.com/office/drawing/2014/main" id="{4B3E3293-6372-042A-88ED-C6E9E45A4FBC}"/>
+              </a:ext>
+            </a:extLst>
+          </p:cNvPr>
+          <p:cNvSpPr/>
+          <p:nvPr/>
+        </p:nvSpPr>
+        <p:spPr>
+          <a:xfrm>
+            <a:off x="385626" y="3760012"/>
+            <a:ext cx="776610" cy="391886"/>
+          </a:xfrm>
+          <a:prstGeom prst="rect">
+            <a:avLst/>
+          </a:prstGeom>
+          <a:noFill/>
+          <a:ln w="28575">
+            <a:solidFill>
+              <a:schemeClr val="tx1"/>
+            </a:solidFill>
+          </a:ln>
+        </p:spPr>
+        <p:style>
+          <a:lnRef idx="2">
+            <a:schemeClr val="accent1">
+              <a:shade val="50000"/>
+            </a:schemeClr>
+          </a:lnRef>
+          <a:fillRef idx="1">
+            <a:schemeClr val="accent1"/>
+          </a:fillRef>
+          <a:effectRef idx="0">
+            <a:schemeClr val="accent1"/>
+          </a:effectRef>
+          <a:fontRef idx="minor">
+            <a:schemeClr val="lt1"/>
+          </a:fontRef>
+        </p:style>
+        <p:txBody>
+          <a:bodyPr rtlCol="0" anchor="ctr"/>
+          <a:lstStyle/>
+          <a:p>
+            <a:r>
+              <a:rPr lang="en-US" dirty="0">
+                <a:solidFill>
+                  <a:schemeClr val="tx1"/>
+                </a:solidFill>
+                <a:latin typeface="Courier New" panose="02070309020205020404" pitchFamily="49" charset="0"/>
+                <a:cs typeface="Courier New" panose="02070309020205020404" pitchFamily="49" charset="0"/>
+              </a:rPr>
+              <a:t>head    </a:t>
+            </a:r>
+          </a:p>
+        </p:txBody>
+      </p:sp>
+      <p:cxnSp>
+        <p:nvCxnSpPr>
+          <p:cNvPr id="79" name="Curved Connector 78">
+            <a:extLst>
+              <a:ext uri="{FF2B5EF4-FFF2-40B4-BE49-F238E27FC236}">
+                <a16:creationId xmlns:a16="http://schemas.microsoft.com/office/drawing/2014/main" id="{1F3CDD97-C773-3017-8819-F36E5E40630C}"/>
+              </a:ext>
+            </a:extLst>
+          </p:cNvPr>
+          <p:cNvCxnSpPr>
+            <a:cxnSpLocks/>
+            <a:stCxn id="56" idx="0"/>
+            <a:endCxn id="47" idx="3"/>
+          </p:cNvCxnSpPr>
+          <p:nvPr/>
+        </p:nvCxnSpPr>
+        <p:spPr>
+          <a:xfrm flipV="1">
+            <a:off x="2708846" y="2691946"/>
+            <a:ext cx="850040" cy="1278524"/>
+          </a:xfrm>
+          <a:prstGeom prst="curvedConnector4">
+            <a:avLst>
+              <a:gd name="adj1" fmla="val 19249"/>
+              <a:gd name="adj2" fmla="val 117880"/>
+            </a:avLst>
+          </a:prstGeom>
+          <a:ln w="57150">
+            <a:solidFill>
+              <a:srgbClr val="0070C0"/>
+            </a:solidFill>
+            <a:tailEnd type="triangle"/>
+          </a:ln>
+        </p:spPr>
+        <p:style>
+          <a:lnRef idx="1">
+            <a:schemeClr val="accent1"/>
+          </a:lnRef>
+          <a:fillRef idx="0">
+            <a:schemeClr val="accent1"/>
+          </a:fillRef>
+          <a:effectRef idx="0">
+            <a:schemeClr val="accent1"/>
+          </a:effectRef>
+          <a:fontRef idx="minor">
+            <a:schemeClr val="tx1"/>
+          </a:fontRef>
+        </p:style>
+      </p:cxnSp>
+      <p:cxnSp>
+        <p:nvCxnSpPr>
+          <p:cNvPr id="87" name="Curved Connector 86">
+            <a:extLst>
+              <a:ext uri="{FF2B5EF4-FFF2-40B4-BE49-F238E27FC236}">
+                <a16:creationId xmlns:a16="http://schemas.microsoft.com/office/drawing/2014/main" id="{6FA2AB38-1BD2-9D5F-D2FB-E94A9E319965}"/>
+              </a:ext>
+            </a:extLst>
+          </p:cNvPr>
+          <p:cNvCxnSpPr>
+            <a:cxnSpLocks/>
+            <a:stCxn id="57" idx="0"/>
+            <a:endCxn id="31" idx="3"/>
+          </p:cNvCxnSpPr>
+          <p:nvPr/>
+        </p:nvCxnSpPr>
+        <p:spPr>
+          <a:xfrm flipV="1">
+            <a:off x="5454514" y="1567692"/>
+            <a:ext cx="850040" cy="2431212"/>
+          </a:xfrm>
+          <a:prstGeom prst="curvedConnector4">
+            <a:avLst>
+              <a:gd name="adj1" fmla="val 19249"/>
+              <a:gd name="adj2" fmla="val 109403"/>
+            </a:avLst>
+          </a:prstGeom>
+          <a:ln w="57150">
+            <a:solidFill>
+              <a:srgbClr val="0070C0"/>
+            </a:solidFill>
+            <a:tailEnd type="triangle"/>
+          </a:ln>
+        </p:spPr>
+        <p:style>
+          <a:lnRef idx="1">
+            <a:schemeClr val="accent1"/>
+          </a:lnRef>
+          <a:fillRef idx="0">
+            <a:schemeClr val="accent1"/>
+          </a:fillRef>
+          <a:effectRef idx="0">
+            <a:schemeClr val="accent1"/>
+          </a:effectRef>
+          <a:fontRef idx="minor">
+            <a:schemeClr val="tx1"/>
+          </a:fontRef>
+        </p:style>
+      </p:cxnSp>
+      <p:cxnSp>
+        <p:nvCxnSpPr>
+          <p:cNvPr id="93" name="Curved Connector 92">
+            <a:extLst>
+              <a:ext uri="{FF2B5EF4-FFF2-40B4-BE49-F238E27FC236}">
+                <a16:creationId xmlns:a16="http://schemas.microsoft.com/office/drawing/2014/main" id="{0A54B6BA-4C4D-21EA-4529-8DC89E5B0D6B}"/>
+              </a:ext>
+            </a:extLst>
+          </p:cNvPr>
+          <p:cNvCxnSpPr>
+            <a:cxnSpLocks/>
+            <a:stCxn id="31" idx="0"/>
+            <a:endCxn id="64" idx="2"/>
+          </p:cNvCxnSpPr>
+          <p:nvPr/>
+        </p:nvCxnSpPr>
+        <p:spPr>
+          <a:xfrm>
+            <a:off x="6827348" y="1828572"/>
+            <a:ext cx="327246" cy="2155818"/>
+          </a:xfrm>
+          <a:prstGeom prst="curvedConnector3">
+            <a:avLst>
+              <a:gd name="adj1" fmla="val 50000"/>
+            </a:avLst>
+          </a:prstGeom>
+          <a:ln w="57150">
+            <a:solidFill>
+              <a:srgbClr val="0070C0"/>
+            </a:solidFill>
+            <a:tailEnd type="triangle"/>
+          </a:ln>
+        </p:spPr>
+        <p:style>
+          <a:lnRef idx="1">
+            <a:schemeClr val="accent1"/>
+          </a:lnRef>
+          <a:fillRef idx="0">
+            <a:schemeClr val="accent1"/>
+          </a:fillRef>
+          <a:effectRef idx="0">
+            <a:schemeClr val="accent1"/>
+          </a:effectRef>
+          <a:fontRef idx="minor">
+            <a:schemeClr val="tx1"/>
+          </a:fontRef>
+        </p:style>
+      </p:cxnSp>
+      <p:cxnSp>
+        <p:nvCxnSpPr>
+          <p:cNvPr id="100" name="Curved Connector 99">
+            <a:extLst>
+              <a:ext uri="{FF2B5EF4-FFF2-40B4-BE49-F238E27FC236}">
+                <a16:creationId xmlns:a16="http://schemas.microsoft.com/office/drawing/2014/main" id="{5B13272C-13DA-3341-A568-7CD3B876E716}"/>
+              </a:ext>
+            </a:extLst>
+          </p:cNvPr>
+          <p:cNvCxnSpPr>
+            <a:cxnSpLocks/>
+            <a:stCxn id="64" idx="0"/>
+            <a:endCxn id="62" idx="3"/>
+          </p:cNvCxnSpPr>
+          <p:nvPr/>
+        </p:nvCxnSpPr>
+        <p:spPr>
+          <a:xfrm flipV="1">
+            <a:off x="8200182" y="2677432"/>
+            <a:ext cx="850040" cy="1306958"/>
+          </a:xfrm>
+          <a:prstGeom prst="curvedConnector4">
+            <a:avLst>
+              <a:gd name="adj1" fmla="val 19249"/>
+              <a:gd name="adj2" fmla="val 117491"/>
+            </a:avLst>
+          </a:prstGeom>
+          <a:ln w="57150">
+            <a:solidFill>
+              <a:srgbClr val="0070C0"/>
+            </a:solidFill>
+            <a:tailEnd type="triangle"/>
+          </a:ln>
+        </p:spPr>
+        <p:style>
+          <a:lnRef idx="1">
+            <a:schemeClr val="accent1"/>
+          </a:lnRef>
+          <a:fillRef idx="0">
+            <a:schemeClr val="accent1"/>
+          </a:fillRef>
+          <a:effectRef idx="0">
+            <a:schemeClr val="accent1"/>
+          </a:effectRef>
+          <a:fontRef idx="minor">
+            <a:schemeClr val="tx1"/>
+          </a:fontRef>
+        </p:style>
+      </p:cxnSp>
+      <p:cxnSp>
+        <p:nvCxnSpPr>
+          <p:cNvPr id="105" name="Curved Connector 104">
+            <a:extLst>
+              <a:ext uri="{FF2B5EF4-FFF2-40B4-BE49-F238E27FC236}">
+                <a16:creationId xmlns:a16="http://schemas.microsoft.com/office/drawing/2014/main" id="{40D5F708-690D-948E-6E1E-F00FD1D017D2}"/>
+              </a:ext>
+            </a:extLst>
+          </p:cNvPr>
+          <p:cNvCxnSpPr>
+            <a:cxnSpLocks/>
+            <a:stCxn id="62" idx="0"/>
+            <a:endCxn id="65" idx="3"/>
+          </p:cNvCxnSpPr>
+          <p:nvPr/>
+        </p:nvCxnSpPr>
+        <p:spPr>
+          <a:xfrm>
+            <a:off x="9573016" y="2938312"/>
+            <a:ext cx="850042" cy="771692"/>
+          </a:xfrm>
+          <a:prstGeom prst="curvedConnector2">
+            <a:avLst/>
+          </a:prstGeom>
+          <a:ln w="57150">
+            <a:solidFill>
+              <a:srgbClr val="0070C0"/>
+            </a:solidFill>
+            <a:tailEnd type="triangle"/>
+          </a:ln>
+        </p:spPr>
+        <p:style>
+          <a:lnRef idx="1">
+            <a:schemeClr val="accent1"/>
+          </a:lnRef>
+          <a:fillRef idx="0">
+            <a:schemeClr val="accent1"/>
+          </a:fillRef>
+          <a:effectRef idx="0">
+            <a:schemeClr val="accent1"/>
+          </a:effectRef>
+          <a:fontRef idx="minor">
+            <a:schemeClr val="tx1"/>
+          </a:fontRef>
+        </p:style>
+      </p:cxnSp>
+      <p:cxnSp>
+        <p:nvCxnSpPr>
+          <p:cNvPr id="111" name="Curved Connector 110">
+            <a:extLst>
+              <a:ext uri="{FF2B5EF4-FFF2-40B4-BE49-F238E27FC236}">
+                <a16:creationId xmlns:a16="http://schemas.microsoft.com/office/drawing/2014/main" id="{95805C96-F5A9-D1F5-B2BB-EDDB7ACF11BD}"/>
+              </a:ext>
+            </a:extLst>
+          </p:cNvPr>
+          <p:cNvCxnSpPr>
+            <a:cxnSpLocks/>
+            <a:stCxn id="65" idx="0"/>
+            <a:endCxn id="113" idx="1"/>
+          </p:cNvCxnSpPr>
+          <p:nvPr/>
+        </p:nvCxnSpPr>
+        <p:spPr>
+          <a:xfrm flipV="1">
+            <a:off x="10945852" y="3956964"/>
+            <a:ext cx="580851" cy="13920"/>
+          </a:xfrm>
+          <a:prstGeom prst="curvedConnector3">
+            <a:avLst>
+              <a:gd name="adj1" fmla="val 50000"/>
+            </a:avLst>
+          </a:prstGeom>
+          <a:ln w="57150">
+            <a:solidFill>
+              <a:srgbClr val="0070C0"/>
+            </a:solidFill>
+            <a:tailEnd type="triangle"/>
+          </a:ln>
+        </p:spPr>
+        <p:style>
+          <a:lnRef idx="1">
+            <a:schemeClr val="accent1"/>
+          </a:lnRef>
+          <a:fillRef idx="0">
+            <a:schemeClr val="accent1"/>
+          </a:fillRef>
+          <a:effectRef idx="0">
+            <a:schemeClr val="accent1"/>
+          </a:effectRef>
+          <a:fontRef idx="minor">
+            <a:schemeClr val="tx1"/>
+          </a:fontRef>
+        </p:style>
+      </p:cxnSp>
+      <p:sp>
+        <p:nvSpPr>
+          <p:cNvPr id="113" name="Rectangle 112">
+            <a:extLst>
+              <a:ext uri="{FF2B5EF4-FFF2-40B4-BE49-F238E27FC236}">
+                <a16:creationId xmlns:a16="http://schemas.microsoft.com/office/drawing/2014/main" id="{C0A64257-3355-8BBF-EC4D-1432811A506A}"/>
+              </a:ext>
+            </a:extLst>
+          </p:cNvPr>
+          <p:cNvSpPr/>
+          <p:nvPr/>
+        </p:nvSpPr>
+        <p:spPr>
+          <a:xfrm>
+            <a:off x="11526703" y="3761021"/>
+            <a:ext cx="302209" cy="391886"/>
+          </a:xfrm>
+          <a:prstGeom prst="rect">
+            <a:avLst/>
+          </a:prstGeom>
+          <a:noFill/>
+          <a:ln w="28575">
+            <a:noFill/>
+          </a:ln>
+        </p:spPr>
+        <p:style>
+          <a:lnRef idx="2">
+            <a:schemeClr val="accent1">
+              <a:shade val="50000"/>
+            </a:schemeClr>
+          </a:lnRef>
+          <a:fillRef idx="1">
+            <a:schemeClr val="accent1"/>
+          </a:fillRef>
+          <a:effectRef idx="0">
+            <a:schemeClr val="accent1"/>
+          </a:effectRef>
+          <a:fontRef idx="minor">
+            <a:schemeClr val="lt1"/>
+          </a:fontRef>
+        </p:style>
+        <p:txBody>
+          <a:bodyPr rtlCol="0" anchor="ctr"/>
+          <a:lstStyle/>
+          <a:p>
+            <a:r>
+              <a:rPr lang="en-US" sz="1800" dirty="0">
+                <a:solidFill>
+                  <a:schemeClr val="tx1"/>
+                </a:solidFill>
+                <a:latin typeface="Courier New" panose="02070309020205020404" pitchFamily="49" charset="0"/>
+                <a:cs typeface="Courier New" panose="02070309020205020404" pitchFamily="49" charset="0"/>
+              </a:rPr>
+              <a:t>∅</a:t>
+            </a:r>
+            <a:endParaRPr lang="en-US" dirty="0">
+              <a:solidFill>
+                <a:schemeClr val="tx1"/>
+              </a:solidFill>
+              <a:latin typeface="Courier New" panose="02070309020205020404" pitchFamily="49" charset="0"/>
+              <a:cs typeface="Courier New" panose="02070309020205020404" pitchFamily="49" charset="0"/>
+            </a:endParaRPr>
+          </a:p>
+        </p:txBody>
+      </p:sp>
+      <p:sp>
+        <p:nvSpPr>
+          <p:cNvPr id="62" name="Snip Same Side Corner Rectangle 61">
+            <a:extLst>
+              <a:ext uri="{FF2B5EF4-FFF2-40B4-BE49-F238E27FC236}">
+                <a16:creationId xmlns:a16="http://schemas.microsoft.com/office/drawing/2014/main" id="{632D30FC-BF36-C7BA-0AB0-099A2C74BD6C}"/>
+              </a:ext>
+            </a:extLst>
+          </p:cNvPr>
+          <p:cNvSpPr/>
+          <p:nvPr/>
+        </p:nvSpPr>
+        <p:spPr>
+          <a:xfrm>
+            <a:off x="8527428" y="2677432"/>
+            <a:ext cx="1045588" cy="521759"/>
+          </a:xfrm>
+          <a:prstGeom prst="snip2SameRect">
+            <a:avLst>
+              <a:gd name="adj1" fmla="val 0"/>
+              <a:gd name="adj2" fmla="val 28571"/>
+            </a:avLst>
+          </a:prstGeom>
+          <a:solidFill>
+            <a:schemeClr val="bg1"/>
+          </a:solidFill>
+          <a:ln w="38100">
+            <a:solidFill>
+              <a:schemeClr val="tx1"/>
+            </a:solidFill>
+          </a:ln>
+        </p:spPr>
+        <p:style>
+          <a:lnRef idx="2">
+            <a:schemeClr val="accent1">
+              <a:shade val="50000"/>
+            </a:schemeClr>
+          </a:lnRef>
+          <a:fillRef idx="1">
+            <a:schemeClr val="accent1"/>
+          </a:fillRef>
+          <a:effectRef idx="0">
+            <a:schemeClr val="accent1"/>
+          </a:effectRef>
+          <a:fontRef idx="minor">
+            <a:schemeClr val="lt1"/>
+          </a:fontRef>
+        </p:style>
+        <p:txBody>
+          <a:bodyPr rtlCol="0" anchor="ctr"/>
+          <a:lstStyle/>
+          <a:p>
+            <a:pPr algn="ctr"/>
+            <a:r>
+              <a:rPr lang="en-US" dirty="0">
+                <a:solidFill>
+                  <a:schemeClr val="tx1"/>
+                </a:solidFill>
+              </a:rPr>
+              <a:t>k=9</a:t>
+            </a:r>
+          </a:p>
+        </p:txBody>
+      </p:sp>
+      <p:sp>
+        <p:nvSpPr>
+          <p:cNvPr id="47" name="Snip Same Side Corner Rectangle 46">
+            <a:extLst>
+              <a:ext uri="{FF2B5EF4-FFF2-40B4-BE49-F238E27FC236}">
+                <a16:creationId xmlns:a16="http://schemas.microsoft.com/office/drawing/2014/main" id="{0E25ECBE-128B-4B41-3CF2-BD20AD6A25B8}"/>
+              </a:ext>
+            </a:extLst>
+          </p:cNvPr>
+          <p:cNvSpPr/>
+          <p:nvPr/>
+        </p:nvSpPr>
+        <p:spPr>
+          <a:xfrm>
+            <a:off x="3036092" y="2691946"/>
+            <a:ext cx="1045588" cy="521759"/>
+          </a:xfrm>
+          <a:prstGeom prst="snip2SameRect">
+            <a:avLst>
+              <a:gd name="adj1" fmla="val 0"/>
+              <a:gd name="adj2" fmla="val 28571"/>
+            </a:avLst>
+          </a:prstGeom>
+          <a:solidFill>
+            <a:schemeClr val="bg1"/>
+          </a:solidFill>
+          <a:ln w="38100">
+            <a:solidFill>
+              <a:schemeClr val="tx1"/>
+            </a:solidFill>
+          </a:ln>
+        </p:spPr>
+        <p:style>
+          <a:lnRef idx="2">
+            <a:schemeClr val="accent1">
+              <a:shade val="50000"/>
+            </a:schemeClr>
+          </a:lnRef>
+          <a:fillRef idx="1">
+            <a:schemeClr val="accent1"/>
+          </a:fillRef>
+          <a:effectRef idx="0">
+            <a:schemeClr val="accent1"/>
+          </a:effectRef>
+          <a:fontRef idx="minor">
+            <a:schemeClr val="lt1"/>
+          </a:fontRef>
+        </p:style>
+        <p:txBody>
+          <a:bodyPr rtlCol="0" anchor="ctr"/>
+          <a:lstStyle/>
+          <a:p>
+            <a:pPr algn="ctr"/>
+            <a:r>
+              <a:rPr lang="en-US" dirty="0">
+                <a:solidFill>
+                  <a:schemeClr val="tx1"/>
+                </a:solidFill>
+              </a:rPr>
+              <a:t>d=8</a:t>
+            </a:r>
+          </a:p>
+        </p:txBody>
+      </p:sp>
+    </p:spTree>
+    <p:extLst>
+      <p:ext uri="{BB962C8B-B14F-4D97-AF65-F5344CB8AC3E}">
+        <p14:creationId xmlns:p14="http://schemas.microsoft.com/office/powerpoint/2010/main" val="2381920313"/>
       </p:ext>
     </p:extLst>
   </p:cSld>
